--- a/PBI/bg.pptx
+++ b/PBI/bg.pptx
@@ -246,7 +246,7 @@
           <a:p>
             <a:fld id="{7818E6A9-D9EB-40D6-95A2-A22B252B5524}" type="datetimeFigureOut">
               <a:rPr lang="en-US" smtClean="0"/>
-              <a:t>4/10/2025</a:t>
+              <a:t>4/13/2025</a:t>
             </a:fld>
             <a:endParaRPr lang="en-US"/>
           </a:p>
@@ -416,7 +416,7 @@
           <a:p>
             <a:fld id="{7818E6A9-D9EB-40D6-95A2-A22B252B5524}" type="datetimeFigureOut">
               <a:rPr lang="en-US" smtClean="0"/>
-              <a:t>4/10/2025</a:t>
+              <a:t>4/13/2025</a:t>
             </a:fld>
             <a:endParaRPr lang="en-US"/>
           </a:p>
@@ -596,7 +596,7 @@
           <a:p>
             <a:fld id="{7818E6A9-D9EB-40D6-95A2-A22B252B5524}" type="datetimeFigureOut">
               <a:rPr lang="en-US" smtClean="0"/>
-              <a:t>4/10/2025</a:t>
+              <a:t>4/13/2025</a:t>
             </a:fld>
             <a:endParaRPr lang="en-US"/>
           </a:p>
@@ -766,7 +766,7 @@
           <a:p>
             <a:fld id="{7818E6A9-D9EB-40D6-95A2-A22B252B5524}" type="datetimeFigureOut">
               <a:rPr lang="en-US" smtClean="0"/>
-              <a:t>4/10/2025</a:t>
+              <a:t>4/13/2025</a:t>
             </a:fld>
             <a:endParaRPr lang="en-US"/>
           </a:p>
@@ -1012,7 +1012,7 @@
           <a:p>
             <a:fld id="{7818E6A9-D9EB-40D6-95A2-A22B252B5524}" type="datetimeFigureOut">
               <a:rPr lang="en-US" smtClean="0"/>
-              <a:t>4/10/2025</a:t>
+              <a:t>4/13/2025</a:t>
             </a:fld>
             <a:endParaRPr lang="en-US"/>
           </a:p>
@@ -1244,7 +1244,7 @@
           <a:p>
             <a:fld id="{7818E6A9-D9EB-40D6-95A2-A22B252B5524}" type="datetimeFigureOut">
               <a:rPr lang="en-US" smtClean="0"/>
-              <a:t>4/10/2025</a:t>
+              <a:t>4/13/2025</a:t>
             </a:fld>
             <a:endParaRPr lang="en-US"/>
           </a:p>
@@ -1611,7 +1611,7 @@
           <a:p>
             <a:fld id="{7818E6A9-D9EB-40D6-95A2-A22B252B5524}" type="datetimeFigureOut">
               <a:rPr lang="en-US" smtClean="0"/>
-              <a:t>4/10/2025</a:t>
+              <a:t>4/13/2025</a:t>
             </a:fld>
             <a:endParaRPr lang="en-US"/>
           </a:p>
@@ -1729,7 +1729,7 @@
           <a:p>
             <a:fld id="{7818E6A9-D9EB-40D6-95A2-A22B252B5524}" type="datetimeFigureOut">
               <a:rPr lang="en-US" smtClean="0"/>
-              <a:t>4/10/2025</a:t>
+              <a:t>4/13/2025</a:t>
             </a:fld>
             <a:endParaRPr lang="en-US"/>
           </a:p>
@@ -1824,7 +1824,7 @@
           <a:p>
             <a:fld id="{7818E6A9-D9EB-40D6-95A2-A22B252B5524}" type="datetimeFigureOut">
               <a:rPr lang="en-US" smtClean="0"/>
-              <a:t>4/10/2025</a:t>
+              <a:t>4/13/2025</a:t>
             </a:fld>
             <a:endParaRPr lang="en-US"/>
           </a:p>
@@ -2101,7 +2101,7 @@
           <a:p>
             <a:fld id="{7818E6A9-D9EB-40D6-95A2-A22B252B5524}" type="datetimeFigureOut">
               <a:rPr lang="en-US" smtClean="0"/>
-              <a:t>4/10/2025</a:t>
+              <a:t>4/13/2025</a:t>
             </a:fld>
             <a:endParaRPr lang="en-US"/>
           </a:p>
@@ -2358,7 +2358,7 @@
           <a:p>
             <a:fld id="{7818E6A9-D9EB-40D6-95A2-A22B252B5524}" type="datetimeFigureOut">
               <a:rPr lang="en-US" smtClean="0"/>
-              <a:t>4/10/2025</a:t>
+              <a:t>4/13/2025</a:t>
             </a:fld>
             <a:endParaRPr lang="en-US"/>
           </a:p>
@@ -2571,7 +2571,7 @@
           <a:p>
             <a:fld id="{7818E6A9-D9EB-40D6-95A2-A22B252B5524}" type="datetimeFigureOut">
               <a:rPr lang="en-US" smtClean="0"/>
-              <a:t>4/10/2025</a:t>
+              <a:t>4/13/2025</a:t>
             </a:fld>
             <a:endParaRPr lang="en-US"/>
           </a:p>
@@ -6664,6 +6664,31 @@
           <a:bodyPr rtlCol="0" anchor="t"/>
           <a:lstStyle/>
           <a:p>
+            <a:endParaRPr lang="en-US" b="1" dirty="0">
+              <a:solidFill>
+                <a:srgbClr val="013B43"/>
+              </a:solidFill>
+              <a:latin typeface="Bahnschrift Light Condensed" panose="020B0502040204020203" pitchFamily="34" charset="0"/>
+            </a:endParaRPr>
+          </a:p>
+          <a:p>
+            <a:r>
+              <a:rPr lang="en-US" b="1" dirty="0">
+                <a:solidFill>
+                  <a:srgbClr val="013B43"/>
+                </a:solidFill>
+                <a:latin typeface="Bahnschrift Light Condensed" panose="020B0502040204020203" pitchFamily="34" charset="0"/>
+              </a:rPr>
+              <a:t> </a:t>
+            </a:r>
+            <a:endParaRPr lang="en-US" sz="1000" b="1" dirty="0">
+              <a:solidFill>
+                <a:srgbClr val="013B43"/>
+              </a:solidFill>
+              <a:latin typeface="Bahnschrift Light Condensed" panose="020B0502040204020203" pitchFamily="34" charset="0"/>
+            </a:endParaRPr>
+          </a:p>
+          <a:p>
             <a:r>
               <a:rPr lang="en-US" sz="2100" b="1" dirty="0">
                 <a:solidFill>
@@ -7511,8 +7536,8 @@
         </p:nvSpPr>
         <p:spPr>
           <a:xfrm>
-            <a:off x="10082802" y="1436423"/>
-            <a:ext cx="7915401" cy="4405821"/>
+            <a:off x="10082802" y="1090630"/>
+            <a:ext cx="7915401" cy="4042260"/>
           </a:xfrm>
           <a:prstGeom prst="rect">
             <a:avLst/>
@@ -7550,6 +7575,31 @@
                 <a:latin typeface="Bahnschrift Light Condensed" panose="020B0502040204020203" pitchFamily="34" charset="0"/>
               </a:rPr>
               <a:t>Name of the Facebook Page which ran the ad</a:t>
+            </a:r>
+          </a:p>
+          <a:p>
+            <a:pPr>
+              <a:lnSpc>
+                <a:spcPct val="150000"/>
+              </a:lnSpc>
+            </a:pPr>
+            <a:r>
+              <a:rPr lang="en-US" sz="1575" b="1" dirty="0">
+                <a:solidFill>
+                  <a:srgbClr val="013B43"/>
+                </a:solidFill>
+                <a:latin typeface="Bahnschrift Light Condensed" panose="020B0502040204020203" pitchFamily="34" charset="0"/>
+              </a:rPr>
+              <a:t>Byline = </a:t>
+            </a:r>
+            <a:r>
+              <a:rPr lang="en-US" sz="1575" dirty="0">
+                <a:solidFill>
+                  <a:srgbClr val="013B43"/>
+                </a:solidFill>
+                <a:latin typeface="Bahnschrift Light Condensed" panose="020B0502040204020203" pitchFamily="34" charset="0"/>
+              </a:rPr>
+              <a:t>the name of the person, company, or entity that provided funding for the ad</a:t>
             </a:r>
           </a:p>
           <a:p>
@@ -7643,7 +7693,7 @@
                 </a:solidFill>
                 <a:latin typeface="Bahnschrift Light Condensed" panose="020B0502040204020203" pitchFamily="34" charset="0"/>
               </a:rPr>
-              <a:t>Beneficiary and payer information =  </a:t>
+              <a:t>Currency = </a:t>
             </a:r>
             <a:r>
               <a:rPr lang="en-US" sz="1575" dirty="0">
@@ -7652,7 +7702,7 @@
                 </a:solidFill>
                 <a:latin typeface="Bahnschrift Light Condensed" panose="020B0502040204020203" pitchFamily="34" charset="0"/>
               </a:rPr>
-              <a:t>the name of the person, company, or entity that provided funding for the ad</a:t>
+              <a:t>The currency used to pay for the ad,</a:t>
             </a:r>
           </a:p>
           <a:p>
@@ -7668,7 +7718,7 @@
                 </a:solidFill>
                 <a:latin typeface="Bahnschrift Light Condensed" panose="020B0502040204020203" pitchFamily="34" charset="0"/>
               </a:rPr>
-              <a:t>Currency = </a:t>
+              <a:t>Impressions</a:t>
             </a:r>
             <a:r>
               <a:rPr lang="en-US" sz="1575" dirty="0">
@@ -7677,7 +7727,7 @@
                 </a:solidFill>
                 <a:latin typeface="Bahnschrift Light Condensed" panose="020B0502040204020203" pitchFamily="34" charset="0"/>
               </a:rPr>
-              <a:t>The currency used to pay for the ad,</a:t>
+              <a:t> = The number of times ads were displayed on screen.</a:t>
             </a:r>
           </a:p>
           <a:p>
@@ -7693,7 +7743,7 @@
                 </a:solidFill>
                 <a:latin typeface="Bahnschrift Light Condensed" panose="020B0502040204020203" pitchFamily="34" charset="0"/>
               </a:rPr>
-              <a:t>Impressions</a:t>
+              <a:t>Spending</a:t>
             </a:r>
             <a:r>
               <a:rPr lang="en-US" sz="1575" dirty="0">
@@ -7702,7 +7752,7 @@
                 </a:solidFill>
                 <a:latin typeface="Bahnschrift Light Condensed" panose="020B0502040204020203" pitchFamily="34" charset="0"/>
               </a:rPr>
-              <a:t> = The number of times ads were displayed on screen.</a:t>
+              <a:t> = The amount of money spent running the ad</a:t>
             </a:r>
           </a:p>
           <a:p>
@@ -7718,31 +7768,6 @@
                 </a:solidFill>
                 <a:latin typeface="Bahnschrift Light Condensed" panose="020B0502040204020203" pitchFamily="34" charset="0"/>
               </a:rPr>
-              <a:t>Spending</a:t>
-            </a:r>
-            <a:r>
-              <a:rPr lang="en-US" sz="1575" dirty="0">
-                <a:solidFill>
-                  <a:srgbClr val="013B43"/>
-                </a:solidFill>
-                <a:latin typeface="Bahnschrift Light Condensed" panose="020B0502040204020203" pitchFamily="34" charset="0"/>
-              </a:rPr>
-              <a:t> = The amount of money spent running the ad</a:t>
-            </a:r>
-          </a:p>
-          <a:p>
-            <a:pPr>
-              <a:lnSpc>
-                <a:spcPct val="150000"/>
-              </a:lnSpc>
-            </a:pPr>
-            <a:r>
-              <a:rPr lang="en-US" sz="1575" b="1" dirty="0">
-                <a:solidFill>
-                  <a:srgbClr val="013B43"/>
-                </a:solidFill>
-                <a:latin typeface="Bahnschrift Light Condensed" panose="020B0502040204020203" pitchFamily="34" charset="0"/>
-              </a:rPr>
               <a:t>Reach Ratio </a:t>
             </a:r>
             <a:r>
@@ -7753,22 +7778,6 @@
                 <a:latin typeface="Bahnschrift Light Condensed" panose="020B0502040204020203" pitchFamily="34" charset="0"/>
               </a:rPr>
               <a:t>= The average number of times an ad is shown to an individual</a:t>
-            </a:r>
-          </a:p>
-          <a:p>
-            <a:pPr>
-              <a:lnSpc>
-                <a:spcPct val="150000"/>
-              </a:lnSpc>
-            </a:pPr>
-            <a:r>
-              <a:rPr lang="en-US" sz="1575" dirty="0">
-                <a:solidFill>
-                  <a:srgbClr val="013B43"/>
-                </a:solidFill>
-                <a:latin typeface="Bahnschrift Light Condensed" panose="020B0502040204020203" pitchFamily="34" charset="0"/>
-              </a:rPr>
-              <a:t>📈= The value is above average               📉 = The value is below average </a:t>
             </a:r>
           </a:p>
           <a:p>
@@ -7902,7 +7911,7 @@
         </p:nvGrpSpPr>
         <p:grpSpPr>
           <a:xfrm>
-            <a:off x="511932" y="869348"/>
+            <a:off x="511932" y="1047232"/>
             <a:ext cx="4364868" cy="1307223"/>
             <a:chOff x="341288" y="770720"/>
             <a:chExt cx="2909912" cy="871482"/>
@@ -8019,7 +8028,7 @@
         </p:nvGrpSpPr>
         <p:grpSpPr>
           <a:xfrm>
-            <a:off x="511932" y="2469782"/>
+            <a:off x="511932" y="2558722"/>
             <a:ext cx="4364868" cy="1305677"/>
             <a:chOff x="341288" y="3315385"/>
             <a:chExt cx="2909912" cy="870451"/>
@@ -8868,6 +8877,51 @@
           </a:prstGeom>
         </p:spPr>
       </p:pic>
+      <p:sp>
+        <p:nvSpPr>
+          <p:cNvPr id="2" name="TextBox 1">
+            <a:extLst>
+              <a:ext uri="{FF2B5EF4-FFF2-40B4-BE49-F238E27FC236}">
+                <a16:creationId xmlns:a16="http://schemas.microsoft.com/office/drawing/2014/main" id="{3AF8D14D-080C-873A-153A-C60F17C31682}"/>
+              </a:ext>
+            </a:extLst>
+          </p:cNvPr>
+          <p:cNvSpPr txBox="1"/>
+          <p:nvPr/>
+        </p:nvSpPr>
+        <p:spPr>
+          <a:xfrm>
+            <a:off x="10082802" y="5041383"/>
+            <a:ext cx="4585253" cy="364652"/>
+          </a:xfrm>
+          <a:prstGeom prst="rect">
+            <a:avLst/>
+          </a:prstGeom>
+          <a:noFill/>
+        </p:spPr>
+        <p:txBody>
+          <a:bodyPr wrap="square" rtlCol="0">
+            <a:spAutoFit/>
+          </a:bodyPr>
+          <a:lstStyle/>
+          <a:p>
+            <a:pPr>
+              <a:lnSpc>
+                <a:spcPct val="150000"/>
+              </a:lnSpc>
+            </a:pPr>
+            <a:r>
+              <a:rPr lang="en-US" sz="1350" dirty="0">
+                <a:solidFill>
+                  <a:srgbClr val="013B43"/>
+                </a:solidFill>
+                <a:latin typeface="Bahnschrift Light Condensed" panose="020B0502040204020203" pitchFamily="34" charset="0"/>
+              </a:rPr>
+              <a:t>📈= The value is above average               📉 = The value is below average </a:t>
+            </a:r>
+          </a:p>
+        </p:txBody>
+      </p:sp>
     </p:spTree>
     <p:extLst>
       <p:ext uri="{BB962C8B-B14F-4D97-AF65-F5344CB8AC3E}">

--- a/PBI/bg.pptx
+++ b/PBI/bg.pptx
@@ -246,7 +246,7 @@
           <a:p>
             <a:fld id="{7818E6A9-D9EB-40D6-95A2-A22B252B5524}" type="datetimeFigureOut">
               <a:rPr lang="en-US" smtClean="0"/>
-              <a:t>4/13/2025</a:t>
+              <a:t>4/14/2025</a:t>
             </a:fld>
             <a:endParaRPr lang="en-US"/>
           </a:p>
@@ -416,7 +416,7 @@
           <a:p>
             <a:fld id="{7818E6A9-D9EB-40D6-95A2-A22B252B5524}" type="datetimeFigureOut">
               <a:rPr lang="en-US" smtClean="0"/>
-              <a:t>4/13/2025</a:t>
+              <a:t>4/14/2025</a:t>
             </a:fld>
             <a:endParaRPr lang="en-US"/>
           </a:p>
@@ -596,7 +596,7 @@
           <a:p>
             <a:fld id="{7818E6A9-D9EB-40D6-95A2-A22B252B5524}" type="datetimeFigureOut">
               <a:rPr lang="en-US" smtClean="0"/>
-              <a:t>4/13/2025</a:t>
+              <a:t>4/14/2025</a:t>
             </a:fld>
             <a:endParaRPr lang="en-US"/>
           </a:p>
@@ -766,7 +766,7 @@
           <a:p>
             <a:fld id="{7818E6A9-D9EB-40D6-95A2-A22B252B5524}" type="datetimeFigureOut">
               <a:rPr lang="en-US" smtClean="0"/>
-              <a:t>4/13/2025</a:t>
+              <a:t>4/14/2025</a:t>
             </a:fld>
             <a:endParaRPr lang="en-US"/>
           </a:p>
@@ -1012,7 +1012,7 @@
           <a:p>
             <a:fld id="{7818E6A9-D9EB-40D6-95A2-A22B252B5524}" type="datetimeFigureOut">
               <a:rPr lang="en-US" smtClean="0"/>
-              <a:t>4/13/2025</a:t>
+              <a:t>4/14/2025</a:t>
             </a:fld>
             <a:endParaRPr lang="en-US"/>
           </a:p>
@@ -1244,7 +1244,7 @@
           <a:p>
             <a:fld id="{7818E6A9-D9EB-40D6-95A2-A22B252B5524}" type="datetimeFigureOut">
               <a:rPr lang="en-US" smtClean="0"/>
-              <a:t>4/13/2025</a:t>
+              <a:t>4/14/2025</a:t>
             </a:fld>
             <a:endParaRPr lang="en-US"/>
           </a:p>
@@ -1611,7 +1611,7 @@
           <a:p>
             <a:fld id="{7818E6A9-D9EB-40D6-95A2-A22B252B5524}" type="datetimeFigureOut">
               <a:rPr lang="en-US" smtClean="0"/>
-              <a:t>4/13/2025</a:t>
+              <a:t>4/14/2025</a:t>
             </a:fld>
             <a:endParaRPr lang="en-US"/>
           </a:p>
@@ -1729,7 +1729,7 @@
           <a:p>
             <a:fld id="{7818E6A9-D9EB-40D6-95A2-A22B252B5524}" type="datetimeFigureOut">
               <a:rPr lang="en-US" smtClean="0"/>
-              <a:t>4/13/2025</a:t>
+              <a:t>4/14/2025</a:t>
             </a:fld>
             <a:endParaRPr lang="en-US"/>
           </a:p>
@@ -1824,7 +1824,7 @@
           <a:p>
             <a:fld id="{7818E6A9-D9EB-40D6-95A2-A22B252B5524}" type="datetimeFigureOut">
               <a:rPr lang="en-US" smtClean="0"/>
-              <a:t>4/13/2025</a:t>
+              <a:t>4/14/2025</a:t>
             </a:fld>
             <a:endParaRPr lang="en-US"/>
           </a:p>
@@ -2101,7 +2101,7 @@
           <a:p>
             <a:fld id="{7818E6A9-D9EB-40D6-95A2-A22B252B5524}" type="datetimeFigureOut">
               <a:rPr lang="en-US" smtClean="0"/>
-              <a:t>4/13/2025</a:t>
+              <a:t>4/14/2025</a:t>
             </a:fld>
             <a:endParaRPr lang="en-US"/>
           </a:p>
@@ -2358,7 +2358,7 @@
           <a:p>
             <a:fld id="{7818E6A9-D9EB-40D6-95A2-A22B252B5524}" type="datetimeFigureOut">
               <a:rPr lang="en-US" smtClean="0"/>
-              <a:t>4/13/2025</a:t>
+              <a:t>4/14/2025</a:t>
             </a:fld>
             <a:endParaRPr lang="en-US"/>
           </a:p>
@@ -2571,7 +2571,7 @@
           <a:p>
             <a:fld id="{7818E6A9-D9EB-40D6-95A2-A22B252B5524}" type="datetimeFigureOut">
               <a:rPr lang="en-US" smtClean="0"/>
-              <a:t>4/13/2025</a:t>
+              <a:t>4/14/2025</a:t>
             </a:fld>
             <a:endParaRPr lang="en-US"/>
           </a:p>
@@ -4611,7 +4611,7 @@
         </p:nvSpPr>
         <p:spPr>
           <a:xfrm>
-            <a:off x="9864659" y="-24973"/>
+            <a:off x="9864659" y="90703"/>
             <a:ext cx="4585253" cy="430311"/>
           </a:xfrm>
           <a:prstGeom prst="rect">
@@ -5090,8 +5090,8 @@
         </p:nvSpPr>
         <p:spPr>
           <a:xfrm>
-            <a:off x="4826691" y="80967"/>
-            <a:ext cx="4672116" cy="1966494"/>
+            <a:off x="5131031" y="80967"/>
+            <a:ext cx="4367776" cy="1966494"/>
           </a:xfrm>
           <a:prstGeom prst="round2DiagRect">
             <a:avLst>
@@ -5153,8 +5153,8 @@
         </p:nvSpPr>
         <p:spPr>
           <a:xfrm>
-            <a:off x="4870123" y="607242"/>
-            <a:ext cx="4585253" cy="1302280"/>
+            <a:off x="5271664" y="607242"/>
+            <a:ext cx="4155506" cy="1302280"/>
           </a:xfrm>
           <a:prstGeom prst="rect">
             <a:avLst/>
@@ -5474,8 +5474,8 @@
         </p:nvSpPr>
         <p:spPr>
           <a:xfrm>
-            <a:off x="1212098" y="51323"/>
-            <a:ext cx="3658025" cy="513543"/>
+            <a:off x="395250" y="687072"/>
+            <a:ext cx="4474873" cy="513543"/>
           </a:xfrm>
           <a:prstGeom prst="snip2DiagRect">
             <a:avLst>
@@ -5522,8 +5522,8 @@
         </p:nvSpPr>
         <p:spPr>
           <a:xfrm>
-            <a:off x="1410610" y="462140"/>
-            <a:ext cx="3384557" cy="1383832"/>
+            <a:off x="654828" y="1097889"/>
+            <a:ext cx="4140339" cy="863479"/>
           </a:xfrm>
           <a:prstGeom prst="snip2DiagRect">
             <a:avLst>
@@ -5674,105 +5674,6 @@
       </p:sp>
       <p:sp>
         <p:nvSpPr>
-          <p:cNvPr id="4" name="TextBox 3">
-            <a:extLst>
-              <a:ext uri="{FF2B5EF4-FFF2-40B4-BE49-F238E27FC236}">
-                <a16:creationId xmlns:a16="http://schemas.microsoft.com/office/drawing/2014/main" id="{F99390B9-1302-C2DF-1B9F-5B751AAF8685}"/>
-              </a:ext>
-            </a:extLst>
-          </p:cNvPr>
-          <p:cNvSpPr txBox="1"/>
-          <p:nvPr/>
-        </p:nvSpPr>
-        <p:spPr>
-          <a:xfrm>
-            <a:off x="8814548" y="6616269"/>
-            <a:ext cx="4585253" cy="367408"/>
-          </a:xfrm>
-          <a:prstGeom prst="rect">
-            <a:avLst/>
-          </a:prstGeom>
-          <a:noFill/>
-        </p:spPr>
-        <p:txBody>
-          <a:bodyPr wrap="square" rtlCol="0">
-            <a:spAutoFit/>
-          </a:bodyPr>
-          <a:lstStyle/>
-          <a:p>
-            <a:pPr>
-              <a:lnSpc>
-                <a:spcPct val="150000"/>
-              </a:lnSpc>
-            </a:pPr>
-            <a:r>
-              <a:rPr lang="en-US" sz="1350" b="1" dirty="0">
-                <a:solidFill>
-                  <a:srgbClr val="013B43"/>
-                </a:solidFill>
-                <a:latin typeface="Bahnschrift Light Condensed" panose="020B0502040204020203" pitchFamily="34" charset="0"/>
-              </a:rPr>
-              <a:t>Reach Ratio </a:t>
-            </a:r>
-            <a:r>
-              <a:rPr lang="en-US" sz="1350" dirty="0">
-                <a:solidFill>
-                  <a:srgbClr val="013B43"/>
-                </a:solidFill>
-                <a:latin typeface="Bahnschrift Light Condensed" panose="020B0502040204020203" pitchFamily="34" charset="0"/>
-              </a:rPr>
-              <a:t>= The average number of times an ad is shown to an individual</a:t>
-            </a:r>
-          </a:p>
-        </p:txBody>
-      </p:sp>
-      <p:sp>
-        <p:nvSpPr>
-          <p:cNvPr id="5" name="TextBox 4">
-            <a:extLst>
-              <a:ext uri="{FF2B5EF4-FFF2-40B4-BE49-F238E27FC236}">
-                <a16:creationId xmlns:a16="http://schemas.microsoft.com/office/drawing/2014/main" id="{F1A542D5-FA62-098A-57A7-D9C88E5EE82C}"/>
-              </a:ext>
-            </a:extLst>
-          </p:cNvPr>
-          <p:cNvSpPr txBox="1"/>
-          <p:nvPr/>
-        </p:nvSpPr>
-        <p:spPr>
-          <a:xfrm>
-            <a:off x="13598404" y="6616269"/>
-            <a:ext cx="4585253" cy="364652"/>
-          </a:xfrm>
-          <a:prstGeom prst="rect">
-            <a:avLst/>
-          </a:prstGeom>
-          <a:noFill/>
-        </p:spPr>
-        <p:txBody>
-          <a:bodyPr wrap="square" rtlCol="0">
-            <a:spAutoFit/>
-          </a:bodyPr>
-          <a:lstStyle/>
-          <a:p>
-            <a:pPr>
-              <a:lnSpc>
-                <a:spcPct val="150000"/>
-              </a:lnSpc>
-            </a:pPr>
-            <a:r>
-              <a:rPr lang="en-US" sz="1350" dirty="0">
-                <a:solidFill>
-                  <a:srgbClr val="013B43"/>
-                </a:solidFill>
-                <a:latin typeface="Bahnschrift Light Condensed" panose="020B0502040204020203" pitchFamily="34" charset="0"/>
-              </a:rPr>
-              <a:t>📈= The value is above average               📉 = The value is below average </a:t>
-            </a:r>
-          </a:p>
-        </p:txBody>
-      </p:sp>
-      <p:sp>
-        <p:nvSpPr>
           <p:cNvPr id="6" name="Rectangle: Diagonal Corners Snipped 5">
             <a:extLst>
               <a:ext uri="{FF2B5EF4-FFF2-40B4-BE49-F238E27FC236}">
@@ -5815,6 +5716,262 @@
                 <a:latin typeface="Bahnschrift Light Condensed" panose="020B0502040204020203" pitchFamily="34" charset="0"/>
               </a:rPr>
               <a:t>Who are the top 10 performers in each domain</a:t>
+            </a:r>
+          </a:p>
+        </p:txBody>
+      </p:sp>
+      <p:sp>
+        <p:nvSpPr>
+          <p:cNvPr id="7" name="TextBox 6">
+            <a:extLst>
+              <a:ext uri="{FF2B5EF4-FFF2-40B4-BE49-F238E27FC236}">
+                <a16:creationId xmlns:a16="http://schemas.microsoft.com/office/drawing/2014/main" id="{16790975-ECFF-A294-9527-0732530499EA}"/>
+              </a:ext>
+            </a:extLst>
+          </p:cNvPr>
+          <p:cNvSpPr txBox="1"/>
+          <p:nvPr/>
+        </p:nvSpPr>
+        <p:spPr>
+          <a:xfrm>
+            <a:off x="8408148" y="6474380"/>
+            <a:ext cx="4585253" cy="367408"/>
+          </a:xfrm>
+          <a:prstGeom prst="rect">
+            <a:avLst/>
+          </a:prstGeom>
+          <a:noFill/>
+        </p:spPr>
+        <p:txBody>
+          <a:bodyPr wrap="square" rtlCol="0">
+            <a:spAutoFit/>
+          </a:bodyPr>
+          <a:lstStyle/>
+          <a:p>
+            <a:pPr>
+              <a:lnSpc>
+                <a:spcPct val="150000"/>
+              </a:lnSpc>
+            </a:pPr>
+            <a:r>
+              <a:rPr lang="en-US" sz="1350" b="1" dirty="0">
+                <a:solidFill>
+                  <a:srgbClr val="013B43"/>
+                </a:solidFill>
+                <a:latin typeface="Bahnschrift Light Condensed" panose="020B0502040204020203" pitchFamily="34" charset="0"/>
+              </a:rPr>
+              <a:t>Conversion </a:t>
+            </a:r>
+            <a:r>
+              <a:rPr lang="en-US" sz="1350" dirty="0">
+                <a:solidFill>
+                  <a:srgbClr val="013B43"/>
+                </a:solidFill>
+                <a:latin typeface="Bahnschrift Light Condensed" panose="020B0502040204020203" pitchFamily="34" charset="0"/>
+              </a:rPr>
+              <a:t>= Accuracy of meeting the targeted audience</a:t>
+            </a:r>
+          </a:p>
+        </p:txBody>
+      </p:sp>
+      <p:sp>
+        <p:nvSpPr>
+          <p:cNvPr id="8" name="TextBox 7">
+            <a:extLst>
+              <a:ext uri="{FF2B5EF4-FFF2-40B4-BE49-F238E27FC236}">
+                <a16:creationId xmlns:a16="http://schemas.microsoft.com/office/drawing/2014/main" id="{2CAF68E2-589F-3868-A782-F775E88E6CA3}"/>
+              </a:ext>
+            </a:extLst>
+          </p:cNvPr>
+          <p:cNvSpPr txBox="1"/>
+          <p:nvPr/>
+        </p:nvSpPr>
+        <p:spPr>
+          <a:xfrm>
+            <a:off x="15866610" y="6474380"/>
+            <a:ext cx="2292419" cy="364652"/>
+          </a:xfrm>
+          <a:prstGeom prst="rect">
+            <a:avLst/>
+          </a:prstGeom>
+          <a:noFill/>
+        </p:spPr>
+        <p:txBody>
+          <a:bodyPr wrap="square" rtlCol="0">
+            <a:spAutoFit/>
+          </a:bodyPr>
+          <a:lstStyle/>
+          <a:p>
+            <a:pPr>
+              <a:lnSpc>
+                <a:spcPct val="150000"/>
+              </a:lnSpc>
+            </a:pPr>
+            <a:r>
+              <a:rPr lang="en-US" sz="1350" dirty="0">
+                <a:solidFill>
+                  <a:srgbClr val="013B43"/>
+                </a:solidFill>
+                <a:latin typeface="Bahnschrift Light Condensed" panose="020B0502040204020203" pitchFamily="34" charset="0"/>
+              </a:rPr>
+              <a:t>= The value is above market average </a:t>
+            </a:r>
+          </a:p>
+        </p:txBody>
+      </p:sp>
+      <p:pic>
+        <p:nvPicPr>
+          <p:cNvPr id="9" name="Picture 8">
+            <a:extLst>
+              <a:ext uri="{FF2B5EF4-FFF2-40B4-BE49-F238E27FC236}">
+                <a16:creationId xmlns:a16="http://schemas.microsoft.com/office/drawing/2014/main" id="{B4A2F5EE-4C09-1BB4-135B-AD9B68E5E843}"/>
+              </a:ext>
+            </a:extLst>
+          </p:cNvPr>
+          <p:cNvPicPr>
+            <a:picLocks noChangeAspect="1"/>
+          </p:cNvPicPr>
+          <p:nvPr/>
+        </p:nvPicPr>
+        <p:blipFill>
+          <a:blip r:embed="rId2"/>
+          <a:srcRect l="18550" t="54001" r="24421"/>
+          <a:stretch/>
+        </p:blipFill>
+        <p:spPr>
+          <a:xfrm>
+            <a:off x="15625763" y="6793889"/>
+            <a:ext cx="231776" cy="265815"/>
+          </a:xfrm>
+          <a:prstGeom prst="rect">
+            <a:avLst/>
+          </a:prstGeom>
+        </p:spPr>
+      </p:pic>
+      <p:pic>
+        <p:nvPicPr>
+          <p:cNvPr id="10" name="Picture 9">
+            <a:extLst>
+              <a:ext uri="{FF2B5EF4-FFF2-40B4-BE49-F238E27FC236}">
+                <a16:creationId xmlns:a16="http://schemas.microsoft.com/office/drawing/2014/main" id="{2FCF3749-A4AE-F6D8-2987-4F1545000860}"/>
+              </a:ext>
+            </a:extLst>
+          </p:cNvPr>
+          <p:cNvPicPr>
+            <a:picLocks noChangeAspect="1"/>
+          </p:cNvPicPr>
+          <p:nvPr/>
+        </p:nvPicPr>
+        <p:blipFill>
+          <a:blip r:embed="rId2"/>
+          <a:srcRect l="16270" r="22823" b="60747"/>
+          <a:stretch/>
+        </p:blipFill>
+        <p:spPr>
+          <a:xfrm>
+            <a:off x="15605468" y="6601627"/>
+            <a:ext cx="247536" cy="226837"/>
+          </a:xfrm>
+          <a:prstGeom prst="rect">
+            <a:avLst/>
+          </a:prstGeom>
+        </p:spPr>
+      </p:pic>
+      <p:sp>
+        <p:nvSpPr>
+          <p:cNvPr id="11" name="TextBox 10">
+            <a:extLst>
+              <a:ext uri="{FF2B5EF4-FFF2-40B4-BE49-F238E27FC236}">
+                <a16:creationId xmlns:a16="http://schemas.microsoft.com/office/drawing/2014/main" id="{3856CF4D-D2FB-43E8-38A0-9C0A07A3F63F}"/>
+              </a:ext>
+            </a:extLst>
+          </p:cNvPr>
+          <p:cNvSpPr txBox="1"/>
+          <p:nvPr/>
+        </p:nvSpPr>
+        <p:spPr>
+          <a:xfrm>
+            <a:off x="15857539" y="6706200"/>
+            <a:ext cx="2285680" cy="364652"/>
+          </a:xfrm>
+          <a:prstGeom prst="rect">
+            <a:avLst/>
+          </a:prstGeom>
+          <a:noFill/>
+        </p:spPr>
+        <p:txBody>
+          <a:bodyPr wrap="square" rtlCol="0">
+            <a:spAutoFit/>
+          </a:bodyPr>
+          <a:lstStyle/>
+          <a:p>
+            <a:pPr>
+              <a:lnSpc>
+                <a:spcPct val="150000"/>
+              </a:lnSpc>
+            </a:pPr>
+            <a:r>
+              <a:rPr lang="en-US" sz="1350" dirty="0">
+                <a:solidFill>
+                  <a:srgbClr val="013B43"/>
+                </a:solidFill>
+                <a:latin typeface="Bahnschrift Light Condensed" panose="020B0502040204020203" pitchFamily="34" charset="0"/>
+              </a:rPr>
+              <a:t>= The value is below market average </a:t>
+            </a:r>
+          </a:p>
+        </p:txBody>
+      </p:sp>
+      <p:sp>
+        <p:nvSpPr>
+          <p:cNvPr id="12" name="TextBox 11">
+            <a:extLst>
+              <a:ext uri="{FF2B5EF4-FFF2-40B4-BE49-F238E27FC236}">
+                <a16:creationId xmlns:a16="http://schemas.microsoft.com/office/drawing/2014/main" id="{BE9BCA31-1934-9809-560A-EC375E99E6AB}"/>
+              </a:ext>
+            </a:extLst>
+          </p:cNvPr>
+          <p:cNvSpPr txBox="1"/>
+          <p:nvPr/>
+        </p:nvSpPr>
+        <p:spPr>
+          <a:xfrm>
+            <a:off x="8408148" y="6706200"/>
+            <a:ext cx="4585253" cy="367408"/>
+          </a:xfrm>
+          <a:prstGeom prst="rect">
+            <a:avLst/>
+          </a:prstGeom>
+          <a:noFill/>
+        </p:spPr>
+        <p:txBody>
+          <a:bodyPr wrap="square" rtlCol="0">
+            <a:spAutoFit/>
+          </a:bodyPr>
+          <a:lstStyle/>
+          <a:p>
+            <a:pPr>
+              <a:lnSpc>
+                <a:spcPct val="150000"/>
+              </a:lnSpc>
+            </a:pPr>
+            <a:r>
+              <a:rPr lang="en-US" sz="1350" b="1" dirty="0">
+                <a:solidFill>
+                  <a:srgbClr val="013B43"/>
+                </a:solidFill>
+                <a:latin typeface="Bahnschrift Light Condensed" panose="020B0502040204020203" pitchFamily="34" charset="0"/>
+              </a:rPr>
+              <a:t>Reach Ratio </a:t>
+            </a:r>
+            <a:r>
+              <a:rPr lang="en-US" sz="1350" dirty="0">
+                <a:solidFill>
+                  <a:srgbClr val="013B43"/>
+                </a:solidFill>
+                <a:latin typeface="Bahnschrift Light Condensed" panose="020B0502040204020203" pitchFamily="34" charset="0"/>
+              </a:rPr>
+              <a:t>= The average number of times an ad is shown to an individual</a:t>
             </a:r>
           </a:p>
         </p:txBody>
@@ -7296,8 +7453,8 @@
         </p:nvSpPr>
         <p:spPr>
           <a:xfrm>
-            <a:off x="9595820" y="6390723"/>
-            <a:ext cx="8547402" cy="3810801"/>
+            <a:off x="9595820" y="6338280"/>
+            <a:ext cx="8547402" cy="3828626"/>
           </a:xfrm>
           <a:prstGeom prst="roundRect">
             <a:avLst>
@@ -7416,8 +7573,8 @@
         </p:nvSpPr>
         <p:spPr>
           <a:xfrm>
-            <a:off x="102886" y="103301"/>
-            <a:ext cx="17983331" cy="6050241"/>
+            <a:off x="102886" y="85476"/>
+            <a:ext cx="17983331" cy="6166449"/>
           </a:xfrm>
           <a:prstGeom prst="roundRect">
             <a:avLst>
@@ -7474,8 +7631,8 @@
         </p:nvSpPr>
         <p:spPr>
           <a:xfrm>
-            <a:off x="9595820" y="85477"/>
-            <a:ext cx="8547402" cy="6068066"/>
+            <a:off x="9595820" y="85476"/>
+            <a:ext cx="8547402" cy="6166450"/>
           </a:xfrm>
           <a:prstGeom prst="roundRect">
             <a:avLst>
@@ -7536,8 +7693,8 @@
         </p:nvSpPr>
         <p:spPr>
           <a:xfrm>
-            <a:off x="10082802" y="1090630"/>
-            <a:ext cx="7915401" cy="4042260"/>
+            <a:off x="10082802" y="1189013"/>
+            <a:ext cx="8003415" cy="4042260"/>
           </a:xfrm>
           <a:prstGeom prst="rect">
             <a:avLst/>
@@ -7809,7 +7966,7 @@
         </p:nvSpPr>
         <p:spPr>
           <a:xfrm>
-            <a:off x="593873" y="117523"/>
+            <a:off x="1054141" y="610010"/>
             <a:ext cx="9070827" cy="1100240"/>
           </a:xfrm>
           <a:prstGeom prst="snip2DiagRect">
@@ -7860,7 +8017,7 @@
         </p:nvSpPr>
         <p:spPr>
           <a:xfrm>
-            <a:off x="10059617" y="453877"/>
+            <a:off x="10059617" y="552260"/>
             <a:ext cx="5809233" cy="696891"/>
           </a:xfrm>
           <a:prstGeom prst="snip2DiagRect">
@@ -7911,7 +8068,7 @@
         </p:nvGrpSpPr>
         <p:grpSpPr>
           <a:xfrm>
-            <a:off x="511932" y="1047232"/>
+            <a:off x="511932" y="1384741"/>
             <a:ext cx="4364868" cy="1307223"/>
             <a:chOff x="341288" y="770720"/>
             <a:chExt cx="2909912" cy="871482"/>
@@ -8028,7 +8185,7 @@
         </p:nvGrpSpPr>
         <p:grpSpPr>
           <a:xfrm>
-            <a:off x="511932" y="2558722"/>
+            <a:off x="511932" y="2776668"/>
             <a:ext cx="4364868" cy="1305677"/>
             <a:chOff x="341288" y="3315385"/>
             <a:chExt cx="2909912" cy="870451"/>
@@ -8159,7 +8316,7 @@
         </p:blipFill>
         <p:spPr>
           <a:xfrm>
-            <a:off x="5427665" y="1269917"/>
+            <a:off x="5427665" y="1878152"/>
             <a:ext cx="3617289" cy="2018930"/>
           </a:xfrm>
           <a:prstGeom prst="rect">
@@ -8223,7 +8380,7 @@
         </p:nvSpPr>
         <p:spPr>
           <a:xfrm>
-            <a:off x="15422692" y="9917057"/>
+            <a:off x="15422692" y="9823920"/>
             <a:ext cx="2254271" cy="283539"/>
           </a:xfrm>
           <a:prstGeom prst="rect">
@@ -8296,7 +8453,7 @@
         </p:nvSpPr>
         <p:spPr>
           <a:xfrm>
-            <a:off x="13847710" y="9917055"/>
+            <a:off x="13847710" y="9823918"/>
             <a:ext cx="2254271" cy="283539"/>
           </a:xfrm>
           <a:prstGeom prst="rect">
@@ -8369,7 +8526,7 @@
         </p:nvGrpSpPr>
         <p:grpSpPr>
           <a:xfrm>
-            <a:off x="511932" y="4068665"/>
+            <a:off x="511932" y="4167048"/>
             <a:ext cx="4364868" cy="1951226"/>
             <a:chOff x="341288" y="1764265"/>
             <a:chExt cx="2909912" cy="1300817"/>
@@ -8486,7 +8643,7 @@
         </p:nvSpPr>
         <p:spPr>
           <a:xfrm>
-            <a:off x="5043837" y="4612024"/>
+            <a:off x="5043837" y="4710407"/>
             <a:ext cx="4197831" cy="1618392"/>
           </a:xfrm>
           <a:prstGeom prst="rect">
@@ -8760,7 +8917,7 @@
         </p:nvSpPr>
         <p:spPr>
           <a:xfrm>
-            <a:off x="12487444" y="9917056"/>
+            <a:off x="12487444" y="9823919"/>
             <a:ext cx="2254271" cy="283539"/>
           </a:xfrm>
           <a:prstGeom prst="rect">
@@ -8879,10 +9036,10 @@
       </p:pic>
       <p:sp>
         <p:nvSpPr>
-          <p:cNvPr id="2" name="TextBox 1">
+          <p:cNvPr id="4" name="TextBox 3">
             <a:extLst>
               <a:ext uri="{FF2B5EF4-FFF2-40B4-BE49-F238E27FC236}">
-                <a16:creationId xmlns:a16="http://schemas.microsoft.com/office/drawing/2014/main" id="{3AF8D14D-080C-873A-153A-C60F17C31682}"/>
+                <a16:creationId xmlns:a16="http://schemas.microsoft.com/office/drawing/2014/main" id="{A1613415-D58F-9F17-DC04-36433E8D662E}"/>
               </a:ext>
             </a:extLst>
           </p:cNvPr>
@@ -8891,8 +9048,8 @@
         </p:nvSpPr>
         <p:spPr>
           <a:xfrm>
-            <a:off x="10082802" y="5041383"/>
-            <a:ext cx="4585253" cy="364652"/>
+            <a:off x="10386110" y="4789148"/>
+            <a:ext cx="2292419" cy="364652"/>
           </a:xfrm>
           <a:prstGeom prst="rect">
             <a:avLst/>
@@ -8917,7 +9074,110 @@
                 </a:solidFill>
                 <a:latin typeface="Bahnschrift Light Condensed" panose="020B0502040204020203" pitchFamily="34" charset="0"/>
               </a:rPr>
-              <a:t>📈= The value is above average               📉 = The value is below average </a:t>
+              <a:t>= The value is above market average </a:t>
+            </a:r>
+          </a:p>
+        </p:txBody>
+      </p:sp>
+      <p:pic>
+        <p:nvPicPr>
+          <p:cNvPr id="5" name="Picture 4">
+            <a:extLst>
+              <a:ext uri="{FF2B5EF4-FFF2-40B4-BE49-F238E27FC236}">
+                <a16:creationId xmlns:a16="http://schemas.microsoft.com/office/drawing/2014/main" id="{92FC9F24-5E2A-82AF-6382-B68D109E6B06}"/>
+              </a:ext>
+            </a:extLst>
+          </p:cNvPr>
+          <p:cNvPicPr>
+            <a:picLocks noChangeAspect="1"/>
+          </p:cNvPicPr>
+          <p:nvPr/>
+        </p:nvPicPr>
+        <p:blipFill>
+          <a:blip r:embed="rId7"/>
+          <a:srcRect l="18550" t="54001" r="24421"/>
+          <a:stretch/>
+        </p:blipFill>
+        <p:spPr>
+          <a:xfrm>
+            <a:off x="13229395" y="4876837"/>
+            <a:ext cx="231776" cy="265815"/>
+          </a:xfrm>
+          <a:prstGeom prst="rect">
+            <a:avLst/>
+          </a:prstGeom>
+        </p:spPr>
+      </p:pic>
+      <p:pic>
+        <p:nvPicPr>
+          <p:cNvPr id="6" name="Picture 5">
+            <a:extLst>
+              <a:ext uri="{FF2B5EF4-FFF2-40B4-BE49-F238E27FC236}">
+                <a16:creationId xmlns:a16="http://schemas.microsoft.com/office/drawing/2014/main" id="{043910FB-C374-E46E-3169-08492984C786}"/>
+              </a:ext>
+            </a:extLst>
+          </p:cNvPr>
+          <p:cNvPicPr>
+            <a:picLocks noChangeAspect="1"/>
+          </p:cNvPicPr>
+          <p:nvPr/>
+        </p:nvPicPr>
+        <p:blipFill>
+          <a:blip r:embed="rId7"/>
+          <a:srcRect l="16270" r="22823" b="60747"/>
+          <a:stretch/>
+        </p:blipFill>
+        <p:spPr>
+          <a:xfrm>
+            <a:off x="10124968" y="4916395"/>
+            <a:ext cx="247536" cy="226837"/>
+          </a:xfrm>
+          <a:prstGeom prst="rect">
+            <a:avLst/>
+          </a:prstGeom>
+        </p:spPr>
+      </p:pic>
+      <p:sp>
+        <p:nvSpPr>
+          <p:cNvPr id="7" name="TextBox 6">
+            <a:extLst>
+              <a:ext uri="{FF2B5EF4-FFF2-40B4-BE49-F238E27FC236}">
+                <a16:creationId xmlns:a16="http://schemas.microsoft.com/office/drawing/2014/main" id="{7804264D-940A-9A92-0799-B3A75B498968}"/>
+              </a:ext>
+            </a:extLst>
+          </p:cNvPr>
+          <p:cNvSpPr txBox="1"/>
+          <p:nvPr/>
+        </p:nvSpPr>
+        <p:spPr>
+          <a:xfrm>
+            <a:off x="13461171" y="4789148"/>
+            <a:ext cx="2285680" cy="364652"/>
+          </a:xfrm>
+          <a:prstGeom prst="rect">
+            <a:avLst/>
+          </a:prstGeom>
+          <a:noFill/>
+        </p:spPr>
+        <p:txBody>
+          <a:bodyPr wrap="square" rtlCol="0">
+            <a:spAutoFit/>
+          </a:bodyPr>
+          <a:lstStyle/>
+          <a:p>
+            <a:pPr>
+              <a:lnSpc>
+                <a:spcPct val="150000"/>
+              </a:lnSpc>
+            </a:pPr>
+            <a:r>
+              <a:rPr lang="en-US" sz="1350" dirty="0">
+                <a:solidFill>
+                  <a:srgbClr val="013B43"/>
+                </a:solidFill>
+                <a:latin typeface="Bahnschrift Light Condensed" panose="020B0502040204020203" pitchFamily="34" charset="0"/>
+              </a:rPr>
+              <a:t>= The value is below market average </a:t>
             </a:r>
           </a:p>
         </p:txBody>

--- a/PBI/bg.pptx
+++ b/PBI/bg.pptx
@@ -9,6 +9,9 @@
     <p:sldId id="260" r:id="rId3"/>
     <p:sldId id="258" r:id="rId4"/>
     <p:sldId id="261" r:id="rId5"/>
+    <p:sldId id="262" r:id="rId6"/>
+    <p:sldId id="263" r:id="rId7"/>
+    <p:sldId id="264" r:id="rId8"/>
   </p:sldIdLst>
   <p:sldSz cx="18288000" cy="10287000"/>
   <p:notesSz cx="6858000" cy="9144000"/>
@@ -246,7 +249,7 @@
           <a:p>
             <a:fld id="{7818E6A9-D9EB-40D6-95A2-A22B252B5524}" type="datetimeFigureOut">
               <a:rPr lang="en-US" smtClean="0"/>
-              <a:t>4/14/2025</a:t>
+              <a:t>4/16/2025</a:t>
             </a:fld>
             <a:endParaRPr lang="en-US"/>
           </a:p>
@@ -416,7 +419,7 @@
           <a:p>
             <a:fld id="{7818E6A9-D9EB-40D6-95A2-A22B252B5524}" type="datetimeFigureOut">
               <a:rPr lang="en-US" smtClean="0"/>
-              <a:t>4/14/2025</a:t>
+              <a:t>4/16/2025</a:t>
             </a:fld>
             <a:endParaRPr lang="en-US"/>
           </a:p>
@@ -596,7 +599,7 @@
           <a:p>
             <a:fld id="{7818E6A9-D9EB-40D6-95A2-A22B252B5524}" type="datetimeFigureOut">
               <a:rPr lang="en-US" smtClean="0"/>
-              <a:t>4/14/2025</a:t>
+              <a:t>4/16/2025</a:t>
             </a:fld>
             <a:endParaRPr lang="en-US"/>
           </a:p>
@@ -766,7 +769,7 @@
           <a:p>
             <a:fld id="{7818E6A9-D9EB-40D6-95A2-A22B252B5524}" type="datetimeFigureOut">
               <a:rPr lang="en-US" smtClean="0"/>
-              <a:t>4/14/2025</a:t>
+              <a:t>4/16/2025</a:t>
             </a:fld>
             <a:endParaRPr lang="en-US"/>
           </a:p>
@@ -1012,7 +1015,7 @@
           <a:p>
             <a:fld id="{7818E6A9-D9EB-40D6-95A2-A22B252B5524}" type="datetimeFigureOut">
               <a:rPr lang="en-US" smtClean="0"/>
-              <a:t>4/14/2025</a:t>
+              <a:t>4/16/2025</a:t>
             </a:fld>
             <a:endParaRPr lang="en-US"/>
           </a:p>
@@ -1244,7 +1247,7 @@
           <a:p>
             <a:fld id="{7818E6A9-D9EB-40D6-95A2-A22B252B5524}" type="datetimeFigureOut">
               <a:rPr lang="en-US" smtClean="0"/>
-              <a:t>4/14/2025</a:t>
+              <a:t>4/16/2025</a:t>
             </a:fld>
             <a:endParaRPr lang="en-US"/>
           </a:p>
@@ -1611,7 +1614,7 @@
           <a:p>
             <a:fld id="{7818E6A9-D9EB-40D6-95A2-A22B252B5524}" type="datetimeFigureOut">
               <a:rPr lang="en-US" smtClean="0"/>
-              <a:t>4/14/2025</a:t>
+              <a:t>4/16/2025</a:t>
             </a:fld>
             <a:endParaRPr lang="en-US"/>
           </a:p>
@@ -1729,7 +1732,7 @@
           <a:p>
             <a:fld id="{7818E6A9-D9EB-40D6-95A2-A22B252B5524}" type="datetimeFigureOut">
               <a:rPr lang="en-US" smtClean="0"/>
-              <a:t>4/14/2025</a:t>
+              <a:t>4/16/2025</a:t>
             </a:fld>
             <a:endParaRPr lang="en-US"/>
           </a:p>
@@ -1824,7 +1827,7 @@
           <a:p>
             <a:fld id="{7818E6A9-D9EB-40D6-95A2-A22B252B5524}" type="datetimeFigureOut">
               <a:rPr lang="en-US" smtClean="0"/>
-              <a:t>4/14/2025</a:t>
+              <a:t>4/16/2025</a:t>
             </a:fld>
             <a:endParaRPr lang="en-US"/>
           </a:p>
@@ -2101,7 +2104,7 @@
           <a:p>
             <a:fld id="{7818E6A9-D9EB-40D6-95A2-A22B252B5524}" type="datetimeFigureOut">
               <a:rPr lang="en-US" smtClean="0"/>
-              <a:t>4/14/2025</a:t>
+              <a:t>4/16/2025</a:t>
             </a:fld>
             <a:endParaRPr lang="en-US"/>
           </a:p>
@@ -2358,7 +2361,7 @@
           <a:p>
             <a:fld id="{7818E6A9-D9EB-40D6-95A2-A22B252B5524}" type="datetimeFigureOut">
               <a:rPr lang="en-US" smtClean="0"/>
-              <a:t>4/14/2025</a:t>
+              <a:t>4/16/2025</a:t>
             </a:fld>
             <a:endParaRPr lang="en-US"/>
           </a:p>
@@ -2571,7 +2574,7 @@
           <a:p>
             <a:fld id="{7818E6A9-D9EB-40D6-95A2-A22B252B5524}" type="datetimeFigureOut">
               <a:rPr lang="en-US" smtClean="0"/>
-              <a:t>4/14/2025</a:t>
+              <a:t>4/16/2025</a:t>
             </a:fld>
             <a:endParaRPr lang="en-US"/>
           </a:p>
@@ -9195,6 +9198,5147 @@
 </p:sld>
 </file>
 
+<file path=ppt/slides/slide5.xml><?xml version="1.0" encoding="utf-8"?>
+<p:sld xmlns:a="http://schemas.openxmlformats.org/drawingml/2006/main" xmlns:r="http://schemas.openxmlformats.org/officeDocument/2006/relationships" xmlns:p="http://schemas.openxmlformats.org/presentationml/2006/main">
+  <p:cSld>
+    <p:bg>
+      <p:bgPr>
+        <a:solidFill>
+          <a:srgbClr val="FCECDC"/>
+        </a:solidFill>
+        <a:effectLst/>
+      </p:bgPr>
+    </p:bg>
+    <p:spTree>
+      <p:nvGrpSpPr>
+        <p:cNvPr id="1" name="">
+          <a:extLst>
+            <a:ext uri="{FF2B5EF4-FFF2-40B4-BE49-F238E27FC236}">
+              <a16:creationId xmlns:a16="http://schemas.microsoft.com/office/drawing/2014/main" id="{A35FDDF3-64E9-5396-469E-E5928BE8F726}"/>
+            </a:ext>
+          </a:extLst>
+        </p:cNvPr>
+        <p:cNvGrpSpPr/>
+        <p:nvPr/>
+      </p:nvGrpSpPr>
+      <p:grpSpPr>
+        <a:xfrm>
+          <a:off x="0" y="0"/>
+          <a:ext cx="0" cy="0"/>
+          <a:chOff x="0" y="0"/>
+          <a:chExt cx="0" cy="0"/>
+        </a:xfrm>
+      </p:grpSpPr>
+      <p:sp>
+        <p:nvSpPr>
+          <p:cNvPr id="17" name="TextBox 16">
+            <a:extLst>
+              <a:ext uri="{FF2B5EF4-FFF2-40B4-BE49-F238E27FC236}">
+                <a16:creationId xmlns:a16="http://schemas.microsoft.com/office/drawing/2014/main" id="{01AF5823-E6A2-D305-08A8-D9103325D0B4}"/>
+              </a:ext>
+            </a:extLst>
+          </p:cNvPr>
+          <p:cNvSpPr txBox="1"/>
+          <p:nvPr/>
+        </p:nvSpPr>
+        <p:spPr>
+          <a:xfrm>
+            <a:off x="9973210" y="842339"/>
+            <a:ext cx="574400" cy="2064027"/>
+          </a:xfrm>
+          <a:prstGeom prst="rect">
+            <a:avLst/>
+          </a:prstGeom>
+          <a:noFill/>
+        </p:spPr>
+        <p:txBody>
+          <a:bodyPr wrap="square" rtlCol="0">
+            <a:spAutoFit/>
+          </a:bodyPr>
+          <a:lstStyle/>
+          <a:p>
+            <a:pPr>
+              <a:lnSpc>
+                <a:spcPct val="150000"/>
+              </a:lnSpc>
+            </a:pPr>
+            <a:r>
+              <a:rPr lang="en-US" sz="1350" b="1" dirty="0">
+                <a:solidFill>
+                  <a:srgbClr val="352B5B"/>
+                </a:solidFill>
+                <a:latin typeface="Bahnschrift Light Condensed" panose="020B0502040204020203" pitchFamily="34" charset="0"/>
+              </a:rPr>
+              <a:t>MAX</a:t>
+            </a:r>
+          </a:p>
+          <a:p>
+            <a:pPr>
+              <a:lnSpc>
+                <a:spcPct val="150000"/>
+              </a:lnSpc>
+            </a:pPr>
+            <a:br>
+              <a:rPr lang="en-US" sz="1350" b="1" dirty="0">
+                <a:solidFill>
+                  <a:srgbClr val="352B5B"/>
+                </a:solidFill>
+                <a:latin typeface="Bahnschrift Light Condensed" panose="020B0502040204020203" pitchFamily="34" charset="0"/>
+              </a:rPr>
+            </a:br>
+            <a:br>
+              <a:rPr lang="en-US" sz="1350" b="1" dirty="0">
+                <a:solidFill>
+                  <a:srgbClr val="352B5B"/>
+                </a:solidFill>
+                <a:latin typeface="Bahnschrift Light Condensed" panose="020B0502040204020203" pitchFamily="34" charset="0"/>
+              </a:rPr>
+            </a:br>
+            <a:endParaRPr lang="en-US" sz="900" b="1" dirty="0">
+              <a:solidFill>
+                <a:srgbClr val="352B5B"/>
+              </a:solidFill>
+              <a:latin typeface="Bahnschrift Light Condensed" panose="020B0502040204020203" pitchFamily="34" charset="0"/>
+            </a:endParaRPr>
+          </a:p>
+          <a:p>
+            <a:pPr>
+              <a:lnSpc>
+                <a:spcPct val="150000"/>
+              </a:lnSpc>
+            </a:pPr>
+            <a:endParaRPr lang="en-US" sz="2400" b="1" dirty="0">
+              <a:solidFill>
+                <a:srgbClr val="352B5B"/>
+              </a:solidFill>
+              <a:latin typeface="Bahnschrift Light Condensed" panose="020B0502040204020203" pitchFamily="34" charset="0"/>
+            </a:endParaRPr>
+          </a:p>
+          <a:p>
+            <a:pPr>
+              <a:lnSpc>
+                <a:spcPct val="150000"/>
+              </a:lnSpc>
+            </a:pPr>
+            <a:r>
+              <a:rPr lang="en-US" sz="450" b="1" dirty="0">
+                <a:solidFill>
+                  <a:srgbClr val="352B5B"/>
+                </a:solidFill>
+                <a:latin typeface="Bahnschrift Light Condensed" panose="020B0502040204020203" pitchFamily="34" charset="0"/>
+              </a:rPr>
+              <a:t> </a:t>
+            </a:r>
+            <a:r>
+              <a:rPr lang="en-US" sz="1350" b="1" dirty="0">
+                <a:solidFill>
+                  <a:srgbClr val="352B5B"/>
+                </a:solidFill>
+                <a:latin typeface="Bahnschrift Light Condensed" panose="020B0502040204020203" pitchFamily="34" charset="0"/>
+              </a:rPr>
+              <a:t>MIN</a:t>
+            </a:r>
+            <a:endParaRPr lang="en-US" sz="1350" dirty="0">
+              <a:solidFill>
+                <a:srgbClr val="352B5B"/>
+              </a:solidFill>
+              <a:latin typeface="Bahnschrift Light Condensed" panose="020B0502040204020203" pitchFamily="34" charset="0"/>
+            </a:endParaRPr>
+          </a:p>
+        </p:txBody>
+      </p:sp>
+      <p:sp>
+        <p:nvSpPr>
+          <p:cNvPr id="18" name="Rectangle: Rounded Corners 17">
+            <a:extLst>
+              <a:ext uri="{FF2B5EF4-FFF2-40B4-BE49-F238E27FC236}">
+                <a16:creationId xmlns:a16="http://schemas.microsoft.com/office/drawing/2014/main" id="{6EF1F9FF-CA7E-86BC-67F4-C5800E3A323F}"/>
+              </a:ext>
+            </a:extLst>
+          </p:cNvPr>
+          <p:cNvSpPr/>
+          <p:nvPr/>
+        </p:nvSpPr>
+        <p:spPr>
+          <a:xfrm>
+            <a:off x="9693209" y="99698"/>
+            <a:ext cx="8465820" cy="3184602"/>
+          </a:xfrm>
+          <a:prstGeom prst="roundRect">
+            <a:avLst>
+              <a:gd name="adj" fmla="val 7212"/>
+            </a:avLst>
+          </a:prstGeom>
+          <a:solidFill>
+            <a:srgbClr val="EDE4DB"/>
+          </a:solidFill>
+          <a:ln>
+            <a:solidFill>
+              <a:srgbClr val="FCECDC"/>
+            </a:solidFill>
+          </a:ln>
+        </p:spPr>
+        <p:style>
+          <a:lnRef idx="2">
+            <a:schemeClr val="accent1">
+              <a:shade val="15000"/>
+            </a:schemeClr>
+          </a:lnRef>
+          <a:fillRef idx="1">
+            <a:schemeClr val="accent1"/>
+          </a:fillRef>
+          <a:effectRef idx="0">
+            <a:schemeClr val="accent1"/>
+          </a:effectRef>
+          <a:fontRef idx="minor">
+            <a:schemeClr val="lt1"/>
+          </a:fontRef>
+        </p:style>
+        <p:txBody>
+          <a:bodyPr rtlCol="0" anchor="ctr"/>
+          <a:lstStyle/>
+          <a:p>
+            <a:pPr algn="ctr"/>
+            <a:endParaRPr lang="en-US" sz="4050" dirty="0"/>
+          </a:p>
+        </p:txBody>
+      </p:sp>
+      <p:sp>
+        <p:nvSpPr>
+          <p:cNvPr id="19" name="Rectangle: Rounded Corners 18">
+            <a:extLst>
+              <a:ext uri="{FF2B5EF4-FFF2-40B4-BE49-F238E27FC236}">
+                <a16:creationId xmlns:a16="http://schemas.microsoft.com/office/drawing/2014/main" id="{B0152D7E-98A7-0424-D4BD-29F6E02465E0}"/>
+              </a:ext>
+            </a:extLst>
+          </p:cNvPr>
+          <p:cNvSpPr/>
+          <p:nvPr/>
+        </p:nvSpPr>
+        <p:spPr>
+          <a:xfrm>
+            <a:off x="144780" y="99698"/>
+            <a:ext cx="9340596" cy="3184602"/>
+          </a:xfrm>
+          <a:prstGeom prst="roundRect">
+            <a:avLst>
+              <a:gd name="adj" fmla="val 7212"/>
+            </a:avLst>
+          </a:prstGeom>
+          <a:solidFill>
+            <a:srgbClr val="EDE4DB"/>
+          </a:solidFill>
+          <a:ln>
+            <a:solidFill>
+              <a:srgbClr val="FCECDC"/>
+            </a:solidFill>
+          </a:ln>
+        </p:spPr>
+        <p:style>
+          <a:lnRef idx="2">
+            <a:schemeClr val="accent1">
+              <a:shade val="15000"/>
+            </a:schemeClr>
+          </a:lnRef>
+          <a:fillRef idx="1">
+            <a:schemeClr val="accent1"/>
+          </a:fillRef>
+          <a:effectRef idx="0">
+            <a:schemeClr val="accent1"/>
+          </a:effectRef>
+          <a:fontRef idx="minor">
+            <a:schemeClr val="lt1"/>
+          </a:fontRef>
+        </p:style>
+        <p:txBody>
+          <a:bodyPr rtlCol="0" anchor="t"/>
+          <a:lstStyle/>
+          <a:p>
+            <a:endParaRPr lang="en-US" sz="2100" dirty="0">
+              <a:solidFill>
+                <a:srgbClr val="013B43"/>
+              </a:solidFill>
+              <a:latin typeface="Bahnschrift Light Condensed" panose="020B0502040204020203" pitchFamily="34" charset="0"/>
+            </a:endParaRPr>
+          </a:p>
+        </p:txBody>
+      </p:sp>
+      <p:sp>
+        <p:nvSpPr>
+          <p:cNvPr id="22" name="TextBox 21">
+            <a:extLst>
+              <a:ext uri="{FF2B5EF4-FFF2-40B4-BE49-F238E27FC236}">
+                <a16:creationId xmlns:a16="http://schemas.microsoft.com/office/drawing/2014/main" id="{2E977FE8-68F0-6E92-4A4C-FF58EF7B6C7A}"/>
+              </a:ext>
+            </a:extLst>
+          </p:cNvPr>
+          <p:cNvSpPr txBox="1"/>
+          <p:nvPr/>
+        </p:nvSpPr>
+        <p:spPr>
+          <a:xfrm>
+            <a:off x="9864659" y="90703"/>
+            <a:ext cx="4585253" cy="430311"/>
+          </a:xfrm>
+          <a:prstGeom prst="rect">
+            <a:avLst/>
+          </a:prstGeom>
+          <a:noFill/>
+        </p:spPr>
+        <p:txBody>
+          <a:bodyPr wrap="square" rtlCol="0">
+            <a:spAutoFit/>
+          </a:bodyPr>
+          <a:lstStyle/>
+          <a:p>
+            <a:pPr>
+              <a:lnSpc>
+                <a:spcPct val="150000"/>
+              </a:lnSpc>
+            </a:pPr>
+            <a:r>
+              <a:rPr lang="en-US" sz="1650" b="1" dirty="0">
+                <a:solidFill>
+                  <a:srgbClr val="013B43"/>
+                </a:solidFill>
+                <a:latin typeface="Bahnschrift Light Condensed" panose="020B0502040204020203" pitchFamily="34" charset="0"/>
+              </a:rPr>
+              <a:t>Regional distribution in Czechia</a:t>
+            </a:r>
+          </a:p>
+        </p:txBody>
+      </p:sp>
+      <p:grpSp>
+        <p:nvGrpSpPr>
+          <p:cNvPr id="23" name="Group 22">
+            <a:extLst>
+              <a:ext uri="{FF2B5EF4-FFF2-40B4-BE49-F238E27FC236}">
+                <a16:creationId xmlns:a16="http://schemas.microsoft.com/office/drawing/2014/main" id="{FC44CFDE-5068-1853-C7CD-CB1DA2E39A9D}"/>
+              </a:ext>
+            </a:extLst>
+          </p:cNvPr>
+          <p:cNvGrpSpPr/>
+          <p:nvPr/>
+        </p:nvGrpSpPr>
+        <p:grpSpPr>
+          <a:xfrm>
+            <a:off x="9954117" y="823427"/>
+            <a:ext cx="578562" cy="2095659"/>
+            <a:chOff x="6523247" y="489118"/>
+            <a:chExt cx="385708" cy="1397106"/>
+          </a:xfrm>
+        </p:grpSpPr>
+        <p:sp>
+          <p:nvSpPr>
+            <p:cNvPr id="24" name="Rectangle: Rounded Corners 23">
+              <a:extLst>
+                <a:ext uri="{FF2B5EF4-FFF2-40B4-BE49-F238E27FC236}">
+                  <a16:creationId xmlns:a16="http://schemas.microsoft.com/office/drawing/2014/main" id="{43772367-5AA3-C7EB-1ABD-54071223C4AD}"/>
+                </a:ext>
+              </a:extLst>
+            </p:cNvPr>
+            <p:cNvSpPr/>
+            <p:nvPr/>
+          </p:nvSpPr>
+          <p:spPr>
+            <a:xfrm rot="10800000">
+              <a:off x="6523247" y="511722"/>
+              <a:ext cx="341196" cy="1374502"/>
+            </a:xfrm>
+            <a:prstGeom prst="roundRect">
+              <a:avLst>
+                <a:gd name="adj" fmla="val 50000"/>
+              </a:avLst>
+            </a:prstGeom>
+            <a:gradFill>
+              <a:gsLst>
+                <a:gs pos="0">
+                  <a:srgbClr val="E2FFFC"/>
+                </a:gs>
+                <a:gs pos="100000">
+                  <a:srgbClr val="00D2B5"/>
+                </a:gs>
+              </a:gsLst>
+              <a:lin ang="5400000" scaled="1"/>
+            </a:gradFill>
+            <a:ln w="12700">
+              <a:solidFill>
+                <a:srgbClr val="352B5B"/>
+              </a:solidFill>
+            </a:ln>
+          </p:spPr>
+          <p:style>
+            <a:lnRef idx="2">
+              <a:schemeClr val="accent1">
+                <a:shade val="15000"/>
+              </a:schemeClr>
+            </a:lnRef>
+            <a:fillRef idx="1">
+              <a:schemeClr val="accent1"/>
+            </a:fillRef>
+            <a:effectRef idx="0">
+              <a:schemeClr val="accent1"/>
+            </a:effectRef>
+            <a:fontRef idx="minor">
+              <a:schemeClr val="lt1"/>
+            </a:fontRef>
+          </p:style>
+          <p:txBody>
+            <a:bodyPr rtlCol="0" anchor="ctr"/>
+            <a:lstStyle/>
+            <a:p>
+              <a:pPr algn="ctr"/>
+              <a:endParaRPr lang="en-US" sz="4050" dirty="0"/>
+            </a:p>
+          </p:txBody>
+        </p:sp>
+        <p:sp>
+          <p:nvSpPr>
+            <p:cNvPr id="25" name="TextBox 24">
+              <a:extLst>
+                <a:ext uri="{FF2B5EF4-FFF2-40B4-BE49-F238E27FC236}">
+                  <a16:creationId xmlns:a16="http://schemas.microsoft.com/office/drawing/2014/main" id="{354CB72C-DBE1-07B7-4D41-0A8D2670B174}"/>
+                </a:ext>
+              </a:extLst>
+            </p:cNvPr>
+            <p:cNvSpPr txBox="1"/>
+            <p:nvPr/>
+          </p:nvSpPr>
+          <p:spPr>
+            <a:xfrm>
+              <a:off x="6526022" y="489118"/>
+              <a:ext cx="382933" cy="1376018"/>
+            </a:xfrm>
+            <a:prstGeom prst="rect">
+              <a:avLst/>
+            </a:prstGeom>
+            <a:noFill/>
+          </p:spPr>
+          <p:txBody>
+            <a:bodyPr wrap="square" rtlCol="0">
+              <a:spAutoFit/>
+            </a:bodyPr>
+            <a:lstStyle/>
+            <a:p>
+              <a:pPr>
+                <a:lnSpc>
+                  <a:spcPct val="150000"/>
+                </a:lnSpc>
+              </a:pPr>
+              <a:r>
+                <a:rPr lang="en-US" sz="1350" b="1" dirty="0">
+                  <a:solidFill>
+                    <a:srgbClr val="352B5B"/>
+                  </a:solidFill>
+                  <a:latin typeface="Bahnschrift Light Condensed" panose="020B0502040204020203" pitchFamily="34" charset="0"/>
+                </a:rPr>
+                <a:t>MAX</a:t>
+              </a:r>
+            </a:p>
+            <a:p>
+              <a:pPr>
+                <a:lnSpc>
+                  <a:spcPct val="150000"/>
+                </a:lnSpc>
+              </a:pPr>
+              <a:br>
+                <a:rPr lang="en-US" sz="1350" b="1" dirty="0">
+                  <a:solidFill>
+                    <a:srgbClr val="352B5B"/>
+                  </a:solidFill>
+                  <a:latin typeface="Bahnschrift Light Condensed" panose="020B0502040204020203" pitchFamily="34" charset="0"/>
+                </a:rPr>
+              </a:br>
+              <a:br>
+                <a:rPr lang="en-US" sz="1350" b="1" dirty="0">
+                  <a:solidFill>
+                    <a:srgbClr val="352B5B"/>
+                  </a:solidFill>
+                  <a:latin typeface="Bahnschrift Light Condensed" panose="020B0502040204020203" pitchFamily="34" charset="0"/>
+                </a:rPr>
+              </a:br>
+              <a:endParaRPr lang="en-US" sz="900" b="1" dirty="0">
+                <a:solidFill>
+                  <a:srgbClr val="352B5B"/>
+                </a:solidFill>
+                <a:latin typeface="Bahnschrift Light Condensed" panose="020B0502040204020203" pitchFamily="34" charset="0"/>
+              </a:endParaRPr>
+            </a:p>
+            <a:p>
+              <a:pPr>
+                <a:lnSpc>
+                  <a:spcPct val="150000"/>
+                </a:lnSpc>
+              </a:pPr>
+              <a:endParaRPr lang="en-US" sz="2400" b="1" dirty="0">
+                <a:solidFill>
+                  <a:srgbClr val="352B5B"/>
+                </a:solidFill>
+                <a:latin typeface="Bahnschrift Light Condensed" panose="020B0502040204020203" pitchFamily="34" charset="0"/>
+              </a:endParaRPr>
+            </a:p>
+            <a:p>
+              <a:pPr>
+                <a:lnSpc>
+                  <a:spcPct val="150000"/>
+                </a:lnSpc>
+              </a:pPr>
+              <a:r>
+                <a:rPr lang="en-US" sz="450" b="1" dirty="0">
+                  <a:solidFill>
+                    <a:srgbClr val="352B5B"/>
+                  </a:solidFill>
+                  <a:latin typeface="Bahnschrift Light Condensed" panose="020B0502040204020203" pitchFamily="34" charset="0"/>
+                </a:rPr>
+                <a:t> </a:t>
+              </a:r>
+              <a:r>
+                <a:rPr lang="en-US" sz="1350" b="1" dirty="0">
+                  <a:solidFill>
+                    <a:srgbClr val="352B5B"/>
+                  </a:solidFill>
+                  <a:latin typeface="Bahnschrift Light Condensed" panose="020B0502040204020203" pitchFamily="34" charset="0"/>
+                </a:rPr>
+                <a:t>MIN</a:t>
+              </a:r>
+              <a:endParaRPr lang="en-US" sz="1350" dirty="0">
+                <a:solidFill>
+                  <a:srgbClr val="352B5B"/>
+                </a:solidFill>
+                <a:latin typeface="Bahnschrift Light Condensed" panose="020B0502040204020203" pitchFamily="34" charset="0"/>
+              </a:endParaRPr>
+            </a:p>
+          </p:txBody>
+        </p:sp>
+      </p:grpSp>
+      <p:sp>
+        <p:nvSpPr>
+          <p:cNvPr id="29" name="Rectangle: Rounded Corners 28">
+            <a:extLst>
+              <a:ext uri="{FF2B5EF4-FFF2-40B4-BE49-F238E27FC236}">
+                <a16:creationId xmlns:a16="http://schemas.microsoft.com/office/drawing/2014/main" id="{94790266-0D44-A1C3-2952-6860E1EE2C80}"/>
+              </a:ext>
+            </a:extLst>
+          </p:cNvPr>
+          <p:cNvSpPr/>
+          <p:nvPr/>
+        </p:nvSpPr>
+        <p:spPr>
+          <a:xfrm>
+            <a:off x="144781" y="3458816"/>
+            <a:ext cx="4557617" cy="6728487"/>
+          </a:xfrm>
+          <a:prstGeom prst="roundRect">
+            <a:avLst>
+              <a:gd name="adj" fmla="val 5192"/>
+            </a:avLst>
+          </a:prstGeom>
+          <a:solidFill>
+            <a:srgbClr val="EDE4DB"/>
+          </a:solidFill>
+          <a:ln>
+            <a:solidFill>
+              <a:srgbClr val="FCECDC"/>
+            </a:solidFill>
+          </a:ln>
+        </p:spPr>
+        <p:style>
+          <a:lnRef idx="2">
+            <a:schemeClr val="accent1">
+              <a:shade val="15000"/>
+            </a:schemeClr>
+          </a:lnRef>
+          <a:fillRef idx="1">
+            <a:schemeClr val="accent1"/>
+          </a:fillRef>
+          <a:effectRef idx="0">
+            <a:schemeClr val="accent1"/>
+          </a:effectRef>
+          <a:fontRef idx="minor">
+            <a:schemeClr val="lt1"/>
+          </a:fontRef>
+        </p:style>
+        <p:txBody>
+          <a:bodyPr rtlCol="0" anchor="t"/>
+          <a:lstStyle/>
+          <a:p>
+            <a:endParaRPr lang="en-US" sz="2100" dirty="0">
+              <a:solidFill>
+                <a:srgbClr val="013B43"/>
+              </a:solidFill>
+              <a:latin typeface="Bahnschrift Light Condensed" panose="020B0502040204020203" pitchFamily="34" charset="0"/>
+            </a:endParaRPr>
+          </a:p>
+        </p:txBody>
+      </p:sp>
+      <p:sp>
+        <p:nvSpPr>
+          <p:cNvPr id="31" name="Rectangle: Rounded Corners 30">
+            <a:extLst>
+              <a:ext uri="{FF2B5EF4-FFF2-40B4-BE49-F238E27FC236}">
+                <a16:creationId xmlns:a16="http://schemas.microsoft.com/office/drawing/2014/main" id="{A07852F2-ECC4-2D2D-E338-817B248AD560}"/>
+              </a:ext>
+            </a:extLst>
+          </p:cNvPr>
+          <p:cNvSpPr/>
+          <p:nvPr/>
+        </p:nvSpPr>
+        <p:spPr>
+          <a:xfrm>
+            <a:off x="4870123" y="6559826"/>
+            <a:ext cx="13288907" cy="3646208"/>
+          </a:xfrm>
+          <a:prstGeom prst="roundRect">
+            <a:avLst>
+              <a:gd name="adj" fmla="val 7212"/>
+            </a:avLst>
+          </a:prstGeom>
+          <a:solidFill>
+            <a:srgbClr val="EDE4DB"/>
+          </a:solidFill>
+          <a:ln>
+            <a:solidFill>
+              <a:srgbClr val="FCECDC"/>
+            </a:solidFill>
+          </a:ln>
+        </p:spPr>
+        <p:style>
+          <a:lnRef idx="2">
+            <a:schemeClr val="accent1">
+              <a:shade val="15000"/>
+            </a:schemeClr>
+          </a:lnRef>
+          <a:fillRef idx="1">
+            <a:schemeClr val="accent1"/>
+          </a:fillRef>
+          <a:effectRef idx="0">
+            <a:schemeClr val="accent1"/>
+          </a:effectRef>
+          <a:fontRef idx="minor">
+            <a:schemeClr val="lt1"/>
+          </a:fontRef>
+        </p:style>
+        <p:txBody>
+          <a:bodyPr rtlCol="0" anchor="ctr"/>
+          <a:lstStyle/>
+          <a:p>
+            <a:pPr algn="ctr"/>
+            <a:r>
+              <a:rPr lang="en-US" sz="4050" dirty="0"/>
+              <a:t> </a:t>
+            </a:r>
+          </a:p>
+        </p:txBody>
+      </p:sp>
+      <p:sp>
+        <p:nvSpPr>
+          <p:cNvPr id="32" name="Rectangle: Rounded Corners 31">
+            <a:extLst>
+              <a:ext uri="{FF2B5EF4-FFF2-40B4-BE49-F238E27FC236}">
+                <a16:creationId xmlns:a16="http://schemas.microsoft.com/office/drawing/2014/main" id="{1FB47C6E-5C93-56E4-4C88-ED4FCA4BC431}"/>
+              </a:ext>
+            </a:extLst>
+          </p:cNvPr>
+          <p:cNvSpPr/>
+          <p:nvPr/>
+        </p:nvSpPr>
+        <p:spPr>
+          <a:xfrm>
+            <a:off x="13735879" y="3458816"/>
+            <a:ext cx="4423151" cy="2961863"/>
+          </a:xfrm>
+          <a:prstGeom prst="roundRect">
+            <a:avLst>
+              <a:gd name="adj" fmla="val 7212"/>
+            </a:avLst>
+          </a:prstGeom>
+          <a:solidFill>
+            <a:srgbClr val="EDE4DB"/>
+          </a:solidFill>
+          <a:ln>
+            <a:solidFill>
+              <a:srgbClr val="FCECDC"/>
+            </a:solidFill>
+          </a:ln>
+        </p:spPr>
+        <p:style>
+          <a:lnRef idx="2">
+            <a:schemeClr val="accent1">
+              <a:shade val="15000"/>
+            </a:schemeClr>
+          </a:lnRef>
+          <a:fillRef idx="1">
+            <a:schemeClr val="accent1"/>
+          </a:fillRef>
+          <a:effectRef idx="0">
+            <a:schemeClr val="accent1"/>
+          </a:effectRef>
+          <a:fontRef idx="minor">
+            <a:schemeClr val="lt1"/>
+          </a:fontRef>
+        </p:style>
+        <p:txBody>
+          <a:bodyPr rtlCol="0" anchor="ctr"/>
+          <a:lstStyle/>
+          <a:p>
+            <a:pPr algn="ctr"/>
+            <a:endParaRPr lang="en-US" sz="4050" dirty="0"/>
+          </a:p>
+        </p:txBody>
+      </p:sp>
+      <p:sp>
+        <p:nvSpPr>
+          <p:cNvPr id="33" name="Rectangle: Rounded Corners 32">
+            <a:extLst>
+              <a:ext uri="{FF2B5EF4-FFF2-40B4-BE49-F238E27FC236}">
+                <a16:creationId xmlns:a16="http://schemas.microsoft.com/office/drawing/2014/main" id="{1606CAA9-2353-2D61-3D0E-598BFA7DE7E3}"/>
+              </a:ext>
+            </a:extLst>
+          </p:cNvPr>
+          <p:cNvSpPr/>
+          <p:nvPr/>
+        </p:nvSpPr>
+        <p:spPr>
+          <a:xfrm>
+            <a:off x="4826692" y="3458816"/>
+            <a:ext cx="8780216" cy="2961863"/>
+          </a:xfrm>
+          <a:prstGeom prst="roundRect">
+            <a:avLst>
+              <a:gd name="adj" fmla="val 7212"/>
+            </a:avLst>
+          </a:prstGeom>
+          <a:solidFill>
+            <a:srgbClr val="EDE4DB"/>
+          </a:solidFill>
+          <a:ln>
+            <a:solidFill>
+              <a:srgbClr val="FCECDC"/>
+            </a:solidFill>
+          </a:ln>
+        </p:spPr>
+        <p:style>
+          <a:lnRef idx="2">
+            <a:schemeClr val="accent1">
+              <a:shade val="15000"/>
+            </a:schemeClr>
+          </a:lnRef>
+          <a:fillRef idx="1">
+            <a:schemeClr val="accent1"/>
+          </a:fillRef>
+          <a:effectRef idx="0">
+            <a:schemeClr val="accent1"/>
+          </a:effectRef>
+          <a:fontRef idx="minor">
+            <a:schemeClr val="lt1"/>
+          </a:fontRef>
+        </p:style>
+        <p:txBody>
+          <a:bodyPr rtlCol="0" anchor="ctr"/>
+          <a:lstStyle/>
+          <a:p>
+            <a:pPr algn="ctr"/>
+            <a:endParaRPr lang="en-US" sz="4050" dirty="0"/>
+          </a:p>
+        </p:txBody>
+      </p:sp>
+      <p:sp>
+        <p:nvSpPr>
+          <p:cNvPr id="20" name="Rectangle: Diagonal Corners Rounded 19">
+            <a:extLst>
+              <a:ext uri="{FF2B5EF4-FFF2-40B4-BE49-F238E27FC236}">
+                <a16:creationId xmlns:a16="http://schemas.microsoft.com/office/drawing/2014/main" id="{A4C309A9-8F2D-A1FF-12BF-D46D0CBBE473}"/>
+              </a:ext>
+            </a:extLst>
+          </p:cNvPr>
+          <p:cNvSpPr/>
+          <p:nvPr/>
+        </p:nvSpPr>
+        <p:spPr>
+          <a:xfrm>
+            <a:off x="5126798" y="93666"/>
+            <a:ext cx="4367776" cy="1966494"/>
+          </a:xfrm>
+          <a:prstGeom prst="round2DiagRect">
+            <a:avLst>
+              <a:gd name="adj1" fmla="val 0"/>
+              <a:gd name="adj2" fmla="val 13971"/>
+            </a:avLst>
+          </a:prstGeom>
+          <a:solidFill>
+            <a:srgbClr val="EDE4DB"/>
+          </a:solidFill>
+          <a:ln>
+            <a:solidFill>
+              <a:srgbClr val="FCECDC"/>
+            </a:solidFill>
+          </a:ln>
+        </p:spPr>
+        <p:style>
+          <a:lnRef idx="2">
+            <a:schemeClr val="accent1">
+              <a:shade val="15000"/>
+            </a:schemeClr>
+          </a:lnRef>
+          <a:fillRef idx="1">
+            <a:schemeClr val="accent1"/>
+          </a:fillRef>
+          <a:effectRef idx="0">
+            <a:schemeClr val="accent1"/>
+          </a:effectRef>
+          <a:fontRef idx="minor">
+            <a:schemeClr val="lt1"/>
+          </a:fontRef>
+        </p:style>
+        <p:txBody>
+          <a:bodyPr rtlCol="0" anchor="t"/>
+          <a:lstStyle/>
+          <a:p>
+            <a:endParaRPr lang="en-US" sz="4050" dirty="0">
+              <a:solidFill>
+                <a:srgbClr val="013B43"/>
+              </a:solidFill>
+              <a:latin typeface="Bahnschrift Light Condensed" panose="020B0502040204020203" pitchFamily="34" charset="0"/>
+            </a:endParaRPr>
+          </a:p>
+        </p:txBody>
+      </p:sp>
+      <p:sp>
+        <p:nvSpPr>
+          <p:cNvPr id="21" name="TextBox 20">
+            <a:extLst>
+              <a:ext uri="{FF2B5EF4-FFF2-40B4-BE49-F238E27FC236}">
+                <a16:creationId xmlns:a16="http://schemas.microsoft.com/office/drawing/2014/main" id="{A919E11B-4665-BBB2-BF56-5C27D78982F0}"/>
+              </a:ext>
+            </a:extLst>
+          </p:cNvPr>
+          <p:cNvSpPr txBox="1"/>
+          <p:nvPr/>
+        </p:nvSpPr>
+        <p:spPr>
+          <a:xfrm>
+            <a:off x="5271664" y="607242"/>
+            <a:ext cx="4155506" cy="1302280"/>
+          </a:xfrm>
+          <a:prstGeom prst="rect">
+            <a:avLst/>
+          </a:prstGeom>
+          <a:noFill/>
+        </p:spPr>
+        <p:txBody>
+          <a:bodyPr wrap="square" rtlCol="0">
+            <a:spAutoFit/>
+          </a:bodyPr>
+          <a:lstStyle/>
+          <a:p>
+            <a:pPr>
+              <a:lnSpc>
+                <a:spcPct val="150000"/>
+              </a:lnSpc>
+            </a:pPr>
+            <a:r>
+              <a:rPr lang="en-US" sz="1350" b="1" dirty="0">
+                <a:solidFill>
+                  <a:srgbClr val="013B43"/>
+                </a:solidFill>
+                <a:latin typeface="Bahnschrift Light Condensed" panose="020B0502040204020203" pitchFamily="34" charset="0"/>
+              </a:rPr>
+              <a:t>Impressions</a:t>
+            </a:r>
+            <a:r>
+              <a:rPr lang="en-US" sz="1350" dirty="0">
+                <a:solidFill>
+                  <a:srgbClr val="013B43"/>
+                </a:solidFill>
+                <a:latin typeface="Bahnschrift Light Condensed" panose="020B0502040204020203" pitchFamily="34" charset="0"/>
+              </a:rPr>
+              <a:t> = The number of times ads were displayed on screen.</a:t>
+            </a:r>
+          </a:p>
+          <a:p>
+            <a:pPr>
+              <a:lnSpc>
+                <a:spcPct val="150000"/>
+              </a:lnSpc>
+            </a:pPr>
+            <a:r>
+              <a:rPr lang="en-US" sz="1350" b="1" dirty="0">
+                <a:solidFill>
+                  <a:srgbClr val="013B43"/>
+                </a:solidFill>
+                <a:latin typeface="Bahnschrift Light Condensed" panose="020B0502040204020203" pitchFamily="34" charset="0"/>
+              </a:rPr>
+              <a:t>Spending</a:t>
+            </a:r>
+            <a:r>
+              <a:rPr lang="en-US" sz="1350" dirty="0">
+                <a:solidFill>
+                  <a:srgbClr val="013B43"/>
+                </a:solidFill>
+                <a:latin typeface="Bahnschrift Light Condensed" panose="020B0502040204020203" pitchFamily="34" charset="0"/>
+              </a:rPr>
+              <a:t> = The amount of money spent running the ad.</a:t>
+            </a:r>
+          </a:p>
+          <a:p>
+            <a:pPr>
+              <a:lnSpc>
+                <a:spcPct val="150000"/>
+              </a:lnSpc>
+            </a:pPr>
+            <a:r>
+              <a:rPr lang="en-US" sz="1350" b="1" dirty="0">
+                <a:solidFill>
+                  <a:srgbClr val="013B43"/>
+                </a:solidFill>
+                <a:latin typeface="Bahnschrift Light Condensed" panose="020B0502040204020203" pitchFamily="34" charset="0"/>
+              </a:rPr>
+              <a:t>Reach</a:t>
+            </a:r>
+            <a:r>
+              <a:rPr lang="en-US" sz="1350" dirty="0">
+                <a:solidFill>
+                  <a:srgbClr val="013B43"/>
+                </a:solidFill>
+                <a:latin typeface="Bahnschrift Light Condensed" panose="020B0502040204020203" pitchFamily="34" charset="0"/>
+              </a:rPr>
+              <a:t> = The number of unique users who see the ad.</a:t>
+            </a:r>
+          </a:p>
+          <a:p>
+            <a:pPr>
+              <a:lnSpc>
+                <a:spcPct val="150000"/>
+              </a:lnSpc>
+            </a:pPr>
+            <a:r>
+              <a:rPr lang="en-US" sz="1350" b="1" dirty="0">
+                <a:solidFill>
+                  <a:srgbClr val="013B43"/>
+                </a:solidFill>
+                <a:latin typeface="Bahnschrift Light Condensed" panose="020B0502040204020203" pitchFamily="34" charset="0"/>
+              </a:rPr>
+              <a:t>Audience </a:t>
+            </a:r>
+            <a:r>
+              <a:rPr lang="en-US" sz="1350" dirty="0">
+                <a:solidFill>
+                  <a:srgbClr val="013B43"/>
+                </a:solidFill>
+                <a:latin typeface="Bahnschrift Light Condensed" panose="020B0502040204020203" pitchFamily="34" charset="0"/>
+              </a:rPr>
+              <a:t>= The number of potential users the advertiser target.</a:t>
+            </a:r>
+          </a:p>
+        </p:txBody>
+      </p:sp>
+      <p:sp>
+        <p:nvSpPr>
+          <p:cNvPr id="39" name="Rectangle: Diagonal Corners Snipped 38">
+            <a:extLst>
+              <a:ext uri="{FF2B5EF4-FFF2-40B4-BE49-F238E27FC236}">
+                <a16:creationId xmlns:a16="http://schemas.microsoft.com/office/drawing/2014/main" id="{0825D99B-4DEB-2498-DA24-4BFE2E99A11E}"/>
+              </a:ext>
+            </a:extLst>
+          </p:cNvPr>
+          <p:cNvSpPr/>
+          <p:nvPr/>
+        </p:nvSpPr>
+        <p:spPr>
+          <a:xfrm>
+            <a:off x="4766070" y="3339045"/>
+            <a:ext cx="4503894" cy="513543"/>
+          </a:xfrm>
+          <a:prstGeom prst="snip2DiagRect">
+            <a:avLst>
+              <a:gd name="adj1" fmla="val 0"/>
+              <a:gd name="adj2" fmla="val 16667"/>
+            </a:avLst>
+          </a:prstGeom>
+          <a:noFill/>
+        </p:spPr>
+        <p:txBody>
+          <a:bodyPr wrap="square" rtlCol="0">
+            <a:spAutoFit/>
+          </a:bodyPr>
+          <a:lstStyle/>
+          <a:p>
+            <a:pPr>
+              <a:lnSpc>
+                <a:spcPct val="150000"/>
+              </a:lnSpc>
+            </a:pPr>
+            <a:r>
+              <a:rPr lang="en-US" sz="1650" b="1" dirty="0">
+                <a:solidFill>
+                  <a:srgbClr val="013B43"/>
+                </a:solidFill>
+                <a:latin typeface="Bahnschrift Light Condensed" panose="020B0502040204020203" pitchFamily="34" charset="0"/>
+              </a:rPr>
+              <a:t>Age base Pareto principle and top advertisers</a:t>
+            </a:r>
+          </a:p>
+        </p:txBody>
+      </p:sp>
+      <p:sp>
+        <p:nvSpPr>
+          <p:cNvPr id="40" name="Rectangle: Diagonal Corners Snipped 39">
+            <a:extLst>
+              <a:ext uri="{FF2B5EF4-FFF2-40B4-BE49-F238E27FC236}">
+                <a16:creationId xmlns:a16="http://schemas.microsoft.com/office/drawing/2014/main" id="{96C5F19E-901A-BC93-E85E-52A4FF72726A}"/>
+              </a:ext>
+            </a:extLst>
+          </p:cNvPr>
+          <p:cNvSpPr/>
+          <p:nvPr/>
+        </p:nvSpPr>
+        <p:spPr>
+          <a:xfrm>
+            <a:off x="13833360" y="3325795"/>
+            <a:ext cx="4503894" cy="513543"/>
+          </a:xfrm>
+          <a:prstGeom prst="snip2DiagRect">
+            <a:avLst>
+              <a:gd name="adj1" fmla="val 0"/>
+              <a:gd name="adj2" fmla="val 16667"/>
+            </a:avLst>
+          </a:prstGeom>
+          <a:noFill/>
+        </p:spPr>
+        <p:txBody>
+          <a:bodyPr wrap="square" rtlCol="0">
+            <a:spAutoFit/>
+          </a:bodyPr>
+          <a:lstStyle/>
+          <a:p>
+            <a:pPr>
+              <a:lnSpc>
+                <a:spcPct val="150000"/>
+              </a:lnSpc>
+            </a:pPr>
+            <a:r>
+              <a:rPr lang="en-US" sz="1650" b="1" dirty="0">
+                <a:solidFill>
+                  <a:srgbClr val="013B43"/>
+                </a:solidFill>
+                <a:latin typeface="Bahnschrift Light Condensed" panose="020B0502040204020203" pitchFamily="34" charset="0"/>
+              </a:rPr>
+              <a:t>Change of advertisement over time </a:t>
+            </a:r>
+          </a:p>
+        </p:txBody>
+      </p:sp>
+      <p:sp>
+        <p:nvSpPr>
+          <p:cNvPr id="46" name="Rectangle: Diagonal Corners Snipped 45">
+            <a:extLst>
+              <a:ext uri="{FF2B5EF4-FFF2-40B4-BE49-F238E27FC236}">
+                <a16:creationId xmlns:a16="http://schemas.microsoft.com/office/drawing/2014/main" id="{D226EE8A-22BB-DB47-AD87-A4527344AC12}"/>
+              </a:ext>
+            </a:extLst>
+          </p:cNvPr>
+          <p:cNvSpPr/>
+          <p:nvPr/>
+        </p:nvSpPr>
+        <p:spPr>
+          <a:xfrm>
+            <a:off x="164694" y="3339046"/>
+            <a:ext cx="4503894" cy="513543"/>
+          </a:xfrm>
+          <a:prstGeom prst="snip2DiagRect">
+            <a:avLst>
+              <a:gd name="adj1" fmla="val 0"/>
+              <a:gd name="adj2" fmla="val 16667"/>
+            </a:avLst>
+          </a:prstGeom>
+          <a:noFill/>
+        </p:spPr>
+        <p:txBody>
+          <a:bodyPr wrap="square" rtlCol="0">
+            <a:spAutoFit/>
+          </a:bodyPr>
+          <a:lstStyle/>
+          <a:p>
+            <a:pPr>
+              <a:lnSpc>
+                <a:spcPct val="150000"/>
+              </a:lnSpc>
+            </a:pPr>
+            <a:r>
+              <a:rPr lang="en-US" sz="1650" b="1" dirty="0">
+                <a:solidFill>
+                  <a:srgbClr val="013B43"/>
+                </a:solidFill>
+                <a:latin typeface="Bahnschrift Light Condensed" panose="020B0502040204020203" pitchFamily="34" charset="0"/>
+              </a:rPr>
+              <a:t>Evolution vs previous year</a:t>
+            </a:r>
+          </a:p>
+        </p:txBody>
+      </p:sp>
+      <p:sp>
+        <p:nvSpPr>
+          <p:cNvPr id="47" name="Rectangle: Diagonal Corners Snipped 46">
+            <a:extLst>
+              <a:ext uri="{FF2B5EF4-FFF2-40B4-BE49-F238E27FC236}">
+                <a16:creationId xmlns:a16="http://schemas.microsoft.com/office/drawing/2014/main" id="{C6589DFB-4793-8A7B-C938-B93BD0A448E9}"/>
+              </a:ext>
+            </a:extLst>
+          </p:cNvPr>
+          <p:cNvSpPr/>
+          <p:nvPr/>
+        </p:nvSpPr>
+        <p:spPr>
+          <a:xfrm>
+            <a:off x="4847177" y="6543962"/>
+            <a:ext cx="4503894" cy="513543"/>
+          </a:xfrm>
+          <a:prstGeom prst="snip2DiagRect">
+            <a:avLst>
+              <a:gd name="adj1" fmla="val 0"/>
+              <a:gd name="adj2" fmla="val 16667"/>
+            </a:avLst>
+          </a:prstGeom>
+          <a:noFill/>
+        </p:spPr>
+        <p:txBody>
+          <a:bodyPr wrap="square" rtlCol="0">
+            <a:spAutoFit/>
+          </a:bodyPr>
+          <a:lstStyle/>
+          <a:p>
+            <a:pPr>
+              <a:lnSpc>
+                <a:spcPct val="150000"/>
+              </a:lnSpc>
+            </a:pPr>
+            <a:r>
+              <a:rPr lang="en-US" sz="1650" b="1" dirty="0">
+                <a:solidFill>
+                  <a:srgbClr val="013B43"/>
+                </a:solidFill>
+                <a:latin typeface="Bahnschrift Light Condensed" panose="020B0502040204020203" pitchFamily="34" charset="0"/>
+              </a:rPr>
+              <a:t>Overall statistics of individual advertisers</a:t>
+            </a:r>
+          </a:p>
+        </p:txBody>
+      </p:sp>
+      <p:sp>
+        <p:nvSpPr>
+          <p:cNvPr id="48" name="Rectangle: Diagonal Corners Snipped 47">
+            <a:extLst>
+              <a:ext uri="{FF2B5EF4-FFF2-40B4-BE49-F238E27FC236}">
+                <a16:creationId xmlns:a16="http://schemas.microsoft.com/office/drawing/2014/main" id="{C039DF53-3ADD-993D-703E-85FC63FC1D5F}"/>
+              </a:ext>
+            </a:extLst>
+          </p:cNvPr>
+          <p:cNvSpPr/>
+          <p:nvPr/>
+        </p:nvSpPr>
+        <p:spPr>
+          <a:xfrm>
+            <a:off x="395250" y="687072"/>
+            <a:ext cx="4474873" cy="513543"/>
+          </a:xfrm>
+          <a:prstGeom prst="snip2DiagRect">
+            <a:avLst>
+              <a:gd name="adj1" fmla="val 0"/>
+              <a:gd name="adj2" fmla="val 16667"/>
+            </a:avLst>
+          </a:prstGeom>
+          <a:noFill/>
+        </p:spPr>
+        <p:txBody>
+          <a:bodyPr wrap="square" rtlCol="0">
+            <a:spAutoFit/>
+          </a:bodyPr>
+          <a:lstStyle/>
+          <a:p>
+            <a:pPr>
+              <a:lnSpc>
+                <a:spcPct val="150000"/>
+              </a:lnSpc>
+            </a:pPr>
+            <a:r>
+              <a:rPr lang="en-US" sz="1650" b="1" dirty="0">
+                <a:solidFill>
+                  <a:srgbClr val="013B43"/>
+                </a:solidFill>
+                <a:latin typeface="Bahnschrift Light Condensed" panose="020B0502040204020203" pitchFamily="34" charset="0"/>
+              </a:rPr>
+              <a:t>Political Advertisement in the Czech Republic</a:t>
+            </a:r>
+          </a:p>
+        </p:txBody>
+      </p:sp>
+      <p:sp>
+        <p:nvSpPr>
+          <p:cNvPr id="59" name="Rectangle: Diagonal Corners Snipped 58">
+            <a:extLst>
+              <a:ext uri="{FF2B5EF4-FFF2-40B4-BE49-F238E27FC236}">
+                <a16:creationId xmlns:a16="http://schemas.microsoft.com/office/drawing/2014/main" id="{F063EECB-0A88-02E3-6F1B-7ECAA26C10BD}"/>
+              </a:ext>
+            </a:extLst>
+          </p:cNvPr>
+          <p:cNvSpPr/>
+          <p:nvPr/>
+        </p:nvSpPr>
+        <p:spPr>
+          <a:xfrm>
+            <a:off x="654828" y="1097889"/>
+            <a:ext cx="4140339" cy="863479"/>
+          </a:xfrm>
+          <a:prstGeom prst="snip2DiagRect">
+            <a:avLst>
+              <a:gd name="adj1" fmla="val 0"/>
+              <a:gd name="adj2" fmla="val 16667"/>
+            </a:avLst>
+          </a:prstGeom>
+          <a:noFill/>
+        </p:spPr>
+        <p:txBody>
+          <a:bodyPr wrap="square" rtlCol="0">
+            <a:spAutoFit/>
+          </a:bodyPr>
+          <a:lstStyle/>
+          <a:p>
+            <a:pPr>
+              <a:lnSpc>
+                <a:spcPts val="1650"/>
+              </a:lnSpc>
+            </a:pPr>
+            <a:r>
+              <a:rPr lang="en-US" sz="1200" dirty="0">
+                <a:solidFill>
+                  <a:srgbClr val="013B43"/>
+                </a:solidFill>
+                <a:latin typeface="Bahnschrift Light Condensed" panose="020B0502040204020203" pitchFamily="34" charset="0"/>
+              </a:rPr>
+              <a:t>When ads about social issues, elections or politics appear across Meta technologies, they're required to include information about who paid for them. Additional transparency about spend, reach and funding entities </a:t>
+            </a:r>
+          </a:p>
+        </p:txBody>
+      </p:sp>
+      <p:cxnSp>
+        <p:nvCxnSpPr>
+          <p:cNvPr id="60" name="Straight Connector 59">
+            <a:extLst>
+              <a:ext uri="{FF2B5EF4-FFF2-40B4-BE49-F238E27FC236}">
+                <a16:creationId xmlns:a16="http://schemas.microsoft.com/office/drawing/2014/main" id="{20C91D27-9E23-23DF-A21B-1AC457E96804}"/>
+              </a:ext>
+            </a:extLst>
+          </p:cNvPr>
+          <p:cNvCxnSpPr>
+            <a:cxnSpLocks/>
+          </p:cNvCxnSpPr>
+          <p:nvPr/>
+        </p:nvCxnSpPr>
+        <p:spPr>
+          <a:xfrm>
+            <a:off x="8608569" y="3683168"/>
+            <a:ext cx="411957" cy="0"/>
+          </a:xfrm>
+          <a:prstGeom prst="line">
+            <a:avLst/>
+          </a:prstGeom>
+          <a:ln w="50800" cmpd="sng">
+            <a:solidFill>
+              <a:srgbClr val="002060"/>
+            </a:solidFill>
+            <a:round/>
+          </a:ln>
+        </p:spPr>
+        <p:style>
+          <a:lnRef idx="1">
+            <a:schemeClr val="accent1"/>
+          </a:lnRef>
+          <a:fillRef idx="0">
+            <a:schemeClr val="accent1"/>
+          </a:fillRef>
+          <a:effectRef idx="0">
+            <a:schemeClr val="accent1"/>
+          </a:effectRef>
+          <a:fontRef idx="minor">
+            <a:schemeClr val="tx1"/>
+          </a:fontRef>
+        </p:style>
+      </p:cxnSp>
+      <p:sp>
+        <p:nvSpPr>
+          <p:cNvPr id="61" name="Rectangle: Diagonal Corners Snipped 60">
+            <a:extLst>
+              <a:ext uri="{FF2B5EF4-FFF2-40B4-BE49-F238E27FC236}">
+                <a16:creationId xmlns:a16="http://schemas.microsoft.com/office/drawing/2014/main" id="{1AE1228C-40AA-32C3-44FF-EA5FF5C3FEE0}"/>
+              </a:ext>
+            </a:extLst>
+          </p:cNvPr>
+          <p:cNvSpPr/>
+          <p:nvPr/>
+        </p:nvSpPr>
+        <p:spPr>
+          <a:xfrm>
+            <a:off x="8674703" y="3410696"/>
+            <a:ext cx="1423832" cy="558194"/>
+          </a:xfrm>
+          <a:prstGeom prst="snip2DiagRect">
+            <a:avLst>
+              <a:gd name="adj1" fmla="val 0"/>
+              <a:gd name="adj2" fmla="val 16667"/>
+            </a:avLst>
+          </a:prstGeom>
+          <a:solidFill>
+            <a:srgbClr val="DBE9F2">
+              <a:alpha val="0"/>
+            </a:srgbClr>
+          </a:solidFill>
+          <a:ln>
+            <a:solidFill>
+              <a:srgbClr val="DBE9F2">
+                <a:alpha val="0"/>
+              </a:srgbClr>
+            </a:solidFill>
+          </a:ln>
+        </p:spPr>
+        <p:style>
+          <a:lnRef idx="2">
+            <a:schemeClr val="accent1">
+              <a:shade val="15000"/>
+            </a:schemeClr>
+          </a:lnRef>
+          <a:fillRef idx="1">
+            <a:schemeClr val="accent1"/>
+          </a:fillRef>
+          <a:effectRef idx="0">
+            <a:schemeClr val="accent1"/>
+          </a:effectRef>
+          <a:fontRef idx="minor">
+            <a:schemeClr val="lt1"/>
+          </a:fontRef>
+        </p:style>
+        <p:txBody>
+          <a:bodyPr rtlCol="0" anchor="t"/>
+          <a:lstStyle/>
+          <a:p>
+            <a:pPr marL="342900" indent="-85725">
+              <a:lnSpc>
+                <a:spcPct val="150000"/>
+              </a:lnSpc>
+            </a:pPr>
+            <a:r>
+              <a:rPr lang="en-US" sz="1200" dirty="0">
+                <a:solidFill>
+                  <a:srgbClr val="013B43"/>
+                </a:solidFill>
+              </a:rPr>
+              <a:t>80/20 line</a:t>
+            </a:r>
+          </a:p>
+        </p:txBody>
+      </p:sp>
+      <p:sp>
+        <p:nvSpPr>
+          <p:cNvPr id="6" name="Rectangle: Diagonal Corners Snipped 5">
+            <a:extLst>
+              <a:ext uri="{FF2B5EF4-FFF2-40B4-BE49-F238E27FC236}">
+                <a16:creationId xmlns:a16="http://schemas.microsoft.com/office/drawing/2014/main" id="{49640008-2633-13F7-2F03-CD004E03890D}"/>
+              </a:ext>
+            </a:extLst>
+          </p:cNvPr>
+          <p:cNvSpPr/>
+          <p:nvPr/>
+        </p:nvSpPr>
+        <p:spPr>
+          <a:xfrm>
+            <a:off x="164694" y="5655525"/>
+            <a:ext cx="4503894" cy="513543"/>
+          </a:xfrm>
+          <a:prstGeom prst="snip2DiagRect">
+            <a:avLst>
+              <a:gd name="adj1" fmla="val 0"/>
+              <a:gd name="adj2" fmla="val 16667"/>
+            </a:avLst>
+          </a:prstGeom>
+          <a:noFill/>
+        </p:spPr>
+        <p:txBody>
+          <a:bodyPr wrap="square" rtlCol="0">
+            <a:spAutoFit/>
+          </a:bodyPr>
+          <a:lstStyle/>
+          <a:p>
+            <a:pPr>
+              <a:lnSpc>
+                <a:spcPct val="150000"/>
+              </a:lnSpc>
+            </a:pPr>
+            <a:r>
+              <a:rPr lang="en-US" sz="1650" b="1" dirty="0">
+                <a:solidFill>
+                  <a:srgbClr val="013B43"/>
+                </a:solidFill>
+                <a:latin typeface="Bahnschrift Light Condensed" panose="020B0502040204020203" pitchFamily="34" charset="0"/>
+              </a:rPr>
+              <a:t>Who are the top 10 performers in each domain</a:t>
+            </a:r>
+          </a:p>
+        </p:txBody>
+      </p:sp>
+      <p:sp>
+        <p:nvSpPr>
+          <p:cNvPr id="7" name="TextBox 6">
+            <a:extLst>
+              <a:ext uri="{FF2B5EF4-FFF2-40B4-BE49-F238E27FC236}">
+                <a16:creationId xmlns:a16="http://schemas.microsoft.com/office/drawing/2014/main" id="{38B8B206-698F-F15B-9120-B84E53B796D5}"/>
+              </a:ext>
+            </a:extLst>
+          </p:cNvPr>
+          <p:cNvSpPr txBox="1"/>
+          <p:nvPr/>
+        </p:nvSpPr>
+        <p:spPr>
+          <a:xfrm>
+            <a:off x="8408148" y="6474380"/>
+            <a:ext cx="4585253" cy="367408"/>
+          </a:xfrm>
+          <a:prstGeom prst="rect">
+            <a:avLst/>
+          </a:prstGeom>
+          <a:noFill/>
+        </p:spPr>
+        <p:txBody>
+          <a:bodyPr wrap="square" rtlCol="0">
+            <a:spAutoFit/>
+          </a:bodyPr>
+          <a:lstStyle/>
+          <a:p>
+            <a:pPr>
+              <a:lnSpc>
+                <a:spcPct val="150000"/>
+              </a:lnSpc>
+            </a:pPr>
+            <a:r>
+              <a:rPr lang="en-US" sz="1350" b="1" dirty="0">
+                <a:solidFill>
+                  <a:srgbClr val="013B43"/>
+                </a:solidFill>
+                <a:latin typeface="Bahnschrift Light Condensed" panose="020B0502040204020203" pitchFamily="34" charset="0"/>
+              </a:rPr>
+              <a:t>Conversion </a:t>
+            </a:r>
+            <a:r>
+              <a:rPr lang="en-US" sz="1350" dirty="0">
+                <a:solidFill>
+                  <a:srgbClr val="013B43"/>
+                </a:solidFill>
+                <a:latin typeface="Bahnschrift Light Condensed" panose="020B0502040204020203" pitchFamily="34" charset="0"/>
+              </a:rPr>
+              <a:t>= Accuracy of meeting the targeted audience</a:t>
+            </a:r>
+          </a:p>
+        </p:txBody>
+      </p:sp>
+      <p:sp>
+        <p:nvSpPr>
+          <p:cNvPr id="8" name="TextBox 7">
+            <a:extLst>
+              <a:ext uri="{FF2B5EF4-FFF2-40B4-BE49-F238E27FC236}">
+                <a16:creationId xmlns:a16="http://schemas.microsoft.com/office/drawing/2014/main" id="{B8CAE182-0993-2C00-A025-BE31AA03772D}"/>
+              </a:ext>
+            </a:extLst>
+          </p:cNvPr>
+          <p:cNvSpPr txBox="1"/>
+          <p:nvPr/>
+        </p:nvSpPr>
+        <p:spPr>
+          <a:xfrm>
+            <a:off x="15866610" y="6474380"/>
+            <a:ext cx="2292419" cy="364652"/>
+          </a:xfrm>
+          <a:prstGeom prst="rect">
+            <a:avLst/>
+          </a:prstGeom>
+          <a:noFill/>
+        </p:spPr>
+        <p:txBody>
+          <a:bodyPr wrap="square" rtlCol="0">
+            <a:spAutoFit/>
+          </a:bodyPr>
+          <a:lstStyle/>
+          <a:p>
+            <a:pPr>
+              <a:lnSpc>
+                <a:spcPct val="150000"/>
+              </a:lnSpc>
+            </a:pPr>
+            <a:r>
+              <a:rPr lang="en-US" sz="1350" dirty="0">
+                <a:solidFill>
+                  <a:srgbClr val="013B43"/>
+                </a:solidFill>
+                <a:latin typeface="Bahnschrift Light Condensed" panose="020B0502040204020203" pitchFamily="34" charset="0"/>
+              </a:rPr>
+              <a:t>= The value is above market average </a:t>
+            </a:r>
+          </a:p>
+        </p:txBody>
+      </p:sp>
+      <p:sp>
+        <p:nvSpPr>
+          <p:cNvPr id="11" name="TextBox 10">
+            <a:extLst>
+              <a:ext uri="{FF2B5EF4-FFF2-40B4-BE49-F238E27FC236}">
+                <a16:creationId xmlns:a16="http://schemas.microsoft.com/office/drawing/2014/main" id="{9CF27C89-1D7A-F323-BAC7-8CCB19F8BA4C}"/>
+              </a:ext>
+            </a:extLst>
+          </p:cNvPr>
+          <p:cNvSpPr txBox="1"/>
+          <p:nvPr/>
+        </p:nvSpPr>
+        <p:spPr>
+          <a:xfrm>
+            <a:off x="15857539" y="6706200"/>
+            <a:ext cx="2285680" cy="364652"/>
+          </a:xfrm>
+          <a:prstGeom prst="rect">
+            <a:avLst/>
+          </a:prstGeom>
+          <a:noFill/>
+        </p:spPr>
+        <p:txBody>
+          <a:bodyPr wrap="square" rtlCol="0">
+            <a:spAutoFit/>
+          </a:bodyPr>
+          <a:lstStyle/>
+          <a:p>
+            <a:pPr>
+              <a:lnSpc>
+                <a:spcPct val="150000"/>
+              </a:lnSpc>
+            </a:pPr>
+            <a:r>
+              <a:rPr lang="en-US" sz="1350" dirty="0">
+                <a:solidFill>
+                  <a:srgbClr val="013B43"/>
+                </a:solidFill>
+                <a:latin typeface="Bahnschrift Light Condensed" panose="020B0502040204020203" pitchFamily="34" charset="0"/>
+              </a:rPr>
+              <a:t>= The value is below market average </a:t>
+            </a:r>
+          </a:p>
+        </p:txBody>
+      </p:sp>
+      <p:sp>
+        <p:nvSpPr>
+          <p:cNvPr id="12" name="TextBox 11">
+            <a:extLst>
+              <a:ext uri="{FF2B5EF4-FFF2-40B4-BE49-F238E27FC236}">
+                <a16:creationId xmlns:a16="http://schemas.microsoft.com/office/drawing/2014/main" id="{057172DF-5F18-AC65-687D-C0BF06CA2267}"/>
+              </a:ext>
+            </a:extLst>
+          </p:cNvPr>
+          <p:cNvSpPr txBox="1"/>
+          <p:nvPr/>
+        </p:nvSpPr>
+        <p:spPr>
+          <a:xfrm>
+            <a:off x="8408148" y="6706200"/>
+            <a:ext cx="4585253" cy="367408"/>
+          </a:xfrm>
+          <a:prstGeom prst="rect">
+            <a:avLst/>
+          </a:prstGeom>
+          <a:noFill/>
+        </p:spPr>
+        <p:txBody>
+          <a:bodyPr wrap="square" rtlCol="0">
+            <a:spAutoFit/>
+          </a:bodyPr>
+          <a:lstStyle/>
+          <a:p>
+            <a:pPr>
+              <a:lnSpc>
+                <a:spcPct val="150000"/>
+              </a:lnSpc>
+            </a:pPr>
+            <a:r>
+              <a:rPr lang="en-US" sz="1350" b="1" dirty="0">
+                <a:solidFill>
+                  <a:srgbClr val="013B43"/>
+                </a:solidFill>
+                <a:latin typeface="Bahnschrift Light Condensed" panose="020B0502040204020203" pitchFamily="34" charset="0"/>
+              </a:rPr>
+              <a:t>Reach Ratio </a:t>
+            </a:r>
+            <a:r>
+              <a:rPr lang="en-US" sz="1350" dirty="0">
+                <a:solidFill>
+                  <a:srgbClr val="013B43"/>
+                </a:solidFill>
+                <a:latin typeface="Bahnschrift Light Condensed" panose="020B0502040204020203" pitchFamily="34" charset="0"/>
+              </a:rPr>
+              <a:t>= The average number of times an ad is shown to an individual</a:t>
+            </a:r>
+          </a:p>
+        </p:txBody>
+      </p:sp>
+      <p:pic>
+        <p:nvPicPr>
+          <p:cNvPr id="5" name="Picture 4">
+            <a:extLst>
+              <a:ext uri="{FF2B5EF4-FFF2-40B4-BE49-F238E27FC236}">
+                <a16:creationId xmlns:a16="http://schemas.microsoft.com/office/drawing/2014/main" id="{F5A844A0-BCAD-0D80-04D7-D09F39CA9790}"/>
+              </a:ext>
+            </a:extLst>
+          </p:cNvPr>
+          <p:cNvPicPr>
+            <a:picLocks noChangeAspect="1"/>
+          </p:cNvPicPr>
+          <p:nvPr/>
+        </p:nvPicPr>
+        <p:blipFill>
+          <a:blip r:embed="rId2"/>
+          <a:stretch>
+            <a:fillRect/>
+          </a:stretch>
+        </p:blipFill>
+        <p:spPr>
+          <a:xfrm>
+            <a:off x="15619919" y="6642975"/>
+            <a:ext cx="246690" cy="360167"/>
+          </a:xfrm>
+          <a:prstGeom prst="rect">
+            <a:avLst/>
+          </a:prstGeom>
+        </p:spPr>
+      </p:pic>
+    </p:spTree>
+    <p:extLst>
+      <p:ext uri="{BB962C8B-B14F-4D97-AF65-F5344CB8AC3E}">
+        <p14:creationId xmlns:p14="http://schemas.microsoft.com/office/powerpoint/2010/main" val="669555221"/>
+      </p:ext>
+    </p:extLst>
+  </p:cSld>
+  <p:clrMapOvr>
+    <a:masterClrMapping/>
+  </p:clrMapOvr>
+</p:sld>
+</file>
+
+<file path=ppt/slides/slide6.xml><?xml version="1.0" encoding="utf-8"?>
+<p:sld xmlns:a="http://schemas.openxmlformats.org/drawingml/2006/main" xmlns:r="http://schemas.openxmlformats.org/officeDocument/2006/relationships" xmlns:p="http://schemas.openxmlformats.org/presentationml/2006/main">
+  <p:cSld>
+    <p:bg>
+      <p:bgPr>
+        <a:solidFill>
+          <a:srgbClr val="FCECDC"/>
+        </a:solidFill>
+        <a:effectLst/>
+      </p:bgPr>
+    </p:bg>
+    <p:spTree>
+      <p:nvGrpSpPr>
+        <p:cNvPr id="1" name="">
+          <a:extLst>
+            <a:ext uri="{FF2B5EF4-FFF2-40B4-BE49-F238E27FC236}">
+              <a16:creationId xmlns:a16="http://schemas.microsoft.com/office/drawing/2014/main" id="{9C7866E7-E4F4-920B-5F8F-C9F396D77E33}"/>
+            </a:ext>
+          </a:extLst>
+        </p:cNvPr>
+        <p:cNvGrpSpPr/>
+        <p:nvPr/>
+      </p:nvGrpSpPr>
+      <p:grpSpPr>
+        <a:xfrm>
+          <a:off x="0" y="0"/>
+          <a:ext cx="0" cy="0"/>
+          <a:chOff x="0" y="0"/>
+          <a:chExt cx="0" cy="0"/>
+        </a:xfrm>
+      </p:grpSpPr>
+      <p:sp>
+        <p:nvSpPr>
+          <p:cNvPr id="15" name="TextBox 14">
+            <a:extLst>
+              <a:ext uri="{FF2B5EF4-FFF2-40B4-BE49-F238E27FC236}">
+                <a16:creationId xmlns:a16="http://schemas.microsoft.com/office/drawing/2014/main" id="{8F98A3F8-F2B2-A47F-7213-99BDA5DF1886}"/>
+              </a:ext>
+            </a:extLst>
+          </p:cNvPr>
+          <p:cNvSpPr txBox="1"/>
+          <p:nvPr/>
+        </p:nvSpPr>
+        <p:spPr>
+          <a:xfrm>
+            <a:off x="9973210" y="842339"/>
+            <a:ext cx="574400" cy="2064027"/>
+          </a:xfrm>
+          <a:prstGeom prst="rect">
+            <a:avLst/>
+          </a:prstGeom>
+          <a:noFill/>
+        </p:spPr>
+        <p:txBody>
+          <a:bodyPr wrap="square" rtlCol="0">
+            <a:spAutoFit/>
+          </a:bodyPr>
+          <a:lstStyle/>
+          <a:p>
+            <a:pPr>
+              <a:lnSpc>
+                <a:spcPct val="150000"/>
+              </a:lnSpc>
+            </a:pPr>
+            <a:r>
+              <a:rPr lang="en-US" sz="1350" b="1" dirty="0">
+                <a:solidFill>
+                  <a:srgbClr val="352B5B"/>
+                </a:solidFill>
+                <a:latin typeface="Bahnschrift Light Condensed" panose="020B0502040204020203" pitchFamily="34" charset="0"/>
+              </a:rPr>
+              <a:t>MAX</a:t>
+            </a:r>
+          </a:p>
+          <a:p>
+            <a:pPr>
+              <a:lnSpc>
+                <a:spcPct val="150000"/>
+              </a:lnSpc>
+            </a:pPr>
+            <a:br>
+              <a:rPr lang="en-US" sz="1350" b="1" dirty="0">
+                <a:solidFill>
+                  <a:srgbClr val="352B5B"/>
+                </a:solidFill>
+                <a:latin typeface="Bahnschrift Light Condensed" panose="020B0502040204020203" pitchFamily="34" charset="0"/>
+              </a:rPr>
+            </a:br>
+            <a:br>
+              <a:rPr lang="en-US" sz="1350" b="1" dirty="0">
+                <a:solidFill>
+                  <a:srgbClr val="352B5B"/>
+                </a:solidFill>
+                <a:latin typeface="Bahnschrift Light Condensed" panose="020B0502040204020203" pitchFamily="34" charset="0"/>
+              </a:rPr>
+            </a:br>
+            <a:endParaRPr lang="en-US" sz="900" b="1" dirty="0">
+              <a:solidFill>
+                <a:srgbClr val="352B5B"/>
+              </a:solidFill>
+              <a:latin typeface="Bahnschrift Light Condensed" panose="020B0502040204020203" pitchFamily="34" charset="0"/>
+            </a:endParaRPr>
+          </a:p>
+          <a:p>
+            <a:pPr>
+              <a:lnSpc>
+                <a:spcPct val="150000"/>
+              </a:lnSpc>
+            </a:pPr>
+            <a:endParaRPr lang="en-US" sz="2400" b="1" dirty="0">
+              <a:solidFill>
+                <a:srgbClr val="352B5B"/>
+              </a:solidFill>
+              <a:latin typeface="Bahnschrift Light Condensed" panose="020B0502040204020203" pitchFamily="34" charset="0"/>
+            </a:endParaRPr>
+          </a:p>
+          <a:p>
+            <a:pPr>
+              <a:lnSpc>
+                <a:spcPct val="150000"/>
+              </a:lnSpc>
+            </a:pPr>
+            <a:r>
+              <a:rPr lang="en-US" sz="450" b="1" dirty="0">
+                <a:solidFill>
+                  <a:srgbClr val="352B5B"/>
+                </a:solidFill>
+                <a:latin typeface="Bahnschrift Light Condensed" panose="020B0502040204020203" pitchFamily="34" charset="0"/>
+              </a:rPr>
+              <a:t> </a:t>
+            </a:r>
+            <a:r>
+              <a:rPr lang="en-US" sz="1350" b="1" dirty="0">
+                <a:solidFill>
+                  <a:srgbClr val="352B5B"/>
+                </a:solidFill>
+                <a:latin typeface="Bahnschrift Light Condensed" panose="020B0502040204020203" pitchFamily="34" charset="0"/>
+              </a:rPr>
+              <a:t>MIN</a:t>
+            </a:r>
+            <a:endParaRPr lang="en-US" sz="1350" dirty="0">
+              <a:solidFill>
+                <a:srgbClr val="352B5B"/>
+              </a:solidFill>
+              <a:latin typeface="Bahnschrift Light Condensed" panose="020B0502040204020203" pitchFamily="34" charset="0"/>
+            </a:endParaRPr>
+          </a:p>
+        </p:txBody>
+      </p:sp>
+      <p:sp>
+        <p:nvSpPr>
+          <p:cNvPr id="6" name="Rectangle: Rounded Corners 5">
+            <a:extLst>
+              <a:ext uri="{FF2B5EF4-FFF2-40B4-BE49-F238E27FC236}">
+                <a16:creationId xmlns:a16="http://schemas.microsoft.com/office/drawing/2014/main" id="{D9F6EF13-7D89-4E93-B49C-85A029E86782}"/>
+              </a:ext>
+            </a:extLst>
+          </p:cNvPr>
+          <p:cNvSpPr/>
+          <p:nvPr/>
+        </p:nvSpPr>
+        <p:spPr>
+          <a:xfrm>
+            <a:off x="11155680" y="6859553"/>
+            <a:ext cx="6987540" cy="3327751"/>
+          </a:xfrm>
+          <a:prstGeom prst="roundRect">
+            <a:avLst>
+              <a:gd name="adj" fmla="val 7212"/>
+            </a:avLst>
+          </a:prstGeom>
+          <a:solidFill>
+            <a:srgbClr val="EDE4DB"/>
+          </a:solidFill>
+          <a:ln>
+            <a:solidFill>
+              <a:srgbClr val="FCECDC"/>
+            </a:solidFill>
+          </a:ln>
+        </p:spPr>
+        <p:style>
+          <a:lnRef idx="2">
+            <a:schemeClr val="accent1">
+              <a:shade val="15000"/>
+            </a:schemeClr>
+          </a:lnRef>
+          <a:fillRef idx="1">
+            <a:schemeClr val="accent1"/>
+          </a:fillRef>
+          <a:effectRef idx="0">
+            <a:schemeClr val="accent1"/>
+          </a:effectRef>
+          <a:fontRef idx="minor">
+            <a:schemeClr val="lt1"/>
+          </a:fontRef>
+        </p:style>
+        <p:txBody>
+          <a:bodyPr rtlCol="0" anchor="ctr"/>
+          <a:lstStyle/>
+          <a:p>
+            <a:pPr algn="ctr"/>
+            <a:endParaRPr lang="en-US" sz="4050" dirty="0"/>
+          </a:p>
+        </p:txBody>
+      </p:sp>
+      <p:sp>
+        <p:nvSpPr>
+          <p:cNvPr id="7" name="Rectangle: Rounded Corners 6">
+            <a:extLst>
+              <a:ext uri="{FF2B5EF4-FFF2-40B4-BE49-F238E27FC236}">
+                <a16:creationId xmlns:a16="http://schemas.microsoft.com/office/drawing/2014/main" id="{902337F5-3F22-4715-76A0-042D40E4A056}"/>
+              </a:ext>
+            </a:extLst>
+          </p:cNvPr>
+          <p:cNvSpPr/>
+          <p:nvPr/>
+        </p:nvSpPr>
+        <p:spPr>
+          <a:xfrm>
+            <a:off x="5180811" y="6859553"/>
+            <a:ext cx="5853093" cy="3327751"/>
+          </a:xfrm>
+          <a:prstGeom prst="roundRect">
+            <a:avLst>
+              <a:gd name="adj" fmla="val 7212"/>
+            </a:avLst>
+          </a:prstGeom>
+          <a:solidFill>
+            <a:srgbClr val="EDE4DB"/>
+          </a:solidFill>
+          <a:ln>
+            <a:solidFill>
+              <a:srgbClr val="FCECDC"/>
+            </a:solidFill>
+          </a:ln>
+        </p:spPr>
+        <p:style>
+          <a:lnRef idx="2">
+            <a:schemeClr val="accent1">
+              <a:shade val="15000"/>
+            </a:schemeClr>
+          </a:lnRef>
+          <a:fillRef idx="1">
+            <a:schemeClr val="accent1"/>
+          </a:fillRef>
+          <a:effectRef idx="0">
+            <a:schemeClr val="accent1"/>
+          </a:effectRef>
+          <a:fontRef idx="minor">
+            <a:schemeClr val="lt1"/>
+          </a:fontRef>
+        </p:style>
+        <p:txBody>
+          <a:bodyPr rtlCol="0" anchor="ctr"/>
+          <a:lstStyle/>
+          <a:p>
+            <a:pPr algn="ctr"/>
+            <a:endParaRPr lang="en-US" sz="4050" dirty="0"/>
+          </a:p>
+        </p:txBody>
+      </p:sp>
+      <p:sp>
+        <p:nvSpPr>
+          <p:cNvPr id="10" name="Rectangle: Rounded Corners 9">
+            <a:extLst>
+              <a:ext uri="{FF2B5EF4-FFF2-40B4-BE49-F238E27FC236}">
+                <a16:creationId xmlns:a16="http://schemas.microsoft.com/office/drawing/2014/main" id="{7670114D-E2CA-4F11-4072-E75424B3D11D}"/>
+              </a:ext>
+            </a:extLst>
+          </p:cNvPr>
+          <p:cNvSpPr/>
+          <p:nvPr/>
+        </p:nvSpPr>
+        <p:spPr>
+          <a:xfrm>
+            <a:off x="5180812" y="3719565"/>
+            <a:ext cx="4370573" cy="2975508"/>
+          </a:xfrm>
+          <a:prstGeom prst="roundRect">
+            <a:avLst>
+              <a:gd name="adj" fmla="val 7212"/>
+            </a:avLst>
+          </a:prstGeom>
+          <a:solidFill>
+            <a:srgbClr val="EDE4DB"/>
+          </a:solidFill>
+          <a:ln>
+            <a:solidFill>
+              <a:srgbClr val="FCECDC"/>
+            </a:solidFill>
+          </a:ln>
+        </p:spPr>
+        <p:style>
+          <a:lnRef idx="2">
+            <a:schemeClr val="accent1">
+              <a:shade val="15000"/>
+            </a:schemeClr>
+          </a:lnRef>
+          <a:fillRef idx="1">
+            <a:schemeClr val="accent1"/>
+          </a:fillRef>
+          <a:effectRef idx="0">
+            <a:schemeClr val="accent1"/>
+          </a:effectRef>
+          <a:fontRef idx="minor">
+            <a:schemeClr val="lt1"/>
+          </a:fontRef>
+        </p:style>
+        <p:txBody>
+          <a:bodyPr rtlCol="0" anchor="ctr"/>
+          <a:lstStyle/>
+          <a:p>
+            <a:pPr algn="ctr"/>
+            <a:endParaRPr lang="en-US" sz="4050" dirty="0"/>
+          </a:p>
+        </p:txBody>
+      </p:sp>
+      <p:sp>
+        <p:nvSpPr>
+          <p:cNvPr id="12" name="Rectangle: Rounded Corners 11">
+            <a:extLst>
+              <a:ext uri="{FF2B5EF4-FFF2-40B4-BE49-F238E27FC236}">
+                <a16:creationId xmlns:a16="http://schemas.microsoft.com/office/drawing/2014/main" id="{655CD25A-2D96-A098-42D7-A18C24B19D20}"/>
+              </a:ext>
+            </a:extLst>
+          </p:cNvPr>
+          <p:cNvSpPr/>
+          <p:nvPr/>
+        </p:nvSpPr>
+        <p:spPr>
+          <a:xfrm>
+            <a:off x="9677400" y="3719565"/>
+            <a:ext cx="8465820" cy="2975508"/>
+          </a:xfrm>
+          <a:prstGeom prst="roundRect">
+            <a:avLst>
+              <a:gd name="adj" fmla="val 7212"/>
+            </a:avLst>
+          </a:prstGeom>
+          <a:solidFill>
+            <a:srgbClr val="EDE4DB"/>
+          </a:solidFill>
+          <a:ln>
+            <a:solidFill>
+              <a:srgbClr val="FCECDC"/>
+            </a:solidFill>
+          </a:ln>
+        </p:spPr>
+        <p:style>
+          <a:lnRef idx="2">
+            <a:schemeClr val="accent1">
+              <a:shade val="15000"/>
+            </a:schemeClr>
+          </a:lnRef>
+          <a:fillRef idx="1">
+            <a:schemeClr val="accent1"/>
+          </a:fillRef>
+          <a:effectRef idx="0">
+            <a:schemeClr val="accent1"/>
+          </a:effectRef>
+          <a:fontRef idx="minor">
+            <a:schemeClr val="lt1"/>
+          </a:fontRef>
+        </p:style>
+        <p:txBody>
+          <a:bodyPr rtlCol="0" anchor="ctr"/>
+          <a:lstStyle/>
+          <a:p>
+            <a:pPr algn="ctr"/>
+            <a:endParaRPr lang="en-US" sz="4050" dirty="0"/>
+          </a:p>
+        </p:txBody>
+      </p:sp>
+      <p:sp>
+        <p:nvSpPr>
+          <p:cNvPr id="13" name="Rectangle: Rounded Corners 12">
+            <a:extLst>
+              <a:ext uri="{FF2B5EF4-FFF2-40B4-BE49-F238E27FC236}">
+                <a16:creationId xmlns:a16="http://schemas.microsoft.com/office/drawing/2014/main" id="{1E5BAC5A-77D3-C855-82BF-9B98CE08DE15}"/>
+              </a:ext>
+            </a:extLst>
+          </p:cNvPr>
+          <p:cNvSpPr/>
+          <p:nvPr/>
+        </p:nvSpPr>
+        <p:spPr>
+          <a:xfrm>
+            <a:off x="9693209" y="99697"/>
+            <a:ext cx="8465820" cy="3455388"/>
+          </a:xfrm>
+          <a:prstGeom prst="roundRect">
+            <a:avLst>
+              <a:gd name="adj" fmla="val 7212"/>
+            </a:avLst>
+          </a:prstGeom>
+          <a:solidFill>
+            <a:srgbClr val="EDE4DB"/>
+          </a:solidFill>
+          <a:ln>
+            <a:solidFill>
+              <a:srgbClr val="FCECDC"/>
+            </a:solidFill>
+          </a:ln>
+        </p:spPr>
+        <p:style>
+          <a:lnRef idx="2">
+            <a:schemeClr val="accent1">
+              <a:shade val="15000"/>
+            </a:schemeClr>
+          </a:lnRef>
+          <a:fillRef idx="1">
+            <a:schemeClr val="accent1"/>
+          </a:fillRef>
+          <a:effectRef idx="0">
+            <a:schemeClr val="accent1"/>
+          </a:effectRef>
+          <a:fontRef idx="minor">
+            <a:schemeClr val="lt1"/>
+          </a:fontRef>
+        </p:style>
+        <p:txBody>
+          <a:bodyPr rtlCol="0" anchor="ctr"/>
+          <a:lstStyle/>
+          <a:p>
+            <a:pPr algn="ctr"/>
+            <a:endParaRPr lang="en-US" sz="4050" dirty="0"/>
+          </a:p>
+        </p:txBody>
+      </p:sp>
+      <p:sp>
+        <p:nvSpPr>
+          <p:cNvPr id="30" name="Rectangle: Diagonal Corners Snipped 29">
+            <a:extLst>
+              <a:ext uri="{FF2B5EF4-FFF2-40B4-BE49-F238E27FC236}">
+                <a16:creationId xmlns:a16="http://schemas.microsoft.com/office/drawing/2014/main" id="{26BB3C0F-E9ED-C684-451D-6A007DE121D9}"/>
+              </a:ext>
+            </a:extLst>
+          </p:cNvPr>
+          <p:cNvSpPr/>
+          <p:nvPr/>
+        </p:nvSpPr>
+        <p:spPr>
+          <a:xfrm>
+            <a:off x="11261571" y="6784618"/>
+            <a:ext cx="4503894" cy="513543"/>
+          </a:xfrm>
+          <a:prstGeom prst="snip2DiagRect">
+            <a:avLst>
+              <a:gd name="adj1" fmla="val 0"/>
+              <a:gd name="adj2" fmla="val 16667"/>
+            </a:avLst>
+          </a:prstGeom>
+          <a:noFill/>
+        </p:spPr>
+        <p:txBody>
+          <a:bodyPr wrap="square" rtlCol="0">
+            <a:spAutoFit/>
+          </a:bodyPr>
+          <a:lstStyle/>
+          <a:p>
+            <a:pPr>
+              <a:lnSpc>
+                <a:spcPct val="150000"/>
+              </a:lnSpc>
+            </a:pPr>
+            <a:r>
+              <a:rPr lang="en-US" sz="1650" b="1" dirty="0" err="1">
+                <a:solidFill>
+                  <a:srgbClr val="013B43"/>
+                </a:solidFill>
+                <a:latin typeface="Bahnschrift Light Condensed" panose="020B0502040204020203" pitchFamily="34" charset="0"/>
+              </a:rPr>
+              <a:t>Rozlozeni</a:t>
+            </a:r>
+            <a:r>
+              <a:rPr lang="en-US" sz="1650" b="1" dirty="0">
+                <a:solidFill>
+                  <a:srgbClr val="013B43"/>
+                </a:solidFill>
+                <a:latin typeface="Bahnschrift Light Condensed" panose="020B0502040204020203" pitchFamily="34" charset="0"/>
+              </a:rPr>
+              <a:t> </a:t>
+            </a:r>
+            <a:r>
+              <a:rPr lang="en-US" sz="1650" b="1" dirty="0" err="1">
+                <a:solidFill>
+                  <a:srgbClr val="013B43"/>
+                </a:solidFill>
+                <a:latin typeface="Bahnschrift Light Condensed" panose="020B0502040204020203" pitchFamily="34" charset="0"/>
+              </a:rPr>
+              <a:t>dle</a:t>
+            </a:r>
+            <a:r>
+              <a:rPr lang="en-US" sz="1650" b="1" dirty="0">
+                <a:solidFill>
+                  <a:srgbClr val="013B43"/>
+                </a:solidFill>
+                <a:latin typeface="Bahnschrift Light Condensed" panose="020B0502040204020203" pitchFamily="34" charset="0"/>
+              </a:rPr>
+              <a:t> </a:t>
+            </a:r>
+            <a:r>
+              <a:rPr lang="en-US" sz="1650" b="1" dirty="0" err="1">
+                <a:solidFill>
+                  <a:srgbClr val="013B43"/>
+                </a:solidFill>
+                <a:latin typeface="Bahnschrift Light Condensed" panose="020B0502040204020203" pitchFamily="34" charset="0"/>
+              </a:rPr>
+              <a:t>pohlavi</a:t>
+            </a:r>
+            <a:endParaRPr lang="en-US" sz="1650" b="1" dirty="0">
+              <a:solidFill>
+                <a:srgbClr val="013B43"/>
+              </a:solidFill>
+              <a:latin typeface="Bahnschrift Light Condensed" panose="020B0502040204020203" pitchFamily="34" charset="0"/>
+            </a:endParaRPr>
+          </a:p>
+        </p:txBody>
+      </p:sp>
+      <p:sp>
+        <p:nvSpPr>
+          <p:cNvPr id="31" name="Rectangle: Diagonal Corners Snipped 30">
+            <a:extLst>
+              <a:ext uri="{FF2B5EF4-FFF2-40B4-BE49-F238E27FC236}">
+                <a16:creationId xmlns:a16="http://schemas.microsoft.com/office/drawing/2014/main" id="{E3D6D694-CDA5-F6C8-74CB-864DD5F05E48}"/>
+              </a:ext>
+            </a:extLst>
+          </p:cNvPr>
+          <p:cNvSpPr/>
+          <p:nvPr/>
+        </p:nvSpPr>
+        <p:spPr>
+          <a:xfrm>
+            <a:off x="15721483" y="6815098"/>
+            <a:ext cx="1423832" cy="497468"/>
+          </a:xfrm>
+          <a:prstGeom prst="snip2DiagRect">
+            <a:avLst>
+              <a:gd name="adj1" fmla="val 0"/>
+              <a:gd name="adj2" fmla="val 16667"/>
+            </a:avLst>
+          </a:prstGeom>
+          <a:solidFill>
+            <a:srgbClr val="DBE9F2">
+              <a:alpha val="0"/>
+            </a:srgbClr>
+          </a:solidFill>
+          <a:ln>
+            <a:solidFill>
+              <a:srgbClr val="DBE9F2">
+                <a:alpha val="0"/>
+              </a:srgbClr>
+            </a:solidFill>
+          </a:ln>
+        </p:spPr>
+        <p:style>
+          <a:lnRef idx="2">
+            <a:schemeClr val="accent1">
+              <a:shade val="15000"/>
+            </a:schemeClr>
+          </a:lnRef>
+          <a:fillRef idx="1">
+            <a:schemeClr val="accent1"/>
+          </a:fillRef>
+          <a:effectRef idx="0">
+            <a:schemeClr val="accent1"/>
+          </a:effectRef>
+          <a:fontRef idx="minor">
+            <a:schemeClr val="lt1"/>
+          </a:fontRef>
+        </p:style>
+        <p:txBody>
+          <a:bodyPr rtlCol="0" anchor="t"/>
+          <a:lstStyle/>
+          <a:p>
+            <a:pPr marL="342900" indent="-85725">
+              <a:lnSpc>
+                <a:spcPct val="150000"/>
+              </a:lnSpc>
+            </a:pPr>
+            <a:r>
+              <a:rPr lang="en-US" sz="1350" dirty="0">
+                <a:solidFill>
+                  <a:srgbClr val="013B43"/>
+                </a:solidFill>
+              </a:rPr>
+              <a:t> Zeny</a:t>
+            </a:r>
+            <a:endParaRPr lang="en-US" sz="1500" dirty="0">
+              <a:solidFill>
+                <a:srgbClr val="013B43"/>
+              </a:solidFill>
+            </a:endParaRPr>
+          </a:p>
+        </p:txBody>
+      </p:sp>
+      <p:sp>
+        <p:nvSpPr>
+          <p:cNvPr id="32" name="Oval 31">
+            <a:extLst>
+              <a:ext uri="{FF2B5EF4-FFF2-40B4-BE49-F238E27FC236}">
+                <a16:creationId xmlns:a16="http://schemas.microsoft.com/office/drawing/2014/main" id="{0C33F304-2E1C-7462-FC84-1925778B32C3}"/>
+              </a:ext>
+            </a:extLst>
+          </p:cNvPr>
+          <p:cNvSpPr/>
+          <p:nvPr/>
+        </p:nvSpPr>
+        <p:spPr>
+          <a:xfrm>
+            <a:off x="15887241" y="7011953"/>
+            <a:ext cx="171450" cy="171450"/>
+          </a:xfrm>
+          <a:prstGeom prst="ellipse">
+            <a:avLst/>
+          </a:prstGeom>
+          <a:solidFill>
+            <a:srgbClr val="F9B0C1"/>
+          </a:solidFill>
+          <a:ln>
+            <a:solidFill>
+              <a:srgbClr val="F9B0C1"/>
+            </a:solidFill>
+          </a:ln>
+        </p:spPr>
+        <p:style>
+          <a:lnRef idx="2">
+            <a:schemeClr val="accent1">
+              <a:shade val="15000"/>
+            </a:schemeClr>
+          </a:lnRef>
+          <a:fillRef idx="1">
+            <a:schemeClr val="accent1"/>
+          </a:fillRef>
+          <a:effectRef idx="0">
+            <a:schemeClr val="accent1"/>
+          </a:effectRef>
+          <a:fontRef idx="minor">
+            <a:schemeClr val="lt1"/>
+          </a:fontRef>
+        </p:style>
+        <p:txBody>
+          <a:bodyPr rtlCol="0" anchor="ctr"/>
+          <a:lstStyle/>
+          <a:p>
+            <a:pPr algn="ctr"/>
+            <a:endParaRPr lang="en-US" sz="4050" dirty="0"/>
+          </a:p>
+        </p:txBody>
+      </p:sp>
+      <p:sp>
+        <p:nvSpPr>
+          <p:cNvPr id="33" name="Rectangle: Diagonal Corners Snipped 32">
+            <a:extLst>
+              <a:ext uri="{FF2B5EF4-FFF2-40B4-BE49-F238E27FC236}">
+                <a16:creationId xmlns:a16="http://schemas.microsoft.com/office/drawing/2014/main" id="{F955BA14-276D-3139-59C9-03DF44D2BC88}"/>
+              </a:ext>
+            </a:extLst>
+          </p:cNvPr>
+          <p:cNvSpPr/>
+          <p:nvPr/>
+        </p:nvSpPr>
+        <p:spPr>
+          <a:xfrm>
+            <a:off x="16769416" y="6815098"/>
+            <a:ext cx="1423832" cy="497468"/>
+          </a:xfrm>
+          <a:prstGeom prst="snip2DiagRect">
+            <a:avLst>
+              <a:gd name="adj1" fmla="val 0"/>
+              <a:gd name="adj2" fmla="val 16667"/>
+            </a:avLst>
+          </a:prstGeom>
+          <a:solidFill>
+            <a:srgbClr val="DBE9F2">
+              <a:alpha val="0"/>
+            </a:srgbClr>
+          </a:solidFill>
+          <a:ln>
+            <a:solidFill>
+              <a:srgbClr val="DBE9F2">
+                <a:alpha val="0"/>
+              </a:srgbClr>
+            </a:solidFill>
+          </a:ln>
+        </p:spPr>
+        <p:style>
+          <a:lnRef idx="2">
+            <a:schemeClr val="accent1">
+              <a:shade val="15000"/>
+            </a:schemeClr>
+          </a:lnRef>
+          <a:fillRef idx="1">
+            <a:schemeClr val="accent1"/>
+          </a:fillRef>
+          <a:effectRef idx="0">
+            <a:schemeClr val="accent1"/>
+          </a:effectRef>
+          <a:fontRef idx="minor">
+            <a:schemeClr val="lt1"/>
+          </a:fontRef>
+        </p:style>
+        <p:txBody>
+          <a:bodyPr rtlCol="0" anchor="t"/>
+          <a:lstStyle/>
+          <a:p>
+            <a:pPr marL="342900" indent="-85725">
+              <a:lnSpc>
+                <a:spcPct val="150000"/>
+              </a:lnSpc>
+            </a:pPr>
+            <a:r>
+              <a:rPr lang="en-US" sz="1350" dirty="0">
+                <a:solidFill>
+                  <a:srgbClr val="013B43"/>
+                </a:solidFill>
+              </a:rPr>
+              <a:t> Muzi</a:t>
+            </a:r>
+            <a:endParaRPr lang="en-US" sz="1500" dirty="0">
+              <a:solidFill>
+                <a:srgbClr val="013B43"/>
+              </a:solidFill>
+            </a:endParaRPr>
+          </a:p>
+        </p:txBody>
+      </p:sp>
+      <p:sp>
+        <p:nvSpPr>
+          <p:cNvPr id="34" name="Oval 33">
+            <a:extLst>
+              <a:ext uri="{FF2B5EF4-FFF2-40B4-BE49-F238E27FC236}">
+                <a16:creationId xmlns:a16="http://schemas.microsoft.com/office/drawing/2014/main" id="{FC04EC17-5E8C-06F7-B6B8-E13F58016F83}"/>
+              </a:ext>
+            </a:extLst>
+          </p:cNvPr>
+          <p:cNvSpPr/>
+          <p:nvPr/>
+        </p:nvSpPr>
+        <p:spPr>
+          <a:xfrm>
+            <a:off x="16959663" y="7011953"/>
+            <a:ext cx="171450" cy="171450"/>
+          </a:xfrm>
+          <a:prstGeom prst="ellipse">
+            <a:avLst/>
+          </a:prstGeom>
+          <a:solidFill>
+            <a:srgbClr val="A4D6EF"/>
+          </a:solidFill>
+          <a:ln>
+            <a:solidFill>
+              <a:srgbClr val="A4D6EF"/>
+            </a:solidFill>
+          </a:ln>
+        </p:spPr>
+        <p:style>
+          <a:lnRef idx="2">
+            <a:schemeClr val="accent1">
+              <a:shade val="15000"/>
+            </a:schemeClr>
+          </a:lnRef>
+          <a:fillRef idx="1">
+            <a:schemeClr val="accent1"/>
+          </a:fillRef>
+          <a:effectRef idx="0">
+            <a:schemeClr val="accent1"/>
+          </a:effectRef>
+          <a:fontRef idx="minor">
+            <a:schemeClr val="lt1"/>
+          </a:fontRef>
+        </p:style>
+        <p:txBody>
+          <a:bodyPr rtlCol="0" anchor="ctr"/>
+          <a:lstStyle/>
+          <a:p>
+            <a:pPr algn="ctr"/>
+            <a:endParaRPr lang="en-US" sz="4050"/>
+          </a:p>
+        </p:txBody>
+      </p:sp>
+      <p:sp>
+        <p:nvSpPr>
+          <p:cNvPr id="2" name="Rectangle: Rounded Corners 1">
+            <a:extLst>
+              <a:ext uri="{FF2B5EF4-FFF2-40B4-BE49-F238E27FC236}">
+                <a16:creationId xmlns:a16="http://schemas.microsoft.com/office/drawing/2014/main" id="{672C76CB-4462-F143-01DD-D1FFD5EAFD40}"/>
+              </a:ext>
+            </a:extLst>
+          </p:cNvPr>
+          <p:cNvSpPr/>
+          <p:nvPr/>
+        </p:nvSpPr>
+        <p:spPr>
+          <a:xfrm>
+            <a:off x="144780" y="99697"/>
+            <a:ext cx="9406605" cy="3455388"/>
+          </a:xfrm>
+          <a:prstGeom prst="roundRect">
+            <a:avLst>
+              <a:gd name="adj" fmla="val 7212"/>
+            </a:avLst>
+          </a:prstGeom>
+          <a:solidFill>
+            <a:srgbClr val="EDE4DB"/>
+          </a:solidFill>
+          <a:ln>
+            <a:solidFill>
+              <a:srgbClr val="FCECDC"/>
+            </a:solidFill>
+          </a:ln>
+        </p:spPr>
+        <p:style>
+          <a:lnRef idx="2">
+            <a:schemeClr val="accent1">
+              <a:shade val="15000"/>
+            </a:schemeClr>
+          </a:lnRef>
+          <a:fillRef idx="1">
+            <a:schemeClr val="accent1"/>
+          </a:fillRef>
+          <a:effectRef idx="0">
+            <a:schemeClr val="accent1"/>
+          </a:effectRef>
+          <a:fontRef idx="minor">
+            <a:schemeClr val="lt1"/>
+          </a:fontRef>
+        </p:style>
+        <p:txBody>
+          <a:bodyPr rtlCol="0" anchor="t"/>
+          <a:lstStyle/>
+          <a:p>
+            <a:endParaRPr lang="en-US" b="1" dirty="0">
+              <a:solidFill>
+                <a:srgbClr val="013B43"/>
+              </a:solidFill>
+              <a:latin typeface="Bahnschrift Light Condensed" panose="020B0502040204020203" pitchFamily="34" charset="0"/>
+            </a:endParaRPr>
+          </a:p>
+          <a:p>
+            <a:r>
+              <a:rPr lang="en-US" b="1" dirty="0">
+                <a:solidFill>
+                  <a:srgbClr val="013B43"/>
+                </a:solidFill>
+                <a:latin typeface="Bahnschrift Light Condensed" panose="020B0502040204020203" pitchFamily="34" charset="0"/>
+              </a:rPr>
+              <a:t> </a:t>
+            </a:r>
+            <a:endParaRPr lang="en-US" sz="1000" b="1" dirty="0">
+              <a:solidFill>
+                <a:srgbClr val="013B43"/>
+              </a:solidFill>
+              <a:latin typeface="Bahnschrift Light Condensed" panose="020B0502040204020203" pitchFamily="34" charset="0"/>
+            </a:endParaRPr>
+          </a:p>
+          <a:p>
+            <a:r>
+              <a:rPr lang="en-US" sz="2100" b="1" dirty="0" err="1">
+                <a:solidFill>
+                  <a:srgbClr val="013B43"/>
+                </a:solidFill>
+                <a:latin typeface="Bahnschrift Light Condensed" panose="020B0502040204020203" pitchFamily="34" charset="0"/>
+              </a:rPr>
+              <a:t>Vyberte</a:t>
+            </a:r>
+            <a:r>
+              <a:rPr lang="en-US" sz="2100" b="1" dirty="0">
+                <a:solidFill>
+                  <a:srgbClr val="013B43"/>
+                </a:solidFill>
+                <a:latin typeface="Bahnschrift Light Condensed" panose="020B0502040204020203" pitchFamily="34" charset="0"/>
+              </a:rPr>
+              <a:t> </a:t>
+            </a:r>
+            <a:r>
+              <a:rPr lang="en-US" sz="2100" b="1" dirty="0" err="1">
+                <a:solidFill>
+                  <a:srgbClr val="013B43"/>
+                </a:solidFill>
+                <a:latin typeface="Bahnschrift Light Condensed" panose="020B0502040204020203" pitchFamily="34" charset="0"/>
+              </a:rPr>
+              <a:t>verejnou</a:t>
+            </a:r>
+            <a:r>
+              <a:rPr lang="en-US" sz="2100" b="1" dirty="0">
+                <a:solidFill>
+                  <a:srgbClr val="013B43"/>
+                </a:solidFill>
+                <a:latin typeface="Bahnschrift Light Condensed" panose="020B0502040204020203" pitchFamily="34" charset="0"/>
+              </a:rPr>
+              <a:t> </a:t>
+            </a:r>
+            <a:r>
+              <a:rPr lang="en-US" sz="2100" b="1" dirty="0" err="1">
+                <a:solidFill>
+                  <a:srgbClr val="013B43"/>
+                </a:solidFill>
+                <a:latin typeface="Bahnschrift Light Condensed" panose="020B0502040204020203" pitchFamily="34" charset="0"/>
+              </a:rPr>
+              <a:t>stranku</a:t>
+            </a:r>
+            <a:r>
+              <a:rPr lang="en-US" sz="2100" b="1" dirty="0">
+                <a:solidFill>
+                  <a:srgbClr val="013B43"/>
+                </a:solidFill>
+                <a:latin typeface="Bahnschrift Light Condensed" panose="020B0502040204020203" pitchFamily="34" charset="0"/>
+              </a:rPr>
+              <a:t>:</a:t>
+            </a:r>
+          </a:p>
+        </p:txBody>
+      </p:sp>
+      <p:sp>
+        <p:nvSpPr>
+          <p:cNvPr id="20" name="TextBox 19">
+            <a:extLst>
+              <a:ext uri="{FF2B5EF4-FFF2-40B4-BE49-F238E27FC236}">
+                <a16:creationId xmlns:a16="http://schemas.microsoft.com/office/drawing/2014/main" id="{607E07E7-177B-DCA1-B201-DB7AA2F01381}"/>
+              </a:ext>
+            </a:extLst>
+          </p:cNvPr>
+          <p:cNvSpPr txBox="1"/>
+          <p:nvPr/>
+        </p:nvSpPr>
+        <p:spPr>
+          <a:xfrm>
+            <a:off x="9864659" y="34296"/>
+            <a:ext cx="4585253" cy="430311"/>
+          </a:xfrm>
+          <a:prstGeom prst="rect">
+            <a:avLst/>
+          </a:prstGeom>
+          <a:noFill/>
+        </p:spPr>
+        <p:txBody>
+          <a:bodyPr wrap="square" rtlCol="0">
+            <a:spAutoFit/>
+          </a:bodyPr>
+          <a:lstStyle/>
+          <a:p>
+            <a:pPr>
+              <a:lnSpc>
+                <a:spcPct val="150000"/>
+              </a:lnSpc>
+            </a:pPr>
+            <a:r>
+              <a:rPr lang="en-US" sz="1650" b="1" dirty="0" err="1">
+                <a:solidFill>
+                  <a:srgbClr val="013B43"/>
+                </a:solidFill>
+                <a:latin typeface="Bahnschrift Light Condensed" panose="020B0502040204020203" pitchFamily="34" charset="0"/>
+              </a:rPr>
+              <a:t>Regionalni</a:t>
+            </a:r>
+            <a:r>
+              <a:rPr lang="en-US" sz="1650" b="1" dirty="0">
+                <a:solidFill>
+                  <a:srgbClr val="013B43"/>
+                </a:solidFill>
+                <a:latin typeface="Bahnschrift Light Condensed" panose="020B0502040204020203" pitchFamily="34" charset="0"/>
+              </a:rPr>
+              <a:t> </a:t>
+            </a:r>
+            <a:r>
+              <a:rPr lang="en-US" sz="1650" b="1" dirty="0" err="1">
+                <a:solidFill>
+                  <a:srgbClr val="013B43"/>
+                </a:solidFill>
+                <a:latin typeface="Bahnschrift Light Condensed" panose="020B0502040204020203" pitchFamily="34" charset="0"/>
+              </a:rPr>
+              <a:t>rozlozeni</a:t>
+            </a:r>
+            <a:r>
+              <a:rPr lang="en-US" sz="1650" b="1" dirty="0">
+                <a:solidFill>
+                  <a:srgbClr val="013B43"/>
+                </a:solidFill>
+                <a:latin typeface="Bahnschrift Light Condensed" panose="020B0502040204020203" pitchFamily="34" charset="0"/>
+              </a:rPr>
+              <a:t> v </a:t>
+            </a:r>
+            <a:r>
+              <a:rPr lang="en-US" sz="1650" b="1" dirty="0" err="1">
+                <a:solidFill>
+                  <a:srgbClr val="013B43"/>
+                </a:solidFill>
+                <a:latin typeface="Bahnschrift Light Condensed" panose="020B0502040204020203" pitchFamily="34" charset="0"/>
+              </a:rPr>
+              <a:t>Cesku</a:t>
+            </a:r>
+            <a:r>
+              <a:rPr lang="en-US" sz="1650" b="1" dirty="0">
+                <a:solidFill>
+                  <a:srgbClr val="013B43"/>
+                </a:solidFill>
+                <a:latin typeface="Bahnschrift Light Condensed" panose="020B0502040204020203" pitchFamily="34" charset="0"/>
+              </a:rPr>
+              <a:t>:</a:t>
+            </a:r>
+          </a:p>
+        </p:txBody>
+      </p:sp>
+      <p:grpSp>
+        <p:nvGrpSpPr>
+          <p:cNvPr id="24" name="Group 23">
+            <a:extLst>
+              <a:ext uri="{FF2B5EF4-FFF2-40B4-BE49-F238E27FC236}">
+                <a16:creationId xmlns:a16="http://schemas.microsoft.com/office/drawing/2014/main" id="{DE5F7867-C15D-19F1-5922-D68E85707E5B}"/>
+              </a:ext>
+            </a:extLst>
+          </p:cNvPr>
+          <p:cNvGrpSpPr/>
+          <p:nvPr/>
+        </p:nvGrpSpPr>
+        <p:grpSpPr>
+          <a:xfrm>
+            <a:off x="9954117" y="823427"/>
+            <a:ext cx="578562" cy="2095659"/>
+            <a:chOff x="6523247" y="489118"/>
+            <a:chExt cx="385708" cy="1397106"/>
+          </a:xfrm>
+        </p:grpSpPr>
+        <p:sp>
+          <p:nvSpPr>
+            <p:cNvPr id="25" name="Rectangle: Rounded Corners 24">
+              <a:extLst>
+                <a:ext uri="{FF2B5EF4-FFF2-40B4-BE49-F238E27FC236}">
+                  <a16:creationId xmlns:a16="http://schemas.microsoft.com/office/drawing/2014/main" id="{A91B9B90-3AC5-91D2-9CD1-EA662F0AA0FF}"/>
+                </a:ext>
+              </a:extLst>
+            </p:cNvPr>
+            <p:cNvSpPr/>
+            <p:nvPr/>
+          </p:nvSpPr>
+          <p:spPr>
+            <a:xfrm rot="10800000">
+              <a:off x="6523247" y="511722"/>
+              <a:ext cx="341196" cy="1374502"/>
+            </a:xfrm>
+            <a:prstGeom prst="roundRect">
+              <a:avLst>
+                <a:gd name="adj" fmla="val 50000"/>
+              </a:avLst>
+            </a:prstGeom>
+            <a:gradFill>
+              <a:gsLst>
+                <a:gs pos="0">
+                  <a:srgbClr val="E2FFFC"/>
+                </a:gs>
+                <a:gs pos="100000">
+                  <a:srgbClr val="00D2B5"/>
+                </a:gs>
+              </a:gsLst>
+              <a:lin ang="5400000" scaled="1"/>
+            </a:gradFill>
+            <a:ln w="12700">
+              <a:solidFill>
+                <a:srgbClr val="352B5B"/>
+              </a:solidFill>
+            </a:ln>
+          </p:spPr>
+          <p:style>
+            <a:lnRef idx="2">
+              <a:schemeClr val="accent1">
+                <a:shade val="15000"/>
+              </a:schemeClr>
+            </a:lnRef>
+            <a:fillRef idx="1">
+              <a:schemeClr val="accent1"/>
+            </a:fillRef>
+            <a:effectRef idx="0">
+              <a:schemeClr val="accent1"/>
+            </a:effectRef>
+            <a:fontRef idx="minor">
+              <a:schemeClr val="lt1"/>
+            </a:fontRef>
+          </p:style>
+          <p:txBody>
+            <a:bodyPr rtlCol="0" anchor="ctr"/>
+            <a:lstStyle/>
+            <a:p>
+              <a:pPr algn="ctr"/>
+              <a:endParaRPr lang="en-US" sz="4050" dirty="0"/>
+            </a:p>
+          </p:txBody>
+        </p:sp>
+        <p:sp>
+          <p:nvSpPr>
+            <p:cNvPr id="26" name="TextBox 25">
+              <a:extLst>
+                <a:ext uri="{FF2B5EF4-FFF2-40B4-BE49-F238E27FC236}">
+                  <a16:creationId xmlns:a16="http://schemas.microsoft.com/office/drawing/2014/main" id="{FAE51F94-1FE1-8CBE-9A48-6BC97FF77263}"/>
+                </a:ext>
+              </a:extLst>
+            </p:cNvPr>
+            <p:cNvSpPr txBox="1"/>
+            <p:nvPr/>
+          </p:nvSpPr>
+          <p:spPr>
+            <a:xfrm>
+              <a:off x="6526022" y="489118"/>
+              <a:ext cx="382933" cy="1376018"/>
+            </a:xfrm>
+            <a:prstGeom prst="rect">
+              <a:avLst/>
+            </a:prstGeom>
+            <a:noFill/>
+          </p:spPr>
+          <p:txBody>
+            <a:bodyPr wrap="square" rtlCol="0">
+              <a:spAutoFit/>
+            </a:bodyPr>
+            <a:lstStyle/>
+            <a:p>
+              <a:pPr>
+                <a:lnSpc>
+                  <a:spcPct val="150000"/>
+                </a:lnSpc>
+              </a:pPr>
+              <a:r>
+                <a:rPr lang="en-US" sz="1350" b="1" dirty="0">
+                  <a:solidFill>
+                    <a:srgbClr val="352B5B"/>
+                  </a:solidFill>
+                  <a:latin typeface="Bahnschrift Light Condensed" panose="020B0502040204020203" pitchFamily="34" charset="0"/>
+                </a:rPr>
+                <a:t>MAX</a:t>
+              </a:r>
+            </a:p>
+            <a:p>
+              <a:pPr>
+                <a:lnSpc>
+                  <a:spcPct val="150000"/>
+                </a:lnSpc>
+              </a:pPr>
+              <a:br>
+                <a:rPr lang="en-US" sz="1350" b="1" dirty="0">
+                  <a:solidFill>
+                    <a:srgbClr val="352B5B"/>
+                  </a:solidFill>
+                  <a:latin typeface="Bahnschrift Light Condensed" panose="020B0502040204020203" pitchFamily="34" charset="0"/>
+                </a:rPr>
+              </a:br>
+              <a:br>
+                <a:rPr lang="en-US" sz="1350" b="1" dirty="0">
+                  <a:solidFill>
+                    <a:srgbClr val="352B5B"/>
+                  </a:solidFill>
+                  <a:latin typeface="Bahnschrift Light Condensed" panose="020B0502040204020203" pitchFamily="34" charset="0"/>
+                </a:rPr>
+              </a:br>
+              <a:endParaRPr lang="en-US" sz="900" b="1" dirty="0">
+                <a:solidFill>
+                  <a:srgbClr val="352B5B"/>
+                </a:solidFill>
+                <a:latin typeface="Bahnschrift Light Condensed" panose="020B0502040204020203" pitchFamily="34" charset="0"/>
+              </a:endParaRPr>
+            </a:p>
+            <a:p>
+              <a:pPr>
+                <a:lnSpc>
+                  <a:spcPct val="150000"/>
+                </a:lnSpc>
+              </a:pPr>
+              <a:endParaRPr lang="en-US" sz="2400" b="1" dirty="0">
+                <a:solidFill>
+                  <a:srgbClr val="352B5B"/>
+                </a:solidFill>
+                <a:latin typeface="Bahnschrift Light Condensed" panose="020B0502040204020203" pitchFamily="34" charset="0"/>
+              </a:endParaRPr>
+            </a:p>
+            <a:p>
+              <a:pPr>
+                <a:lnSpc>
+                  <a:spcPct val="150000"/>
+                </a:lnSpc>
+              </a:pPr>
+              <a:r>
+                <a:rPr lang="en-US" sz="450" b="1" dirty="0">
+                  <a:solidFill>
+                    <a:srgbClr val="352B5B"/>
+                  </a:solidFill>
+                  <a:latin typeface="Bahnschrift Light Condensed" panose="020B0502040204020203" pitchFamily="34" charset="0"/>
+                </a:rPr>
+                <a:t> </a:t>
+              </a:r>
+              <a:r>
+                <a:rPr lang="en-US" sz="1350" b="1" dirty="0">
+                  <a:solidFill>
+                    <a:srgbClr val="352B5B"/>
+                  </a:solidFill>
+                  <a:latin typeface="Bahnschrift Light Condensed" panose="020B0502040204020203" pitchFamily="34" charset="0"/>
+                </a:rPr>
+                <a:t>MIN</a:t>
+              </a:r>
+              <a:endParaRPr lang="en-US" sz="1350" dirty="0">
+                <a:solidFill>
+                  <a:srgbClr val="352B5B"/>
+                </a:solidFill>
+                <a:latin typeface="Bahnschrift Light Condensed" panose="020B0502040204020203" pitchFamily="34" charset="0"/>
+              </a:endParaRPr>
+            </a:p>
+          </p:txBody>
+        </p:sp>
+      </p:grpSp>
+      <p:sp>
+        <p:nvSpPr>
+          <p:cNvPr id="5" name="Rectangle: Diagonal Corners Snipped 4">
+            <a:extLst>
+              <a:ext uri="{FF2B5EF4-FFF2-40B4-BE49-F238E27FC236}">
+                <a16:creationId xmlns:a16="http://schemas.microsoft.com/office/drawing/2014/main" id="{CF0C82A9-58AD-1774-CB95-837D060AB46B}"/>
+              </a:ext>
+            </a:extLst>
+          </p:cNvPr>
+          <p:cNvSpPr/>
+          <p:nvPr/>
+        </p:nvSpPr>
+        <p:spPr>
+          <a:xfrm>
+            <a:off x="5180811" y="6784618"/>
+            <a:ext cx="4503894" cy="513543"/>
+          </a:xfrm>
+          <a:prstGeom prst="snip2DiagRect">
+            <a:avLst>
+              <a:gd name="adj1" fmla="val 0"/>
+              <a:gd name="adj2" fmla="val 16667"/>
+            </a:avLst>
+          </a:prstGeom>
+          <a:noFill/>
+        </p:spPr>
+        <p:txBody>
+          <a:bodyPr wrap="square" rtlCol="0">
+            <a:spAutoFit/>
+          </a:bodyPr>
+          <a:lstStyle/>
+          <a:p>
+            <a:pPr>
+              <a:lnSpc>
+                <a:spcPct val="150000"/>
+              </a:lnSpc>
+            </a:pPr>
+            <a:r>
+              <a:rPr lang="en-US" sz="1650" b="1" dirty="0" err="1">
+                <a:solidFill>
+                  <a:srgbClr val="013B43"/>
+                </a:solidFill>
+                <a:latin typeface="Bahnschrift Light Condensed" panose="020B0502040204020203" pitchFamily="34" charset="0"/>
+              </a:rPr>
+              <a:t>Porovnani</a:t>
+            </a:r>
+            <a:r>
+              <a:rPr lang="en-US" sz="1650" b="1" dirty="0">
+                <a:solidFill>
+                  <a:srgbClr val="013B43"/>
+                </a:solidFill>
+                <a:latin typeface="Bahnschrift Light Condensed" panose="020B0502040204020203" pitchFamily="34" charset="0"/>
+              </a:rPr>
+              <a:t> </a:t>
+            </a:r>
+            <a:r>
+              <a:rPr lang="en-US" sz="1650" b="1" dirty="0" err="1">
+                <a:solidFill>
+                  <a:srgbClr val="013B43"/>
+                </a:solidFill>
+                <a:latin typeface="Bahnschrift Light Condensed" panose="020B0502040204020203" pitchFamily="34" charset="0"/>
+              </a:rPr>
+              <a:t>napric</a:t>
+            </a:r>
+            <a:r>
+              <a:rPr lang="en-US" sz="1650" b="1" dirty="0">
+                <a:solidFill>
+                  <a:srgbClr val="013B43"/>
+                </a:solidFill>
+                <a:latin typeface="Bahnschrift Light Condensed" panose="020B0502040204020203" pitchFamily="34" charset="0"/>
+              </a:rPr>
+              <a:t> </a:t>
+            </a:r>
+            <a:r>
+              <a:rPr lang="en-US" sz="1650" b="1" dirty="0" err="1">
+                <a:solidFill>
+                  <a:srgbClr val="013B43"/>
+                </a:solidFill>
+                <a:latin typeface="Bahnschrift Light Condensed" panose="020B0502040204020203" pitchFamily="34" charset="0"/>
+              </a:rPr>
+              <a:t>vekovymi</a:t>
+            </a:r>
+            <a:r>
+              <a:rPr lang="en-US" sz="1650" b="1" dirty="0">
+                <a:solidFill>
+                  <a:srgbClr val="013B43"/>
+                </a:solidFill>
+                <a:latin typeface="Bahnschrift Light Condensed" panose="020B0502040204020203" pitchFamily="34" charset="0"/>
+              </a:rPr>
+              <a:t> </a:t>
+            </a:r>
+            <a:r>
+              <a:rPr lang="en-US" sz="1650" b="1" dirty="0" err="1">
+                <a:solidFill>
+                  <a:srgbClr val="013B43"/>
+                </a:solidFill>
+                <a:latin typeface="Bahnschrift Light Condensed" panose="020B0502040204020203" pitchFamily="34" charset="0"/>
+              </a:rPr>
+              <a:t>skupinami</a:t>
+            </a:r>
+            <a:endParaRPr lang="en-US" sz="1650" b="1" dirty="0">
+              <a:solidFill>
+                <a:srgbClr val="013B43"/>
+              </a:solidFill>
+              <a:latin typeface="Bahnschrift Light Condensed" panose="020B0502040204020203" pitchFamily="34" charset="0"/>
+            </a:endParaRPr>
+          </a:p>
+        </p:txBody>
+      </p:sp>
+      <p:sp>
+        <p:nvSpPr>
+          <p:cNvPr id="16" name="Rectangle: Diagonal Corners Snipped 15">
+            <a:extLst>
+              <a:ext uri="{FF2B5EF4-FFF2-40B4-BE49-F238E27FC236}">
+                <a16:creationId xmlns:a16="http://schemas.microsoft.com/office/drawing/2014/main" id="{D4E1C079-1B21-6731-40E6-A1E55884C302}"/>
+              </a:ext>
+            </a:extLst>
+          </p:cNvPr>
+          <p:cNvSpPr/>
+          <p:nvPr/>
+        </p:nvSpPr>
+        <p:spPr>
+          <a:xfrm>
+            <a:off x="5180811" y="3679755"/>
+            <a:ext cx="4503894" cy="513543"/>
+          </a:xfrm>
+          <a:prstGeom prst="snip2DiagRect">
+            <a:avLst>
+              <a:gd name="adj1" fmla="val 0"/>
+              <a:gd name="adj2" fmla="val 16667"/>
+            </a:avLst>
+          </a:prstGeom>
+          <a:noFill/>
+        </p:spPr>
+        <p:txBody>
+          <a:bodyPr wrap="square" rtlCol="0">
+            <a:spAutoFit/>
+          </a:bodyPr>
+          <a:lstStyle/>
+          <a:p>
+            <a:pPr>
+              <a:lnSpc>
+                <a:spcPct val="150000"/>
+              </a:lnSpc>
+            </a:pPr>
+            <a:r>
+              <a:rPr lang="en-US" sz="1650" b="1" dirty="0">
+                <a:solidFill>
+                  <a:srgbClr val="013B43"/>
+                </a:solidFill>
+                <a:latin typeface="Bahnschrift Light Condensed" panose="020B0502040204020203" pitchFamily="34" charset="0"/>
+              </a:rPr>
+              <a:t>O cem se </a:t>
+            </a:r>
+            <a:r>
+              <a:rPr lang="en-US" sz="1650" b="1" dirty="0" err="1">
+                <a:solidFill>
+                  <a:srgbClr val="013B43"/>
+                </a:solidFill>
+                <a:latin typeface="Bahnschrift Light Condensed" panose="020B0502040204020203" pitchFamily="34" charset="0"/>
+              </a:rPr>
+              <a:t>pise</a:t>
+            </a:r>
+            <a:r>
+              <a:rPr lang="en-US" sz="1650" b="1" dirty="0">
+                <a:solidFill>
+                  <a:srgbClr val="013B43"/>
+                </a:solidFill>
+                <a:latin typeface="Bahnschrift Light Condensed" panose="020B0502040204020203" pitchFamily="34" charset="0"/>
+              </a:rPr>
+              <a:t> </a:t>
+            </a:r>
+            <a:r>
+              <a:rPr lang="en-US" sz="1650" b="1" dirty="0" err="1">
+                <a:solidFill>
+                  <a:srgbClr val="013B43"/>
+                </a:solidFill>
+                <a:latin typeface="Bahnschrift Light Condensed" panose="020B0502040204020203" pitchFamily="34" charset="0"/>
+              </a:rPr>
+              <a:t>nejvice</a:t>
+            </a:r>
+            <a:r>
+              <a:rPr lang="en-US" sz="1650" b="1" dirty="0">
+                <a:solidFill>
+                  <a:srgbClr val="013B43"/>
+                </a:solidFill>
+                <a:latin typeface="Bahnschrift Light Condensed" panose="020B0502040204020203" pitchFamily="34" charset="0"/>
+              </a:rPr>
+              <a:t>:</a:t>
+            </a:r>
+          </a:p>
+        </p:txBody>
+      </p:sp>
+      <p:sp>
+        <p:nvSpPr>
+          <p:cNvPr id="29" name="TextBox 28">
+            <a:extLst>
+              <a:ext uri="{FF2B5EF4-FFF2-40B4-BE49-F238E27FC236}">
+                <a16:creationId xmlns:a16="http://schemas.microsoft.com/office/drawing/2014/main" id="{35B85E4F-DF7D-A450-25B0-539DC1A0634D}"/>
+              </a:ext>
+            </a:extLst>
+          </p:cNvPr>
+          <p:cNvSpPr txBox="1"/>
+          <p:nvPr/>
+        </p:nvSpPr>
+        <p:spPr>
+          <a:xfrm>
+            <a:off x="4966132" y="99695"/>
+            <a:ext cx="4585253" cy="499880"/>
+          </a:xfrm>
+          <a:prstGeom prst="rect">
+            <a:avLst/>
+          </a:prstGeom>
+          <a:noFill/>
+        </p:spPr>
+        <p:txBody>
+          <a:bodyPr wrap="square" rtlCol="0">
+            <a:spAutoFit/>
+          </a:bodyPr>
+          <a:lstStyle/>
+          <a:p>
+            <a:pPr>
+              <a:lnSpc>
+                <a:spcPct val="150000"/>
+              </a:lnSpc>
+            </a:pPr>
+            <a:r>
+              <a:rPr lang="en-US" sz="2000" dirty="0" err="1">
+                <a:solidFill>
+                  <a:srgbClr val="013B43"/>
+                </a:solidFill>
+                <a:latin typeface="Bahnschrift Light Condensed" panose="020B0502040204020203" pitchFamily="34" charset="0"/>
+              </a:rPr>
+              <a:t>Poslednich</a:t>
+            </a:r>
+            <a:r>
+              <a:rPr lang="en-US" sz="2000" dirty="0">
+                <a:solidFill>
+                  <a:srgbClr val="013B43"/>
+                </a:solidFill>
+                <a:latin typeface="Bahnschrift Light Condensed" panose="020B0502040204020203" pitchFamily="34" charset="0"/>
+              </a:rPr>
+              <a:t> 12 </a:t>
+            </a:r>
+            <a:r>
+              <a:rPr lang="en-US" sz="2000" dirty="0" err="1">
+                <a:solidFill>
+                  <a:srgbClr val="013B43"/>
+                </a:solidFill>
+                <a:latin typeface="Bahnschrift Light Condensed" panose="020B0502040204020203" pitchFamily="34" charset="0"/>
+              </a:rPr>
+              <a:t>mesicu</a:t>
+            </a:r>
+            <a:r>
+              <a:rPr lang="en-US" sz="2000" b="1" dirty="0">
+                <a:solidFill>
+                  <a:srgbClr val="013B43"/>
+                </a:solidFill>
+                <a:latin typeface="Bahnschrift Light Condensed" panose="020B0502040204020203" pitchFamily="34" charset="0"/>
+              </a:rPr>
+              <a:t>:</a:t>
+            </a:r>
+          </a:p>
+        </p:txBody>
+      </p:sp>
+      <p:sp>
+        <p:nvSpPr>
+          <p:cNvPr id="37" name="Rectangle: Diagonal Corners Rounded 36">
+            <a:extLst>
+              <a:ext uri="{FF2B5EF4-FFF2-40B4-BE49-F238E27FC236}">
+                <a16:creationId xmlns:a16="http://schemas.microsoft.com/office/drawing/2014/main" id="{10A16262-F3ED-8C1F-B262-77DFAD27BCE2}"/>
+              </a:ext>
+            </a:extLst>
+          </p:cNvPr>
+          <p:cNvSpPr/>
+          <p:nvPr/>
+        </p:nvSpPr>
+        <p:spPr>
+          <a:xfrm>
+            <a:off x="8024210" y="1284127"/>
+            <a:ext cx="1527175" cy="1291167"/>
+          </a:xfrm>
+          <a:prstGeom prst="round2DiagRect">
+            <a:avLst>
+              <a:gd name="adj1" fmla="val 0"/>
+              <a:gd name="adj2" fmla="val 13971"/>
+            </a:avLst>
+          </a:prstGeom>
+          <a:solidFill>
+            <a:srgbClr val="EDE4DB"/>
+          </a:solidFill>
+          <a:ln w="15875">
+            <a:solidFill>
+              <a:srgbClr val="FCECDC"/>
+            </a:solidFill>
+          </a:ln>
+        </p:spPr>
+        <p:style>
+          <a:lnRef idx="2">
+            <a:schemeClr val="accent1">
+              <a:shade val="15000"/>
+            </a:schemeClr>
+          </a:lnRef>
+          <a:fillRef idx="1">
+            <a:schemeClr val="accent1"/>
+          </a:fillRef>
+          <a:effectRef idx="0">
+            <a:schemeClr val="accent1"/>
+          </a:effectRef>
+          <a:fontRef idx="minor">
+            <a:schemeClr val="lt1"/>
+          </a:fontRef>
+        </p:style>
+        <p:txBody>
+          <a:bodyPr rtlCol="0" anchor="t"/>
+          <a:lstStyle/>
+          <a:p>
+            <a:endParaRPr lang="en-US" sz="4050" dirty="0">
+              <a:solidFill>
+                <a:srgbClr val="013B43"/>
+              </a:solidFill>
+              <a:latin typeface="Bahnschrift Light Condensed" panose="020B0502040204020203" pitchFamily="34" charset="0"/>
+            </a:endParaRPr>
+          </a:p>
+        </p:txBody>
+      </p:sp>
+      <p:sp>
+        <p:nvSpPr>
+          <p:cNvPr id="38" name="TextBox 37">
+            <a:extLst>
+              <a:ext uri="{FF2B5EF4-FFF2-40B4-BE49-F238E27FC236}">
+                <a16:creationId xmlns:a16="http://schemas.microsoft.com/office/drawing/2014/main" id="{3B2950C6-00A1-006B-B3F1-89B69CFA7E84}"/>
+              </a:ext>
+            </a:extLst>
+          </p:cNvPr>
+          <p:cNvSpPr txBox="1"/>
+          <p:nvPr/>
+        </p:nvSpPr>
+        <p:spPr>
+          <a:xfrm>
+            <a:off x="8027459" y="1222944"/>
+            <a:ext cx="892273" cy="430311"/>
+          </a:xfrm>
+          <a:prstGeom prst="rect">
+            <a:avLst/>
+          </a:prstGeom>
+          <a:noFill/>
+        </p:spPr>
+        <p:txBody>
+          <a:bodyPr wrap="square" rtlCol="0">
+            <a:spAutoFit/>
+          </a:bodyPr>
+          <a:lstStyle/>
+          <a:p>
+            <a:pPr>
+              <a:lnSpc>
+                <a:spcPct val="150000"/>
+              </a:lnSpc>
+            </a:pPr>
+            <a:r>
+              <a:rPr lang="en-US" sz="1650" b="1" dirty="0" err="1">
+                <a:solidFill>
+                  <a:srgbClr val="013B43"/>
+                </a:solidFill>
+                <a:latin typeface="Bahnschrift Light Condensed" panose="020B0502040204020203" pitchFamily="34" charset="0"/>
+              </a:rPr>
+              <a:t>Zacileni</a:t>
+            </a:r>
+            <a:r>
+              <a:rPr lang="en-US" sz="1650" b="1" dirty="0">
+                <a:solidFill>
+                  <a:srgbClr val="013B43"/>
+                </a:solidFill>
+                <a:latin typeface="Bahnschrift Light Condensed" panose="020B0502040204020203" pitchFamily="34" charset="0"/>
+              </a:rPr>
+              <a:t>:</a:t>
+            </a:r>
+          </a:p>
+        </p:txBody>
+      </p:sp>
+      <p:sp>
+        <p:nvSpPr>
+          <p:cNvPr id="39" name="TextBox 38">
+            <a:extLst>
+              <a:ext uri="{FF2B5EF4-FFF2-40B4-BE49-F238E27FC236}">
+                <a16:creationId xmlns:a16="http://schemas.microsoft.com/office/drawing/2014/main" id="{E1D66071-1453-E651-D6DF-D75A33C93BDD}"/>
+              </a:ext>
+            </a:extLst>
+          </p:cNvPr>
+          <p:cNvSpPr txBox="1"/>
+          <p:nvPr/>
+        </p:nvSpPr>
+        <p:spPr>
+          <a:xfrm>
+            <a:off x="5180811" y="1193451"/>
+            <a:ext cx="1759173" cy="430311"/>
+          </a:xfrm>
+          <a:prstGeom prst="rect">
+            <a:avLst/>
+          </a:prstGeom>
+          <a:noFill/>
+        </p:spPr>
+        <p:txBody>
+          <a:bodyPr wrap="square" rtlCol="0">
+            <a:spAutoFit/>
+          </a:bodyPr>
+          <a:lstStyle/>
+          <a:p>
+            <a:pPr>
+              <a:lnSpc>
+                <a:spcPct val="150000"/>
+              </a:lnSpc>
+            </a:pPr>
+            <a:r>
+              <a:rPr lang="en-US" sz="1650" b="1" dirty="0" err="1">
+                <a:solidFill>
+                  <a:srgbClr val="013B43"/>
+                </a:solidFill>
+                <a:latin typeface="Bahnschrift Light Condensed" panose="020B0502040204020203" pitchFamily="34" charset="0"/>
+              </a:rPr>
+              <a:t>Kdo</a:t>
+            </a:r>
+            <a:r>
+              <a:rPr lang="en-US" sz="1650" b="1" dirty="0">
+                <a:solidFill>
+                  <a:srgbClr val="013B43"/>
+                </a:solidFill>
+                <a:latin typeface="Bahnschrift Light Condensed" panose="020B0502040204020203" pitchFamily="34" charset="0"/>
+              </a:rPr>
+              <a:t> za to </a:t>
+            </a:r>
+            <a:r>
+              <a:rPr lang="en-US" sz="1650" b="1" dirty="0" err="1">
+                <a:solidFill>
+                  <a:srgbClr val="013B43"/>
+                </a:solidFill>
+                <a:latin typeface="Bahnschrift Light Condensed" panose="020B0502040204020203" pitchFamily="34" charset="0"/>
+              </a:rPr>
+              <a:t>plati</a:t>
+            </a:r>
+            <a:r>
+              <a:rPr lang="en-US" sz="1650" b="1" dirty="0">
+                <a:solidFill>
+                  <a:srgbClr val="013B43"/>
+                </a:solidFill>
+                <a:latin typeface="Bahnschrift Light Condensed" panose="020B0502040204020203" pitchFamily="34" charset="0"/>
+              </a:rPr>
+              <a:t>:</a:t>
+            </a:r>
+          </a:p>
+        </p:txBody>
+      </p:sp>
+      <p:sp>
+        <p:nvSpPr>
+          <p:cNvPr id="8" name="Rectangle: Rounded Corners 7">
+            <a:extLst>
+              <a:ext uri="{FF2B5EF4-FFF2-40B4-BE49-F238E27FC236}">
+                <a16:creationId xmlns:a16="http://schemas.microsoft.com/office/drawing/2014/main" id="{8EF030D0-0616-CD2A-EA32-5EC07A970B10}"/>
+              </a:ext>
+            </a:extLst>
+          </p:cNvPr>
+          <p:cNvSpPr/>
+          <p:nvPr/>
+        </p:nvSpPr>
+        <p:spPr>
+          <a:xfrm>
+            <a:off x="144780" y="2647951"/>
+            <a:ext cx="4930140" cy="7539354"/>
+          </a:xfrm>
+          <a:prstGeom prst="roundRect">
+            <a:avLst>
+              <a:gd name="adj" fmla="val 7212"/>
+            </a:avLst>
+          </a:prstGeom>
+          <a:solidFill>
+            <a:srgbClr val="EDE4DB"/>
+          </a:solidFill>
+          <a:ln>
+            <a:solidFill>
+              <a:srgbClr val="EDE4DB"/>
+            </a:solidFill>
+          </a:ln>
+        </p:spPr>
+        <p:style>
+          <a:lnRef idx="2">
+            <a:schemeClr val="accent1">
+              <a:shade val="15000"/>
+            </a:schemeClr>
+          </a:lnRef>
+          <a:fillRef idx="1">
+            <a:schemeClr val="accent1"/>
+          </a:fillRef>
+          <a:effectRef idx="0">
+            <a:schemeClr val="accent1"/>
+          </a:effectRef>
+          <a:fontRef idx="minor">
+            <a:schemeClr val="lt1"/>
+          </a:fontRef>
+        </p:style>
+        <p:txBody>
+          <a:bodyPr rtlCol="0" anchor="ctr"/>
+          <a:lstStyle/>
+          <a:p>
+            <a:pPr algn="ctr"/>
+            <a:endParaRPr lang="en-US" sz="4050" dirty="0"/>
+          </a:p>
+        </p:txBody>
+      </p:sp>
+    </p:spTree>
+    <p:extLst>
+      <p:ext uri="{BB962C8B-B14F-4D97-AF65-F5344CB8AC3E}">
+        <p14:creationId xmlns:p14="http://schemas.microsoft.com/office/powerpoint/2010/main" val="2870598814"/>
+      </p:ext>
+    </p:extLst>
+  </p:cSld>
+  <p:clrMapOvr>
+    <a:masterClrMapping/>
+  </p:clrMapOvr>
+</p:sld>
+</file>
+
+<file path=ppt/slides/slide7.xml><?xml version="1.0" encoding="utf-8"?>
+<p:sld xmlns:a="http://schemas.openxmlformats.org/drawingml/2006/main" xmlns:r="http://schemas.openxmlformats.org/officeDocument/2006/relationships" xmlns:p="http://schemas.openxmlformats.org/presentationml/2006/main">
+  <p:cSld>
+    <p:bg>
+      <p:bgPr>
+        <a:solidFill>
+          <a:srgbClr val="FCECDC"/>
+        </a:solidFill>
+        <a:effectLst/>
+      </p:bgPr>
+    </p:bg>
+    <p:spTree>
+      <p:nvGrpSpPr>
+        <p:cNvPr id="1" name="">
+          <a:extLst>
+            <a:ext uri="{FF2B5EF4-FFF2-40B4-BE49-F238E27FC236}">
+              <a16:creationId xmlns:a16="http://schemas.microsoft.com/office/drawing/2014/main" id="{34E40F0E-02C1-00A5-31EB-0D236424FC0A}"/>
+            </a:ext>
+          </a:extLst>
+        </p:cNvPr>
+        <p:cNvGrpSpPr/>
+        <p:nvPr/>
+      </p:nvGrpSpPr>
+      <p:grpSpPr>
+        <a:xfrm>
+          <a:off x="0" y="0"/>
+          <a:ext cx="0" cy="0"/>
+          <a:chOff x="0" y="0"/>
+          <a:chExt cx="0" cy="0"/>
+        </a:xfrm>
+      </p:grpSpPr>
+      <p:sp>
+        <p:nvSpPr>
+          <p:cNvPr id="58" name="Rectangle: Rounded Corners 57">
+            <a:extLst>
+              <a:ext uri="{FF2B5EF4-FFF2-40B4-BE49-F238E27FC236}">
+                <a16:creationId xmlns:a16="http://schemas.microsoft.com/office/drawing/2014/main" id="{40C4F68B-6C07-DDCB-5F97-6E921BF8C274}"/>
+              </a:ext>
+            </a:extLst>
+          </p:cNvPr>
+          <p:cNvSpPr/>
+          <p:nvPr/>
+        </p:nvSpPr>
+        <p:spPr>
+          <a:xfrm>
+            <a:off x="9595820" y="6338280"/>
+            <a:ext cx="8547402" cy="3828626"/>
+          </a:xfrm>
+          <a:prstGeom prst="roundRect">
+            <a:avLst>
+              <a:gd name="adj" fmla="val 13371"/>
+            </a:avLst>
+          </a:prstGeom>
+          <a:solidFill>
+            <a:srgbClr val="EDE4DB"/>
+          </a:solidFill>
+          <a:ln>
+            <a:solidFill>
+              <a:srgbClr val="FCECDC"/>
+            </a:solidFill>
+          </a:ln>
+        </p:spPr>
+        <p:style>
+          <a:lnRef idx="2">
+            <a:schemeClr val="accent1">
+              <a:shade val="15000"/>
+            </a:schemeClr>
+          </a:lnRef>
+          <a:fillRef idx="1">
+            <a:schemeClr val="accent1"/>
+          </a:fillRef>
+          <a:effectRef idx="0">
+            <a:schemeClr val="accent1"/>
+          </a:effectRef>
+          <a:fontRef idx="minor">
+            <a:schemeClr val="lt1"/>
+          </a:fontRef>
+        </p:style>
+        <p:txBody>
+          <a:bodyPr rtlCol="0" anchor="t"/>
+          <a:lstStyle/>
+          <a:p>
+            <a:endParaRPr lang="en-US" sz="3600" dirty="0">
+              <a:solidFill>
+                <a:srgbClr val="013B43"/>
+              </a:solidFill>
+              <a:latin typeface="Bahnschrift Light Condensed" panose="020B0502040204020203" pitchFamily="34" charset="0"/>
+            </a:endParaRPr>
+          </a:p>
+        </p:txBody>
+      </p:sp>
+      <p:sp>
+        <p:nvSpPr>
+          <p:cNvPr id="60" name="Rectangle: Rounded Corners 59">
+            <a:extLst>
+              <a:ext uri="{FF2B5EF4-FFF2-40B4-BE49-F238E27FC236}">
+                <a16:creationId xmlns:a16="http://schemas.microsoft.com/office/drawing/2014/main" id="{D1BC634E-2861-95F0-3299-77F5D5F3442E}"/>
+              </a:ext>
+            </a:extLst>
+          </p:cNvPr>
+          <p:cNvSpPr/>
+          <p:nvPr/>
+        </p:nvSpPr>
+        <p:spPr>
+          <a:xfrm>
+            <a:off x="102885" y="6338279"/>
+            <a:ext cx="9347916" cy="3828626"/>
+          </a:xfrm>
+          <a:prstGeom prst="roundRect">
+            <a:avLst>
+              <a:gd name="adj" fmla="val 13371"/>
+            </a:avLst>
+          </a:prstGeom>
+          <a:solidFill>
+            <a:srgbClr val="EDE4DB"/>
+          </a:solidFill>
+          <a:ln>
+            <a:solidFill>
+              <a:srgbClr val="FCECDC"/>
+            </a:solidFill>
+          </a:ln>
+        </p:spPr>
+        <p:style>
+          <a:lnRef idx="2">
+            <a:schemeClr val="accent1">
+              <a:shade val="15000"/>
+            </a:schemeClr>
+          </a:lnRef>
+          <a:fillRef idx="1">
+            <a:schemeClr val="accent1"/>
+          </a:fillRef>
+          <a:effectRef idx="0">
+            <a:schemeClr val="accent1"/>
+          </a:effectRef>
+          <a:fontRef idx="minor">
+            <a:schemeClr val="lt1"/>
+          </a:fontRef>
+        </p:style>
+        <p:txBody>
+          <a:bodyPr rtlCol="0" anchor="t"/>
+          <a:lstStyle/>
+          <a:p>
+            <a:endParaRPr lang="en-US" sz="3600" dirty="0">
+              <a:solidFill>
+                <a:srgbClr val="013B43"/>
+              </a:solidFill>
+              <a:latin typeface="Bahnschrift Light Condensed" panose="020B0502040204020203" pitchFamily="34" charset="0"/>
+            </a:endParaRPr>
+          </a:p>
+        </p:txBody>
+      </p:sp>
+      <p:sp>
+        <p:nvSpPr>
+          <p:cNvPr id="30" name="Rectangle: Rounded Corners 29">
+            <a:extLst>
+              <a:ext uri="{FF2B5EF4-FFF2-40B4-BE49-F238E27FC236}">
+                <a16:creationId xmlns:a16="http://schemas.microsoft.com/office/drawing/2014/main" id="{F5B14CBD-4D3A-8567-ED5A-48C1A5243E94}"/>
+              </a:ext>
+            </a:extLst>
+          </p:cNvPr>
+          <p:cNvSpPr/>
+          <p:nvPr/>
+        </p:nvSpPr>
+        <p:spPr>
+          <a:xfrm>
+            <a:off x="102886" y="85476"/>
+            <a:ext cx="17983331" cy="6166449"/>
+          </a:xfrm>
+          <a:prstGeom prst="roundRect">
+            <a:avLst>
+              <a:gd name="adj" fmla="val 11823"/>
+            </a:avLst>
+          </a:prstGeom>
+          <a:solidFill>
+            <a:srgbClr val="EDE4DB"/>
+          </a:solidFill>
+          <a:ln>
+            <a:noFill/>
+          </a:ln>
+        </p:spPr>
+        <p:style>
+          <a:lnRef idx="2">
+            <a:schemeClr val="accent1">
+              <a:shade val="15000"/>
+            </a:schemeClr>
+          </a:lnRef>
+          <a:fillRef idx="1">
+            <a:schemeClr val="accent1"/>
+          </a:fillRef>
+          <a:effectRef idx="0">
+            <a:schemeClr val="accent1"/>
+          </a:effectRef>
+          <a:fontRef idx="minor">
+            <a:schemeClr val="lt1"/>
+          </a:fontRef>
+        </p:style>
+        <p:txBody>
+          <a:bodyPr rtlCol="0" anchor="t"/>
+          <a:lstStyle/>
+          <a:p>
+            <a:endParaRPr lang="en-US" sz="2100" dirty="0">
+              <a:solidFill>
+                <a:srgbClr val="013B43"/>
+              </a:solidFill>
+              <a:latin typeface="Bahnschrift Light Condensed" panose="020B0502040204020203" pitchFamily="34" charset="0"/>
+            </a:endParaRPr>
+          </a:p>
+        </p:txBody>
+      </p:sp>
+      <p:sp>
+        <p:nvSpPr>
+          <p:cNvPr id="20" name="Rectangle: Rounded Corners 19">
+            <a:extLst>
+              <a:ext uri="{FF2B5EF4-FFF2-40B4-BE49-F238E27FC236}">
+                <a16:creationId xmlns:a16="http://schemas.microsoft.com/office/drawing/2014/main" id="{01A71362-AEF6-F485-7CE2-E4B8D4423284}"/>
+              </a:ext>
+            </a:extLst>
+          </p:cNvPr>
+          <p:cNvSpPr/>
+          <p:nvPr/>
+        </p:nvSpPr>
+        <p:spPr>
+          <a:xfrm>
+            <a:off x="9595820" y="85476"/>
+            <a:ext cx="8547402" cy="6166450"/>
+          </a:xfrm>
+          <a:prstGeom prst="roundRect">
+            <a:avLst>
+              <a:gd name="adj" fmla="val 13371"/>
+            </a:avLst>
+          </a:prstGeom>
+          <a:solidFill>
+            <a:srgbClr val="EDE4DB"/>
+          </a:solidFill>
+          <a:ln>
+            <a:solidFill>
+              <a:srgbClr val="FCECDC"/>
+            </a:solidFill>
+          </a:ln>
+        </p:spPr>
+        <p:style>
+          <a:lnRef idx="2">
+            <a:schemeClr val="accent1">
+              <a:shade val="15000"/>
+            </a:schemeClr>
+          </a:lnRef>
+          <a:fillRef idx="1">
+            <a:schemeClr val="accent1"/>
+          </a:fillRef>
+          <a:effectRef idx="0">
+            <a:schemeClr val="accent1"/>
+          </a:effectRef>
+          <a:fontRef idx="minor">
+            <a:schemeClr val="lt1"/>
+          </a:fontRef>
+        </p:style>
+        <p:txBody>
+          <a:bodyPr rtlCol="0" anchor="t"/>
+          <a:lstStyle/>
+          <a:p>
+            <a:endParaRPr lang="en-US" sz="3600" dirty="0">
+              <a:solidFill>
+                <a:srgbClr val="013B43"/>
+              </a:solidFill>
+              <a:latin typeface="Bahnschrift Light Condensed" panose="020B0502040204020203" pitchFamily="34" charset="0"/>
+            </a:endParaRPr>
+          </a:p>
+        </p:txBody>
+      </p:sp>
+      <p:sp>
+        <p:nvSpPr>
+          <p:cNvPr id="21" name="TextBox 20">
+            <a:extLst>
+              <a:ext uri="{FF2B5EF4-FFF2-40B4-BE49-F238E27FC236}">
+                <a16:creationId xmlns:a16="http://schemas.microsoft.com/office/drawing/2014/main" id="{3A7A701C-A822-5F2B-9627-D8C5E17A61A9}"/>
+              </a:ext>
+            </a:extLst>
+          </p:cNvPr>
+          <p:cNvSpPr txBox="1"/>
+          <p:nvPr/>
+        </p:nvSpPr>
+        <p:spPr>
+          <a:xfrm>
+            <a:off x="10082802" y="1189013"/>
+            <a:ext cx="8003415" cy="4042260"/>
+          </a:xfrm>
+          <a:prstGeom prst="rect">
+            <a:avLst/>
+          </a:prstGeom>
+          <a:noFill/>
+          <a:ln>
+            <a:noFill/>
+          </a:ln>
+        </p:spPr>
+        <p:txBody>
+          <a:bodyPr wrap="square" rtlCol="0">
+            <a:spAutoFit/>
+          </a:bodyPr>
+          <a:lstStyle/>
+          <a:p>
+            <a:pPr>
+              <a:lnSpc>
+                <a:spcPct val="150000"/>
+              </a:lnSpc>
+            </a:pPr>
+            <a:r>
+              <a:rPr lang="en-US" sz="1575" b="1" dirty="0">
+                <a:solidFill>
+                  <a:srgbClr val="013B43"/>
+                </a:solidFill>
+                <a:latin typeface="Bahnschrift Light Condensed" panose="020B0502040204020203" pitchFamily="34" charset="0"/>
+              </a:rPr>
+              <a:t>Page name = </a:t>
+            </a:r>
+            <a:r>
+              <a:rPr lang="en-US" sz="1575" dirty="0">
+                <a:solidFill>
+                  <a:srgbClr val="013B43"/>
+                </a:solidFill>
+                <a:latin typeface="Bahnschrift Light Condensed" panose="020B0502040204020203" pitchFamily="34" charset="0"/>
+              </a:rPr>
+              <a:t>Name of the Facebook Page which ran the ad</a:t>
+            </a:r>
+          </a:p>
+          <a:p>
+            <a:pPr>
+              <a:lnSpc>
+                <a:spcPct val="150000"/>
+              </a:lnSpc>
+            </a:pPr>
+            <a:r>
+              <a:rPr lang="en-US" sz="1575" b="1" dirty="0">
+                <a:solidFill>
+                  <a:srgbClr val="013B43"/>
+                </a:solidFill>
+                <a:latin typeface="Bahnschrift Light Condensed" panose="020B0502040204020203" pitchFamily="34" charset="0"/>
+              </a:rPr>
+              <a:t>Byline = </a:t>
+            </a:r>
+            <a:r>
+              <a:rPr lang="en-US" sz="1575" dirty="0">
+                <a:solidFill>
+                  <a:srgbClr val="013B43"/>
+                </a:solidFill>
+                <a:latin typeface="Bahnschrift Light Condensed" panose="020B0502040204020203" pitchFamily="34" charset="0"/>
+              </a:rPr>
+              <a:t>the name of the person, company, or entity that provided funding for the ad</a:t>
+            </a:r>
+          </a:p>
+          <a:p>
+            <a:pPr>
+              <a:lnSpc>
+                <a:spcPct val="150000"/>
+              </a:lnSpc>
+            </a:pPr>
+            <a:r>
+              <a:rPr lang="en-US" sz="1575" b="1" dirty="0">
+                <a:solidFill>
+                  <a:srgbClr val="013B43"/>
+                </a:solidFill>
+                <a:latin typeface="Bahnschrift Light Condensed" panose="020B0502040204020203" pitchFamily="34" charset="0"/>
+              </a:rPr>
+              <a:t>Content of the ad creative = </a:t>
+            </a:r>
+            <a:r>
+              <a:rPr lang="en-US" sz="1575" dirty="0">
+                <a:solidFill>
+                  <a:srgbClr val="013B43"/>
+                </a:solidFill>
+                <a:latin typeface="Bahnschrift Light Condensed" panose="020B0502040204020203" pitchFamily="34" charset="0"/>
+              </a:rPr>
+              <a:t>A list of the text which displays in each unique ad card of the ad</a:t>
+            </a:r>
+          </a:p>
+          <a:p>
+            <a:pPr>
+              <a:lnSpc>
+                <a:spcPct val="150000"/>
+              </a:lnSpc>
+            </a:pPr>
+            <a:r>
+              <a:rPr lang="en-US" sz="1575" b="1" dirty="0">
+                <a:solidFill>
+                  <a:srgbClr val="013B43"/>
+                </a:solidFill>
+                <a:latin typeface="Bahnschrift Light Condensed" panose="020B0502040204020203" pitchFamily="34" charset="0"/>
+              </a:rPr>
+              <a:t>Ad delivery dates = </a:t>
+            </a:r>
+            <a:r>
+              <a:rPr lang="en-US" sz="1575" dirty="0">
+                <a:solidFill>
+                  <a:srgbClr val="013B43"/>
+                </a:solidFill>
+                <a:latin typeface="Bahnschrift Light Condensed" panose="020B0502040204020203" pitchFamily="34" charset="0"/>
+              </a:rPr>
+              <a:t>Date and time when an advertiser wants to start and  stop delivery of the ad</a:t>
+            </a:r>
+          </a:p>
+          <a:p>
+            <a:pPr>
+              <a:lnSpc>
+                <a:spcPct val="150000"/>
+              </a:lnSpc>
+              <a:tabLst>
+                <a:tab pos="685800" algn="l"/>
+              </a:tabLst>
+            </a:pPr>
+            <a:r>
+              <a:rPr lang="en-US" sz="1575" b="1" dirty="0">
+                <a:solidFill>
+                  <a:srgbClr val="013B43"/>
+                </a:solidFill>
+                <a:latin typeface="Bahnschrift Light Condensed" panose="020B0502040204020203" pitchFamily="34" charset="0"/>
+              </a:rPr>
+              <a:t>Demographic information, such as age, gender and location (%) = </a:t>
+            </a:r>
+            <a:r>
+              <a:rPr lang="en-US" sz="1575" dirty="0">
+                <a:solidFill>
+                  <a:srgbClr val="013B43"/>
+                </a:solidFill>
+                <a:latin typeface="Bahnschrift Light Condensed" panose="020B0502040204020203" pitchFamily="34" charset="0"/>
+              </a:rPr>
+              <a:t>aggregated demographic data based on a number 	of factors, including information users provide in their Facebook profile</a:t>
+            </a:r>
+          </a:p>
+          <a:p>
+            <a:pPr>
+              <a:lnSpc>
+                <a:spcPct val="150000"/>
+              </a:lnSpc>
+            </a:pPr>
+            <a:r>
+              <a:rPr lang="en-US" sz="1575" b="1" dirty="0">
+                <a:solidFill>
+                  <a:srgbClr val="013B43"/>
+                </a:solidFill>
+                <a:latin typeface="Bahnschrift Light Condensed" panose="020B0502040204020203" pitchFamily="34" charset="0"/>
+              </a:rPr>
+              <a:t>Currency = </a:t>
+            </a:r>
+            <a:r>
+              <a:rPr lang="en-US" sz="1575" dirty="0">
+                <a:solidFill>
+                  <a:srgbClr val="013B43"/>
+                </a:solidFill>
+                <a:latin typeface="Bahnschrift Light Condensed" panose="020B0502040204020203" pitchFamily="34" charset="0"/>
+              </a:rPr>
+              <a:t>The currency used to pay for the ad,</a:t>
+            </a:r>
+          </a:p>
+          <a:p>
+            <a:pPr>
+              <a:lnSpc>
+                <a:spcPct val="150000"/>
+              </a:lnSpc>
+            </a:pPr>
+            <a:r>
+              <a:rPr lang="en-US" sz="1575" b="1" dirty="0">
+                <a:solidFill>
+                  <a:srgbClr val="013B43"/>
+                </a:solidFill>
+                <a:latin typeface="Bahnschrift Light Condensed" panose="020B0502040204020203" pitchFamily="34" charset="0"/>
+              </a:rPr>
+              <a:t>Impressions</a:t>
+            </a:r>
+            <a:r>
+              <a:rPr lang="en-US" sz="1575" dirty="0">
+                <a:solidFill>
+                  <a:srgbClr val="013B43"/>
+                </a:solidFill>
+                <a:latin typeface="Bahnschrift Light Condensed" panose="020B0502040204020203" pitchFamily="34" charset="0"/>
+              </a:rPr>
+              <a:t> = The number of times ads were displayed on screen.</a:t>
+            </a:r>
+          </a:p>
+          <a:p>
+            <a:pPr>
+              <a:lnSpc>
+                <a:spcPct val="150000"/>
+              </a:lnSpc>
+            </a:pPr>
+            <a:r>
+              <a:rPr lang="en-US" sz="1575" b="1" dirty="0">
+                <a:solidFill>
+                  <a:srgbClr val="013B43"/>
+                </a:solidFill>
+                <a:latin typeface="Bahnschrift Light Condensed" panose="020B0502040204020203" pitchFamily="34" charset="0"/>
+              </a:rPr>
+              <a:t>Spending</a:t>
+            </a:r>
+            <a:r>
+              <a:rPr lang="en-US" sz="1575" dirty="0">
+                <a:solidFill>
+                  <a:srgbClr val="013B43"/>
+                </a:solidFill>
+                <a:latin typeface="Bahnschrift Light Condensed" panose="020B0502040204020203" pitchFamily="34" charset="0"/>
+              </a:rPr>
+              <a:t> = The amount of money spent running the ad</a:t>
+            </a:r>
+          </a:p>
+          <a:p>
+            <a:pPr>
+              <a:lnSpc>
+                <a:spcPct val="150000"/>
+              </a:lnSpc>
+            </a:pPr>
+            <a:r>
+              <a:rPr lang="en-US" sz="1575" b="1" dirty="0">
+                <a:solidFill>
+                  <a:srgbClr val="013B43"/>
+                </a:solidFill>
+                <a:latin typeface="Bahnschrift Light Condensed" panose="020B0502040204020203" pitchFamily="34" charset="0"/>
+              </a:rPr>
+              <a:t>Reach Ratio </a:t>
+            </a:r>
+            <a:r>
+              <a:rPr lang="en-US" sz="1575" dirty="0">
+                <a:solidFill>
+                  <a:srgbClr val="013B43"/>
+                </a:solidFill>
+                <a:latin typeface="Bahnschrift Light Condensed" panose="020B0502040204020203" pitchFamily="34" charset="0"/>
+              </a:rPr>
+              <a:t>= The average number of times an ad is shown to an individual</a:t>
+            </a:r>
+          </a:p>
+          <a:p>
+            <a:pPr>
+              <a:lnSpc>
+                <a:spcPct val="150000"/>
+              </a:lnSpc>
+            </a:pPr>
+            <a:endParaRPr lang="en-US" sz="1575" dirty="0">
+              <a:solidFill>
+                <a:srgbClr val="013B43"/>
+              </a:solidFill>
+              <a:latin typeface="Bahnschrift Light Condensed" panose="020B0502040204020203" pitchFamily="34" charset="0"/>
+            </a:endParaRPr>
+          </a:p>
+        </p:txBody>
+      </p:sp>
+      <p:sp>
+        <p:nvSpPr>
+          <p:cNvPr id="48" name="Rectangle: Diagonal Corners Snipped 47">
+            <a:extLst>
+              <a:ext uri="{FF2B5EF4-FFF2-40B4-BE49-F238E27FC236}">
+                <a16:creationId xmlns:a16="http://schemas.microsoft.com/office/drawing/2014/main" id="{3EC8F062-CA22-77D0-327F-F829705538CD}"/>
+              </a:ext>
+            </a:extLst>
+          </p:cNvPr>
+          <p:cNvSpPr/>
+          <p:nvPr/>
+        </p:nvSpPr>
+        <p:spPr>
+          <a:xfrm>
+            <a:off x="1054141" y="610010"/>
+            <a:ext cx="9070827" cy="1100240"/>
+          </a:xfrm>
+          <a:prstGeom prst="snip2DiagRect">
+            <a:avLst>
+              <a:gd name="adj1" fmla="val 0"/>
+              <a:gd name="adj2" fmla="val 16667"/>
+            </a:avLst>
+          </a:prstGeom>
+          <a:noFill/>
+          <a:ln>
+            <a:noFill/>
+          </a:ln>
+        </p:spPr>
+        <p:txBody>
+          <a:bodyPr wrap="square" rtlCol="0">
+            <a:spAutoFit/>
+          </a:bodyPr>
+          <a:lstStyle/>
+          <a:p>
+            <a:pPr>
+              <a:lnSpc>
+                <a:spcPct val="150000"/>
+              </a:lnSpc>
+            </a:pPr>
+            <a:r>
+              <a:rPr lang="en-US" sz="4050" b="1" dirty="0">
+                <a:solidFill>
+                  <a:srgbClr val="013B43"/>
+                </a:solidFill>
+                <a:latin typeface="Bahnschrift Light Condensed" panose="020B0502040204020203" pitchFamily="34" charset="0"/>
+              </a:rPr>
+              <a:t>Political Advertisement in the Czech Republic</a:t>
+            </a:r>
+          </a:p>
+        </p:txBody>
+      </p:sp>
+      <p:sp>
+        <p:nvSpPr>
+          <p:cNvPr id="14" name="Rectangle: Diagonal Corners Snipped 13">
+            <a:extLst>
+              <a:ext uri="{FF2B5EF4-FFF2-40B4-BE49-F238E27FC236}">
+                <a16:creationId xmlns:a16="http://schemas.microsoft.com/office/drawing/2014/main" id="{54DB0A8B-6725-3D4A-0E41-9BD731DCC62C}"/>
+              </a:ext>
+            </a:extLst>
+          </p:cNvPr>
+          <p:cNvSpPr/>
+          <p:nvPr/>
+        </p:nvSpPr>
+        <p:spPr>
+          <a:xfrm>
+            <a:off x="10059617" y="552260"/>
+            <a:ext cx="5809233" cy="696891"/>
+          </a:xfrm>
+          <a:prstGeom prst="snip2DiagRect">
+            <a:avLst>
+              <a:gd name="adj1" fmla="val 0"/>
+              <a:gd name="adj2" fmla="val 16667"/>
+            </a:avLst>
+          </a:prstGeom>
+          <a:noFill/>
+          <a:ln>
+            <a:noFill/>
+          </a:ln>
+        </p:spPr>
+        <p:txBody>
+          <a:bodyPr wrap="square" rtlCol="0">
+            <a:spAutoFit/>
+          </a:bodyPr>
+          <a:lstStyle/>
+          <a:p>
+            <a:pPr>
+              <a:lnSpc>
+                <a:spcPct val="150000"/>
+              </a:lnSpc>
+            </a:pPr>
+            <a:r>
+              <a:rPr lang="en-US" sz="2400" b="1" dirty="0">
+                <a:solidFill>
+                  <a:srgbClr val="013B43"/>
+                </a:solidFill>
+                <a:latin typeface="Bahnschrift Light Condensed" panose="020B0502040204020203" pitchFamily="34" charset="0"/>
+              </a:rPr>
+              <a:t>Metrics and data fields :</a:t>
+            </a:r>
+          </a:p>
+        </p:txBody>
+      </p:sp>
+      <p:grpSp>
+        <p:nvGrpSpPr>
+          <p:cNvPr id="47" name="Group 46">
+            <a:extLst>
+              <a:ext uri="{FF2B5EF4-FFF2-40B4-BE49-F238E27FC236}">
+                <a16:creationId xmlns:a16="http://schemas.microsoft.com/office/drawing/2014/main" id="{19027A3D-2B39-D82E-8DE1-3FA653990A32}"/>
+              </a:ext>
+            </a:extLst>
+          </p:cNvPr>
+          <p:cNvGrpSpPr/>
+          <p:nvPr/>
+        </p:nvGrpSpPr>
+        <p:grpSpPr>
+          <a:xfrm>
+            <a:off x="511932" y="1384741"/>
+            <a:ext cx="4364868" cy="1307223"/>
+            <a:chOff x="341288" y="770720"/>
+            <a:chExt cx="2909912" cy="871482"/>
+          </a:xfrm>
+        </p:grpSpPr>
+        <p:sp>
+          <p:nvSpPr>
+            <p:cNvPr id="59" name="Rectangle 58">
+              <a:extLst>
+                <a:ext uri="{FF2B5EF4-FFF2-40B4-BE49-F238E27FC236}">
+                  <a16:creationId xmlns:a16="http://schemas.microsoft.com/office/drawing/2014/main" id="{36C9AE81-1590-6244-F202-422E492F89D0}"/>
+                </a:ext>
+              </a:extLst>
+            </p:cNvPr>
+            <p:cNvSpPr/>
+            <p:nvPr/>
+          </p:nvSpPr>
+          <p:spPr>
+            <a:xfrm>
+              <a:off x="452646" y="1144630"/>
+              <a:ext cx="2798554" cy="497572"/>
+            </a:xfrm>
+            <a:prstGeom prst="rect">
+              <a:avLst/>
+            </a:prstGeom>
+            <a:noFill/>
+            <a:ln>
+              <a:noFill/>
+            </a:ln>
+          </p:spPr>
+          <p:txBody>
+            <a:bodyPr wrap="square" rtlCol="0">
+              <a:spAutoFit/>
+            </a:bodyPr>
+            <a:lstStyle/>
+            <a:p>
+              <a:pPr>
+                <a:lnSpc>
+                  <a:spcPts val="1650"/>
+                </a:lnSpc>
+              </a:pPr>
+              <a:r>
+                <a:rPr lang="en-US" sz="1575" dirty="0">
+                  <a:solidFill>
+                    <a:srgbClr val="013B43"/>
+                  </a:solidFill>
+                  <a:latin typeface="Bahnschrift Light Condensed" panose="020B0502040204020203" pitchFamily="34" charset="0"/>
+                </a:rPr>
+                <a:t>This Project aims to provide a searchable and complete copy of the ads about social issues, elections or politics that have run in the past 4 years on Facebook Ad Library</a:t>
+              </a:r>
+            </a:p>
+          </p:txBody>
+        </p:sp>
+        <p:sp>
+          <p:nvSpPr>
+            <p:cNvPr id="15" name="Rectangle 14">
+              <a:extLst>
+                <a:ext uri="{FF2B5EF4-FFF2-40B4-BE49-F238E27FC236}">
+                  <a16:creationId xmlns:a16="http://schemas.microsoft.com/office/drawing/2014/main" id="{4CE0112F-5D00-C714-6490-9AD0473EF6F8}"/>
+                </a:ext>
+              </a:extLst>
+            </p:cNvPr>
+            <p:cNvSpPr/>
+            <p:nvPr/>
+          </p:nvSpPr>
+          <p:spPr>
+            <a:xfrm>
+              <a:off x="341288" y="770720"/>
+              <a:ext cx="2909912" cy="307349"/>
+            </a:xfrm>
+            <a:prstGeom prst="rect">
+              <a:avLst/>
+            </a:prstGeom>
+            <a:noFill/>
+            <a:ln>
+              <a:noFill/>
+            </a:ln>
+          </p:spPr>
+          <p:txBody>
+            <a:bodyPr wrap="square" rtlCol="0">
+              <a:spAutoFit/>
+            </a:bodyPr>
+            <a:lstStyle/>
+            <a:p>
+              <a:pPr>
+                <a:lnSpc>
+                  <a:spcPct val="150000"/>
+                </a:lnSpc>
+              </a:pPr>
+              <a:r>
+                <a:rPr lang="en-US" sz="1800" b="1" dirty="0">
+                  <a:solidFill>
+                    <a:srgbClr val="013B43"/>
+                  </a:solidFill>
+                  <a:latin typeface="Bahnschrift Light Condensed" panose="020B0502040204020203" pitchFamily="34" charset="0"/>
+                </a:rPr>
+                <a:t>About:</a:t>
+              </a:r>
+            </a:p>
+          </p:txBody>
+        </p:sp>
+      </p:grpSp>
+      <p:grpSp>
+        <p:nvGrpSpPr>
+          <p:cNvPr id="45" name="Group 44">
+            <a:extLst>
+              <a:ext uri="{FF2B5EF4-FFF2-40B4-BE49-F238E27FC236}">
+                <a16:creationId xmlns:a16="http://schemas.microsoft.com/office/drawing/2014/main" id="{222C561E-5187-B5E1-B362-02C017D42EE4}"/>
+              </a:ext>
+            </a:extLst>
+          </p:cNvPr>
+          <p:cNvGrpSpPr/>
+          <p:nvPr/>
+        </p:nvGrpSpPr>
+        <p:grpSpPr>
+          <a:xfrm>
+            <a:off x="511932" y="2776668"/>
+            <a:ext cx="4364868" cy="1305677"/>
+            <a:chOff x="341288" y="3315385"/>
+            <a:chExt cx="2909912" cy="870451"/>
+          </a:xfrm>
+        </p:grpSpPr>
+        <p:sp>
+          <p:nvSpPr>
+            <p:cNvPr id="13" name="Rectangle 12">
+              <a:extLst>
+                <a:ext uri="{FF2B5EF4-FFF2-40B4-BE49-F238E27FC236}">
+                  <a16:creationId xmlns:a16="http://schemas.microsoft.com/office/drawing/2014/main" id="{B23343D8-5FD3-56CC-B834-6BD1A7EEDC3F}"/>
+                </a:ext>
+              </a:extLst>
+            </p:cNvPr>
+            <p:cNvSpPr/>
+            <p:nvPr/>
+          </p:nvSpPr>
+          <p:spPr>
+            <a:xfrm>
+              <a:off x="452646" y="3688264"/>
+              <a:ext cx="2798554" cy="497572"/>
+            </a:xfrm>
+            <a:prstGeom prst="rect">
+              <a:avLst/>
+            </a:prstGeom>
+            <a:noFill/>
+            <a:ln>
+              <a:noFill/>
+            </a:ln>
+          </p:spPr>
+          <p:txBody>
+            <a:bodyPr wrap="square" rtlCol="0">
+              <a:spAutoFit/>
+            </a:bodyPr>
+            <a:lstStyle/>
+            <a:p>
+              <a:pPr>
+                <a:lnSpc>
+                  <a:spcPts val="1650"/>
+                </a:lnSpc>
+              </a:pPr>
+              <a:r>
+                <a:rPr lang="en-US" sz="1575" dirty="0">
+                  <a:solidFill>
+                    <a:srgbClr val="013B43"/>
+                  </a:solidFill>
+                  <a:latin typeface="Bahnschrift Light Condensed" panose="020B0502040204020203" pitchFamily="34" charset="0"/>
+                </a:rPr>
+                <a:t>Advertisers who spend over 300 CZK in the past 90 days. For such advertisers, 4 years history from Facebook Ad Library is included.</a:t>
+              </a:r>
+            </a:p>
+          </p:txBody>
+        </p:sp>
+        <p:sp>
+          <p:nvSpPr>
+            <p:cNvPr id="26" name="Rectangle 25">
+              <a:extLst>
+                <a:ext uri="{FF2B5EF4-FFF2-40B4-BE49-F238E27FC236}">
+                  <a16:creationId xmlns:a16="http://schemas.microsoft.com/office/drawing/2014/main" id="{B87EF133-D3B3-956D-4B0F-400E8FCE4AE0}"/>
+                </a:ext>
+              </a:extLst>
+            </p:cNvPr>
+            <p:cNvSpPr/>
+            <p:nvPr/>
+          </p:nvSpPr>
+          <p:spPr>
+            <a:xfrm>
+              <a:off x="341288" y="3315385"/>
+              <a:ext cx="2909912" cy="307349"/>
+            </a:xfrm>
+            <a:prstGeom prst="rect">
+              <a:avLst/>
+            </a:prstGeom>
+            <a:noFill/>
+            <a:ln>
+              <a:noFill/>
+            </a:ln>
+          </p:spPr>
+          <p:txBody>
+            <a:bodyPr wrap="square" rtlCol="0">
+              <a:spAutoFit/>
+            </a:bodyPr>
+            <a:lstStyle/>
+            <a:p>
+              <a:pPr>
+                <a:lnSpc>
+                  <a:spcPct val="150000"/>
+                </a:lnSpc>
+              </a:pPr>
+              <a:r>
+                <a:rPr lang="en-US" sz="1800" b="1" dirty="0">
+                  <a:solidFill>
+                    <a:srgbClr val="013B43"/>
+                  </a:solidFill>
+                  <a:latin typeface="Bahnschrift Light Condensed" panose="020B0502040204020203" pitchFamily="34" charset="0"/>
+                </a:rPr>
+                <a:t>Selected Advertisers:</a:t>
+              </a:r>
+            </a:p>
+          </p:txBody>
+        </p:sp>
+      </p:grpSp>
+      <p:pic>
+        <p:nvPicPr>
+          <p:cNvPr id="22" name="Picture 21" descr="A flag made of hexagons&#10;&#10;Description automatically generated">
+            <a:extLst>
+              <a:ext uri="{FF2B5EF4-FFF2-40B4-BE49-F238E27FC236}">
+                <a16:creationId xmlns:a16="http://schemas.microsoft.com/office/drawing/2014/main" id="{69B97267-B0BF-82C2-C61E-61480CDC663C}"/>
+              </a:ext>
+            </a:extLst>
+          </p:cNvPr>
+          <p:cNvPicPr>
+            <a:picLocks noChangeAspect="1"/>
+          </p:cNvPicPr>
+          <p:nvPr/>
+        </p:nvPicPr>
+        <p:blipFill>
+          <a:blip r:embed="rId2">
+            <a:extLst>
+              <a:ext uri="{28A0092B-C50C-407E-A947-70E740481C1C}">
+                <a14:useLocalDpi xmlns:a14="http://schemas.microsoft.com/office/drawing/2010/main" val="0"/>
+              </a:ext>
+            </a:extLst>
+          </a:blip>
+          <a:stretch>
+            <a:fillRect/>
+          </a:stretch>
+        </p:blipFill>
+        <p:spPr>
+          <a:xfrm>
+            <a:off x="5427665" y="1878152"/>
+            <a:ext cx="3617289" cy="2018930"/>
+          </a:xfrm>
+          <a:prstGeom prst="rect">
+            <a:avLst/>
+          </a:prstGeom>
+          <a:ln>
+            <a:noFill/>
+          </a:ln>
+        </p:spPr>
+      </p:pic>
+      <p:pic>
+        <p:nvPicPr>
+          <p:cNvPr id="24" name="Picture 23" descr="A screenshot of a social media profile&#10;&#10;Description automatically generated">
+            <a:extLst>
+              <a:ext uri="{FF2B5EF4-FFF2-40B4-BE49-F238E27FC236}">
+                <a16:creationId xmlns:a16="http://schemas.microsoft.com/office/drawing/2014/main" id="{EC21E998-E6FE-6FF1-F13B-9AD3B9458A07}"/>
+              </a:ext>
+            </a:extLst>
+          </p:cNvPr>
+          <p:cNvPicPr>
+            <a:picLocks noChangeAspect="1"/>
+          </p:cNvPicPr>
+          <p:nvPr/>
+        </p:nvPicPr>
+        <p:blipFill>
+          <a:blip r:embed="rId3">
+            <a:extLst>
+              <a:ext uri="{28A0092B-C50C-407E-A947-70E740481C1C}">
+                <a14:useLocalDpi xmlns:a14="http://schemas.microsoft.com/office/drawing/2010/main" val="0"/>
+              </a:ext>
+            </a:extLst>
+          </a:blip>
+          <a:stretch>
+            <a:fillRect/>
+          </a:stretch>
+        </p:blipFill>
+        <p:spPr>
+          <a:xfrm>
+            <a:off x="12317179" y="6371311"/>
+            <a:ext cx="6111372" cy="3664991"/>
+          </a:xfrm>
+          <a:prstGeom prst="rect">
+            <a:avLst/>
+          </a:prstGeom>
+          <a:ln>
+            <a:noFill/>
+          </a:ln>
+        </p:spPr>
+      </p:pic>
+      <p:sp>
+        <p:nvSpPr>
+          <p:cNvPr id="28" name="Rectangle 27">
+            <a:extLst>
+              <a:ext uri="{FF2B5EF4-FFF2-40B4-BE49-F238E27FC236}">
+                <a16:creationId xmlns:a16="http://schemas.microsoft.com/office/drawing/2014/main" id="{B8CDB156-CE75-ECD5-877A-ED9B9D5A83D9}"/>
+              </a:ext>
+            </a:extLst>
+          </p:cNvPr>
+          <p:cNvSpPr/>
+          <p:nvPr/>
+        </p:nvSpPr>
+        <p:spPr>
+          <a:xfrm>
+            <a:off x="15422692" y="9823920"/>
+            <a:ext cx="2254271" cy="283539"/>
+          </a:xfrm>
+          <a:prstGeom prst="rect">
+            <a:avLst/>
+          </a:prstGeom>
+          <a:noFill/>
+          <a:ln>
+            <a:noFill/>
+          </a:ln>
+        </p:spPr>
+        <p:txBody>
+          <a:bodyPr wrap="square" rtlCol="0">
+            <a:spAutoFit/>
+          </a:bodyPr>
+          <a:lstStyle/>
+          <a:p>
+            <a:pPr>
+              <a:lnSpc>
+                <a:spcPts val="1650"/>
+              </a:lnSpc>
+            </a:pPr>
+            <a:r>
+              <a:rPr lang="en-US" sz="1050" dirty="0">
+                <a:solidFill>
+                  <a:srgbClr val="013B43"/>
+                </a:solidFill>
+                <a:latin typeface="Bahnschrift Light Condensed" panose="020B0502040204020203" pitchFamily="34" charset="0"/>
+              </a:rPr>
+              <a:t>Meta </a:t>
+            </a:r>
+            <a:r>
+              <a:rPr lang="en-US" sz="1050" dirty="0">
+                <a:solidFill>
+                  <a:srgbClr val="465A69"/>
+                </a:solidFill>
+                <a:latin typeface="Bahnschrift Light Condensed" panose="020B0502040204020203" pitchFamily="34" charset="0"/>
+                <a:hlinkClick r:id="rId4"/>
+              </a:rPr>
+              <a:t>ads transparency tools</a:t>
+            </a:r>
+            <a:r>
+              <a:rPr lang="en-US" sz="1050" dirty="0">
+                <a:solidFill>
+                  <a:srgbClr val="465A69"/>
+                </a:solidFill>
+                <a:latin typeface="Bahnschrift Light Condensed" panose="020B0502040204020203" pitchFamily="34" charset="0"/>
+              </a:rPr>
+              <a:t> documentation</a:t>
+            </a:r>
+            <a:endParaRPr lang="en-US" sz="1050" dirty="0">
+              <a:solidFill>
+                <a:srgbClr val="013B43"/>
+              </a:solidFill>
+              <a:latin typeface="Bahnschrift Light Condensed" panose="020B0502040204020203" pitchFamily="34" charset="0"/>
+            </a:endParaRPr>
+          </a:p>
+        </p:txBody>
+      </p:sp>
+      <p:sp>
+        <p:nvSpPr>
+          <p:cNvPr id="29" name="Rectangle 28">
+            <a:extLst>
+              <a:ext uri="{FF2B5EF4-FFF2-40B4-BE49-F238E27FC236}">
+                <a16:creationId xmlns:a16="http://schemas.microsoft.com/office/drawing/2014/main" id="{04D29FB9-645E-1501-956A-A9C08012097A}"/>
+              </a:ext>
+            </a:extLst>
+          </p:cNvPr>
+          <p:cNvSpPr/>
+          <p:nvPr/>
+        </p:nvSpPr>
+        <p:spPr>
+          <a:xfrm>
+            <a:off x="13847710" y="9823918"/>
+            <a:ext cx="2254271" cy="283539"/>
+          </a:xfrm>
+          <a:prstGeom prst="rect">
+            <a:avLst/>
+          </a:prstGeom>
+          <a:noFill/>
+          <a:ln>
+            <a:noFill/>
+          </a:ln>
+        </p:spPr>
+        <p:txBody>
+          <a:bodyPr wrap="square" rtlCol="0">
+            <a:spAutoFit/>
+          </a:bodyPr>
+          <a:lstStyle/>
+          <a:p>
+            <a:pPr>
+              <a:lnSpc>
+                <a:spcPts val="1650"/>
+              </a:lnSpc>
+            </a:pPr>
+            <a:r>
+              <a:rPr lang="en-US" sz="1050" dirty="0">
+                <a:solidFill>
+                  <a:srgbClr val="013B43"/>
+                </a:solidFill>
+                <a:latin typeface="Bahnschrift Light Condensed" panose="020B0502040204020203" pitchFamily="34" charset="0"/>
+              </a:rPr>
+              <a:t>Meta </a:t>
+            </a:r>
+            <a:r>
+              <a:rPr lang="en-US" sz="1050" dirty="0">
+                <a:solidFill>
+                  <a:srgbClr val="465A69"/>
+                </a:solidFill>
+                <a:latin typeface="Bahnschrift Light Condensed" panose="020B0502040204020203" pitchFamily="34" charset="0"/>
+                <a:hlinkClick r:id="rId5"/>
+              </a:rPr>
+              <a:t>Business help</a:t>
+            </a:r>
+            <a:r>
+              <a:rPr lang="en-US" sz="1050" dirty="0">
+                <a:solidFill>
+                  <a:srgbClr val="465A69"/>
+                </a:solidFill>
+                <a:latin typeface="Bahnschrift Light Condensed" panose="020B0502040204020203" pitchFamily="34" charset="0"/>
+              </a:rPr>
+              <a:t> documentation, </a:t>
+            </a:r>
+            <a:endParaRPr lang="en-US" sz="1050" dirty="0">
+              <a:solidFill>
+                <a:srgbClr val="013B43"/>
+              </a:solidFill>
+              <a:latin typeface="Bahnschrift Light Condensed" panose="020B0502040204020203" pitchFamily="34" charset="0"/>
+            </a:endParaRPr>
+          </a:p>
+        </p:txBody>
+      </p:sp>
+      <p:grpSp>
+        <p:nvGrpSpPr>
+          <p:cNvPr id="51" name="Group 50">
+            <a:extLst>
+              <a:ext uri="{FF2B5EF4-FFF2-40B4-BE49-F238E27FC236}">
+                <a16:creationId xmlns:a16="http://schemas.microsoft.com/office/drawing/2014/main" id="{1FD334E3-E68D-07B5-F983-4D528362437D}"/>
+              </a:ext>
+            </a:extLst>
+          </p:cNvPr>
+          <p:cNvGrpSpPr/>
+          <p:nvPr/>
+        </p:nvGrpSpPr>
+        <p:grpSpPr>
+          <a:xfrm>
+            <a:off x="511932" y="4167048"/>
+            <a:ext cx="4364868" cy="1951226"/>
+            <a:chOff x="341288" y="1764265"/>
+            <a:chExt cx="2909912" cy="1300817"/>
+          </a:xfrm>
+        </p:grpSpPr>
+        <p:sp>
+          <p:nvSpPr>
+            <p:cNvPr id="3" name="Rectangle 2">
+              <a:extLst>
+                <a:ext uri="{FF2B5EF4-FFF2-40B4-BE49-F238E27FC236}">
+                  <a16:creationId xmlns:a16="http://schemas.microsoft.com/office/drawing/2014/main" id="{1EE28555-700E-F187-FBE0-9098D4E347DD}"/>
+                </a:ext>
+              </a:extLst>
+            </p:cNvPr>
+            <p:cNvSpPr/>
+            <p:nvPr/>
+          </p:nvSpPr>
+          <p:spPr>
+            <a:xfrm>
+              <a:off x="452646" y="2131493"/>
+              <a:ext cx="2798554" cy="933589"/>
+            </a:xfrm>
+            <a:prstGeom prst="rect">
+              <a:avLst/>
+            </a:prstGeom>
+            <a:noFill/>
+            <a:ln>
+              <a:noFill/>
+            </a:ln>
+          </p:spPr>
+          <p:txBody>
+            <a:bodyPr wrap="square" rtlCol="0">
+              <a:spAutoFit/>
+            </a:bodyPr>
+            <a:lstStyle/>
+            <a:p>
+              <a:pPr>
+                <a:lnSpc>
+                  <a:spcPts val="1650"/>
+                </a:lnSpc>
+              </a:pPr>
+              <a:r>
+                <a:rPr lang="en-US" sz="1575" dirty="0">
+                  <a:solidFill>
+                    <a:srgbClr val="013B43"/>
+                  </a:solidFill>
+                  <a:latin typeface="Bahnschrift Light Condensed" panose="020B0502040204020203" pitchFamily="34" charset="0"/>
+                </a:rPr>
+                <a:t>To increase transparency around the ads about social issues, elections or politics, Meta has measures to help ensure the authenticity of these types of ads on Facebook and all Meta Products. A social issue, electoral or political ad in feed or stories can be identified on Facebook by the Paid for by disclaimer.</a:t>
+              </a:r>
+            </a:p>
+          </p:txBody>
+        </p:sp>
+        <p:sp>
+          <p:nvSpPr>
+            <p:cNvPr id="16" name="Rectangle 15">
+              <a:extLst>
+                <a:ext uri="{FF2B5EF4-FFF2-40B4-BE49-F238E27FC236}">
+                  <a16:creationId xmlns:a16="http://schemas.microsoft.com/office/drawing/2014/main" id="{61511C17-CF50-9CB1-938B-61CEC189C3B9}"/>
+                </a:ext>
+              </a:extLst>
+            </p:cNvPr>
+            <p:cNvSpPr/>
+            <p:nvPr/>
+          </p:nvSpPr>
+          <p:spPr>
+            <a:xfrm>
+              <a:off x="341288" y="1764265"/>
+              <a:ext cx="2909912" cy="307349"/>
+            </a:xfrm>
+            <a:prstGeom prst="rect">
+              <a:avLst/>
+            </a:prstGeom>
+            <a:noFill/>
+            <a:ln>
+              <a:noFill/>
+            </a:ln>
+          </p:spPr>
+          <p:txBody>
+            <a:bodyPr wrap="square" rtlCol="0">
+              <a:spAutoFit/>
+            </a:bodyPr>
+            <a:lstStyle/>
+            <a:p>
+              <a:pPr>
+                <a:lnSpc>
+                  <a:spcPct val="150000"/>
+                </a:lnSpc>
+              </a:pPr>
+              <a:r>
+                <a:rPr lang="en-US" sz="1800" b="1" dirty="0">
+                  <a:solidFill>
+                    <a:srgbClr val="013B43"/>
+                  </a:solidFill>
+                  <a:latin typeface="Bahnschrift Light Condensed" panose="020B0502040204020203" pitchFamily="34" charset="0"/>
+                </a:rPr>
+                <a:t>Ads about social issues, elections or politics:</a:t>
+              </a:r>
+            </a:p>
+          </p:txBody>
+        </p:sp>
+      </p:grpSp>
+      <p:sp>
+        <p:nvSpPr>
+          <p:cNvPr id="39" name="Rectangle 38">
+            <a:extLst>
+              <a:ext uri="{FF2B5EF4-FFF2-40B4-BE49-F238E27FC236}">
+                <a16:creationId xmlns:a16="http://schemas.microsoft.com/office/drawing/2014/main" id="{9BB8A2F9-8D90-228B-41CF-E7C128D4393E}"/>
+              </a:ext>
+            </a:extLst>
+          </p:cNvPr>
+          <p:cNvSpPr/>
+          <p:nvPr/>
+        </p:nvSpPr>
+        <p:spPr>
+          <a:xfrm>
+            <a:off x="5043837" y="4710407"/>
+            <a:ext cx="4197831" cy="1618392"/>
+          </a:xfrm>
+          <a:prstGeom prst="rect">
+            <a:avLst/>
+          </a:prstGeom>
+          <a:noFill/>
+          <a:ln>
+            <a:noFill/>
+          </a:ln>
+        </p:spPr>
+        <p:txBody>
+          <a:bodyPr wrap="square" rtlCol="0">
+            <a:spAutoFit/>
+          </a:bodyPr>
+          <a:lstStyle/>
+          <a:p>
+            <a:pPr>
+              <a:lnSpc>
+                <a:spcPts val="1650"/>
+              </a:lnSpc>
+            </a:pPr>
+            <a:r>
+              <a:rPr lang="en-US" sz="1575" dirty="0">
+                <a:solidFill>
+                  <a:srgbClr val="013B43"/>
+                </a:solidFill>
+                <a:latin typeface="Bahnschrift Light Condensed" panose="020B0502040204020203" pitchFamily="34" charset="0"/>
+              </a:rPr>
+              <a:t>When ads about social issues, elections or politics appear across Meta technologies, they're required to include information about who paid for them. An issue, electoral or political ad can be identified on Facebook by the Paid for by disclaimer. This disclaimer is followed by information about who paid for the ad. </a:t>
+            </a:r>
+          </a:p>
+          <a:p>
+            <a:pPr>
+              <a:lnSpc>
+                <a:spcPts val="1650"/>
+              </a:lnSpc>
+            </a:pPr>
+            <a:endParaRPr lang="en-US" sz="1575" dirty="0">
+              <a:solidFill>
+                <a:srgbClr val="013B43"/>
+              </a:solidFill>
+              <a:latin typeface="Bahnschrift Light Condensed" panose="020B0502040204020203" pitchFamily="34" charset="0"/>
+            </a:endParaRPr>
+          </a:p>
+        </p:txBody>
+      </p:sp>
+      <p:grpSp>
+        <p:nvGrpSpPr>
+          <p:cNvPr id="49" name="Group 48">
+            <a:extLst>
+              <a:ext uri="{FF2B5EF4-FFF2-40B4-BE49-F238E27FC236}">
+                <a16:creationId xmlns:a16="http://schemas.microsoft.com/office/drawing/2014/main" id="{2648F7FB-8C0C-BFAA-18F3-4DC1A644090E}"/>
+              </a:ext>
+            </a:extLst>
+          </p:cNvPr>
+          <p:cNvGrpSpPr/>
+          <p:nvPr/>
+        </p:nvGrpSpPr>
+        <p:grpSpPr>
+          <a:xfrm>
+            <a:off x="511932" y="6489447"/>
+            <a:ext cx="4583529" cy="1092870"/>
+            <a:chOff x="341288" y="4761647"/>
+            <a:chExt cx="3182610" cy="728580"/>
+          </a:xfrm>
+        </p:grpSpPr>
+        <p:sp>
+          <p:nvSpPr>
+            <p:cNvPr id="43" name="Rectangle 42">
+              <a:extLst>
+                <a:ext uri="{FF2B5EF4-FFF2-40B4-BE49-F238E27FC236}">
+                  <a16:creationId xmlns:a16="http://schemas.microsoft.com/office/drawing/2014/main" id="{B93F7E13-F49B-A31D-ABF8-F6F83FC09ED2}"/>
+                </a:ext>
+              </a:extLst>
+            </p:cNvPr>
+            <p:cNvSpPr/>
+            <p:nvPr/>
+          </p:nvSpPr>
+          <p:spPr>
+            <a:xfrm>
+              <a:off x="452646" y="5137994"/>
+              <a:ext cx="3071252" cy="352233"/>
+            </a:xfrm>
+            <a:prstGeom prst="rect">
+              <a:avLst/>
+            </a:prstGeom>
+            <a:noFill/>
+            <a:ln>
+              <a:noFill/>
+            </a:ln>
+          </p:spPr>
+          <p:txBody>
+            <a:bodyPr wrap="square" rtlCol="0">
+              <a:spAutoFit/>
+            </a:bodyPr>
+            <a:lstStyle/>
+            <a:p>
+              <a:pPr>
+                <a:lnSpc>
+                  <a:spcPts val="1650"/>
+                </a:lnSpc>
+              </a:pPr>
+              <a:r>
+                <a:rPr lang="en-US" sz="1575" dirty="0">
+                  <a:solidFill>
+                    <a:srgbClr val="013B43"/>
+                  </a:solidFill>
+                  <a:latin typeface="Bahnschrift Light Condensed" panose="020B0502040204020203" pitchFamily="34" charset="0"/>
+                </a:rPr>
+                <a:t>Understand what data is used to show you ads and how it is used to show you ads without advertisers knowing who you are.</a:t>
+              </a:r>
+            </a:p>
+          </p:txBody>
+        </p:sp>
+        <p:sp>
+          <p:nvSpPr>
+            <p:cNvPr id="44" name="Rectangle 43">
+              <a:extLst>
+                <a:ext uri="{FF2B5EF4-FFF2-40B4-BE49-F238E27FC236}">
+                  <a16:creationId xmlns:a16="http://schemas.microsoft.com/office/drawing/2014/main" id="{CFC16DA8-860E-A0A3-02E3-CE06C4284493}"/>
+                </a:ext>
+              </a:extLst>
+            </p:cNvPr>
+            <p:cNvSpPr/>
+            <p:nvPr/>
+          </p:nvSpPr>
+          <p:spPr>
+            <a:xfrm>
+              <a:off x="341288" y="4761647"/>
+              <a:ext cx="2909912" cy="348301"/>
+            </a:xfrm>
+            <a:prstGeom prst="rect">
+              <a:avLst/>
+            </a:prstGeom>
+            <a:noFill/>
+            <a:ln>
+              <a:noFill/>
+            </a:ln>
+          </p:spPr>
+          <p:txBody>
+            <a:bodyPr wrap="square" rtlCol="0">
+              <a:spAutoFit/>
+            </a:bodyPr>
+            <a:lstStyle/>
+            <a:p>
+              <a:pPr>
+                <a:lnSpc>
+                  <a:spcPct val="150000"/>
+                </a:lnSpc>
+              </a:pPr>
+              <a:r>
+                <a:rPr lang="en-US" sz="2100" b="1" dirty="0">
+                  <a:solidFill>
+                    <a:srgbClr val="013B43"/>
+                  </a:solidFill>
+                  <a:latin typeface="Bahnschrift Light Condensed" panose="020B0502040204020203" pitchFamily="34" charset="0"/>
+                </a:rPr>
+                <a:t>Let's talk about ads, together:</a:t>
+              </a:r>
+            </a:p>
+          </p:txBody>
+        </p:sp>
+      </p:grpSp>
+      <p:sp>
+        <p:nvSpPr>
+          <p:cNvPr id="55" name="Rectangle 54">
+            <a:extLst>
+              <a:ext uri="{FF2B5EF4-FFF2-40B4-BE49-F238E27FC236}">
+                <a16:creationId xmlns:a16="http://schemas.microsoft.com/office/drawing/2014/main" id="{0CD990CC-51DC-2734-5795-B5AA7C765DF2}"/>
+              </a:ext>
+            </a:extLst>
+          </p:cNvPr>
+          <p:cNvSpPr/>
+          <p:nvPr/>
+        </p:nvSpPr>
+        <p:spPr>
+          <a:xfrm>
+            <a:off x="9759152" y="7436593"/>
+            <a:ext cx="2471531" cy="1400383"/>
+          </a:xfrm>
+          <a:prstGeom prst="rect">
+            <a:avLst/>
+          </a:prstGeom>
+          <a:noFill/>
+          <a:ln>
+            <a:noFill/>
+          </a:ln>
+        </p:spPr>
+        <p:txBody>
+          <a:bodyPr wrap="square" rtlCol="0">
+            <a:spAutoFit/>
+          </a:bodyPr>
+          <a:lstStyle/>
+          <a:p>
+            <a:pPr>
+              <a:lnSpc>
+                <a:spcPts val="1650"/>
+              </a:lnSpc>
+            </a:pPr>
+            <a:r>
+              <a:rPr lang="en-US" sz="1575" dirty="0">
+                <a:solidFill>
+                  <a:srgbClr val="013B43"/>
+                </a:solidFill>
+                <a:latin typeface="Bahnschrift Light Condensed" panose="020B0502040204020203" pitchFamily="34" charset="0"/>
+              </a:rPr>
+              <a:t>Meta prioritizes what ad to show you based on what advertisers' specification of their desired audience is, and Meta then match it to people who might be interested in that ad. </a:t>
+            </a:r>
+          </a:p>
+        </p:txBody>
+      </p:sp>
+      <p:sp>
+        <p:nvSpPr>
+          <p:cNvPr id="56" name="Rectangle 55">
+            <a:extLst>
+              <a:ext uri="{FF2B5EF4-FFF2-40B4-BE49-F238E27FC236}">
+                <a16:creationId xmlns:a16="http://schemas.microsoft.com/office/drawing/2014/main" id="{8463965F-96F2-98C4-4F47-654CDBB8D693}"/>
+              </a:ext>
+            </a:extLst>
+          </p:cNvPr>
+          <p:cNvSpPr/>
+          <p:nvPr/>
+        </p:nvSpPr>
+        <p:spPr>
+          <a:xfrm>
+            <a:off x="9759153" y="6489448"/>
+            <a:ext cx="4364868" cy="522451"/>
+          </a:xfrm>
+          <a:prstGeom prst="rect">
+            <a:avLst/>
+          </a:prstGeom>
+          <a:noFill/>
+          <a:ln>
+            <a:noFill/>
+          </a:ln>
+        </p:spPr>
+        <p:txBody>
+          <a:bodyPr wrap="square" rtlCol="0">
+            <a:spAutoFit/>
+          </a:bodyPr>
+          <a:lstStyle/>
+          <a:p>
+            <a:pPr>
+              <a:lnSpc>
+                <a:spcPct val="150000"/>
+              </a:lnSpc>
+            </a:pPr>
+            <a:r>
+              <a:rPr lang="en-US" sz="2100" b="1" dirty="0">
+                <a:solidFill>
+                  <a:srgbClr val="013B43"/>
+                </a:solidFill>
+                <a:latin typeface="Bahnschrift Light Condensed" panose="020B0502040204020203" pitchFamily="34" charset="0"/>
+              </a:rPr>
+              <a:t>Why you see a particular ad:</a:t>
+            </a:r>
+          </a:p>
+        </p:txBody>
+      </p:sp>
+      <p:sp>
+        <p:nvSpPr>
+          <p:cNvPr id="61" name="Rectangle 60">
+            <a:extLst>
+              <a:ext uri="{FF2B5EF4-FFF2-40B4-BE49-F238E27FC236}">
+                <a16:creationId xmlns:a16="http://schemas.microsoft.com/office/drawing/2014/main" id="{0EB2CE1C-924D-1C53-E1E4-17E0FAF1B8C9}"/>
+              </a:ext>
+            </a:extLst>
+          </p:cNvPr>
+          <p:cNvSpPr/>
+          <p:nvPr/>
+        </p:nvSpPr>
+        <p:spPr>
+          <a:xfrm>
+            <a:off x="12487444" y="9823919"/>
+            <a:ext cx="2254271" cy="283539"/>
+          </a:xfrm>
+          <a:prstGeom prst="rect">
+            <a:avLst/>
+          </a:prstGeom>
+          <a:noFill/>
+          <a:ln>
+            <a:noFill/>
+          </a:ln>
+        </p:spPr>
+        <p:txBody>
+          <a:bodyPr wrap="square" rtlCol="0">
+            <a:spAutoFit/>
+          </a:bodyPr>
+          <a:lstStyle/>
+          <a:p>
+            <a:pPr>
+              <a:lnSpc>
+                <a:spcPts val="1650"/>
+              </a:lnSpc>
+            </a:pPr>
+            <a:r>
+              <a:rPr lang="en-US" sz="1050" dirty="0">
+                <a:solidFill>
+                  <a:srgbClr val="013B43"/>
+                </a:solidFill>
+                <a:latin typeface="Bahnschrift Light Condensed" panose="020B0502040204020203" pitchFamily="34" charset="0"/>
+              </a:rPr>
+              <a:t>Sources/References:</a:t>
+            </a:r>
+          </a:p>
+        </p:txBody>
+      </p:sp>
+      <p:sp>
+        <p:nvSpPr>
+          <p:cNvPr id="63" name="Rectangle 62">
+            <a:extLst>
+              <a:ext uri="{FF2B5EF4-FFF2-40B4-BE49-F238E27FC236}">
+                <a16:creationId xmlns:a16="http://schemas.microsoft.com/office/drawing/2014/main" id="{582A3E87-D7C8-B4EF-D278-0297D0A6C139}"/>
+              </a:ext>
+            </a:extLst>
+          </p:cNvPr>
+          <p:cNvSpPr/>
+          <p:nvPr/>
+        </p:nvSpPr>
+        <p:spPr>
+          <a:xfrm>
+            <a:off x="7659665" y="8600164"/>
+            <a:ext cx="2254271" cy="283539"/>
+          </a:xfrm>
+          <a:prstGeom prst="rect">
+            <a:avLst/>
+          </a:prstGeom>
+          <a:noFill/>
+          <a:ln>
+            <a:noFill/>
+          </a:ln>
+        </p:spPr>
+        <p:txBody>
+          <a:bodyPr wrap="square" rtlCol="0">
+            <a:spAutoFit/>
+          </a:bodyPr>
+          <a:lstStyle/>
+          <a:p>
+            <a:pPr>
+              <a:lnSpc>
+                <a:spcPts val="1650"/>
+              </a:lnSpc>
+            </a:pPr>
+            <a:r>
+              <a:rPr lang="en-US" sz="1050" dirty="0">
+                <a:solidFill>
+                  <a:srgbClr val="013B43"/>
+                </a:solidFill>
+                <a:latin typeface="Bahnschrift Light Condensed" panose="020B0502040204020203" pitchFamily="34" charset="0"/>
+              </a:rPr>
+              <a:t>Created by:</a:t>
+            </a:r>
+          </a:p>
+        </p:txBody>
+      </p:sp>
+      <p:pic>
+        <p:nvPicPr>
+          <p:cNvPr id="69" name="Picture 68" descr="A qr code with a black background&#10;&#10;Description automatically generated">
+            <a:extLst>
+              <a:ext uri="{FF2B5EF4-FFF2-40B4-BE49-F238E27FC236}">
+                <a16:creationId xmlns:a16="http://schemas.microsoft.com/office/drawing/2014/main" id="{914CAA26-E4D8-CC5D-A3D2-C1B408550605}"/>
+              </a:ext>
+            </a:extLst>
+          </p:cNvPr>
+          <p:cNvPicPr>
+            <a:picLocks noChangeAspect="1"/>
+          </p:cNvPicPr>
+          <p:nvPr/>
+        </p:nvPicPr>
+        <p:blipFill rotWithShape="1">
+          <a:blip r:embed="rId6">
+            <a:extLst>
+              <a:ext uri="{28A0092B-C50C-407E-A947-70E740481C1C}">
+                <a14:useLocalDpi xmlns:a14="http://schemas.microsoft.com/office/drawing/2010/main" val="0"/>
+              </a:ext>
+            </a:extLst>
+          </a:blip>
+          <a:srcRect t="21659" b="11240"/>
+          <a:stretch/>
+        </p:blipFill>
+        <p:spPr>
+          <a:xfrm>
+            <a:off x="7717337" y="8819519"/>
+            <a:ext cx="1530830" cy="1087701"/>
+          </a:xfrm>
+          <a:prstGeom prst="rect">
+            <a:avLst/>
+          </a:prstGeom>
+        </p:spPr>
+      </p:pic>
+      <p:sp>
+        <p:nvSpPr>
+          <p:cNvPr id="4" name="TextBox 3">
+            <a:extLst>
+              <a:ext uri="{FF2B5EF4-FFF2-40B4-BE49-F238E27FC236}">
+                <a16:creationId xmlns:a16="http://schemas.microsoft.com/office/drawing/2014/main" id="{063290B0-3A91-51AA-E8D4-555B630298BB}"/>
+              </a:ext>
+            </a:extLst>
+          </p:cNvPr>
+          <p:cNvSpPr txBox="1"/>
+          <p:nvPr/>
+        </p:nvSpPr>
+        <p:spPr>
+          <a:xfrm>
+            <a:off x="10386110" y="4789148"/>
+            <a:ext cx="2292419" cy="364652"/>
+          </a:xfrm>
+          <a:prstGeom prst="rect">
+            <a:avLst/>
+          </a:prstGeom>
+          <a:noFill/>
+        </p:spPr>
+        <p:txBody>
+          <a:bodyPr wrap="square" rtlCol="0">
+            <a:spAutoFit/>
+          </a:bodyPr>
+          <a:lstStyle/>
+          <a:p>
+            <a:pPr>
+              <a:lnSpc>
+                <a:spcPct val="150000"/>
+              </a:lnSpc>
+            </a:pPr>
+            <a:r>
+              <a:rPr lang="en-US" sz="1350" dirty="0">
+                <a:solidFill>
+                  <a:srgbClr val="013B43"/>
+                </a:solidFill>
+                <a:latin typeface="Bahnschrift Light Condensed" panose="020B0502040204020203" pitchFamily="34" charset="0"/>
+              </a:rPr>
+              <a:t>= The value is above market average </a:t>
+            </a:r>
+          </a:p>
+        </p:txBody>
+      </p:sp>
+      <p:sp>
+        <p:nvSpPr>
+          <p:cNvPr id="7" name="TextBox 6">
+            <a:extLst>
+              <a:ext uri="{FF2B5EF4-FFF2-40B4-BE49-F238E27FC236}">
+                <a16:creationId xmlns:a16="http://schemas.microsoft.com/office/drawing/2014/main" id="{6F1C2C38-19DC-0991-CA18-EBB4D3338CD3}"/>
+              </a:ext>
+            </a:extLst>
+          </p:cNvPr>
+          <p:cNvSpPr txBox="1"/>
+          <p:nvPr/>
+        </p:nvSpPr>
+        <p:spPr>
+          <a:xfrm>
+            <a:off x="13461171" y="4789148"/>
+            <a:ext cx="2285680" cy="364652"/>
+          </a:xfrm>
+          <a:prstGeom prst="rect">
+            <a:avLst/>
+          </a:prstGeom>
+          <a:noFill/>
+        </p:spPr>
+        <p:txBody>
+          <a:bodyPr wrap="square" rtlCol="0">
+            <a:spAutoFit/>
+          </a:bodyPr>
+          <a:lstStyle/>
+          <a:p>
+            <a:pPr>
+              <a:lnSpc>
+                <a:spcPct val="150000"/>
+              </a:lnSpc>
+            </a:pPr>
+            <a:r>
+              <a:rPr lang="en-US" sz="1350" dirty="0">
+                <a:solidFill>
+                  <a:srgbClr val="013B43"/>
+                </a:solidFill>
+                <a:latin typeface="Bahnschrift Light Condensed" panose="020B0502040204020203" pitchFamily="34" charset="0"/>
+              </a:rPr>
+              <a:t>= The value is below market average </a:t>
+            </a:r>
+          </a:p>
+        </p:txBody>
+      </p:sp>
+      <p:pic>
+        <p:nvPicPr>
+          <p:cNvPr id="8" name="Picture 7">
+            <a:extLst>
+              <a:ext uri="{FF2B5EF4-FFF2-40B4-BE49-F238E27FC236}">
+                <a16:creationId xmlns:a16="http://schemas.microsoft.com/office/drawing/2014/main" id="{3CD4CEC1-48AE-930B-28B4-CD26DC7411DF}"/>
+              </a:ext>
+            </a:extLst>
+          </p:cNvPr>
+          <p:cNvPicPr>
+            <a:picLocks noChangeAspect="1"/>
+          </p:cNvPicPr>
+          <p:nvPr/>
+        </p:nvPicPr>
+        <p:blipFill>
+          <a:blip r:embed="rId7"/>
+          <a:stretch>
+            <a:fillRect/>
+          </a:stretch>
+        </p:blipFill>
+        <p:spPr>
+          <a:xfrm>
+            <a:off x="10137282" y="4947312"/>
+            <a:ext cx="265880" cy="195340"/>
+          </a:xfrm>
+          <a:prstGeom prst="rect">
+            <a:avLst/>
+          </a:prstGeom>
+        </p:spPr>
+      </p:pic>
+      <p:pic>
+        <p:nvPicPr>
+          <p:cNvPr id="10" name="Picture 9">
+            <a:extLst>
+              <a:ext uri="{FF2B5EF4-FFF2-40B4-BE49-F238E27FC236}">
+                <a16:creationId xmlns:a16="http://schemas.microsoft.com/office/drawing/2014/main" id="{5E8A1A69-7FF6-0C36-BEA7-5D4F52F86E42}"/>
+              </a:ext>
+            </a:extLst>
+          </p:cNvPr>
+          <p:cNvPicPr>
+            <a:picLocks noChangeAspect="1"/>
+          </p:cNvPicPr>
+          <p:nvPr/>
+        </p:nvPicPr>
+        <p:blipFill>
+          <a:blip r:embed="rId8"/>
+          <a:stretch>
+            <a:fillRect/>
+          </a:stretch>
+        </p:blipFill>
+        <p:spPr>
+          <a:xfrm>
+            <a:off x="13196918" y="4878437"/>
+            <a:ext cx="264253" cy="209200"/>
+          </a:xfrm>
+          <a:prstGeom prst="rect">
+            <a:avLst/>
+          </a:prstGeom>
+        </p:spPr>
+      </p:pic>
+    </p:spTree>
+    <p:extLst>
+      <p:ext uri="{BB962C8B-B14F-4D97-AF65-F5344CB8AC3E}">
+        <p14:creationId xmlns:p14="http://schemas.microsoft.com/office/powerpoint/2010/main" val="3872464893"/>
+      </p:ext>
+    </p:extLst>
+  </p:cSld>
+  <p:clrMapOvr>
+    <a:masterClrMapping/>
+  </p:clrMapOvr>
+</p:sld>
+</file>
+
 <file path=ppt/theme/theme1.xml><?xml version="1.0" encoding="utf-8"?>
 <a:theme xmlns:a="http://schemas.openxmlformats.org/drawingml/2006/main" name="Office 2013 - 2022 Theme">
   <a:themeElements>

--- a/PBI/bg.pptx
+++ b/PBI/bg.pptx
@@ -9,9 +9,10 @@
     <p:sldId id="260" r:id="rId3"/>
     <p:sldId id="258" r:id="rId4"/>
     <p:sldId id="261" r:id="rId5"/>
-    <p:sldId id="262" r:id="rId6"/>
-    <p:sldId id="263" r:id="rId7"/>
-    <p:sldId id="264" r:id="rId8"/>
+    <p:sldId id="265" r:id="rId6"/>
+    <p:sldId id="266" r:id="rId7"/>
+    <p:sldId id="267" r:id="rId8"/>
+    <p:sldId id="268" r:id="rId9"/>
   </p:sldIdLst>
   <p:sldSz cx="18288000" cy="10287000"/>
   <p:notesSz cx="6858000" cy="9144000"/>
@@ -249,9 +250,9 @@
           <a:p>
             <a:fld id="{7818E6A9-D9EB-40D6-95A2-A22B252B5524}" type="datetimeFigureOut">
               <a:rPr lang="en-US" smtClean="0"/>
-              <a:t>4/16/2025</a:t>
+              <a:t>4/21/2025</a:t>
             </a:fld>
-            <a:endParaRPr lang="en-US"/>
+            <a:endParaRPr lang="en-US" dirty="0"/>
           </a:p>
         </p:txBody>
       </p:sp>
@@ -270,7 +271,7 @@
           <a:bodyPr/>
           <a:lstStyle/>
           <a:p>
-            <a:endParaRPr lang="en-US"/>
+            <a:endParaRPr lang="en-US" dirty="0"/>
           </a:p>
         </p:txBody>
       </p:sp>
@@ -293,7 +294,7 @@
               <a:rPr lang="en-US" smtClean="0"/>
               <a:t>‹#›</a:t>
             </a:fld>
-            <a:endParaRPr lang="en-US"/>
+            <a:endParaRPr lang="en-US" dirty="0"/>
           </a:p>
         </p:txBody>
       </p:sp>
@@ -419,9 +420,9 @@
           <a:p>
             <a:fld id="{7818E6A9-D9EB-40D6-95A2-A22B252B5524}" type="datetimeFigureOut">
               <a:rPr lang="en-US" smtClean="0"/>
-              <a:t>4/16/2025</a:t>
+              <a:t>4/21/2025</a:t>
             </a:fld>
-            <a:endParaRPr lang="en-US"/>
+            <a:endParaRPr lang="en-US" dirty="0"/>
           </a:p>
         </p:txBody>
       </p:sp>
@@ -440,7 +441,7 @@
           <a:bodyPr/>
           <a:lstStyle/>
           <a:p>
-            <a:endParaRPr lang="en-US"/>
+            <a:endParaRPr lang="en-US" dirty="0"/>
           </a:p>
         </p:txBody>
       </p:sp>
@@ -463,7 +464,7 @@
               <a:rPr lang="en-US" smtClean="0"/>
               <a:t>‹#›</a:t>
             </a:fld>
-            <a:endParaRPr lang="en-US"/>
+            <a:endParaRPr lang="en-US" dirty="0"/>
           </a:p>
         </p:txBody>
       </p:sp>
@@ -599,9 +600,9 @@
           <a:p>
             <a:fld id="{7818E6A9-D9EB-40D6-95A2-A22B252B5524}" type="datetimeFigureOut">
               <a:rPr lang="en-US" smtClean="0"/>
-              <a:t>4/16/2025</a:t>
+              <a:t>4/21/2025</a:t>
             </a:fld>
-            <a:endParaRPr lang="en-US"/>
+            <a:endParaRPr lang="en-US" dirty="0"/>
           </a:p>
         </p:txBody>
       </p:sp>
@@ -620,7 +621,7 @@
           <a:bodyPr/>
           <a:lstStyle/>
           <a:p>
-            <a:endParaRPr lang="en-US"/>
+            <a:endParaRPr lang="en-US" dirty="0"/>
           </a:p>
         </p:txBody>
       </p:sp>
@@ -643,7 +644,7 @@
               <a:rPr lang="en-US" smtClean="0"/>
               <a:t>‹#›</a:t>
             </a:fld>
-            <a:endParaRPr lang="en-US"/>
+            <a:endParaRPr lang="en-US" dirty="0"/>
           </a:p>
         </p:txBody>
       </p:sp>
@@ -769,9 +770,9 @@
           <a:p>
             <a:fld id="{7818E6A9-D9EB-40D6-95A2-A22B252B5524}" type="datetimeFigureOut">
               <a:rPr lang="en-US" smtClean="0"/>
-              <a:t>4/16/2025</a:t>
+              <a:t>4/21/2025</a:t>
             </a:fld>
-            <a:endParaRPr lang="en-US"/>
+            <a:endParaRPr lang="en-US" dirty="0"/>
           </a:p>
         </p:txBody>
       </p:sp>
@@ -790,7 +791,7 @@
           <a:bodyPr/>
           <a:lstStyle/>
           <a:p>
-            <a:endParaRPr lang="en-US"/>
+            <a:endParaRPr lang="en-US" dirty="0"/>
           </a:p>
         </p:txBody>
       </p:sp>
@@ -813,7 +814,7 @@
               <a:rPr lang="en-US" smtClean="0"/>
               <a:t>‹#›</a:t>
             </a:fld>
-            <a:endParaRPr lang="en-US"/>
+            <a:endParaRPr lang="en-US" dirty="0"/>
           </a:p>
         </p:txBody>
       </p:sp>
@@ -1015,9 +1016,9 @@
           <a:p>
             <a:fld id="{7818E6A9-D9EB-40D6-95A2-A22B252B5524}" type="datetimeFigureOut">
               <a:rPr lang="en-US" smtClean="0"/>
-              <a:t>4/16/2025</a:t>
+              <a:t>4/21/2025</a:t>
             </a:fld>
-            <a:endParaRPr lang="en-US"/>
+            <a:endParaRPr lang="en-US" dirty="0"/>
           </a:p>
         </p:txBody>
       </p:sp>
@@ -1036,7 +1037,7 @@
           <a:bodyPr/>
           <a:lstStyle/>
           <a:p>
-            <a:endParaRPr lang="en-US"/>
+            <a:endParaRPr lang="en-US" dirty="0"/>
           </a:p>
         </p:txBody>
       </p:sp>
@@ -1059,7 +1060,7 @@
               <a:rPr lang="en-US" smtClean="0"/>
               <a:t>‹#›</a:t>
             </a:fld>
-            <a:endParaRPr lang="en-US"/>
+            <a:endParaRPr lang="en-US" dirty="0"/>
           </a:p>
         </p:txBody>
       </p:sp>
@@ -1247,9 +1248,9 @@
           <a:p>
             <a:fld id="{7818E6A9-D9EB-40D6-95A2-A22B252B5524}" type="datetimeFigureOut">
               <a:rPr lang="en-US" smtClean="0"/>
-              <a:t>4/16/2025</a:t>
+              <a:t>4/21/2025</a:t>
             </a:fld>
-            <a:endParaRPr lang="en-US"/>
+            <a:endParaRPr lang="en-US" dirty="0"/>
           </a:p>
         </p:txBody>
       </p:sp>
@@ -1268,7 +1269,7 @@
           <a:bodyPr/>
           <a:lstStyle/>
           <a:p>
-            <a:endParaRPr lang="en-US"/>
+            <a:endParaRPr lang="en-US" dirty="0"/>
           </a:p>
         </p:txBody>
       </p:sp>
@@ -1291,7 +1292,7 @@
               <a:rPr lang="en-US" smtClean="0"/>
               <a:t>‹#›</a:t>
             </a:fld>
-            <a:endParaRPr lang="en-US"/>
+            <a:endParaRPr lang="en-US" dirty="0"/>
           </a:p>
         </p:txBody>
       </p:sp>
@@ -1614,9 +1615,9 @@
           <a:p>
             <a:fld id="{7818E6A9-D9EB-40D6-95A2-A22B252B5524}" type="datetimeFigureOut">
               <a:rPr lang="en-US" smtClean="0"/>
-              <a:t>4/16/2025</a:t>
+              <a:t>4/21/2025</a:t>
             </a:fld>
-            <a:endParaRPr lang="en-US"/>
+            <a:endParaRPr lang="en-US" dirty="0"/>
           </a:p>
         </p:txBody>
       </p:sp>
@@ -1635,7 +1636,7 @@
           <a:bodyPr/>
           <a:lstStyle/>
           <a:p>
-            <a:endParaRPr lang="en-US"/>
+            <a:endParaRPr lang="en-US" dirty="0"/>
           </a:p>
         </p:txBody>
       </p:sp>
@@ -1658,7 +1659,7 @@
               <a:rPr lang="en-US" smtClean="0"/>
               <a:t>‹#›</a:t>
             </a:fld>
-            <a:endParaRPr lang="en-US"/>
+            <a:endParaRPr lang="en-US" dirty="0"/>
           </a:p>
         </p:txBody>
       </p:sp>
@@ -1732,9 +1733,9 @@
           <a:p>
             <a:fld id="{7818E6A9-D9EB-40D6-95A2-A22B252B5524}" type="datetimeFigureOut">
               <a:rPr lang="en-US" smtClean="0"/>
-              <a:t>4/16/2025</a:t>
+              <a:t>4/21/2025</a:t>
             </a:fld>
-            <a:endParaRPr lang="en-US"/>
+            <a:endParaRPr lang="en-US" dirty="0"/>
           </a:p>
         </p:txBody>
       </p:sp>
@@ -1753,7 +1754,7 @@
           <a:bodyPr/>
           <a:lstStyle/>
           <a:p>
-            <a:endParaRPr lang="en-US"/>
+            <a:endParaRPr lang="en-US" dirty="0"/>
           </a:p>
         </p:txBody>
       </p:sp>
@@ -1776,7 +1777,7 @@
               <a:rPr lang="en-US" smtClean="0"/>
               <a:t>‹#›</a:t>
             </a:fld>
-            <a:endParaRPr lang="en-US"/>
+            <a:endParaRPr lang="en-US" dirty="0"/>
           </a:p>
         </p:txBody>
       </p:sp>
@@ -1827,9 +1828,9 @@
           <a:p>
             <a:fld id="{7818E6A9-D9EB-40D6-95A2-A22B252B5524}" type="datetimeFigureOut">
               <a:rPr lang="en-US" smtClean="0"/>
-              <a:t>4/16/2025</a:t>
+              <a:t>4/21/2025</a:t>
             </a:fld>
-            <a:endParaRPr lang="en-US"/>
+            <a:endParaRPr lang="en-US" dirty="0"/>
           </a:p>
         </p:txBody>
       </p:sp>
@@ -1848,7 +1849,7 @@
           <a:bodyPr/>
           <a:lstStyle/>
           <a:p>
-            <a:endParaRPr lang="en-US"/>
+            <a:endParaRPr lang="en-US" dirty="0"/>
           </a:p>
         </p:txBody>
       </p:sp>
@@ -1871,7 +1872,7 @@
               <a:rPr lang="en-US" smtClean="0"/>
               <a:t>‹#›</a:t>
             </a:fld>
-            <a:endParaRPr lang="en-US"/>
+            <a:endParaRPr lang="en-US" dirty="0"/>
           </a:p>
         </p:txBody>
       </p:sp>
@@ -2104,9 +2105,9 @@
           <a:p>
             <a:fld id="{7818E6A9-D9EB-40D6-95A2-A22B252B5524}" type="datetimeFigureOut">
               <a:rPr lang="en-US" smtClean="0"/>
-              <a:t>4/16/2025</a:t>
+              <a:t>4/21/2025</a:t>
             </a:fld>
-            <a:endParaRPr lang="en-US"/>
+            <a:endParaRPr lang="en-US" dirty="0"/>
           </a:p>
         </p:txBody>
       </p:sp>
@@ -2125,7 +2126,7 @@
           <a:bodyPr/>
           <a:lstStyle/>
           <a:p>
-            <a:endParaRPr lang="en-US"/>
+            <a:endParaRPr lang="en-US" dirty="0"/>
           </a:p>
         </p:txBody>
       </p:sp>
@@ -2148,7 +2149,7 @@
               <a:rPr lang="en-US" smtClean="0"/>
               <a:t>‹#›</a:t>
             </a:fld>
-            <a:endParaRPr lang="en-US"/>
+            <a:endParaRPr lang="en-US" dirty="0"/>
           </a:p>
         </p:txBody>
       </p:sp>
@@ -2272,10 +2273,9 @@
           </a:lstStyle>
           <a:p>
             <a:r>
-              <a:rPr lang="en-US"/>
+              <a:rPr lang="en-US" dirty="0"/>
               <a:t>Click icon to add picture</a:t>
             </a:r>
-            <a:endParaRPr lang="en-US" dirty="0"/>
           </a:p>
         </p:txBody>
       </p:sp>
@@ -2361,9 +2361,9 @@
           <a:p>
             <a:fld id="{7818E6A9-D9EB-40D6-95A2-A22B252B5524}" type="datetimeFigureOut">
               <a:rPr lang="en-US" smtClean="0"/>
-              <a:t>4/16/2025</a:t>
+              <a:t>4/21/2025</a:t>
             </a:fld>
-            <a:endParaRPr lang="en-US"/>
+            <a:endParaRPr lang="en-US" dirty="0"/>
           </a:p>
         </p:txBody>
       </p:sp>
@@ -2382,7 +2382,7 @@
           <a:bodyPr/>
           <a:lstStyle/>
           <a:p>
-            <a:endParaRPr lang="en-US"/>
+            <a:endParaRPr lang="en-US" dirty="0"/>
           </a:p>
         </p:txBody>
       </p:sp>
@@ -2405,7 +2405,7 @@
               <a:rPr lang="en-US" smtClean="0"/>
               <a:t>‹#›</a:t>
             </a:fld>
-            <a:endParaRPr lang="en-US"/>
+            <a:endParaRPr lang="en-US" dirty="0"/>
           </a:p>
         </p:txBody>
       </p:sp>
@@ -2574,9 +2574,9 @@
           <a:p>
             <a:fld id="{7818E6A9-D9EB-40D6-95A2-A22B252B5524}" type="datetimeFigureOut">
               <a:rPr lang="en-US" smtClean="0"/>
-              <a:t>4/16/2025</a:t>
+              <a:t>4/21/2025</a:t>
             </a:fld>
-            <a:endParaRPr lang="en-US"/>
+            <a:endParaRPr lang="en-US" dirty="0"/>
           </a:p>
         </p:txBody>
       </p:sp>
@@ -2613,7 +2613,7 @@
             </a:lvl1pPr>
           </a:lstStyle>
           <a:p>
-            <a:endParaRPr lang="en-US"/>
+            <a:endParaRPr lang="en-US" dirty="0"/>
           </a:p>
         </p:txBody>
       </p:sp>
@@ -2654,7 +2654,7 @@
               <a:rPr lang="en-US" smtClean="0"/>
               <a:t>‹#›</a:t>
             </a:fld>
-            <a:endParaRPr lang="en-US"/>
+            <a:endParaRPr lang="en-US" dirty="0"/>
           </a:p>
         </p:txBody>
       </p:sp>
@@ -3881,7 +3881,7 @@
           <a:lstStyle/>
           <a:p>
             <a:pPr algn="ctr"/>
-            <a:endParaRPr lang="en-US" sz="4050"/>
+            <a:endParaRPr lang="en-US" sz="4050" dirty="0"/>
           </a:p>
         </p:txBody>
       </p:sp>
@@ -6769,7 +6769,7 @@
           <a:lstStyle/>
           <a:p>
             <a:pPr algn="ctr"/>
-            <a:endParaRPr lang="en-US" sz="4050"/>
+            <a:endParaRPr lang="en-US" sz="4050" dirty="0"/>
           </a:p>
         </p:txBody>
       </p:sp>
@@ -9201,20 +9201,12 @@
 <file path=ppt/slides/slide5.xml><?xml version="1.0" encoding="utf-8"?>
 <p:sld xmlns:a="http://schemas.openxmlformats.org/drawingml/2006/main" xmlns:r="http://schemas.openxmlformats.org/officeDocument/2006/relationships" xmlns:p="http://schemas.openxmlformats.org/presentationml/2006/main">
   <p:cSld>
-    <p:bg>
-      <p:bgPr>
-        <a:solidFill>
-          <a:srgbClr val="FCECDC"/>
-        </a:solidFill>
-        <a:effectLst/>
-      </p:bgPr>
-    </p:bg>
     <p:spTree>
       <p:nvGrpSpPr>
         <p:cNvPr id="1" name="">
           <a:extLst>
             <a:ext uri="{FF2B5EF4-FFF2-40B4-BE49-F238E27FC236}">
-              <a16:creationId xmlns:a16="http://schemas.microsoft.com/office/drawing/2014/main" id="{A35FDDF3-64E9-5396-469E-E5928BE8F726}"/>
+              <a16:creationId xmlns:a16="http://schemas.microsoft.com/office/drawing/2014/main" id="{87469B71-2FF9-D7CB-9C7B-FE7920F451FC}"/>
             </a:ext>
           </a:extLst>
         </p:cNvPr>
@@ -9234,7 +9226,7 @@
           <p:cNvPr id="17" name="TextBox 16">
             <a:extLst>
               <a:ext uri="{FF2B5EF4-FFF2-40B4-BE49-F238E27FC236}">
-                <a16:creationId xmlns:a16="http://schemas.microsoft.com/office/drawing/2014/main" id="{01AF5823-E6A2-D305-08A8-D9103325D0B4}"/>
+                <a16:creationId xmlns:a16="http://schemas.microsoft.com/office/drawing/2014/main" id="{50C5BD5D-AE6F-A9E1-75A0-ADCD2860B750}"/>
               </a:ext>
             </a:extLst>
           </p:cNvPr>
@@ -9352,7 +9344,7 @@
           <p:cNvPr id="18" name="Rectangle: Rounded Corners 17">
             <a:extLst>
               <a:ext uri="{FF2B5EF4-FFF2-40B4-BE49-F238E27FC236}">
-                <a16:creationId xmlns:a16="http://schemas.microsoft.com/office/drawing/2014/main" id="{6EF1F9FF-CA7E-86BC-67F4-C5800E3A323F}"/>
+                <a16:creationId xmlns:a16="http://schemas.microsoft.com/office/drawing/2014/main" id="{778C47D2-D4C8-8FDB-A536-AB2023A86039}"/>
               </a:ext>
             </a:extLst>
           </p:cNvPr>
@@ -9370,7 +9362,7 @@
             </a:avLst>
           </a:prstGeom>
           <a:solidFill>
-            <a:srgbClr val="EDE4DB"/>
+            <a:srgbClr val="FCECDC"/>
           </a:solidFill>
           <a:ln>
             <a:solidFill>
@@ -9408,7 +9400,7 @@
           <p:cNvPr id="19" name="Rectangle: Rounded Corners 18">
             <a:extLst>
               <a:ext uri="{FF2B5EF4-FFF2-40B4-BE49-F238E27FC236}">
-                <a16:creationId xmlns:a16="http://schemas.microsoft.com/office/drawing/2014/main" id="{B0152D7E-98A7-0424-D4BD-29F6E02465E0}"/>
+                <a16:creationId xmlns:a16="http://schemas.microsoft.com/office/drawing/2014/main" id="{D3257283-F426-4C32-2F80-488890246A7D}"/>
               </a:ext>
             </a:extLst>
           </p:cNvPr>
@@ -9426,7 +9418,7 @@
             </a:avLst>
           </a:prstGeom>
           <a:solidFill>
-            <a:srgbClr val="EDE4DB"/>
+            <a:srgbClr val="FCECDC"/>
           </a:solidFill>
           <a:ln>
             <a:solidFill>
@@ -9468,7 +9460,7 @@
           <p:cNvPr id="22" name="TextBox 21">
             <a:extLst>
               <a:ext uri="{FF2B5EF4-FFF2-40B4-BE49-F238E27FC236}">
-                <a16:creationId xmlns:a16="http://schemas.microsoft.com/office/drawing/2014/main" id="{2E977FE8-68F0-6E92-4A4C-FF58EF7B6C7A}"/>
+                <a16:creationId xmlns:a16="http://schemas.microsoft.com/office/drawing/2014/main" id="{A8F33AD5-909D-2EA8-5C83-A72DFA6FDA9E}"/>
               </a:ext>
             </a:extLst>
           </p:cNvPr>
@@ -9503,7 +9495,7 @@
                 </a:solidFill>
                 <a:latin typeface="Bahnschrift Light Condensed" panose="020B0502040204020203" pitchFamily="34" charset="0"/>
               </a:rPr>
-              <a:t>Regional distribution in Czechia</a:t>
+              <a:t>Regionální rozložení v Česku:</a:t>
             </a:r>
           </a:p>
         </p:txBody>
@@ -9513,7 +9505,7 @@
           <p:cNvPr id="23" name="Group 22">
             <a:extLst>
               <a:ext uri="{FF2B5EF4-FFF2-40B4-BE49-F238E27FC236}">
-                <a16:creationId xmlns:a16="http://schemas.microsoft.com/office/drawing/2014/main" id="{FC44CFDE-5068-1853-C7CD-CB1DA2E39A9D}"/>
+                <a16:creationId xmlns:a16="http://schemas.microsoft.com/office/drawing/2014/main" id="{425E04C1-D908-DF0C-4952-E37C5E83BC6C}"/>
               </a:ext>
             </a:extLst>
           </p:cNvPr>
@@ -9533,7 +9525,7 @@
             <p:cNvPr id="24" name="Rectangle: Rounded Corners 23">
               <a:extLst>
                 <a:ext uri="{FF2B5EF4-FFF2-40B4-BE49-F238E27FC236}">
-                  <a16:creationId xmlns:a16="http://schemas.microsoft.com/office/drawing/2014/main" id="{43772367-5AA3-C7EB-1ABD-54071223C4AD}"/>
+                  <a16:creationId xmlns:a16="http://schemas.microsoft.com/office/drawing/2014/main" id="{89A4D698-CB42-A316-77FA-2C771D68A2EF}"/>
                 </a:ext>
               </a:extLst>
             </p:cNvPr>
@@ -9597,7 +9589,7 @@
             <p:cNvPr id="25" name="TextBox 24">
               <a:extLst>
                 <a:ext uri="{FF2B5EF4-FFF2-40B4-BE49-F238E27FC236}">
-                  <a16:creationId xmlns:a16="http://schemas.microsoft.com/office/drawing/2014/main" id="{354CB72C-DBE1-07B7-4D41-0A8D2670B174}"/>
+                  <a16:creationId xmlns:a16="http://schemas.microsoft.com/office/drawing/2014/main" id="{769869A5-DA9B-9B66-09BC-25BEC92C8EEF}"/>
                 </a:ext>
               </a:extLst>
             </p:cNvPr>
@@ -9716,7 +9708,7 @@
           <p:cNvPr id="29" name="Rectangle: Rounded Corners 28">
             <a:extLst>
               <a:ext uri="{FF2B5EF4-FFF2-40B4-BE49-F238E27FC236}">
-                <a16:creationId xmlns:a16="http://schemas.microsoft.com/office/drawing/2014/main" id="{94790266-0D44-A1C3-2952-6860E1EE2C80}"/>
+                <a16:creationId xmlns:a16="http://schemas.microsoft.com/office/drawing/2014/main" id="{0117E411-A5F0-9688-6329-39586C9E3181}"/>
               </a:ext>
             </a:extLst>
           </p:cNvPr>
@@ -9734,7 +9726,7 @@
             </a:avLst>
           </a:prstGeom>
           <a:solidFill>
-            <a:srgbClr val="EDE4DB"/>
+            <a:srgbClr val="FCECDC"/>
           </a:solidFill>
           <a:ln>
             <a:solidFill>
@@ -9776,7 +9768,7 @@
           <p:cNvPr id="31" name="Rectangle: Rounded Corners 30">
             <a:extLst>
               <a:ext uri="{FF2B5EF4-FFF2-40B4-BE49-F238E27FC236}">
-                <a16:creationId xmlns:a16="http://schemas.microsoft.com/office/drawing/2014/main" id="{A07852F2-ECC4-2D2D-E338-817B248AD560}"/>
+                <a16:creationId xmlns:a16="http://schemas.microsoft.com/office/drawing/2014/main" id="{CDE284D5-015F-F272-A625-C383DE4D8492}"/>
               </a:ext>
             </a:extLst>
           </p:cNvPr>
@@ -9794,7 +9786,7 @@
             </a:avLst>
           </a:prstGeom>
           <a:solidFill>
-            <a:srgbClr val="EDE4DB"/>
+            <a:srgbClr val="FCECDC"/>
           </a:solidFill>
           <a:ln>
             <a:solidFill>
@@ -9835,7 +9827,7 @@
           <p:cNvPr id="32" name="Rectangle: Rounded Corners 31">
             <a:extLst>
               <a:ext uri="{FF2B5EF4-FFF2-40B4-BE49-F238E27FC236}">
-                <a16:creationId xmlns:a16="http://schemas.microsoft.com/office/drawing/2014/main" id="{1FB47C6E-5C93-56E4-4C88-ED4FCA4BC431}"/>
+                <a16:creationId xmlns:a16="http://schemas.microsoft.com/office/drawing/2014/main" id="{63D3BEED-0C13-E95C-172C-98973B8F8498}"/>
               </a:ext>
             </a:extLst>
           </p:cNvPr>
@@ -9853,7 +9845,7 @@
             </a:avLst>
           </a:prstGeom>
           <a:solidFill>
-            <a:srgbClr val="EDE4DB"/>
+            <a:srgbClr val="FCECDC"/>
           </a:solidFill>
           <a:ln>
             <a:solidFill>
@@ -9891,7 +9883,7 @@
           <p:cNvPr id="33" name="Rectangle: Rounded Corners 32">
             <a:extLst>
               <a:ext uri="{FF2B5EF4-FFF2-40B4-BE49-F238E27FC236}">
-                <a16:creationId xmlns:a16="http://schemas.microsoft.com/office/drawing/2014/main" id="{1606CAA9-2353-2D61-3D0E-598BFA7DE7E3}"/>
+                <a16:creationId xmlns:a16="http://schemas.microsoft.com/office/drawing/2014/main" id="{52677143-EF03-7BC9-B250-585FC8DEFB12}"/>
               </a:ext>
             </a:extLst>
           </p:cNvPr>
@@ -9909,7 +9901,7 @@
             </a:avLst>
           </a:prstGeom>
           <a:solidFill>
-            <a:srgbClr val="EDE4DB"/>
+            <a:srgbClr val="FCECDC"/>
           </a:solidFill>
           <a:ln>
             <a:solidFill>
@@ -9947,7 +9939,7 @@
           <p:cNvPr id="20" name="Rectangle: Diagonal Corners Rounded 19">
             <a:extLst>
               <a:ext uri="{FF2B5EF4-FFF2-40B4-BE49-F238E27FC236}">
-                <a16:creationId xmlns:a16="http://schemas.microsoft.com/office/drawing/2014/main" id="{A4C309A9-8F2D-A1FF-12BF-D46D0CBBE473}"/>
+                <a16:creationId xmlns:a16="http://schemas.microsoft.com/office/drawing/2014/main" id="{437BCF86-09AC-17DC-5896-C842AF8A5773}"/>
               </a:ext>
             </a:extLst>
           </p:cNvPr>
@@ -9956,7 +9948,7 @@
         </p:nvSpPr>
         <p:spPr>
           <a:xfrm>
-            <a:off x="5126798" y="93666"/>
+            <a:off x="5131031" y="80967"/>
             <a:ext cx="4367776" cy="1966494"/>
           </a:xfrm>
           <a:prstGeom prst="round2DiagRect">
@@ -9966,11 +9958,13 @@
             </a:avLst>
           </a:prstGeom>
           <a:solidFill>
-            <a:srgbClr val="EDE4DB"/>
+            <a:srgbClr val="FCECDC">
+              <a:alpha val="66000"/>
+            </a:srgbClr>
           </a:solidFill>
           <a:ln>
             <a:solidFill>
-              <a:srgbClr val="FCECDC"/>
+              <a:schemeClr val="bg1"/>
             </a:solidFill>
           </a:ln>
         </p:spPr>
@@ -10008,7 +10002,7 @@
           <p:cNvPr id="21" name="TextBox 20">
             <a:extLst>
               <a:ext uri="{FF2B5EF4-FFF2-40B4-BE49-F238E27FC236}">
-                <a16:creationId xmlns:a16="http://schemas.microsoft.com/office/drawing/2014/main" id="{A919E11B-4665-BBB2-BF56-5C27D78982F0}"/>
+                <a16:creationId xmlns:a16="http://schemas.microsoft.com/office/drawing/2014/main" id="{83E9B684-7C5D-10BA-EA76-853D6F4F4147}"/>
               </a:ext>
             </a:extLst>
           </p:cNvPr>
@@ -10037,13 +10031,13 @@
               </a:lnSpc>
             </a:pPr>
             <a:r>
-              <a:rPr lang="en-US" sz="1350" b="1" dirty="0">
-                <a:solidFill>
-                  <a:srgbClr val="013B43"/>
-                </a:solidFill>
-                <a:latin typeface="Bahnschrift Light Condensed" panose="020B0502040204020203" pitchFamily="34" charset="0"/>
-              </a:rPr>
-              <a:t>Impressions</a:t>
+              <a:rPr lang="pl-PL" sz="1350" b="1" dirty="0">
+                <a:solidFill>
+                  <a:srgbClr val="013B43"/>
+                </a:solidFill>
+                <a:latin typeface="Bahnschrift Light Condensed" panose="020B0502040204020203" pitchFamily="34" charset="0"/>
+              </a:rPr>
+              <a:t>Zobrazení = </a:t>
             </a:r>
             <a:r>
               <a:rPr lang="en-US" sz="1350" dirty="0">
@@ -10052,8 +10046,41 @@
                 </a:solidFill>
                 <a:latin typeface="Bahnschrift Light Condensed" panose="020B0502040204020203" pitchFamily="34" charset="0"/>
               </a:rPr>
-              <a:t> = The number of times ads were displayed on screen.</a:t>
-            </a:r>
+              <a:t>celkový </a:t>
+            </a:r>
+            <a:r>
+              <a:rPr lang="pl-PL" sz="1350" dirty="0">
+                <a:solidFill>
+                  <a:srgbClr val="013B43"/>
+                </a:solidFill>
+                <a:latin typeface="Bahnschrift Light Condensed" panose="020B0502040204020203" pitchFamily="34" charset="0"/>
+              </a:rPr>
+              <a:t>počet zobrazení reklam</a:t>
+            </a:r>
+            <a:r>
+              <a:rPr lang="en-US" sz="1350" dirty="0">
+                <a:solidFill>
+                  <a:srgbClr val="013B43"/>
+                </a:solidFill>
+                <a:latin typeface="Bahnschrift Light Condensed" panose="020B0502040204020203" pitchFamily="34" charset="0"/>
+              </a:rPr>
+              <a:t>y</a:t>
+            </a:r>
+            <a:r>
+              <a:rPr lang="pl-PL" sz="1350" dirty="0">
+                <a:solidFill>
+                  <a:srgbClr val="013B43"/>
+                </a:solidFill>
+                <a:latin typeface="Bahnschrift Light Condensed" panose="020B0502040204020203" pitchFamily="34" charset="0"/>
+              </a:rPr>
+              <a:t> na obrazovce.</a:t>
+            </a:r>
+            <a:endParaRPr lang="en-US" sz="1350" dirty="0">
+              <a:solidFill>
+                <a:srgbClr val="013B43"/>
+              </a:solidFill>
+              <a:latin typeface="Bahnschrift Light Condensed" panose="020B0502040204020203" pitchFamily="34" charset="0"/>
+            </a:endParaRPr>
           </a:p>
           <a:p>
             <a:pPr>
@@ -10068,7 +10095,7 @@
                 </a:solidFill>
                 <a:latin typeface="Bahnschrift Light Condensed" panose="020B0502040204020203" pitchFamily="34" charset="0"/>
               </a:rPr>
-              <a:t>Spending</a:t>
+              <a:t>Výdaje =</a:t>
             </a:r>
             <a:r>
               <a:rPr lang="en-US" sz="1350" dirty="0">
@@ -10077,7 +10104,7 @@
                 </a:solidFill>
                 <a:latin typeface="Bahnschrift Light Condensed" panose="020B0502040204020203" pitchFamily="34" charset="0"/>
               </a:rPr>
-              <a:t> = The amount of money spent running the ad.</a:t>
+              <a:t> množství peněz vynaložených na provoz reklamy.</a:t>
             </a:r>
           </a:p>
           <a:p>
@@ -10093,7 +10120,7 @@
                 </a:solidFill>
                 <a:latin typeface="Bahnschrift Light Condensed" panose="020B0502040204020203" pitchFamily="34" charset="0"/>
               </a:rPr>
-              <a:t>Reach</a:t>
+              <a:t>Zásah = </a:t>
             </a:r>
             <a:r>
               <a:rPr lang="en-US" sz="1350" dirty="0">
@@ -10102,7 +10129,7 @@
                 </a:solidFill>
                 <a:latin typeface="Bahnschrift Light Condensed" panose="020B0502040204020203" pitchFamily="34" charset="0"/>
               </a:rPr>
-              <a:t> = The number of unique users who see the ad.</a:t>
+              <a:t>počet unikátních uživatelů, kterým se reklama zobrazí.</a:t>
             </a:r>
           </a:p>
           <a:p>
@@ -10118,7 +10145,7 @@
                 </a:solidFill>
                 <a:latin typeface="Bahnschrift Light Condensed" panose="020B0502040204020203" pitchFamily="34" charset="0"/>
               </a:rPr>
-              <a:t>Audience </a:t>
+              <a:t>Publikum = </a:t>
             </a:r>
             <a:r>
               <a:rPr lang="en-US" sz="1350" dirty="0">
@@ -10127,7 +10154,7 @@
                 </a:solidFill>
                 <a:latin typeface="Bahnschrift Light Condensed" panose="020B0502040204020203" pitchFamily="34" charset="0"/>
               </a:rPr>
-              <a:t>= The number of potential users the advertiser target.</a:t>
+              <a:t>počet potenciálních uživatelů, na které inzerent cílí.</a:t>
             </a:r>
           </a:p>
         </p:txBody>
@@ -10137,7 +10164,7 @@
           <p:cNvPr id="39" name="Rectangle: Diagonal Corners Snipped 38">
             <a:extLst>
               <a:ext uri="{FF2B5EF4-FFF2-40B4-BE49-F238E27FC236}">
-                <a16:creationId xmlns:a16="http://schemas.microsoft.com/office/drawing/2014/main" id="{0825D99B-4DEB-2498-DA24-4BFE2E99A11E}"/>
+                <a16:creationId xmlns:a16="http://schemas.microsoft.com/office/drawing/2014/main" id="{D02C8735-F978-A44F-05FB-334F437A210B}"/>
               </a:ext>
             </a:extLst>
           </p:cNvPr>
@@ -10175,7 +10202,7 @@
                 </a:solidFill>
                 <a:latin typeface="Bahnschrift Light Condensed" panose="020B0502040204020203" pitchFamily="34" charset="0"/>
               </a:rPr>
-              <a:t>Age base Pareto principle and top advertisers</a:t>
+              <a:t>Paretův princip založený na věku a nejlepší inzerenti</a:t>
             </a:r>
           </a:p>
         </p:txBody>
@@ -10185,7 +10212,7 @@
           <p:cNvPr id="40" name="Rectangle: Diagonal Corners Snipped 39">
             <a:extLst>
               <a:ext uri="{FF2B5EF4-FFF2-40B4-BE49-F238E27FC236}">
-                <a16:creationId xmlns:a16="http://schemas.microsoft.com/office/drawing/2014/main" id="{96C5F19E-901A-BC93-E85E-52A4FF72726A}"/>
+                <a16:creationId xmlns:a16="http://schemas.microsoft.com/office/drawing/2014/main" id="{C939459A-EA47-D193-1197-7A1F6D1B3756}"/>
               </a:ext>
             </a:extLst>
           </p:cNvPr>
@@ -10223,8 +10250,23 @@
                 </a:solidFill>
                 <a:latin typeface="Bahnschrift Light Condensed" panose="020B0502040204020203" pitchFamily="34" charset="0"/>
               </a:rPr>
-              <a:t>Change of advertisement over time </a:t>
-            </a:r>
+              <a:t>Vývoj</a:t>
+            </a:r>
+            <a:r>
+              <a:rPr lang="pl-PL" sz="1650" b="1" dirty="0">
+                <a:solidFill>
+                  <a:srgbClr val="013B43"/>
+                </a:solidFill>
+                <a:latin typeface="Bahnschrift Light Condensed" panose="020B0502040204020203" pitchFamily="34" charset="0"/>
+              </a:rPr>
+              <a:t> reklamy v průběhu času</a:t>
+            </a:r>
+            <a:endParaRPr lang="en-US" sz="1650" b="1" dirty="0">
+              <a:solidFill>
+                <a:srgbClr val="013B43"/>
+              </a:solidFill>
+              <a:latin typeface="Bahnschrift Light Condensed" panose="020B0502040204020203" pitchFamily="34" charset="0"/>
+            </a:endParaRPr>
           </a:p>
         </p:txBody>
       </p:sp>
@@ -10233,7 +10275,7 @@
           <p:cNvPr id="46" name="Rectangle: Diagonal Corners Snipped 45">
             <a:extLst>
               <a:ext uri="{FF2B5EF4-FFF2-40B4-BE49-F238E27FC236}">
-                <a16:creationId xmlns:a16="http://schemas.microsoft.com/office/drawing/2014/main" id="{D226EE8A-22BB-DB47-AD87-A4527344AC12}"/>
+                <a16:creationId xmlns:a16="http://schemas.microsoft.com/office/drawing/2014/main" id="{DB054349-E278-212C-478D-2CABEA431C68}"/>
               </a:ext>
             </a:extLst>
           </p:cNvPr>
@@ -10271,7 +10313,7 @@
                 </a:solidFill>
                 <a:latin typeface="Bahnschrift Light Condensed" panose="020B0502040204020203" pitchFamily="34" charset="0"/>
               </a:rPr>
-              <a:t>Evolution vs previous year</a:t>
+              <a:t>Vývoj oproti předchozímu roku</a:t>
             </a:r>
           </a:p>
         </p:txBody>
@@ -10281,7 +10323,7 @@
           <p:cNvPr id="47" name="Rectangle: Diagonal Corners Snipped 46">
             <a:extLst>
               <a:ext uri="{FF2B5EF4-FFF2-40B4-BE49-F238E27FC236}">
-                <a16:creationId xmlns:a16="http://schemas.microsoft.com/office/drawing/2014/main" id="{C6589DFB-4793-8A7B-C938-B93BD0A448E9}"/>
+                <a16:creationId xmlns:a16="http://schemas.microsoft.com/office/drawing/2014/main" id="{63973CD5-7FE8-50CC-6D90-4625BC59A3C1}"/>
               </a:ext>
             </a:extLst>
           </p:cNvPr>
@@ -10319,7 +10361,7 @@
                 </a:solidFill>
                 <a:latin typeface="Bahnschrift Light Condensed" panose="020B0502040204020203" pitchFamily="34" charset="0"/>
               </a:rPr>
-              <a:t>Overall statistics of individual advertisers</a:t>
+              <a:t>Celkové statistiky jednotlivých inzerentů</a:t>
             </a:r>
           </a:p>
         </p:txBody>
@@ -10329,7 +10371,7 @@
           <p:cNvPr id="48" name="Rectangle: Diagonal Corners Snipped 47">
             <a:extLst>
               <a:ext uri="{FF2B5EF4-FFF2-40B4-BE49-F238E27FC236}">
-                <a16:creationId xmlns:a16="http://schemas.microsoft.com/office/drawing/2014/main" id="{C039DF53-3ADD-993D-703E-85FC63FC1D5F}"/>
+                <a16:creationId xmlns:a16="http://schemas.microsoft.com/office/drawing/2014/main" id="{7D857DC2-8A99-885C-8648-75511DC9283F}"/>
               </a:ext>
             </a:extLst>
           </p:cNvPr>
@@ -10367,7 +10409,7 @@
                 </a:solidFill>
                 <a:latin typeface="Bahnschrift Light Condensed" panose="020B0502040204020203" pitchFamily="34" charset="0"/>
               </a:rPr>
-              <a:t>Political Advertisement in the Czech Republic</a:t>
+              <a:t>Politická reklama v České republice</a:t>
             </a:r>
           </a:p>
         </p:txBody>
@@ -10377,7 +10419,7 @@
           <p:cNvPr id="59" name="Rectangle: Diagonal Corners Snipped 58">
             <a:extLst>
               <a:ext uri="{FF2B5EF4-FFF2-40B4-BE49-F238E27FC236}">
-                <a16:creationId xmlns:a16="http://schemas.microsoft.com/office/drawing/2014/main" id="{F063EECB-0A88-02E3-6F1B-7ECAA26C10BD}"/>
+                <a16:creationId xmlns:a16="http://schemas.microsoft.com/office/drawing/2014/main" id="{ABBC0054-ABED-BACB-35F9-291919B462C1}"/>
               </a:ext>
             </a:extLst>
           </p:cNvPr>
@@ -10387,7 +10429,7 @@
         <p:spPr>
           <a:xfrm>
             <a:off x="654828" y="1097889"/>
-            <a:ext cx="4140339" cy="863479"/>
+            <a:ext cx="4140339" cy="1432500"/>
           </a:xfrm>
           <a:prstGeom prst="snip2DiagRect">
             <a:avLst>
@@ -10403,20 +10445,32 @@
           </a:bodyPr>
           <a:lstStyle/>
           <a:p>
+            <a:pPr algn="l">
+              <a:buNone/>
+            </a:pPr>
+            <a:r>
+              <a:rPr lang="en-US" sz="1200" dirty="0">
+                <a:solidFill>
+                  <a:srgbClr val="013B43"/>
+                </a:solidFill>
+                <a:latin typeface="Bahnschrift Light Condensed" panose="020B0502040204020203" pitchFamily="34" charset="0"/>
+              </a:rPr>
+              <a:t>Když se na platformách Meta objevují reklamy týkající se společenských témat, voleb nebo politiky, musí obsahovat informace o tom, kdo je zaplatil. Dále je vyžadována dodatečná transparentnost ohledně výdajů, dosahu a subjektů, které tyto reklamy financují.</a:t>
+            </a:r>
+          </a:p>
+          <a:p>
             <a:pPr>
-              <a:lnSpc>
-                <a:spcPts val="1650"/>
-              </a:lnSpc>
+              <a:buNone/>
             </a:pPr>
-            <a:r>
-              <a:rPr lang="en-US" sz="1200" dirty="0">
-                <a:solidFill>
-                  <a:srgbClr val="013B43"/>
-                </a:solidFill>
-                <a:latin typeface="Bahnschrift Light Condensed" panose="020B0502040204020203" pitchFamily="34" charset="0"/>
-              </a:rPr>
-              <a:t>When ads about social issues, elections or politics appear across Meta technologies, they're required to include information about who paid for them. Additional transparency about spend, reach and funding entities </a:t>
-            </a:r>
+            <a:br>
+              <a:rPr lang="en-US" sz="1200" dirty="0"/>
+            </a:br>
+            <a:endParaRPr lang="en-US" sz="1200" dirty="0">
+              <a:solidFill>
+                <a:srgbClr val="013B43"/>
+              </a:solidFill>
+              <a:latin typeface="Bahnschrift Light Condensed" panose="020B0502040204020203" pitchFamily="34" charset="0"/>
+            </a:endParaRPr>
           </a:p>
         </p:txBody>
       </p:sp>
@@ -10425,7 +10479,7 @@
           <p:cNvPr id="60" name="Straight Connector 59">
             <a:extLst>
               <a:ext uri="{FF2B5EF4-FFF2-40B4-BE49-F238E27FC236}">
-                <a16:creationId xmlns:a16="http://schemas.microsoft.com/office/drawing/2014/main" id="{20C91D27-9E23-23DF-A21B-1AC457E96804}"/>
+                <a16:creationId xmlns:a16="http://schemas.microsoft.com/office/drawing/2014/main" id="{15552D50-2A06-68A3-CEA4-2EB7C75B3908}"/>
               </a:ext>
             </a:extLst>
           </p:cNvPr>
@@ -10436,7 +10490,7 @@
         </p:nvCxnSpPr>
         <p:spPr>
           <a:xfrm>
-            <a:off x="8608569" y="3683168"/>
+            <a:off x="9021524" y="3683168"/>
             <a:ext cx="411957" cy="0"/>
           </a:xfrm>
           <a:prstGeom prst="line">
@@ -10469,7 +10523,7 @@
           <p:cNvPr id="61" name="Rectangle: Diagonal Corners Snipped 60">
             <a:extLst>
               <a:ext uri="{FF2B5EF4-FFF2-40B4-BE49-F238E27FC236}">
-                <a16:creationId xmlns:a16="http://schemas.microsoft.com/office/drawing/2014/main" id="{1AE1228C-40AA-32C3-44FF-EA5FF5C3FEE0}"/>
+                <a16:creationId xmlns:a16="http://schemas.microsoft.com/office/drawing/2014/main" id="{6EB42C1B-3DF4-1295-F038-725AF02D3902}"/>
               </a:ext>
             </a:extLst>
           </p:cNvPr>
@@ -10478,7 +10532,7 @@
         </p:nvSpPr>
         <p:spPr>
           <a:xfrm>
-            <a:off x="8674703" y="3410696"/>
+            <a:off x="9087658" y="3410696"/>
             <a:ext cx="1423832" cy="558194"/>
           </a:xfrm>
           <a:prstGeom prst="snip2DiagRect">
@@ -10531,7 +10585,7 @@
                   <a:srgbClr val="013B43"/>
                 </a:solidFill>
               </a:rPr>
-              <a:t>80/20 line</a:t>
+              <a:t>80/20 linie</a:t>
             </a:r>
           </a:p>
         </p:txBody>
@@ -10541,7 +10595,7 @@
           <p:cNvPr id="6" name="Rectangle: Diagonal Corners Snipped 5">
             <a:extLst>
               <a:ext uri="{FF2B5EF4-FFF2-40B4-BE49-F238E27FC236}">
-                <a16:creationId xmlns:a16="http://schemas.microsoft.com/office/drawing/2014/main" id="{49640008-2633-13F7-2F03-CD004E03890D}"/>
+                <a16:creationId xmlns:a16="http://schemas.microsoft.com/office/drawing/2014/main" id="{7166C590-6DFA-5EE7-D5FE-0AE17E390B55}"/>
               </a:ext>
             </a:extLst>
           </p:cNvPr>
@@ -10579,7 +10633,7 @@
                 </a:solidFill>
                 <a:latin typeface="Bahnschrift Light Condensed" panose="020B0502040204020203" pitchFamily="34" charset="0"/>
               </a:rPr>
-              <a:t>Who are the top 10 performers in each domain</a:t>
+              <a:t>10 nejlepších v každé doméně</a:t>
             </a:r>
           </a:p>
         </p:txBody>
@@ -10589,7 +10643,7 @@
           <p:cNvPr id="7" name="TextBox 6">
             <a:extLst>
               <a:ext uri="{FF2B5EF4-FFF2-40B4-BE49-F238E27FC236}">
-                <a16:creationId xmlns:a16="http://schemas.microsoft.com/office/drawing/2014/main" id="{38B8B206-698F-F15B-9120-B84E53B796D5}"/>
+                <a16:creationId xmlns:a16="http://schemas.microsoft.com/office/drawing/2014/main" id="{A7443A13-C9A1-4284-1124-803EA4A45BC3}"/>
               </a:ext>
             </a:extLst>
           </p:cNvPr>
@@ -10598,7 +10652,7 @@
         </p:nvSpPr>
         <p:spPr>
           <a:xfrm>
-            <a:off x="8408148" y="6474380"/>
+            <a:off x="8408148" y="6480279"/>
             <a:ext cx="4585253" cy="367408"/>
           </a:xfrm>
           <a:prstGeom prst="rect">
@@ -10624,7 +10678,7 @@
                 </a:solidFill>
                 <a:latin typeface="Bahnschrift Light Condensed" panose="020B0502040204020203" pitchFamily="34" charset="0"/>
               </a:rPr>
-              <a:t>Conversion </a:t>
+              <a:t>Konverze = </a:t>
             </a:r>
             <a:r>
               <a:rPr lang="en-US" sz="1350" dirty="0">
@@ -10633,7 +10687,7 @@
                 </a:solidFill>
                 <a:latin typeface="Bahnschrift Light Condensed" panose="020B0502040204020203" pitchFamily="34" charset="0"/>
               </a:rPr>
-              <a:t>= Accuracy of meeting the targeted audience</a:t>
+              <a:t>přesnost oslovení cílové skupiny</a:t>
             </a:r>
           </a:p>
         </p:txBody>
@@ -10643,7 +10697,7 @@
           <p:cNvPr id="8" name="TextBox 7">
             <a:extLst>
               <a:ext uri="{FF2B5EF4-FFF2-40B4-BE49-F238E27FC236}">
-                <a16:creationId xmlns:a16="http://schemas.microsoft.com/office/drawing/2014/main" id="{B8CAE182-0993-2C00-A025-BE31AA03772D}"/>
+                <a16:creationId xmlns:a16="http://schemas.microsoft.com/office/drawing/2014/main" id="{3DFBEB87-1F42-E453-DEFA-99998CA1D659}"/>
               </a:ext>
             </a:extLst>
           </p:cNvPr>
@@ -10672,23 +10726,87 @@
               </a:lnSpc>
             </a:pPr>
             <a:r>
-              <a:rPr lang="en-US" sz="1350" dirty="0">
-                <a:solidFill>
-                  <a:srgbClr val="013B43"/>
-                </a:solidFill>
-                <a:latin typeface="Bahnschrift Light Condensed" panose="020B0502040204020203" pitchFamily="34" charset="0"/>
-              </a:rPr>
-              <a:t>= The value is above market average </a:t>
-            </a:r>
-          </a:p>
-        </p:txBody>
-      </p:sp>
+              <a:rPr lang="pl-PL" sz="1350" dirty="0">
+                <a:solidFill>
+                  <a:srgbClr val="013B43"/>
+                </a:solidFill>
+                <a:latin typeface="Bahnschrift Light Condensed" panose="020B0502040204020203" pitchFamily="34" charset="0"/>
+              </a:rPr>
+              <a:t>= Hodnota je nad průměrem trhu</a:t>
+            </a:r>
+            <a:endParaRPr lang="en-US" sz="1350" dirty="0">
+              <a:solidFill>
+                <a:srgbClr val="013B43"/>
+              </a:solidFill>
+              <a:latin typeface="Bahnschrift Light Condensed" panose="020B0502040204020203" pitchFamily="34" charset="0"/>
+            </a:endParaRPr>
+          </a:p>
+        </p:txBody>
+      </p:sp>
+      <p:pic>
+        <p:nvPicPr>
+          <p:cNvPr id="9" name="Picture 8">
+            <a:extLst>
+              <a:ext uri="{FF2B5EF4-FFF2-40B4-BE49-F238E27FC236}">
+                <a16:creationId xmlns:a16="http://schemas.microsoft.com/office/drawing/2014/main" id="{83559F8B-2F79-4263-757E-690ACD688D65}"/>
+              </a:ext>
+            </a:extLst>
+          </p:cNvPr>
+          <p:cNvPicPr>
+            <a:picLocks noChangeAspect="1"/>
+          </p:cNvPicPr>
+          <p:nvPr/>
+        </p:nvPicPr>
+        <p:blipFill>
+          <a:blip r:embed="rId2"/>
+          <a:srcRect l="18550" t="54001" r="24421"/>
+          <a:stretch/>
+        </p:blipFill>
+        <p:spPr>
+          <a:xfrm>
+            <a:off x="15625763" y="6793889"/>
+            <a:ext cx="231776" cy="265815"/>
+          </a:xfrm>
+          <a:prstGeom prst="rect">
+            <a:avLst/>
+          </a:prstGeom>
+        </p:spPr>
+      </p:pic>
+      <p:pic>
+        <p:nvPicPr>
+          <p:cNvPr id="10" name="Picture 9">
+            <a:extLst>
+              <a:ext uri="{FF2B5EF4-FFF2-40B4-BE49-F238E27FC236}">
+                <a16:creationId xmlns:a16="http://schemas.microsoft.com/office/drawing/2014/main" id="{B19CFF74-2081-5823-F366-0869C9E47F0A}"/>
+              </a:ext>
+            </a:extLst>
+          </p:cNvPr>
+          <p:cNvPicPr>
+            <a:picLocks noChangeAspect="1"/>
+          </p:cNvPicPr>
+          <p:nvPr/>
+        </p:nvPicPr>
+        <p:blipFill>
+          <a:blip r:embed="rId2"/>
+          <a:srcRect l="16270" r="22823" b="60747"/>
+          <a:stretch/>
+        </p:blipFill>
+        <p:spPr>
+          <a:xfrm>
+            <a:off x="15605468" y="6601627"/>
+            <a:ext cx="247536" cy="226837"/>
+          </a:xfrm>
+          <a:prstGeom prst="rect">
+            <a:avLst/>
+          </a:prstGeom>
+        </p:spPr>
+      </p:pic>
       <p:sp>
         <p:nvSpPr>
           <p:cNvPr id="11" name="TextBox 10">
             <a:extLst>
               <a:ext uri="{FF2B5EF4-FFF2-40B4-BE49-F238E27FC236}">
-                <a16:creationId xmlns:a16="http://schemas.microsoft.com/office/drawing/2014/main" id="{9CF27C89-1D7A-F323-BAC7-8CCB19F8BA4C}"/>
+                <a16:creationId xmlns:a16="http://schemas.microsoft.com/office/drawing/2014/main" id="{8DDA38E6-4A5D-6F66-C45E-DE3CE00DF2AE}"/>
               </a:ext>
             </a:extLst>
           </p:cNvPr>
@@ -10717,14 +10835,20 @@
               </a:lnSpc>
             </a:pPr>
             <a:r>
-              <a:rPr lang="en-US" sz="1350" dirty="0">
-                <a:solidFill>
-                  <a:srgbClr val="013B43"/>
-                </a:solidFill>
-                <a:latin typeface="Bahnschrift Light Condensed" panose="020B0502040204020203" pitchFamily="34" charset="0"/>
-              </a:rPr>
-              <a:t>= The value is below market average </a:t>
-            </a:r>
+              <a:rPr lang="pl-PL" sz="1350" dirty="0">
+                <a:solidFill>
+                  <a:srgbClr val="013B43"/>
+                </a:solidFill>
+                <a:latin typeface="Bahnschrift Light Condensed" panose="020B0502040204020203" pitchFamily="34" charset="0"/>
+              </a:rPr>
+              <a:t>= Hodnota je pod průměrem trhu</a:t>
+            </a:r>
+            <a:endParaRPr lang="en-US" sz="1350" dirty="0">
+              <a:solidFill>
+                <a:srgbClr val="013B43"/>
+              </a:solidFill>
+              <a:latin typeface="Bahnschrift Light Condensed" panose="020B0502040204020203" pitchFamily="34" charset="0"/>
+            </a:endParaRPr>
           </a:p>
         </p:txBody>
       </p:sp>
@@ -10733,7 +10857,7 @@
           <p:cNvPr id="12" name="TextBox 11">
             <a:extLst>
               <a:ext uri="{FF2B5EF4-FFF2-40B4-BE49-F238E27FC236}">
-                <a16:creationId xmlns:a16="http://schemas.microsoft.com/office/drawing/2014/main" id="{057172DF-5F18-AC65-687D-C0BF06CA2267}"/>
+                <a16:creationId xmlns:a16="http://schemas.microsoft.com/office/drawing/2014/main" id="{87354544-ED87-37E2-E65D-1A3FDB84A09F}"/>
               </a:ext>
             </a:extLst>
           </p:cNvPr>
@@ -10768,7 +10892,7 @@
                 </a:solidFill>
                 <a:latin typeface="Bahnschrift Light Condensed" panose="020B0502040204020203" pitchFamily="34" charset="0"/>
               </a:rPr>
-              <a:t>Reach Ratio </a:t>
+              <a:t>Poměr zásahu = </a:t>
             </a:r>
             <a:r>
               <a:rPr lang="en-US" sz="1350" dirty="0">
@@ -10777,45 +10901,15 @@
                 </a:solidFill>
                 <a:latin typeface="Bahnschrift Light Condensed" panose="020B0502040204020203" pitchFamily="34" charset="0"/>
               </a:rPr>
-              <a:t>= The average number of times an ad is shown to an individual</a:t>
-            </a:r>
-          </a:p>
-        </p:txBody>
-      </p:sp>
-      <p:pic>
-        <p:nvPicPr>
-          <p:cNvPr id="5" name="Picture 4">
-            <a:extLst>
-              <a:ext uri="{FF2B5EF4-FFF2-40B4-BE49-F238E27FC236}">
-                <a16:creationId xmlns:a16="http://schemas.microsoft.com/office/drawing/2014/main" id="{F5A844A0-BCAD-0D80-04D7-D09F39CA9790}"/>
-              </a:ext>
-            </a:extLst>
-          </p:cNvPr>
-          <p:cNvPicPr>
-            <a:picLocks noChangeAspect="1"/>
-          </p:cNvPicPr>
-          <p:nvPr/>
-        </p:nvPicPr>
-        <p:blipFill>
-          <a:blip r:embed="rId2"/>
-          <a:stretch>
-            <a:fillRect/>
-          </a:stretch>
-        </p:blipFill>
-        <p:spPr>
-          <a:xfrm>
-            <a:off x="15619919" y="6642975"/>
-            <a:ext cx="246690" cy="360167"/>
-          </a:xfrm>
-          <a:prstGeom prst="rect">
-            <a:avLst/>
-          </a:prstGeom>
-        </p:spPr>
-      </p:pic>
+              <a:t>průměrný počet zobrazení reklamy jednotlivci</a:t>
+            </a:r>
+          </a:p>
+        </p:txBody>
+      </p:sp>
     </p:spTree>
     <p:extLst>
       <p:ext uri="{BB962C8B-B14F-4D97-AF65-F5344CB8AC3E}">
-        <p14:creationId xmlns:p14="http://schemas.microsoft.com/office/powerpoint/2010/main" val="669555221"/>
+        <p14:creationId xmlns:p14="http://schemas.microsoft.com/office/powerpoint/2010/main" val="3794270303"/>
       </p:ext>
     </p:extLst>
   </p:cSld>
@@ -10828,20 +10922,12 @@
 <file path=ppt/slides/slide6.xml><?xml version="1.0" encoding="utf-8"?>
 <p:sld xmlns:a="http://schemas.openxmlformats.org/drawingml/2006/main" xmlns:r="http://schemas.openxmlformats.org/officeDocument/2006/relationships" xmlns:p="http://schemas.openxmlformats.org/presentationml/2006/main">
   <p:cSld>
-    <p:bg>
-      <p:bgPr>
-        <a:solidFill>
-          <a:srgbClr val="FCECDC"/>
-        </a:solidFill>
-        <a:effectLst/>
-      </p:bgPr>
-    </p:bg>
     <p:spTree>
       <p:nvGrpSpPr>
         <p:cNvPr id="1" name="">
           <a:extLst>
             <a:ext uri="{FF2B5EF4-FFF2-40B4-BE49-F238E27FC236}">
-              <a16:creationId xmlns:a16="http://schemas.microsoft.com/office/drawing/2014/main" id="{9C7866E7-E4F4-920B-5F8F-C9F396D77E33}"/>
+              <a16:creationId xmlns:a16="http://schemas.microsoft.com/office/drawing/2014/main" id="{C2B97402-C676-554F-463A-EB0737100432}"/>
             </a:ext>
           </a:extLst>
         </p:cNvPr>
@@ -10861,7 +10947,7 @@
           <p:cNvPr id="15" name="TextBox 14">
             <a:extLst>
               <a:ext uri="{FF2B5EF4-FFF2-40B4-BE49-F238E27FC236}">
-                <a16:creationId xmlns:a16="http://schemas.microsoft.com/office/drawing/2014/main" id="{8F98A3F8-F2B2-A47F-7213-99BDA5DF1886}"/>
+                <a16:creationId xmlns:a16="http://schemas.microsoft.com/office/drawing/2014/main" id="{7D4127A9-68C9-5C64-57DE-3D7759A79EFD}"/>
               </a:ext>
             </a:extLst>
           </p:cNvPr>
@@ -10979,7 +11065,7 @@
           <p:cNvPr id="6" name="Rectangle: Rounded Corners 5">
             <a:extLst>
               <a:ext uri="{FF2B5EF4-FFF2-40B4-BE49-F238E27FC236}">
-                <a16:creationId xmlns:a16="http://schemas.microsoft.com/office/drawing/2014/main" id="{D9F6EF13-7D89-4E93-B49C-85A029E86782}"/>
+                <a16:creationId xmlns:a16="http://schemas.microsoft.com/office/drawing/2014/main" id="{A663E387-6441-26F1-14A9-4A05EF6A1404}"/>
               </a:ext>
             </a:extLst>
           </p:cNvPr>
@@ -10997,7 +11083,7 @@
             </a:avLst>
           </a:prstGeom>
           <a:solidFill>
-            <a:srgbClr val="EDE4DB"/>
+            <a:srgbClr val="FCECDC"/>
           </a:solidFill>
           <a:ln>
             <a:solidFill>
@@ -11035,7 +11121,7 @@
           <p:cNvPr id="7" name="Rectangle: Rounded Corners 6">
             <a:extLst>
               <a:ext uri="{FF2B5EF4-FFF2-40B4-BE49-F238E27FC236}">
-                <a16:creationId xmlns:a16="http://schemas.microsoft.com/office/drawing/2014/main" id="{902337F5-3F22-4715-76A0-042D40E4A056}"/>
+                <a16:creationId xmlns:a16="http://schemas.microsoft.com/office/drawing/2014/main" id="{B62C37AC-E26E-F70C-88B8-B4FFB734AD80}"/>
               </a:ext>
             </a:extLst>
           </p:cNvPr>
@@ -11053,7 +11139,7 @@
             </a:avLst>
           </a:prstGeom>
           <a:solidFill>
-            <a:srgbClr val="EDE4DB"/>
+            <a:srgbClr val="FCECDC"/>
           </a:solidFill>
           <a:ln>
             <a:solidFill>
@@ -11088,10 +11174,10 @@
       </p:sp>
       <p:sp>
         <p:nvSpPr>
-          <p:cNvPr id="10" name="Rectangle: Rounded Corners 9">
-            <a:extLst>
-              <a:ext uri="{FF2B5EF4-FFF2-40B4-BE49-F238E27FC236}">
-                <a16:creationId xmlns:a16="http://schemas.microsoft.com/office/drawing/2014/main" id="{7670114D-E2CA-4F11-4072-E75424B3D11D}"/>
+          <p:cNvPr id="8" name="Rectangle: Rounded Corners 7">
+            <a:extLst>
+              <a:ext uri="{FF2B5EF4-FFF2-40B4-BE49-F238E27FC236}">
+                <a16:creationId xmlns:a16="http://schemas.microsoft.com/office/drawing/2014/main" id="{90DEDB23-2042-7129-251F-A0442C72C97C}"/>
               </a:ext>
             </a:extLst>
           </p:cNvPr>
@@ -11100,8 +11186,8 @@
         </p:nvSpPr>
         <p:spPr>
           <a:xfrm>
-            <a:off x="5180812" y="3719565"/>
-            <a:ext cx="4370573" cy="2975508"/>
+            <a:off x="144780" y="2647951"/>
+            <a:ext cx="4930140" cy="7539354"/>
           </a:xfrm>
           <a:prstGeom prst="roundRect">
             <a:avLst>
@@ -11109,7 +11195,7 @@
             </a:avLst>
           </a:prstGeom>
           <a:solidFill>
-            <a:srgbClr val="EDE4DB"/>
+            <a:srgbClr val="FCECDC"/>
           </a:solidFill>
           <a:ln>
             <a:solidFill>
@@ -11144,10 +11230,10 @@
       </p:sp>
       <p:sp>
         <p:nvSpPr>
-          <p:cNvPr id="12" name="Rectangle: Rounded Corners 11">
-            <a:extLst>
-              <a:ext uri="{FF2B5EF4-FFF2-40B4-BE49-F238E27FC236}">
-                <a16:creationId xmlns:a16="http://schemas.microsoft.com/office/drawing/2014/main" id="{655CD25A-2D96-A098-42D7-A18C24B19D20}"/>
+          <p:cNvPr id="10" name="Rectangle: Rounded Corners 9">
+            <a:extLst>
+              <a:ext uri="{FF2B5EF4-FFF2-40B4-BE49-F238E27FC236}">
+                <a16:creationId xmlns:a16="http://schemas.microsoft.com/office/drawing/2014/main" id="{6883D639-97C4-E4FB-67CB-7B1851630795}"/>
               </a:ext>
             </a:extLst>
           </p:cNvPr>
@@ -11156,8 +11242,8 @@
         </p:nvSpPr>
         <p:spPr>
           <a:xfrm>
-            <a:off x="9677400" y="3719565"/>
-            <a:ext cx="8465820" cy="2975508"/>
+            <a:off x="5180812" y="3719565"/>
+            <a:ext cx="4370573" cy="2975508"/>
           </a:xfrm>
           <a:prstGeom prst="roundRect">
             <a:avLst>
@@ -11165,7 +11251,7 @@
             </a:avLst>
           </a:prstGeom>
           <a:solidFill>
-            <a:srgbClr val="EDE4DB"/>
+            <a:srgbClr val="FCECDC"/>
           </a:solidFill>
           <a:ln>
             <a:solidFill>
@@ -11200,10 +11286,10 @@
       </p:sp>
       <p:sp>
         <p:nvSpPr>
-          <p:cNvPr id="13" name="Rectangle: Rounded Corners 12">
-            <a:extLst>
-              <a:ext uri="{FF2B5EF4-FFF2-40B4-BE49-F238E27FC236}">
-                <a16:creationId xmlns:a16="http://schemas.microsoft.com/office/drawing/2014/main" id="{1E5BAC5A-77D3-C855-82BF-9B98CE08DE15}"/>
+          <p:cNvPr id="12" name="Rectangle: Rounded Corners 11">
+            <a:extLst>
+              <a:ext uri="{FF2B5EF4-FFF2-40B4-BE49-F238E27FC236}">
+                <a16:creationId xmlns:a16="http://schemas.microsoft.com/office/drawing/2014/main" id="{671120D8-B82D-C4D0-55FB-EB60DF59C727}"/>
               </a:ext>
             </a:extLst>
           </p:cNvPr>
@@ -11212,8 +11298,8 @@
         </p:nvSpPr>
         <p:spPr>
           <a:xfrm>
-            <a:off x="9693209" y="99697"/>
-            <a:ext cx="8465820" cy="3455388"/>
+            <a:off x="9677400" y="3719565"/>
+            <a:ext cx="8465820" cy="2975508"/>
           </a:xfrm>
           <a:prstGeom prst="roundRect">
             <a:avLst>
@@ -11221,7 +11307,7 @@
             </a:avLst>
           </a:prstGeom>
           <a:solidFill>
-            <a:srgbClr val="EDE4DB"/>
+            <a:srgbClr val="FCECDC"/>
           </a:solidFill>
           <a:ln>
             <a:solidFill>
@@ -11256,10 +11342,10 @@
       </p:sp>
       <p:sp>
         <p:nvSpPr>
-          <p:cNvPr id="30" name="Rectangle: Diagonal Corners Snipped 29">
-            <a:extLst>
-              <a:ext uri="{FF2B5EF4-FFF2-40B4-BE49-F238E27FC236}">
-                <a16:creationId xmlns:a16="http://schemas.microsoft.com/office/drawing/2014/main" id="{26BB3C0F-E9ED-C684-451D-6A007DE121D9}"/>
+          <p:cNvPr id="13" name="Rectangle: Rounded Corners 12">
+            <a:extLst>
+              <a:ext uri="{FF2B5EF4-FFF2-40B4-BE49-F238E27FC236}">
+                <a16:creationId xmlns:a16="http://schemas.microsoft.com/office/drawing/2014/main" id="{60B94E30-FB63-58EC-CFBA-E891879550D3}"/>
               </a:ext>
             </a:extLst>
           </p:cNvPr>
@@ -11268,115 +11354,20 @@
         </p:nvSpPr>
         <p:spPr>
           <a:xfrm>
-            <a:off x="11261571" y="6784618"/>
-            <a:ext cx="4503894" cy="513543"/>
-          </a:xfrm>
-          <a:prstGeom prst="snip2DiagRect">
+            <a:off x="9693209" y="99697"/>
+            <a:ext cx="8465820" cy="3455388"/>
+          </a:xfrm>
+          <a:prstGeom prst="roundRect">
             <a:avLst>
-              <a:gd name="adj1" fmla="val 0"/>
-              <a:gd name="adj2" fmla="val 16667"/>
+              <a:gd name="adj" fmla="val 7212"/>
             </a:avLst>
           </a:prstGeom>
-          <a:noFill/>
-        </p:spPr>
-        <p:txBody>
-          <a:bodyPr wrap="square" rtlCol="0">
-            <a:spAutoFit/>
-          </a:bodyPr>
-          <a:lstStyle/>
-          <a:p>
-            <a:pPr>
-              <a:lnSpc>
-                <a:spcPct val="150000"/>
-              </a:lnSpc>
-            </a:pPr>
-            <a:r>
-              <a:rPr lang="en-US" sz="1650" b="1" dirty="0" err="1">
-                <a:solidFill>
-                  <a:srgbClr val="013B43"/>
-                </a:solidFill>
-                <a:latin typeface="Bahnschrift Light Condensed" panose="020B0502040204020203" pitchFamily="34" charset="0"/>
-              </a:rPr>
-              <a:t>Rozlozeni</a:t>
-            </a:r>
-            <a:r>
-              <a:rPr lang="en-US" sz="1650" b="1" dirty="0">
-                <a:solidFill>
-                  <a:srgbClr val="013B43"/>
-                </a:solidFill>
-                <a:latin typeface="Bahnschrift Light Condensed" panose="020B0502040204020203" pitchFamily="34" charset="0"/>
-              </a:rPr>
-              <a:t> </a:t>
-            </a:r>
-            <a:r>
-              <a:rPr lang="en-US" sz="1650" b="1" dirty="0" err="1">
-                <a:solidFill>
-                  <a:srgbClr val="013B43"/>
-                </a:solidFill>
-                <a:latin typeface="Bahnschrift Light Condensed" panose="020B0502040204020203" pitchFamily="34" charset="0"/>
-              </a:rPr>
-              <a:t>dle</a:t>
-            </a:r>
-            <a:r>
-              <a:rPr lang="en-US" sz="1650" b="1" dirty="0">
-                <a:solidFill>
-                  <a:srgbClr val="013B43"/>
-                </a:solidFill>
-                <a:latin typeface="Bahnschrift Light Condensed" panose="020B0502040204020203" pitchFamily="34" charset="0"/>
-              </a:rPr>
-              <a:t> </a:t>
-            </a:r>
-            <a:r>
-              <a:rPr lang="en-US" sz="1650" b="1" dirty="0" err="1">
-                <a:solidFill>
-                  <a:srgbClr val="013B43"/>
-                </a:solidFill>
-                <a:latin typeface="Bahnschrift Light Condensed" panose="020B0502040204020203" pitchFamily="34" charset="0"/>
-              </a:rPr>
-              <a:t>pohlavi</a:t>
-            </a:r>
-            <a:endParaRPr lang="en-US" sz="1650" b="1" dirty="0">
-              <a:solidFill>
-                <a:srgbClr val="013B43"/>
-              </a:solidFill>
-              <a:latin typeface="Bahnschrift Light Condensed" panose="020B0502040204020203" pitchFamily="34" charset="0"/>
-            </a:endParaRPr>
-          </a:p>
-        </p:txBody>
-      </p:sp>
-      <p:sp>
-        <p:nvSpPr>
-          <p:cNvPr id="31" name="Rectangle: Diagonal Corners Snipped 30">
-            <a:extLst>
-              <a:ext uri="{FF2B5EF4-FFF2-40B4-BE49-F238E27FC236}">
-                <a16:creationId xmlns:a16="http://schemas.microsoft.com/office/drawing/2014/main" id="{E3D6D694-CDA5-F6C8-74CB-864DD5F05E48}"/>
-              </a:ext>
-            </a:extLst>
-          </p:cNvPr>
-          <p:cNvSpPr/>
-          <p:nvPr/>
-        </p:nvSpPr>
-        <p:spPr>
-          <a:xfrm>
-            <a:off x="15721483" y="6815098"/>
-            <a:ext cx="1423832" cy="497468"/>
-          </a:xfrm>
-          <a:prstGeom prst="snip2DiagRect">
-            <a:avLst>
-              <a:gd name="adj1" fmla="val 0"/>
-              <a:gd name="adj2" fmla="val 16667"/>
-            </a:avLst>
-          </a:prstGeom>
           <a:solidFill>
-            <a:srgbClr val="DBE9F2">
-              <a:alpha val="0"/>
-            </a:srgbClr>
+            <a:srgbClr val="FCECDC"/>
           </a:solidFill>
           <a:ln>
             <a:solidFill>
-              <a:srgbClr val="DBE9F2">
-                <a:alpha val="0"/>
-              </a:srgbClr>
+              <a:srgbClr val="FCECDC"/>
             </a:solidFill>
           </a:ln>
         </p:spPr>
@@ -11397,36 +11388,68 @@
           </a:fontRef>
         </p:style>
         <p:txBody>
-          <a:bodyPr rtlCol="0" anchor="t"/>
-          <a:lstStyle/>
-          <a:p>
-            <a:pPr marL="342900" indent="-85725">
+          <a:bodyPr rtlCol="0" anchor="ctr"/>
+          <a:lstStyle/>
+          <a:p>
+            <a:pPr algn="ctr"/>
+            <a:endParaRPr lang="en-US" sz="4050" dirty="0"/>
+          </a:p>
+        </p:txBody>
+      </p:sp>
+      <p:sp>
+        <p:nvSpPr>
+          <p:cNvPr id="30" name="Rectangle: Diagonal Corners Snipped 29">
+            <a:extLst>
+              <a:ext uri="{FF2B5EF4-FFF2-40B4-BE49-F238E27FC236}">
+                <a16:creationId xmlns:a16="http://schemas.microsoft.com/office/drawing/2014/main" id="{C9D1D348-060B-FF19-8F76-57218C624624}"/>
+              </a:ext>
+            </a:extLst>
+          </p:cNvPr>
+          <p:cNvSpPr/>
+          <p:nvPr/>
+        </p:nvSpPr>
+        <p:spPr>
+          <a:xfrm>
+            <a:off x="11261571" y="6784618"/>
+            <a:ext cx="4503894" cy="513543"/>
+          </a:xfrm>
+          <a:prstGeom prst="snip2DiagRect">
+            <a:avLst>
+              <a:gd name="adj1" fmla="val 0"/>
+              <a:gd name="adj2" fmla="val 16667"/>
+            </a:avLst>
+          </a:prstGeom>
+          <a:noFill/>
+        </p:spPr>
+        <p:txBody>
+          <a:bodyPr wrap="square" rtlCol="0">
+            <a:spAutoFit/>
+          </a:bodyPr>
+          <a:lstStyle/>
+          <a:p>
+            <a:pPr>
               <a:lnSpc>
                 <a:spcPct val="150000"/>
               </a:lnSpc>
             </a:pPr>
             <a:r>
-              <a:rPr lang="en-US" sz="1350" dirty="0">
-                <a:solidFill>
-                  <a:srgbClr val="013B43"/>
-                </a:solidFill>
-              </a:rPr>
-              <a:t> Zeny</a:t>
-            </a:r>
-            <a:endParaRPr lang="en-US" sz="1500" dirty="0">
-              <a:solidFill>
-                <a:srgbClr val="013B43"/>
-              </a:solidFill>
-            </a:endParaRPr>
-          </a:p>
-        </p:txBody>
-      </p:sp>
-      <p:sp>
-        <p:nvSpPr>
-          <p:cNvPr id="32" name="Oval 31">
-            <a:extLst>
-              <a:ext uri="{FF2B5EF4-FFF2-40B4-BE49-F238E27FC236}">
-                <a16:creationId xmlns:a16="http://schemas.microsoft.com/office/drawing/2014/main" id="{0C33F304-2E1C-7462-FC84-1925778B32C3}"/>
+              <a:rPr lang="en-US" sz="1650" b="1" dirty="0">
+                <a:solidFill>
+                  <a:srgbClr val="013B43"/>
+                </a:solidFill>
+                <a:latin typeface="Bahnschrift Light Condensed" panose="020B0502040204020203" pitchFamily="34" charset="0"/>
+              </a:rPr>
+              <a:t>Rozložení dle pohlaví</a:t>
+            </a:r>
+          </a:p>
+        </p:txBody>
+      </p:sp>
+      <p:sp>
+        <p:nvSpPr>
+          <p:cNvPr id="31" name="Rectangle: Diagonal Corners Snipped 30">
+            <a:extLst>
+              <a:ext uri="{FF2B5EF4-FFF2-40B4-BE49-F238E27FC236}">
+                <a16:creationId xmlns:a16="http://schemas.microsoft.com/office/drawing/2014/main" id="{2BAE1167-05CB-421E-E802-DCD90A0CF19B}"/>
               </a:ext>
             </a:extLst>
           </p:cNvPr>
@@ -11435,18 +11458,25 @@
         </p:nvSpPr>
         <p:spPr>
           <a:xfrm>
-            <a:off x="15887241" y="7011953"/>
-            <a:ext cx="171450" cy="171450"/>
-          </a:xfrm>
-          <a:prstGeom prst="ellipse">
-            <a:avLst/>
+            <a:off x="15721483" y="6815098"/>
+            <a:ext cx="1423832" cy="497468"/>
+          </a:xfrm>
+          <a:prstGeom prst="snip2DiagRect">
+            <a:avLst>
+              <a:gd name="adj1" fmla="val 0"/>
+              <a:gd name="adj2" fmla="val 16667"/>
+            </a:avLst>
           </a:prstGeom>
           <a:solidFill>
-            <a:srgbClr val="F9B0C1"/>
+            <a:srgbClr val="DBE9F2">
+              <a:alpha val="0"/>
+            </a:srgbClr>
           </a:solidFill>
           <a:ln>
             <a:solidFill>
-              <a:srgbClr val="F9B0C1"/>
+              <a:srgbClr val="DBE9F2">
+                <a:alpha val="0"/>
+              </a:srgbClr>
             </a:solidFill>
           </a:ln>
         </p:spPr>
@@ -11467,20 +11497,31 @@
           </a:fontRef>
         </p:style>
         <p:txBody>
-          <a:bodyPr rtlCol="0" anchor="ctr"/>
-          <a:lstStyle/>
-          <a:p>
-            <a:pPr algn="ctr"/>
-            <a:endParaRPr lang="en-US" sz="4050" dirty="0"/>
-          </a:p>
-        </p:txBody>
-      </p:sp>
-      <p:sp>
-        <p:nvSpPr>
-          <p:cNvPr id="33" name="Rectangle: Diagonal Corners Snipped 32">
-            <a:extLst>
-              <a:ext uri="{FF2B5EF4-FFF2-40B4-BE49-F238E27FC236}">
-                <a16:creationId xmlns:a16="http://schemas.microsoft.com/office/drawing/2014/main" id="{F955BA14-276D-3139-59C9-03DF44D2BC88}"/>
+          <a:bodyPr rtlCol="0" anchor="t"/>
+          <a:lstStyle/>
+          <a:p>
+            <a:pPr marL="342900" indent="-85725">
+              <a:lnSpc>
+                <a:spcPct val="150000"/>
+              </a:lnSpc>
+            </a:pPr>
+            <a:r>
+              <a:rPr lang="en-US" sz="1350" dirty="0">
+                <a:solidFill>
+                  <a:srgbClr val="013B43"/>
+                </a:solidFill>
+              </a:rPr>
+              <a:t>Ženy </a:t>
+            </a:r>
+          </a:p>
+        </p:txBody>
+      </p:sp>
+      <p:sp>
+        <p:nvSpPr>
+          <p:cNvPr id="32" name="Oval 31">
+            <a:extLst>
+              <a:ext uri="{FF2B5EF4-FFF2-40B4-BE49-F238E27FC236}">
+                <a16:creationId xmlns:a16="http://schemas.microsoft.com/office/drawing/2014/main" id="{5CE54CF0-4E2C-B654-7671-4AEB4903673B}"/>
               </a:ext>
             </a:extLst>
           </p:cNvPr>
@@ -11489,25 +11530,18 @@
         </p:nvSpPr>
         <p:spPr>
           <a:xfrm>
-            <a:off x="16769416" y="6815098"/>
-            <a:ext cx="1423832" cy="497468"/>
-          </a:xfrm>
-          <a:prstGeom prst="snip2DiagRect">
-            <a:avLst>
-              <a:gd name="adj1" fmla="val 0"/>
-              <a:gd name="adj2" fmla="val 16667"/>
-            </a:avLst>
+            <a:off x="15887241" y="7011953"/>
+            <a:ext cx="171450" cy="171450"/>
+          </a:xfrm>
+          <a:prstGeom prst="ellipse">
+            <a:avLst/>
           </a:prstGeom>
           <a:solidFill>
-            <a:srgbClr val="DBE9F2">
-              <a:alpha val="0"/>
-            </a:srgbClr>
+            <a:srgbClr val="F9B0C1"/>
           </a:solidFill>
           <a:ln>
             <a:solidFill>
-              <a:srgbClr val="DBE9F2">
-                <a:alpha val="0"/>
-              </a:srgbClr>
+              <a:srgbClr val="F9B0C1"/>
             </a:solidFill>
           </a:ln>
         </p:spPr>
@@ -11528,36 +11562,20 @@
           </a:fontRef>
         </p:style>
         <p:txBody>
-          <a:bodyPr rtlCol="0" anchor="t"/>
-          <a:lstStyle/>
-          <a:p>
-            <a:pPr marL="342900" indent="-85725">
-              <a:lnSpc>
-                <a:spcPct val="150000"/>
-              </a:lnSpc>
-            </a:pPr>
-            <a:r>
-              <a:rPr lang="en-US" sz="1350" dirty="0">
-                <a:solidFill>
-                  <a:srgbClr val="013B43"/>
-                </a:solidFill>
-              </a:rPr>
-              <a:t> Muzi</a:t>
-            </a:r>
-            <a:endParaRPr lang="en-US" sz="1500" dirty="0">
-              <a:solidFill>
-                <a:srgbClr val="013B43"/>
-              </a:solidFill>
-            </a:endParaRPr>
-          </a:p>
-        </p:txBody>
-      </p:sp>
-      <p:sp>
-        <p:nvSpPr>
-          <p:cNvPr id="34" name="Oval 33">
-            <a:extLst>
-              <a:ext uri="{FF2B5EF4-FFF2-40B4-BE49-F238E27FC236}">
-                <a16:creationId xmlns:a16="http://schemas.microsoft.com/office/drawing/2014/main" id="{FC04EC17-5E8C-06F7-B6B8-E13F58016F83}"/>
+          <a:bodyPr rtlCol="0" anchor="ctr"/>
+          <a:lstStyle/>
+          <a:p>
+            <a:pPr algn="ctr"/>
+            <a:endParaRPr lang="en-US" sz="4050" dirty="0"/>
+          </a:p>
+        </p:txBody>
+      </p:sp>
+      <p:sp>
+        <p:nvSpPr>
+          <p:cNvPr id="33" name="Rectangle: Diagonal Corners Snipped 32">
+            <a:extLst>
+              <a:ext uri="{FF2B5EF4-FFF2-40B4-BE49-F238E27FC236}">
+                <a16:creationId xmlns:a16="http://schemas.microsoft.com/office/drawing/2014/main" id="{96797FEA-F8F3-8E4C-A714-E3FEB677538D}"/>
               </a:ext>
             </a:extLst>
           </p:cNvPr>
@@ -11566,18 +11584,25 @@
         </p:nvSpPr>
         <p:spPr>
           <a:xfrm>
-            <a:off x="16959663" y="7011953"/>
-            <a:ext cx="171450" cy="171450"/>
-          </a:xfrm>
-          <a:prstGeom prst="ellipse">
-            <a:avLst/>
+            <a:off x="16769416" y="6815098"/>
+            <a:ext cx="1423832" cy="497468"/>
+          </a:xfrm>
+          <a:prstGeom prst="snip2DiagRect">
+            <a:avLst>
+              <a:gd name="adj1" fmla="val 0"/>
+              <a:gd name="adj2" fmla="val 16667"/>
+            </a:avLst>
           </a:prstGeom>
           <a:solidFill>
-            <a:srgbClr val="A4D6EF"/>
+            <a:srgbClr val="DBE9F2">
+              <a:alpha val="0"/>
+            </a:srgbClr>
           </a:solidFill>
           <a:ln>
             <a:solidFill>
-              <a:srgbClr val="A4D6EF"/>
+              <a:srgbClr val="DBE9F2">
+                <a:alpha val="0"/>
+              </a:srgbClr>
             </a:solidFill>
           </a:ln>
         </p:spPr>
@@ -11598,20 +11623,36 @@
           </a:fontRef>
         </p:style>
         <p:txBody>
-          <a:bodyPr rtlCol="0" anchor="ctr"/>
-          <a:lstStyle/>
-          <a:p>
-            <a:pPr algn="ctr"/>
-            <a:endParaRPr lang="en-US" sz="4050"/>
-          </a:p>
-        </p:txBody>
-      </p:sp>
-      <p:sp>
-        <p:nvSpPr>
-          <p:cNvPr id="2" name="Rectangle: Rounded Corners 1">
-            <a:extLst>
-              <a:ext uri="{FF2B5EF4-FFF2-40B4-BE49-F238E27FC236}">
-                <a16:creationId xmlns:a16="http://schemas.microsoft.com/office/drawing/2014/main" id="{672C76CB-4462-F143-01DD-D1FFD5EAFD40}"/>
+          <a:bodyPr rtlCol="0" anchor="t"/>
+          <a:lstStyle/>
+          <a:p>
+            <a:pPr marL="342900" indent="-85725">
+              <a:lnSpc>
+                <a:spcPct val="150000"/>
+              </a:lnSpc>
+            </a:pPr>
+            <a:r>
+              <a:rPr lang="en-US" sz="1350" dirty="0">
+                <a:solidFill>
+                  <a:srgbClr val="013B43"/>
+                </a:solidFill>
+              </a:rPr>
+              <a:t>Muži</a:t>
+            </a:r>
+            <a:endParaRPr lang="en-US" sz="1500" dirty="0">
+              <a:solidFill>
+                <a:srgbClr val="013B43"/>
+              </a:solidFill>
+            </a:endParaRPr>
+          </a:p>
+        </p:txBody>
+      </p:sp>
+      <p:sp>
+        <p:nvSpPr>
+          <p:cNvPr id="34" name="Oval 33">
+            <a:extLst>
+              <a:ext uri="{FF2B5EF4-FFF2-40B4-BE49-F238E27FC236}">
+                <a16:creationId xmlns:a16="http://schemas.microsoft.com/office/drawing/2014/main" id="{277BA2DD-D05A-3C23-361A-FDA165A485C2}"/>
               </a:ext>
             </a:extLst>
           </p:cNvPr>
@@ -11620,20 +11661,18 @@
         </p:nvSpPr>
         <p:spPr>
           <a:xfrm>
-            <a:off x="144780" y="99697"/>
-            <a:ext cx="9406605" cy="3455388"/>
-          </a:xfrm>
-          <a:prstGeom prst="roundRect">
-            <a:avLst>
-              <a:gd name="adj" fmla="val 7212"/>
-            </a:avLst>
+            <a:off x="16959663" y="7011953"/>
+            <a:ext cx="171450" cy="171450"/>
+          </a:xfrm>
+          <a:prstGeom prst="ellipse">
+            <a:avLst/>
           </a:prstGeom>
           <a:solidFill>
-            <a:srgbClr val="EDE4DB"/>
+            <a:srgbClr val="A4D6EF"/>
           </a:solidFill>
           <a:ln>
             <a:solidFill>
-              <a:srgbClr val="FCECDC"/>
+              <a:srgbClr val="A4D6EF"/>
             </a:solidFill>
           </a:ln>
         </p:spPr>
@@ -11654,6 +11693,62 @@
           </a:fontRef>
         </p:style>
         <p:txBody>
+          <a:bodyPr rtlCol="0" anchor="ctr"/>
+          <a:lstStyle/>
+          <a:p>
+            <a:pPr algn="ctr"/>
+            <a:endParaRPr lang="en-US" sz="4050" dirty="0"/>
+          </a:p>
+        </p:txBody>
+      </p:sp>
+      <p:sp>
+        <p:nvSpPr>
+          <p:cNvPr id="2" name="Rectangle: Rounded Corners 1">
+            <a:extLst>
+              <a:ext uri="{FF2B5EF4-FFF2-40B4-BE49-F238E27FC236}">
+                <a16:creationId xmlns:a16="http://schemas.microsoft.com/office/drawing/2014/main" id="{DF75879C-7FF3-49E0-06A4-08883BE2AE26}"/>
+              </a:ext>
+            </a:extLst>
+          </p:cNvPr>
+          <p:cNvSpPr/>
+          <p:nvPr/>
+        </p:nvSpPr>
+        <p:spPr>
+          <a:xfrm>
+            <a:off x="144780" y="99697"/>
+            <a:ext cx="9406605" cy="3455388"/>
+          </a:xfrm>
+          <a:prstGeom prst="roundRect">
+            <a:avLst>
+              <a:gd name="adj" fmla="val 7212"/>
+            </a:avLst>
+          </a:prstGeom>
+          <a:solidFill>
+            <a:srgbClr val="FCECDC"/>
+          </a:solidFill>
+          <a:ln>
+            <a:solidFill>
+              <a:srgbClr val="FCECDC"/>
+            </a:solidFill>
+          </a:ln>
+        </p:spPr>
+        <p:style>
+          <a:lnRef idx="2">
+            <a:schemeClr val="accent1">
+              <a:shade val="15000"/>
+            </a:schemeClr>
+          </a:lnRef>
+          <a:fillRef idx="1">
+            <a:schemeClr val="accent1"/>
+          </a:fillRef>
+          <a:effectRef idx="0">
+            <a:schemeClr val="accent1"/>
+          </a:effectRef>
+          <a:fontRef idx="minor">
+            <a:schemeClr val="lt1"/>
+          </a:fontRef>
+        </p:style>
+        <p:txBody>
           <a:bodyPr rtlCol="0" anchor="t"/>
           <a:lstStyle/>
           <a:p>
@@ -11683,58 +11778,13 @@
           </a:p>
           <a:p>
             <a:r>
-              <a:rPr lang="en-US" sz="2100" b="1" dirty="0" err="1">
-                <a:solidFill>
-                  <a:srgbClr val="013B43"/>
-                </a:solidFill>
-                <a:latin typeface="Bahnschrift Light Condensed" panose="020B0502040204020203" pitchFamily="34" charset="0"/>
-              </a:rPr>
-              <a:t>Vyberte</a:t>
-            </a:r>
-            <a:r>
               <a:rPr lang="en-US" sz="2100" b="1" dirty="0">
                 <a:solidFill>
                   <a:srgbClr val="013B43"/>
                 </a:solidFill>
                 <a:latin typeface="Bahnschrift Light Condensed" panose="020B0502040204020203" pitchFamily="34" charset="0"/>
               </a:rPr>
-              <a:t> </a:t>
-            </a:r>
-            <a:r>
-              <a:rPr lang="en-US" sz="2100" b="1" dirty="0" err="1">
-                <a:solidFill>
-                  <a:srgbClr val="013B43"/>
-                </a:solidFill>
-                <a:latin typeface="Bahnschrift Light Condensed" panose="020B0502040204020203" pitchFamily="34" charset="0"/>
-              </a:rPr>
-              <a:t>verejnou</a:t>
-            </a:r>
-            <a:r>
-              <a:rPr lang="en-US" sz="2100" b="1" dirty="0">
-                <a:solidFill>
-                  <a:srgbClr val="013B43"/>
-                </a:solidFill>
-                <a:latin typeface="Bahnschrift Light Condensed" panose="020B0502040204020203" pitchFamily="34" charset="0"/>
-              </a:rPr>
-              <a:t> </a:t>
-            </a:r>
-            <a:r>
-              <a:rPr lang="en-US" sz="2100" b="1" dirty="0" err="1">
-                <a:solidFill>
-                  <a:srgbClr val="013B43"/>
-                </a:solidFill>
-                <a:latin typeface="Bahnschrift Light Condensed" panose="020B0502040204020203" pitchFamily="34" charset="0"/>
-              </a:rPr>
-              <a:t>stranku</a:t>
-            </a:r>
-            <a:r>
-              <a:rPr lang="en-US" sz="2100" b="1" dirty="0">
-                <a:solidFill>
-                  <a:srgbClr val="013B43"/>
-                </a:solidFill>
-                <a:latin typeface="Bahnschrift Light Condensed" panose="020B0502040204020203" pitchFamily="34" charset="0"/>
-              </a:rPr>
-              <a:t>:</a:t>
+              <a:t>Vyberte stránku ze seznamu:</a:t>
             </a:r>
           </a:p>
         </p:txBody>
@@ -11744,7 +11794,7 @@
           <p:cNvPr id="20" name="TextBox 19">
             <a:extLst>
               <a:ext uri="{FF2B5EF4-FFF2-40B4-BE49-F238E27FC236}">
-                <a16:creationId xmlns:a16="http://schemas.microsoft.com/office/drawing/2014/main" id="{607E07E7-177B-DCA1-B201-DB7AA2F01381}"/>
+                <a16:creationId xmlns:a16="http://schemas.microsoft.com/office/drawing/2014/main" id="{F017369F-715F-A26E-F15F-62DF3FF28557}"/>
               </a:ext>
             </a:extLst>
           </p:cNvPr>
@@ -11773,58 +11823,13 @@
               </a:lnSpc>
             </a:pPr>
             <a:r>
-              <a:rPr lang="en-US" sz="1650" b="1" dirty="0" err="1">
-                <a:solidFill>
-                  <a:srgbClr val="013B43"/>
-                </a:solidFill>
-                <a:latin typeface="Bahnschrift Light Condensed" panose="020B0502040204020203" pitchFamily="34" charset="0"/>
-              </a:rPr>
-              <a:t>Regionalni</a:t>
-            </a:r>
-            <a:r>
               <a:rPr lang="en-US" sz="1650" b="1" dirty="0">
                 <a:solidFill>
                   <a:srgbClr val="013B43"/>
                 </a:solidFill>
                 <a:latin typeface="Bahnschrift Light Condensed" panose="020B0502040204020203" pitchFamily="34" charset="0"/>
               </a:rPr>
-              <a:t> </a:t>
-            </a:r>
-            <a:r>
-              <a:rPr lang="en-US" sz="1650" b="1" dirty="0" err="1">
-                <a:solidFill>
-                  <a:srgbClr val="013B43"/>
-                </a:solidFill>
-                <a:latin typeface="Bahnschrift Light Condensed" panose="020B0502040204020203" pitchFamily="34" charset="0"/>
-              </a:rPr>
-              <a:t>rozlozeni</a:t>
-            </a:r>
-            <a:r>
-              <a:rPr lang="en-US" sz="1650" b="1" dirty="0">
-                <a:solidFill>
-                  <a:srgbClr val="013B43"/>
-                </a:solidFill>
-                <a:latin typeface="Bahnschrift Light Condensed" panose="020B0502040204020203" pitchFamily="34" charset="0"/>
-              </a:rPr>
-              <a:t> v </a:t>
-            </a:r>
-            <a:r>
-              <a:rPr lang="en-US" sz="1650" b="1" dirty="0" err="1">
-                <a:solidFill>
-                  <a:srgbClr val="013B43"/>
-                </a:solidFill>
-                <a:latin typeface="Bahnschrift Light Condensed" panose="020B0502040204020203" pitchFamily="34" charset="0"/>
-              </a:rPr>
-              <a:t>Cesku</a:t>
-            </a:r>
-            <a:r>
-              <a:rPr lang="en-US" sz="1650" b="1" dirty="0">
-                <a:solidFill>
-                  <a:srgbClr val="013B43"/>
-                </a:solidFill>
-                <a:latin typeface="Bahnschrift Light Condensed" panose="020B0502040204020203" pitchFamily="34" charset="0"/>
-              </a:rPr>
-              <a:t>:</a:t>
+              <a:t>Regionální rozložení v Česku</a:t>
             </a:r>
           </a:p>
         </p:txBody>
@@ -11834,7 +11839,7 @@
           <p:cNvPr id="24" name="Group 23">
             <a:extLst>
               <a:ext uri="{FF2B5EF4-FFF2-40B4-BE49-F238E27FC236}">
-                <a16:creationId xmlns:a16="http://schemas.microsoft.com/office/drawing/2014/main" id="{DE5F7867-C15D-19F1-5922-D68E85707E5B}"/>
+                <a16:creationId xmlns:a16="http://schemas.microsoft.com/office/drawing/2014/main" id="{0E40F79C-ECB1-6F54-77E6-7EA19311DDC1}"/>
               </a:ext>
             </a:extLst>
           </p:cNvPr>
@@ -11854,7 +11859,7 @@
             <p:cNvPr id="25" name="Rectangle: Rounded Corners 24">
               <a:extLst>
                 <a:ext uri="{FF2B5EF4-FFF2-40B4-BE49-F238E27FC236}">
-                  <a16:creationId xmlns:a16="http://schemas.microsoft.com/office/drawing/2014/main" id="{A91B9B90-3AC5-91D2-9CD1-EA662F0AA0FF}"/>
+                  <a16:creationId xmlns:a16="http://schemas.microsoft.com/office/drawing/2014/main" id="{86BF22BA-BBAC-CFE9-FFE0-F39242D1E637}"/>
                 </a:ext>
               </a:extLst>
             </p:cNvPr>
@@ -11918,7 +11923,7 @@
             <p:cNvPr id="26" name="TextBox 25">
               <a:extLst>
                 <a:ext uri="{FF2B5EF4-FFF2-40B4-BE49-F238E27FC236}">
-                  <a16:creationId xmlns:a16="http://schemas.microsoft.com/office/drawing/2014/main" id="{FAE51F94-1FE1-8CBE-9A48-6BC97FF77263}"/>
+                  <a16:creationId xmlns:a16="http://schemas.microsoft.com/office/drawing/2014/main" id="{891E5C71-A4B2-EE14-6470-209E368736EE}"/>
                 </a:ext>
               </a:extLst>
             </p:cNvPr>
@@ -12037,7 +12042,7 @@
           <p:cNvPr id="5" name="Rectangle: Diagonal Corners Snipped 4">
             <a:extLst>
               <a:ext uri="{FF2B5EF4-FFF2-40B4-BE49-F238E27FC236}">
-                <a16:creationId xmlns:a16="http://schemas.microsoft.com/office/drawing/2014/main" id="{CF0C82A9-58AD-1774-CB95-837D060AB46B}"/>
+                <a16:creationId xmlns:a16="http://schemas.microsoft.com/office/drawing/2014/main" id="{C9DE5366-D9F7-57F6-5D8F-DC14C63C7048}"/>
               </a:ext>
             </a:extLst>
           </p:cNvPr>
@@ -12069,67 +12074,61 @@
               </a:lnSpc>
             </a:pPr>
             <a:r>
-              <a:rPr lang="en-US" sz="1650" b="1" dirty="0" err="1">
-                <a:solidFill>
-                  <a:srgbClr val="013B43"/>
-                </a:solidFill>
-                <a:latin typeface="Bahnschrift Light Condensed" panose="020B0502040204020203" pitchFamily="34" charset="0"/>
-              </a:rPr>
-              <a:t>Porovnani</a:t>
-            </a:r>
-            <a:r>
               <a:rPr lang="en-US" sz="1650" b="1" dirty="0">
                 <a:solidFill>
                   <a:srgbClr val="013B43"/>
                 </a:solidFill>
                 <a:latin typeface="Bahnschrift Light Condensed" panose="020B0502040204020203" pitchFamily="34" charset="0"/>
               </a:rPr>
-              <a:t> </a:t>
-            </a:r>
-            <a:r>
-              <a:rPr lang="en-US" sz="1650" b="1" dirty="0" err="1">
-                <a:solidFill>
-                  <a:srgbClr val="013B43"/>
-                </a:solidFill>
-                <a:latin typeface="Bahnschrift Light Condensed" panose="020B0502040204020203" pitchFamily="34" charset="0"/>
-              </a:rPr>
-              <a:t>napric</a:t>
-            </a:r>
-            <a:r>
-              <a:rPr lang="en-US" sz="1650" b="1" dirty="0">
-                <a:solidFill>
-                  <a:srgbClr val="013B43"/>
-                </a:solidFill>
-                <a:latin typeface="Bahnschrift Light Condensed" panose="020B0502040204020203" pitchFamily="34" charset="0"/>
-              </a:rPr>
-              <a:t> </a:t>
-            </a:r>
-            <a:r>
-              <a:rPr lang="en-US" sz="1650" b="1" dirty="0" err="1">
-                <a:solidFill>
-                  <a:srgbClr val="013B43"/>
-                </a:solidFill>
-                <a:latin typeface="Bahnschrift Light Condensed" panose="020B0502040204020203" pitchFamily="34" charset="0"/>
-              </a:rPr>
-              <a:t>vekovymi</a:t>
-            </a:r>
-            <a:r>
-              <a:rPr lang="en-US" sz="1650" b="1" dirty="0">
-                <a:solidFill>
-                  <a:srgbClr val="013B43"/>
-                </a:solidFill>
-                <a:latin typeface="Bahnschrift Light Condensed" panose="020B0502040204020203" pitchFamily="34" charset="0"/>
-              </a:rPr>
-              <a:t> </a:t>
-            </a:r>
-            <a:r>
-              <a:rPr lang="en-US" sz="1650" b="1" dirty="0" err="1">
-                <a:solidFill>
-                  <a:srgbClr val="013B43"/>
-                </a:solidFill>
-                <a:latin typeface="Bahnschrift Light Condensed" panose="020B0502040204020203" pitchFamily="34" charset="0"/>
-              </a:rPr>
-              <a:t>skupinami</a:t>
+              <a:t>Porovnání napříč věkovými skupinami</a:t>
+            </a:r>
+          </a:p>
+        </p:txBody>
+      </p:sp>
+      <p:sp>
+        <p:nvSpPr>
+          <p:cNvPr id="16" name="Rectangle: Diagonal Corners Snipped 15">
+            <a:extLst>
+              <a:ext uri="{FF2B5EF4-FFF2-40B4-BE49-F238E27FC236}">
+                <a16:creationId xmlns:a16="http://schemas.microsoft.com/office/drawing/2014/main" id="{F146F538-2F00-FC72-6FC1-E5C8B71FBA1E}"/>
+              </a:ext>
+            </a:extLst>
+          </p:cNvPr>
+          <p:cNvSpPr/>
+          <p:nvPr/>
+        </p:nvSpPr>
+        <p:spPr>
+          <a:xfrm>
+            <a:off x="5180811" y="3679755"/>
+            <a:ext cx="4503894" cy="513543"/>
+          </a:xfrm>
+          <a:prstGeom prst="snip2DiagRect">
+            <a:avLst>
+              <a:gd name="adj1" fmla="val 0"/>
+              <a:gd name="adj2" fmla="val 16667"/>
+            </a:avLst>
+          </a:prstGeom>
+          <a:noFill/>
+        </p:spPr>
+        <p:txBody>
+          <a:bodyPr wrap="square" rtlCol="0">
+            <a:spAutoFit/>
+          </a:bodyPr>
+          <a:lstStyle/>
+          <a:p>
+            <a:pPr>
+              <a:lnSpc>
+                <a:spcPct val="150000"/>
+              </a:lnSpc>
+            </a:pPr>
+            <a:r>
+              <a:rPr lang="pt-BR" sz="1650" b="1" dirty="0">
+                <a:solidFill>
+                  <a:srgbClr val="013B43"/>
+                </a:solidFill>
+                <a:latin typeface="Bahnschrift Light Condensed" panose="020B0502040204020203" pitchFamily="34" charset="0"/>
+              </a:rPr>
+              <a:t>O čem se píše nejvíce</a:t>
             </a:r>
             <a:endParaRPr lang="en-US" sz="1650" b="1" dirty="0">
               <a:solidFill>
@@ -12142,26 +12141,23 @@
       </p:sp>
       <p:sp>
         <p:nvSpPr>
-          <p:cNvPr id="16" name="Rectangle: Diagonal Corners Snipped 15">
-            <a:extLst>
-              <a:ext uri="{FF2B5EF4-FFF2-40B4-BE49-F238E27FC236}">
-                <a16:creationId xmlns:a16="http://schemas.microsoft.com/office/drawing/2014/main" id="{D4E1C079-1B21-6731-40E6-A1E55884C302}"/>
-              </a:ext>
-            </a:extLst>
-          </p:cNvPr>
-          <p:cNvSpPr/>
-          <p:nvPr/>
-        </p:nvSpPr>
-        <p:spPr>
-          <a:xfrm>
-            <a:off x="5180811" y="3679755"/>
-            <a:ext cx="4503894" cy="513543"/>
-          </a:xfrm>
-          <a:prstGeom prst="snip2DiagRect">
-            <a:avLst>
-              <a:gd name="adj1" fmla="val 0"/>
-              <a:gd name="adj2" fmla="val 16667"/>
-            </a:avLst>
+          <p:cNvPr id="29" name="TextBox 28">
+            <a:extLst>
+              <a:ext uri="{FF2B5EF4-FFF2-40B4-BE49-F238E27FC236}">
+                <a16:creationId xmlns:a16="http://schemas.microsoft.com/office/drawing/2014/main" id="{9B05EE6E-49B9-437D-4EF7-9A0CF639C7DA}"/>
+              </a:ext>
+            </a:extLst>
+          </p:cNvPr>
+          <p:cNvSpPr txBox="1"/>
+          <p:nvPr/>
+        </p:nvSpPr>
+        <p:spPr>
+          <a:xfrm>
+            <a:off x="4966132" y="99695"/>
+            <a:ext cx="4585253" cy="501997"/>
+          </a:xfrm>
+          <a:prstGeom prst="rect">
+            <a:avLst/>
           </a:prstGeom>
           <a:noFill/>
         </p:spPr>
@@ -12177,121 +12173,13 @@
               </a:lnSpc>
             </a:pPr>
             <a:r>
-              <a:rPr lang="en-US" sz="1650" b="1" dirty="0">
-                <a:solidFill>
-                  <a:srgbClr val="013B43"/>
-                </a:solidFill>
-                <a:latin typeface="Bahnschrift Light Condensed" panose="020B0502040204020203" pitchFamily="34" charset="0"/>
-              </a:rPr>
-              <a:t>O cem se </a:t>
-            </a:r>
-            <a:r>
-              <a:rPr lang="en-US" sz="1650" b="1" dirty="0" err="1">
-                <a:solidFill>
-                  <a:srgbClr val="013B43"/>
-                </a:solidFill>
-                <a:latin typeface="Bahnschrift Light Condensed" panose="020B0502040204020203" pitchFamily="34" charset="0"/>
-              </a:rPr>
-              <a:t>pise</a:t>
-            </a:r>
-            <a:r>
-              <a:rPr lang="en-US" sz="1650" b="1" dirty="0">
-                <a:solidFill>
-                  <a:srgbClr val="013B43"/>
-                </a:solidFill>
-                <a:latin typeface="Bahnschrift Light Condensed" panose="020B0502040204020203" pitchFamily="34" charset="0"/>
-              </a:rPr>
-              <a:t> </a:t>
-            </a:r>
-            <a:r>
-              <a:rPr lang="en-US" sz="1650" b="1" dirty="0" err="1">
-                <a:solidFill>
-                  <a:srgbClr val="013B43"/>
-                </a:solidFill>
-                <a:latin typeface="Bahnschrift Light Condensed" panose="020B0502040204020203" pitchFamily="34" charset="0"/>
-              </a:rPr>
-              <a:t>nejvice</a:t>
-            </a:r>
-            <a:r>
-              <a:rPr lang="en-US" sz="1650" b="1" dirty="0">
-                <a:solidFill>
-                  <a:srgbClr val="013B43"/>
-                </a:solidFill>
-                <a:latin typeface="Bahnschrift Light Condensed" panose="020B0502040204020203" pitchFamily="34" charset="0"/>
-              </a:rPr>
-              <a:t>:</a:t>
-            </a:r>
-          </a:p>
-        </p:txBody>
-      </p:sp>
-      <p:sp>
-        <p:nvSpPr>
-          <p:cNvPr id="29" name="TextBox 28">
-            <a:extLst>
-              <a:ext uri="{FF2B5EF4-FFF2-40B4-BE49-F238E27FC236}">
-                <a16:creationId xmlns:a16="http://schemas.microsoft.com/office/drawing/2014/main" id="{35B85E4F-DF7D-A450-25B0-539DC1A0634D}"/>
-              </a:ext>
-            </a:extLst>
-          </p:cNvPr>
-          <p:cNvSpPr txBox="1"/>
-          <p:nvPr/>
-        </p:nvSpPr>
-        <p:spPr>
-          <a:xfrm>
-            <a:off x="4966132" y="99695"/>
-            <a:ext cx="4585253" cy="499880"/>
-          </a:xfrm>
-          <a:prstGeom prst="rect">
-            <a:avLst/>
-          </a:prstGeom>
-          <a:noFill/>
-        </p:spPr>
-        <p:txBody>
-          <a:bodyPr wrap="square" rtlCol="0">
-            <a:spAutoFit/>
-          </a:bodyPr>
-          <a:lstStyle/>
-          <a:p>
-            <a:pPr>
-              <a:lnSpc>
-                <a:spcPct val="150000"/>
-              </a:lnSpc>
-            </a:pPr>
-            <a:r>
-              <a:rPr lang="en-US" sz="2000" dirty="0" err="1">
-                <a:solidFill>
-                  <a:srgbClr val="013B43"/>
-                </a:solidFill>
-                <a:latin typeface="Bahnschrift Light Condensed" panose="020B0502040204020203" pitchFamily="34" charset="0"/>
-              </a:rPr>
-              <a:t>Poslednich</a:t>
-            </a:r>
-            <a:r>
-              <a:rPr lang="en-US" sz="2000" dirty="0">
-                <a:solidFill>
-                  <a:srgbClr val="013B43"/>
-                </a:solidFill>
-                <a:latin typeface="Bahnschrift Light Condensed" panose="020B0502040204020203" pitchFamily="34" charset="0"/>
-              </a:rPr>
-              <a:t> 12 </a:t>
-            </a:r>
-            <a:r>
-              <a:rPr lang="en-US" sz="2000" dirty="0" err="1">
-                <a:solidFill>
-                  <a:srgbClr val="013B43"/>
-                </a:solidFill>
-                <a:latin typeface="Bahnschrift Light Condensed" panose="020B0502040204020203" pitchFamily="34" charset="0"/>
-              </a:rPr>
-              <a:t>mesicu</a:t>
-            </a:r>
-            <a:r>
               <a:rPr lang="en-US" sz="2000" b="1" dirty="0">
                 <a:solidFill>
                   <a:srgbClr val="013B43"/>
                 </a:solidFill>
                 <a:latin typeface="Bahnschrift Light Condensed" panose="020B0502040204020203" pitchFamily="34" charset="0"/>
               </a:rPr>
-              <a:t>:</a:t>
+              <a:t>Posledních 12 měsíců:</a:t>
             </a:r>
           </a:p>
         </p:txBody>
@@ -12301,7 +12189,7 @@
           <p:cNvPr id="37" name="Rectangle: Diagonal Corners Rounded 36">
             <a:extLst>
               <a:ext uri="{FF2B5EF4-FFF2-40B4-BE49-F238E27FC236}">
-                <a16:creationId xmlns:a16="http://schemas.microsoft.com/office/drawing/2014/main" id="{10A16262-F3ED-8C1F-B262-77DFAD27BCE2}"/>
+                <a16:creationId xmlns:a16="http://schemas.microsoft.com/office/drawing/2014/main" id="{F508D039-0C82-C28E-2045-91E1A4968D63}"/>
               </a:ext>
             </a:extLst>
           </p:cNvPr>
@@ -12320,11 +12208,13 @@
             </a:avLst>
           </a:prstGeom>
           <a:solidFill>
-            <a:srgbClr val="EDE4DB"/>
+            <a:srgbClr val="FCECDC">
+              <a:alpha val="66000"/>
+            </a:srgbClr>
           </a:solidFill>
           <a:ln w="15875">
             <a:solidFill>
-              <a:srgbClr val="FCECDC"/>
+              <a:schemeClr val="bg1"/>
             </a:solidFill>
           </a:ln>
         </p:spPr>
@@ -12362,7 +12252,7 @@
           <p:cNvPr id="38" name="TextBox 37">
             <a:extLst>
               <a:ext uri="{FF2B5EF4-FFF2-40B4-BE49-F238E27FC236}">
-                <a16:creationId xmlns:a16="http://schemas.microsoft.com/office/drawing/2014/main" id="{3B2950C6-00A1-006B-B3F1-89B69CFA7E84}"/>
+                <a16:creationId xmlns:a16="http://schemas.microsoft.com/office/drawing/2014/main" id="{06931DD7-CA4A-5BA6-BE93-F3EAD3405065}"/>
               </a:ext>
             </a:extLst>
           </p:cNvPr>
@@ -12391,22 +12281,13 @@
               </a:lnSpc>
             </a:pPr>
             <a:r>
-              <a:rPr lang="en-US" sz="1650" b="1" dirty="0" err="1">
-                <a:solidFill>
-                  <a:srgbClr val="013B43"/>
-                </a:solidFill>
-                <a:latin typeface="Bahnschrift Light Condensed" panose="020B0502040204020203" pitchFamily="34" charset="0"/>
-              </a:rPr>
-              <a:t>Zacileni</a:t>
-            </a:r>
-            <a:r>
               <a:rPr lang="en-US" sz="1650" b="1" dirty="0">
                 <a:solidFill>
                   <a:srgbClr val="013B43"/>
                 </a:solidFill>
                 <a:latin typeface="Bahnschrift Light Condensed" panose="020B0502040204020203" pitchFamily="34" charset="0"/>
               </a:rPr>
-              <a:t>:</a:t>
+              <a:t>Zacílení:</a:t>
             </a:r>
           </a:p>
         </p:txBody>
@@ -12416,7 +12297,7 @@
           <p:cNvPr id="39" name="TextBox 38">
             <a:extLst>
               <a:ext uri="{FF2B5EF4-FFF2-40B4-BE49-F238E27FC236}">
-                <a16:creationId xmlns:a16="http://schemas.microsoft.com/office/drawing/2014/main" id="{E1D66071-1453-E651-D6DF-D75A33C93BDD}"/>
+                <a16:creationId xmlns:a16="http://schemas.microsoft.com/office/drawing/2014/main" id="{92638302-33E0-D583-CFF3-B54E5CBAA150}"/>
               </a:ext>
             </a:extLst>
           </p:cNvPr>
@@ -12445,50 +12326,59 @@
               </a:lnSpc>
             </a:pPr>
             <a:r>
-              <a:rPr lang="en-US" sz="1650" b="1" dirty="0" err="1">
-                <a:solidFill>
-                  <a:srgbClr val="013B43"/>
-                </a:solidFill>
-                <a:latin typeface="Bahnschrift Light Condensed" panose="020B0502040204020203" pitchFamily="34" charset="0"/>
-              </a:rPr>
-              <a:t>Kdo</a:t>
-            </a:r>
-            <a:r>
               <a:rPr lang="en-US" sz="1650" b="1" dirty="0">
                 <a:solidFill>
                   <a:srgbClr val="013B43"/>
                 </a:solidFill>
                 <a:latin typeface="Bahnschrift Light Condensed" panose="020B0502040204020203" pitchFamily="34" charset="0"/>
               </a:rPr>
-              <a:t> za to </a:t>
-            </a:r>
-            <a:r>
-              <a:rPr lang="en-US" sz="1650" b="1" dirty="0" err="1">
-                <a:solidFill>
-                  <a:srgbClr val="013B43"/>
-                </a:solidFill>
-                <a:latin typeface="Bahnschrift Light Condensed" panose="020B0502040204020203" pitchFamily="34" charset="0"/>
-              </a:rPr>
-              <a:t>plati</a:t>
-            </a:r>
-            <a:r>
-              <a:rPr lang="en-US" sz="1650" b="1" dirty="0">
-                <a:solidFill>
-                  <a:srgbClr val="013B43"/>
-                </a:solidFill>
-                <a:latin typeface="Bahnschrift Light Condensed" panose="020B0502040204020203" pitchFamily="34" charset="0"/>
-              </a:rPr>
-              <a:t>:</a:t>
-            </a:r>
-          </a:p>
-        </p:txBody>
-      </p:sp>
-      <p:sp>
-        <p:nvSpPr>
-          <p:cNvPr id="8" name="Rectangle: Rounded Corners 7">
-            <a:extLst>
-              <a:ext uri="{FF2B5EF4-FFF2-40B4-BE49-F238E27FC236}">
-                <a16:creationId xmlns:a16="http://schemas.microsoft.com/office/drawing/2014/main" id="{8EF030D0-0616-CD2A-EA32-5EC07A970B10}"/>
+              <a:t>Kdo za to platí:</a:t>
+            </a:r>
+          </a:p>
+        </p:txBody>
+      </p:sp>
+    </p:spTree>
+    <p:extLst>
+      <p:ext uri="{BB962C8B-B14F-4D97-AF65-F5344CB8AC3E}">
+        <p14:creationId xmlns:p14="http://schemas.microsoft.com/office/powerpoint/2010/main" val="3618598096"/>
+      </p:ext>
+    </p:extLst>
+  </p:cSld>
+  <p:clrMapOvr>
+    <a:masterClrMapping/>
+  </p:clrMapOvr>
+</p:sld>
+</file>
+
+<file path=ppt/slides/slide7.xml><?xml version="1.0" encoding="utf-8"?>
+<p:sld xmlns:a="http://schemas.openxmlformats.org/drawingml/2006/main" xmlns:r="http://schemas.openxmlformats.org/officeDocument/2006/relationships" xmlns:p="http://schemas.openxmlformats.org/presentationml/2006/main">
+  <p:cSld>
+    <p:spTree>
+      <p:nvGrpSpPr>
+        <p:cNvPr id="1" name="">
+          <a:extLst>
+            <a:ext uri="{FF2B5EF4-FFF2-40B4-BE49-F238E27FC236}">
+              <a16:creationId xmlns:a16="http://schemas.microsoft.com/office/drawing/2014/main" id="{F4D03819-640B-6D69-F866-DC4D7F6070CF}"/>
+            </a:ext>
+          </a:extLst>
+        </p:cNvPr>
+        <p:cNvGrpSpPr/>
+        <p:nvPr/>
+      </p:nvGrpSpPr>
+      <p:grpSpPr>
+        <a:xfrm>
+          <a:off x="0" y="0"/>
+          <a:ext cx="0" cy="0"/>
+          <a:chOff x="0" y="0"/>
+          <a:chExt cx="0" cy="0"/>
+        </a:xfrm>
+      </p:grpSpPr>
+      <p:sp>
+        <p:nvSpPr>
+          <p:cNvPr id="58" name="Rectangle: Rounded Corners 57">
+            <a:extLst>
+              <a:ext uri="{FF2B5EF4-FFF2-40B4-BE49-F238E27FC236}">
+                <a16:creationId xmlns:a16="http://schemas.microsoft.com/office/drawing/2014/main" id="{F4F29EDB-87D3-6D7C-5A53-4AA0A0C55A3F}"/>
               </a:ext>
             </a:extLst>
           </p:cNvPr>
@@ -12497,20 +12387,20 @@
         </p:nvSpPr>
         <p:spPr>
           <a:xfrm>
-            <a:off x="144780" y="2647951"/>
-            <a:ext cx="4930140" cy="7539354"/>
+            <a:off x="9595820" y="6338280"/>
+            <a:ext cx="8547402" cy="3828626"/>
           </a:xfrm>
           <a:prstGeom prst="roundRect">
             <a:avLst>
-              <a:gd name="adj" fmla="val 7212"/>
+              <a:gd name="adj" fmla="val 13371"/>
             </a:avLst>
           </a:prstGeom>
           <a:solidFill>
-            <a:srgbClr val="EDE4DB"/>
+            <a:srgbClr val="FCECDC"/>
           </a:solidFill>
           <a:ln>
             <a:solidFill>
-              <a:srgbClr val="EDE4DB"/>
+              <a:schemeClr val="bg1"/>
             </a:solidFill>
           </a:ln>
         </p:spPr>
@@ -12531,64 +12421,24 @@
           </a:fontRef>
         </p:style>
         <p:txBody>
-          <a:bodyPr rtlCol="0" anchor="ctr"/>
-          <a:lstStyle/>
-          <a:p>
-            <a:pPr algn="ctr"/>
-            <a:endParaRPr lang="en-US" sz="4050" dirty="0"/>
-          </a:p>
-        </p:txBody>
-      </p:sp>
-    </p:spTree>
-    <p:extLst>
-      <p:ext uri="{BB962C8B-B14F-4D97-AF65-F5344CB8AC3E}">
-        <p14:creationId xmlns:p14="http://schemas.microsoft.com/office/powerpoint/2010/main" val="2870598814"/>
-      </p:ext>
-    </p:extLst>
-  </p:cSld>
-  <p:clrMapOvr>
-    <a:masterClrMapping/>
-  </p:clrMapOvr>
-</p:sld>
-</file>
-
-<file path=ppt/slides/slide7.xml><?xml version="1.0" encoding="utf-8"?>
-<p:sld xmlns:a="http://schemas.openxmlformats.org/drawingml/2006/main" xmlns:r="http://schemas.openxmlformats.org/officeDocument/2006/relationships" xmlns:p="http://schemas.openxmlformats.org/presentationml/2006/main">
-  <p:cSld>
-    <p:bg>
-      <p:bgPr>
-        <a:solidFill>
-          <a:srgbClr val="FCECDC"/>
-        </a:solidFill>
-        <a:effectLst/>
-      </p:bgPr>
-    </p:bg>
-    <p:spTree>
-      <p:nvGrpSpPr>
-        <p:cNvPr id="1" name="">
-          <a:extLst>
-            <a:ext uri="{FF2B5EF4-FFF2-40B4-BE49-F238E27FC236}">
-              <a16:creationId xmlns:a16="http://schemas.microsoft.com/office/drawing/2014/main" id="{34E40F0E-02C1-00A5-31EB-0D236424FC0A}"/>
-            </a:ext>
-          </a:extLst>
-        </p:cNvPr>
-        <p:cNvGrpSpPr/>
-        <p:nvPr/>
-      </p:nvGrpSpPr>
-      <p:grpSpPr>
-        <a:xfrm>
-          <a:off x="0" y="0"/>
-          <a:ext cx="0" cy="0"/>
-          <a:chOff x="0" y="0"/>
-          <a:chExt cx="0" cy="0"/>
-        </a:xfrm>
-      </p:grpSpPr>
-      <p:sp>
-        <p:nvSpPr>
-          <p:cNvPr id="58" name="Rectangle: Rounded Corners 57">
-            <a:extLst>
-              <a:ext uri="{FF2B5EF4-FFF2-40B4-BE49-F238E27FC236}">
-                <a16:creationId xmlns:a16="http://schemas.microsoft.com/office/drawing/2014/main" id="{40C4F68B-6C07-DDCB-5F97-6E921BF8C274}"/>
+          <a:bodyPr rtlCol="0" anchor="t"/>
+          <a:lstStyle/>
+          <a:p>
+            <a:endParaRPr lang="en-US" sz="3600" dirty="0">
+              <a:solidFill>
+                <a:srgbClr val="013B43"/>
+              </a:solidFill>
+              <a:latin typeface="Bahnschrift Light Condensed" panose="020B0502040204020203" pitchFamily="34" charset="0"/>
+            </a:endParaRPr>
+          </a:p>
+        </p:txBody>
+      </p:sp>
+      <p:sp>
+        <p:nvSpPr>
+          <p:cNvPr id="60" name="Rectangle: Rounded Corners 59">
+            <a:extLst>
+              <a:ext uri="{FF2B5EF4-FFF2-40B4-BE49-F238E27FC236}">
+                <a16:creationId xmlns:a16="http://schemas.microsoft.com/office/drawing/2014/main" id="{3EDAC731-C3F4-B693-B374-7DB714AFABC4}"/>
               </a:ext>
             </a:extLst>
           </p:cNvPr>
@@ -12597,8 +12447,8 @@
         </p:nvSpPr>
         <p:spPr>
           <a:xfrm>
-            <a:off x="9595820" y="6338280"/>
-            <a:ext cx="8547402" cy="3828626"/>
+            <a:off x="102885" y="6338279"/>
+            <a:ext cx="9347916" cy="3828626"/>
           </a:xfrm>
           <a:prstGeom prst="roundRect">
             <a:avLst>
@@ -12606,11 +12456,11 @@
             </a:avLst>
           </a:prstGeom>
           <a:solidFill>
-            <a:srgbClr val="EDE4DB"/>
+            <a:srgbClr val="FCECDC"/>
           </a:solidFill>
           <a:ln>
             <a:solidFill>
-              <a:srgbClr val="FCECDC"/>
+              <a:schemeClr val="bg1"/>
             </a:solidFill>
           </a:ln>
         </p:spPr>
@@ -12645,10 +12495,10 @@
       </p:sp>
       <p:sp>
         <p:nvSpPr>
-          <p:cNvPr id="60" name="Rectangle: Rounded Corners 59">
-            <a:extLst>
-              <a:ext uri="{FF2B5EF4-FFF2-40B4-BE49-F238E27FC236}">
-                <a16:creationId xmlns:a16="http://schemas.microsoft.com/office/drawing/2014/main" id="{D1BC634E-2861-95F0-3299-77F5D5F3442E}"/>
+          <p:cNvPr id="30" name="Rectangle: Rounded Corners 29">
+            <a:extLst>
+              <a:ext uri="{FF2B5EF4-FFF2-40B4-BE49-F238E27FC236}">
+                <a16:creationId xmlns:a16="http://schemas.microsoft.com/office/drawing/2014/main" id="{A5301E33-A784-8959-5FE0-2BDE53F4C25C}"/>
               </a:ext>
             </a:extLst>
           </p:cNvPr>
@@ -12657,21 +12507,19 @@
         </p:nvSpPr>
         <p:spPr>
           <a:xfrm>
-            <a:off x="102885" y="6338279"/>
-            <a:ext cx="9347916" cy="3828626"/>
+            <a:off x="102886" y="85476"/>
+            <a:ext cx="17983331" cy="6166449"/>
           </a:xfrm>
           <a:prstGeom prst="roundRect">
             <a:avLst>
-              <a:gd name="adj" fmla="val 13371"/>
+              <a:gd name="adj" fmla="val 11823"/>
             </a:avLst>
           </a:prstGeom>
           <a:solidFill>
-            <a:srgbClr val="EDE4DB"/>
+            <a:srgbClr val="FCECDC"/>
           </a:solidFill>
           <a:ln>
-            <a:solidFill>
-              <a:srgbClr val="FCECDC"/>
-            </a:solidFill>
+            <a:noFill/>
           </a:ln>
         </p:spPr>
         <p:style>
@@ -12694,7 +12542,7 @@
           <a:bodyPr rtlCol="0" anchor="t"/>
           <a:lstStyle/>
           <a:p>
-            <a:endParaRPr lang="en-US" sz="3600" dirty="0">
+            <a:endParaRPr lang="en-US" sz="2100" dirty="0">
               <a:solidFill>
                 <a:srgbClr val="013B43"/>
               </a:solidFill>
@@ -12705,10 +12553,10 @@
       </p:sp>
       <p:sp>
         <p:nvSpPr>
-          <p:cNvPr id="30" name="Rectangle: Rounded Corners 29">
-            <a:extLst>
-              <a:ext uri="{FF2B5EF4-FFF2-40B4-BE49-F238E27FC236}">
-                <a16:creationId xmlns:a16="http://schemas.microsoft.com/office/drawing/2014/main" id="{F5B14CBD-4D3A-8567-ED5A-48C1A5243E94}"/>
+          <p:cNvPr id="20" name="Rectangle: Rounded Corners 19">
+            <a:extLst>
+              <a:ext uri="{FF2B5EF4-FFF2-40B4-BE49-F238E27FC236}">
+                <a16:creationId xmlns:a16="http://schemas.microsoft.com/office/drawing/2014/main" id="{710A5FFC-AE0F-BF83-3AFA-CCA1D5328D41}"/>
               </a:ext>
             </a:extLst>
           </p:cNvPr>
@@ -12717,19 +12565,23 @@
         </p:nvSpPr>
         <p:spPr>
           <a:xfrm>
-            <a:off x="102886" y="85476"/>
-            <a:ext cx="17983331" cy="6166449"/>
+            <a:off x="9595820" y="85476"/>
+            <a:ext cx="8547402" cy="6166450"/>
           </a:xfrm>
           <a:prstGeom prst="roundRect">
             <a:avLst>
-              <a:gd name="adj" fmla="val 11823"/>
+              <a:gd name="adj" fmla="val 13371"/>
             </a:avLst>
           </a:prstGeom>
           <a:solidFill>
-            <a:srgbClr val="EDE4DB"/>
+            <a:srgbClr val="FCECDC">
+              <a:alpha val="66000"/>
+            </a:srgbClr>
           </a:solidFill>
           <a:ln>
-            <a:noFill/>
+            <a:solidFill>
+              <a:schemeClr val="bg1"/>
+            </a:solidFill>
           </a:ln>
         </p:spPr>
         <p:style>
@@ -12752,66 +12604,6 @@
           <a:bodyPr rtlCol="0" anchor="t"/>
           <a:lstStyle/>
           <a:p>
-            <a:endParaRPr lang="en-US" sz="2100" dirty="0">
-              <a:solidFill>
-                <a:srgbClr val="013B43"/>
-              </a:solidFill>
-              <a:latin typeface="Bahnschrift Light Condensed" panose="020B0502040204020203" pitchFamily="34" charset="0"/>
-            </a:endParaRPr>
-          </a:p>
-        </p:txBody>
-      </p:sp>
-      <p:sp>
-        <p:nvSpPr>
-          <p:cNvPr id="20" name="Rectangle: Rounded Corners 19">
-            <a:extLst>
-              <a:ext uri="{FF2B5EF4-FFF2-40B4-BE49-F238E27FC236}">
-                <a16:creationId xmlns:a16="http://schemas.microsoft.com/office/drawing/2014/main" id="{01A71362-AEF6-F485-7CE2-E4B8D4423284}"/>
-              </a:ext>
-            </a:extLst>
-          </p:cNvPr>
-          <p:cNvSpPr/>
-          <p:nvPr/>
-        </p:nvSpPr>
-        <p:spPr>
-          <a:xfrm>
-            <a:off x="9595820" y="85476"/>
-            <a:ext cx="8547402" cy="6166450"/>
-          </a:xfrm>
-          <a:prstGeom prst="roundRect">
-            <a:avLst>
-              <a:gd name="adj" fmla="val 13371"/>
-            </a:avLst>
-          </a:prstGeom>
-          <a:solidFill>
-            <a:srgbClr val="EDE4DB"/>
-          </a:solidFill>
-          <a:ln>
-            <a:solidFill>
-              <a:srgbClr val="FCECDC"/>
-            </a:solidFill>
-          </a:ln>
-        </p:spPr>
-        <p:style>
-          <a:lnRef idx="2">
-            <a:schemeClr val="accent1">
-              <a:shade val="15000"/>
-            </a:schemeClr>
-          </a:lnRef>
-          <a:fillRef idx="1">
-            <a:schemeClr val="accent1"/>
-          </a:fillRef>
-          <a:effectRef idx="0">
-            <a:schemeClr val="accent1"/>
-          </a:effectRef>
-          <a:fontRef idx="minor">
-            <a:schemeClr val="lt1"/>
-          </a:fontRef>
-        </p:style>
-        <p:txBody>
-          <a:bodyPr rtlCol="0" anchor="t"/>
-          <a:lstStyle/>
-          <a:p>
             <a:endParaRPr lang="en-US" sz="3600" dirty="0">
               <a:solidFill>
                 <a:srgbClr val="013B43"/>
@@ -12826,7 +12618,7 @@
           <p:cNvPr id="21" name="TextBox 20">
             <a:extLst>
               <a:ext uri="{FF2B5EF4-FFF2-40B4-BE49-F238E27FC236}">
-                <a16:creationId xmlns:a16="http://schemas.microsoft.com/office/drawing/2014/main" id="{3A7A701C-A822-5F2B-9627-D8C5E17A61A9}"/>
+                <a16:creationId xmlns:a16="http://schemas.microsoft.com/office/drawing/2014/main" id="{3E4FFB54-3756-E8E4-D96E-A440FDB3CE1F}"/>
               </a:ext>
             </a:extLst>
           </p:cNvPr>
@@ -12836,7 +12628,7 @@
         <p:spPr>
           <a:xfrm>
             <a:off x="10082802" y="1189013"/>
-            <a:ext cx="8003415" cy="4042260"/>
+            <a:ext cx="8003415" cy="4434868"/>
           </a:xfrm>
           <a:prstGeom prst="rect">
             <a:avLst/>
@@ -12864,7 +12656,7 @@
                 </a:solidFill>
                 <a:latin typeface="Bahnschrift Light Condensed" panose="020B0502040204020203" pitchFamily="34" charset="0"/>
               </a:rPr>
-              <a:t>Page name = </a:t>
+              <a:t>Název stránky = </a:t>
             </a:r>
             <a:r>
               <a:rPr lang="en-US" sz="1575" dirty="0">
@@ -12873,7 +12665,7 @@
                 </a:solidFill>
                 <a:latin typeface="Bahnschrift Light Condensed" panose="020B0502040204020203" pitchFamily="34" charset="0"/>
               </a:rPr>
-              <a:t>Name of the Facebook Page which ran the ad</a:t>
+              <a:t>Název stránky na Facebooku, na které se reklama zobrazila</a:t>
             </a:r>
           </a:p>
           <a:p>
@@ -12889,7 +12681,7 @@
                 </a:solidFill>
                 <a:latin typeface="Bahnschrift Light Condensed" panose="020B0502040204020203" pitchFamily="34" charset="0"/>
               </a:rPr>
-              <a:t>Byline = </a:t>
+              <a:t>Sponsor = </a:t>
             </a:r>
             <a:r>
               <a:rPr lang="en-US" sz="1575" dirty="0">
@@ -12898,7 +12690,7 @@
                 </a:solidFill>
                 <a:latin typeface="Bahnschrift Light Condensed" panose="020B0502040204020203" pitchFamily="34" charset="0"/>
               </a:rPr>
-              <a:t>the name of the person, company, or entity that provided funding for the ad</a:t>
+              <a:t>jméno osoby, společnosti nebo subjektu, který poskytl finance na reklamu</a:t>
             </a:r>
           </a:p>
           <a:p>
@@ -12914,7 +12706,7 @@
                 </a:solidFill>
                 <a:latin typeface="Bahnschrift Light Condensed" panose="020B0502040204020203" pitchFamily="34" charset="0"/>
               </a:rPr>
-              <a:t>Content of the ad creative = </a:t>
+              <a:t>Obsah reklamy = </a:t>
             </a:r>
             <a:r>
               <a:rPr lang="en-US" sz="1575" dirty="0">
@@ -12923,7 +12715,7 @@
                 </a:solidFill>
                 <a:latin typeface="Bahnschrift Light Condensed" panose="020B0502040204020203" pitchFamily="34" charset="0"/>
               </a:rPr>
-              <a:t>A list of the text which displays in each unique ad card of the ad</a:t>
+              <a:t>seznam textu, který se zobrazuje na každé jedinečné reklamní kartě reklamy</a:t>
             </a:r>
           </a:p>
           <a:p>
@@ -12939,7 +12731,7 @@
                 </a:solidFill>
                 <a:latin typeface="Bahnschrift Light Condensed" panose="020B0502040204020203" pitchFamily="34" charset="0"/>
               </a:rPr>
-              <a:t>Ad delivery dates = </a:t>
+              <a:t>Datumy týkající se reklamy = </a:t>
             </a:r>
             <a:r>
               <a:rPr lang="en-US" sz="1575" dirty="0">
@@ -12948,35 +12740,7 @@
                 </a:solidFill>
                 <a:latin typeface="Bahnschrift Light Condensed" panose="020B0502040204020203" pitchFamily="34" charset="0"/>
               </a:rPr>
-              <a:t>Date and time when an advertiser wants to start and  stop delivery of the ad</a:t>
-            </a:r>
-          </a:p>
-          <a:p>
-            <a:pPr>
-              <a:lnSpc>
-                <a:spcPct val="150000"/>
-              </a:lnSpc>
-              <a:tabLst>
-                <a:tab pos="685800" algn="l"/>
-              </a:tabLst>
-            </a:pPr>
-            <a:r>
-              <a:rPr lang="en-US" sz="1575" b="1" dirty="0">
-                <a:solidFill>
-                  <a:srgbClr val="013B43"/>
-                </a:solidFill>
-                <a:latin typeface="Bahnschrift Light Condensed" panose="020B0502040204020203" pitchFamily="34" charset="0"/>
-              </a:rPr>
-              <a:t>Demographic information, such as age, gender and location (%) = </a:t>
-            </a:r>
-            <a:r>
-              <a:rPr lang="en-US" sz="1575" dirty="0">
-                <a:solidFill>
-                  <a:srgbClr val="013B43"/>
-                </a:solidFill>
-                <a:latin typeface="Bahnschrift Light Condensed" panose="020B0502040204020203" pitchFamily="34" charset="0"/>
-              </a:rPr>
-              <a:t>aggregated demographic data based on a number 	of factors, including information users provide in their Facebook profile</a:t>
+              <a:t>Datum a čas, kdy chce inzerent zahájit a zastavit zobrazování reklamy</a:t>
             </a:r>
           </a:p>
           <a:p>
@@ -12992,7 +12756,7 @@
                 </a:solidFill>
                 <a:latin typeface="Bahnschrift Light Condensed" panose="020B0502040204020203" pitchFamily="34" charset="0"/>
               </a:rPr>
-              <a:t>Currency = </a:t>
+              <a:t>Demografické informace, jako je věk, pohlaví a poloha (%) = </a:t>
             </a:r>
             <a:r>
               <a:rPr lang="en-US" sz="1575" dirty="0">
@@ -13001,7 +12765,7 @@
                 </a:solidFill>
                 <a:latin typeface="Bahnschrift Light Condensed" panose="020B0502040204020203" pitchFamily="34" charset="0"/>
               </a:rPr>
-              <a:t>The currency used to pay for the ad,</a:t>
+              <a:t>agregovaná demografická data založená na řadě faktorů včetně informací, které uživatelé poskytují na svém profilu na Facebooku</a:t>
             </a:r>
           </a:p>
           <a:p>
@@ -13017,7 +12781,7 @@
                 </a:solidFill>
                 <a:latin typeface="Bahnschrift Light Condensed" panose="020B0502040204020203" pitchFamily="34" charset="0"/>
               </a:rPr>
-              <a:t>Impressions</a:t>
+              <a:t>Měna = </a:t>
             </a:r>
             <a:r>
               <a:rPr lang="en-US" sz="1575" dirty="0">
@@ -13026,7 +12790,7 @@
                 </a:solidFill>
                 <a:latin typeface="Bahnschrift Light Condensed" panose="020B0502040204020203" pitchFamily="34" charset="0"/>
               </a:rPr>
-              <a:t> = The number of times ads were displayed on screen.</a:t>
+              <a:t>měna použitá k platbě za reklamu</a:t>
             </a:r>
           </a:p>
           <a:p>
@@ -13042,7 +12806,25 @@
                 </a:solidFill>
                 <a:latin typeface="Bahnschrift Light Condensed" panose="020B0502040204020203" pitchFamily="34" charset="0"/>
               </a:rPr>
-              <a:t>Spending</a:t>
+              <a:t>Zobrazení = </a:t>
+            </a:r>
+            <a:r>
+              <a:rPr lang="en-US" sz="1600" dirty="0">
+                <a:solidFill>
+                  <a:srgbClr val="013B43"/>
+                </a:solidFill>
+                <a:latin typeface="Bahnschrift Light Condensed" panose="020B0502040204020203" pitchFamily="34" charset="0"/>
+              </a:rPr>
+              <a:t>celkový </a:t>
+            </a:r>
+            <a:r>
+              <a:rPr lang="pl-PL" sz="1600" dirty="0">
+                <a:solidFill>
+                  <a:srgbClr val="013B43"/>
+                </a:solidFill>
+                <a:latin typeface="Bahnschrift Light Condensed" panose="020B0502040204020203" pitchFamily="34" charset="0"/>
+              </a:rPr>
+              <a:t>počet zobrazení </a:t>
             </a:r>
             <a:r>
               <a:rPr lang="en-US" sz="1575" dirty="0">
@@ -13051,7 +12833,7 @@
                 </a:solidFill>
                 <a:latin typeface="Bahnschrift Light Condensed" panose="020B0502040204020203" pitchFamily="34" charset="0"/>
               </a:rPr>
-              <a:t> = The amount of money spent running the ad</a:t>
+              <a:t>reklamy na obrazovce</a:t>
             </a:r>
           </a:p>
           <a:p>
@@ -13067,7 +12849,7 @@
                 </a:solidFill>
                 <a:latin typeface="Bahnschrift Light Condensed" panose="020B0502040204020203" pitchFamily="34" charset="0"/>
               </a:rPr>
-              <a:t>Reach Ratio </a:t>
+              <a:t>Výdaje = </a:t>
             </a:r>
             <a:r>
               <a:rPr lang="en-US" sz="1575" dirty="0">
@@ -13076,7 +12858,7 @@
                 </a:solidFill>
                 <a:latin typeface="Bahnschrift Light Condensed" panose="020B0502040204020203" pitchFamily="34" charset="0"/>
               </a:rPr>
-              <a:t>= The average number of times an ad is shown to an individual</a:t>
+              <a:t>množství peněz vynaložených na provoz reklamy</a:t>
             </a:r>
           </a:p>
           <a:p>
@@ -13085,6 +12867,24 @@
                 <a:spcPct val="150000"/>
               </a:lnSpc>
             </a:pPr>
+            <a:r>
+              <a:rPr lang="en-US" sz="1600" b="1" dirty="0">
+                <a:solidFill>
+                  <a:srgbClr val="013B43"/>
+                </a:solidFill>
+                <a:latin typeface="Bahnschrift Light Condensed" panose="020B0502040204020203" pitchFamily="34" charset="0"/>
+              </a:rPr>
+              <a:t>Publikum = </a:t>
+            </a:r>
+            <a:r>
+              <a:rPr lang="en-US" sz="1600" dirty="0">
+                <a:solidFill>
+                  <a:srgbClr val="013B43"/>
+                </a:solidFill>
+                <a:latin typeface="Bahnschrift Light Condensed" panose="020B0502040204020203" pitchFamily="34" charset="0"/>
+              </a:rPr>
+              <a:t>počet potenciálních uživatelů, na které inzerent cílí.</a:t>
+            </a:r>
             <a:endParaRPr lang="en-US" sz="1575" dirty="0">
               <a:solidFill>
                 <a:srgbClr val="013B43"/>
@@ -13092,6 +12892,62 @@
               <a:latin typeface="Bahnschrift Light Condensed" panose="020B0502040204020203" pitchFamily="34" charset="0"/>
             </a:endParaRPr>
           </a:p>
+          <a:p>
+            <a:pPr>
+              <a:lnSpc>
+                <a:spcPct val="150000"/>
+              </a:lnSpc>
+            </a:pPr>
+            <a:r>
+              <a:rPr lang="en-US" sz="1600" b="1" dirty="0">
+                <a:solidFill>
+                  <a:srgbClr val="013B43"/>
+                </a:solidFill>
+                <a:latin typeface="Bahnschrift Light Condensed" panose="020B0502040204020203" pitchFamily="34" charset="0"/>
+              </a:rPr>
+              <a:t>Konverze = </a:t>
+            </a:r>
+            <a:r>
+              <a:rPr lang="en-US" sz="1600" dirty="0">
+                <a:solidFill>
+                  <a:srgbClr val="013B43"/>
+                </a:solidFill>
+                <a:latin typeface="Bahnschrift Light Condensed" panose="020B0502040204020203" pitchFamily="34" charset="0"/>
+              </a:rPr>
+              <a:t>přesnost oslovení cílové skupiny</a:t>
+            </a:r>
+            <a:endParaRPr lang="en-US" sz="1575" dirty="0">
+              <a:solidFill>
+                <a:srgbClr val="013B43"/>
+              </a:solidFill>
+              <a:latin typeface="Bahnschrift Light Condensed" panose="020B0502040204020203" pitchFamily="34" charset="0"/>
+            </a:endParaRPr>
+          </a:p>
+          <a:p>
+            <a:pPr>
+              <a:lnSpc>
+                <a:spcPct val="150000"/>
+              </a:lnSpc>
+            </a:pPr>
+            <a:r>
+              <a:rPr lang="en-US" sz="1600" b="1" dirty="0">
+                <a:solidFill>
+                  <a:srgbClr val="013B43"/>
+                </a:solidFill>
+                <a:latin typeface="Bahnschrift Light Condensed" panose="020B0502040204020203" pitchFamily="34" charset="0"/>
+              </a:rPr>
+              <a:t>Poměr zásahu = </a:t>
+            </a:r>
+            <a:r>
+              <a:rPr lang="en-US" sz="1600" dirty="0">
+                <a:solidFill>
+                  <a:srgbClr val="013B43"/>
+                </a:solidFill>
+                <a:latin typeface="Bahnschrift Light Condensed" panose="020B0502040204020203" pitchFamily="34" charset="0"/>
+              </a:rPr>
+              <a:t>průměrný počet zobrazení reklamy jednotlivci</a:t>
+            </a:r>
+          </a:p>
         </p:txBody>
       </p:sp>
       <p:sp>
@@ -13099,7 +12955,7 @@
           <p:cNvPr id="48" name="Rectangle: Diagonal Corners Snipped 47">
             <a:extLst>
               <a:ext uri="{FF2B5EF4-FFF2-40B4-BE49-F238E27FC236}">
-                <a16:creationId xmlns:a16="http://schemas.microsoft.com/office/drawing/2014/main" id="{3EC8F062-CA22-77D0-327F-F829705538CD}"/>
+                <a16:creationId xmlns:a16="http://schemas.microsoft.com/office/drawing/2014/main" id="{E8F2D838-2BA3-B1D9-1301-B447437595D3}"/>
               </a:ext>
             </a:extLst>
           </p:cNvPr>
@@ -13140,7 +12996,7 @@
                 </a:solidFill>
                 <a:latin typeface="Bahnschrift Light Condensed" panose="020B0502040204020203" pitchFamily="34" charset="0"/>
               </a:rPr>
-              <a:t>Political Advertisement in the Czech Republic</a:t>
+              <a:t>Politická reklama v České republice</a:t>
             </a:r>
           </a:p>
         </p:txBody>
@@ -13150,7 +13006,7 @@
           <p:cNvPr id="14" name="Rectangle: Diagonal Corners Snipped 13">
             <a:extLst>
               <a:ext uri="{FF2B5EF4-FFF2-40B4-BE49-F238E27FC236}">
-                <a16:creationId xmlns:a16="http://schemas.microsoft.com/office/drawing/2014/main" id="{54DB0A8B-6725-3D4A-0E41-9BD731DCC62C}"/>
+                <a16:creationId xmlns:a16="http://schemas.microsoft.com/office/drawing/2014/main" id="{AD164131-F6C2-F608-A65F-27155332E35F}"/>
               </a:ext>
             </a:extLst>
           </p:cNvPr>
@@ -13191,7 +13047,7 @@
                 </a:solidFill>
                 <a:latin typeface="Bahnschrift Light Condensed" panose="020B0502040204020203" pitchFamily="34" charset="0"/>
               </a:rPr>
-              <a:t>Metrics and data fields :</a:t>
+              <a:t>Ukazatele a datová pole:</a:t>
             </a:r>
           </a:p>
         </p:txBody>
@@ -13201,7 +13057,7 @@
           <p:cNvPr id="47" name="Group 46">
             <a:extLst>
               <a:ext uri="{FF2B5EF4-FFF2-40B4-BE49-F238E27FC236}">
-                <a16:creationId xmlns:a16="http://schemas.microsoft.com/office/drawing/2014/main" id="{19027A3D-2B39-D82E-8DE1-3FA653990A32}"/>
+                <a16:creationId xmlns:a16="http://schemas.microsoft.com/office/drawing/2014/main" id="{7CD816D3-8388-74A7-97B7-2E4FBA5EDCF4}"/>
               </a:ext>
             </a:extLst>
           </p:cNvPr>
@@ -13211,9 +13067,9 @@
         <p:grpSpPr>
           <a:xfrm>
             <a:off x="511932" y="1384741"/>
-            <a:ext cx="4364868" cy="1307223"/>
+            <a:ext cx="4364868" cy="1525232"/>
             <a:chOff x="341288" y="770720"/>
-            <a:chExt cx="2909912" cy="871482"/>
+            <a:chExt cx="2909912" cy="1016821"/>
           </a:xfrm>
         </p:grpSpPr>
         <p:sp>
@@ -13221,7 +13077,7 @@
             <p:cNvPr id="59" name="Rectangle 58">
               <a:extLst>
                 <a:ext uri="{FF2B5EF4-FFF2-40B4-BE49-F238E27FC236}">
-                  <a16:creationId xmlns:a16="http://schemas.microsoft.com/office/drawing/2014/main" id="{36C9AE81-1590-6244-F202-422E492F89D0}"/>
+                  <a16:creationId xmlns:a16="http://schemas.microsoft.com/office/drawing/2014/main" id="{7D72E857-D96E-ECA8-D4D0-A53AD044910E}"/>
                 </a:ext>
               </a:extLst>
             </p:cNvPr>
@@ -13231,7 +13087,7 @@
           <p:spPr>
             <a:xfrm>
               <a:off x="452646" y="1144630"/>
-              <a:ext cx="2798554" cy="497572"/>
+              <a:ext cx="2798554" cy="642911"/>
             </a:xfrm>
             <a:prstGeom prst="rect">
               <a:avLst/>
@@ -13259,7 +13115,7 @@
                   </a:solidFill>
                   <a:latin typeface="Bahnschrift Light Condensed" panose="020B0502040204020203" pitchFamily="34" charset="0"/>
                 </a:rPr>
-                <a:t>This Project aims to provide a searchable and complete copy of the ads about social issues, elections or politics that have run in the past 4 years on Facebook Ad Library</a:t>
+                <a:t>Cílem tohoto projektu je poskytnout transparentní a úplnou kopii reklam o sociálních otázkách, volbách nebo politice, které běžely v posledních 4 letech v Knihovně reklam na Facebooku.</a:t>
               </a:r>
             </a:p>
           </p:txBody>
@@ -13269,7 +13125,7 @@
             <p:cNvPr id="15" name="Rectangle 14">
               <a:extLst>
                 <a:ext uri="{FF2B5EF4-FFF2-40B4-BE49-F238E27FC236}">
-                  <a16:creationId xmlns:a16="http://schemas.microsoft.com/office/drawing/2014/main" id="{4CE0112F-5D00-C714-6490-9AD0473EF6F8}"/>
+                  <a16:creationId xmlns:a16="http://schemas.microsoft.com/office/drawing/2014/main" id="{5F033E0D-092A-33FE-D3DD-401E665FD178}"/>
                 </a:ext>
               </a:extLst>
             </p:cNvPr>
@@ -13307,7 +13163,7 @@
                   </a:solidFill>
                   <a:latin typeface="Bahnschrift Light Condensed" panose="020B0502040204020203" pitchFamily="34" charset="0"/>
                 </a:rPr>
-                <a:t>About:</a:t>
+                <a:t>O projektu:</a:t>
               </a:r>
             </a:p>
           </p:txBody>
@@ -13318,7 +13174,7 @@
           <p:cNvPr id="45" name="Group 44">
             <a:extLst>
               <a:ext uri="{FF2B5EF4-FFF2-40B4-BE49-F238E27FC236}">
-                <a16:creationId xmlns:a16="http://schemas.microsoft.com/office/drawing/2014/main" id="{222C561E-5187-B5E1-B362-02C017D42EE4}"/>
+                <a16:creationId xmlns:a16="http://schemas.microsoft.com/office/drawing/2014/main" id="{253E71AD-B972-7D88-BDDA-CF766837EC10}"/>
               </a:ext>
             </a:extLst>
           </p:cNvPr>
@@ -13338,7 +13194,7 @@
             <p:cNvPr id="13" name="Rectangle 12">
               <a:extLst>
                 <a:ext uri="{FF2B5EF4-FFF2-40B4-BE49-F238E27FC236}">
-                  <a16:creationId xmlns:a16="http://schemas.microsoft.com/office/drawing/2014/main" id="{B23343D8-5FD3-56CC-B834-6BD1A7EEDC3F}"/>
+                  <a16:creationId xmlns:a16="http://schemas.microsoft.com/office/drawing/2014/main" id="{AA345487-6F4A-DE5C-3035-04E0B7478E45}"/>
                 </a:ext>
               </a:extLst>
             </p:cNvPr>
@@ -13376,7 +13232,7 @@
                   </a:solidFill>
                   <a:latin typeface="Bahnschrift Light Condensed" panose="020B0502040204020203" pitchFamily="34" charset="0"/>
                 </a:rPr>
-                <a:t>Advertisers who spend over 300 CZK in the past 90 days. For such advertisers, 4 years history from Facebook Ad Library is included.</a:t>
+                <a:t>Inzerenti, kteří za posledních 90 dní utratí více než 300 Kč. Pro takové inzerenty je zahrnuta 4letá historie z Knihovny reklam na Facebooku.</a:t>
               </a:r>
             </a:p>
           </p:txBody>
@@ -13386,7 +13242,7 @@
             <p:cNvPr id="26" name="Rectangle 25">
               <a:extLst>
                 <a:ext uri="{FF2B5EF4-FFF2-40B4-BE49-F238E27FC236}">
-                  <a16:creationId xmlns:a16="http://schemas.microsoft.com/office/drawing/2014/main" id="{B87EF133-D3B3-956D-4B0F-400E8FCE4AE0}"/>
+                  <a16:creationId xmlns:a16="http://schemas.microsoft.com/office/drawing/2014/main" id="{E7CAEC58-C9F3-7A28-F264-1605E98D4066}"/>
                 </a:ext>
               </a:extLst>
             </p:cNvPr>
@@ -13424,7 +13280,7 @@
                   </a:solidFill>
                   <a:latin typeface="Bahnschrift Light Condensed" panose="020B0502040204020203" pitchFamily="34" charset="0"/>
                 </a:rPr>
-                <a:t>Selected Advertisers:</a:t>
+                <a:t>Vybraní inzerenti:</a:t>
               </a:r>
             </a:p>
           </p:txBody>
@@ -13435,7 +13291,7 @@
           <p:cNvPr id="22" name="Picture 21" descr="A flag made of hexagons&#10;&#10;Description automatically generated">
             <a:extLst>
               <a:ext uri="{FF2B5EF4-FFF2-40B4-BE49-F238E27FC236}">
-                <a16:creationId xmlns:a16="http://schemas.microsoft.com/office/drawing/2014/main" id="{69B97267-B0BF-82C2-C61E-61480CDC663C}"/>
+                <a16:creationId xmlns:a16="http://schemas.microsoft.com/office/drawing/2014/main" id="{7CC04953-1D48-F494-54F4-59648534F201}"/>
               </a:ext>
             </a:extLst>
           </p:cNvPr>
@@ -13474,7 +13330,7 @@
           <p:cNvPr id="24" name="Picture 23" descr="A screenshot of a social media profile&#10;&#10;Description automatically generated">
             <a:extLst>
               <a:ext uri="{FF2B5EF4-FFF2-40B4-BE49-F238E27FC236}">
-                <a16:creationId xmlns:a16="http://schemas.microsoft.com/office/drawing/2014/main" id="{EC21E998-E6FE-6FF1-F13B-9AD3B9458A07}"/>
+                <a16:creationId xmlns:a16="http://schemas.microsoft.com/office/drawing/2014/main" id="{7AEA43C5-8801-ED26-3FDC-9E96FD49A248}"/>
               </a:ext>
             </a:extLst>
           </p:cNvPr>
@@ -13497,7 +13353,7 @@
         </p:blipFill>
         <p:spPr>
           <a:xfrm>
-            <a:off x="12317179" y="6371311"/>
+            <a:off x="12322986" y="6372899"/>
             <a:ext cx="6111372" cy="3664991"/>
           </a:xfrm>
           <a:prstGeom prst="rect">
@@ -13513,7 +13369,7 @@
           <p:cNvPr id="28" name="Rectangle 27">
             <a:extLst>
               <a:ext uri="{FF2B5EF4-FFF2-40B4-BE49-F238E27FC236}">
-                <a16:creationId xmlns:a16="http://schemas.microsoft.com/office/drawing/2014/main" id="{B8CDB156-CE75-ECD5-877A-ED9B9D5A83D9}"/>
+                <a16:creationId xmlns:a16="http://schemas.microsoft.com/office/drawing/2014/main" id="{4A558F12-0AF4-E458-04E0-8E8241FE5347}"/>
               </a:ext>
             </a:extLst>
           </p:cNvPr>
@@ -13586,7 +13442,7 @@
           <p:cNvPr id="29" name="Rectangle 28">
             <a:extLst>
               <a:ext uri="{FF2B5EF4-FFF2-40B4-BE49-F238E27FC236}">
-                <a16:creationId xmlns:a16="http://schemas.microsoft.com/office/drawing/2014/main" id="{04D29FB9-645E-1501-956A-A9C08012097A}"/>
+                <a16:creationId xmlns:a16="http://schemas.microsoft.com/office/drawing/2014/main" id="{6A8E8E02-2BC2-19AB-89F4-CF14A06DAC0D}"/>
               </a:ext>
             </a:extLst>
           </p:cNvPr>
@@ -13659,7 +13515,7 @@
           <p:cNvPr id="51" name="Group 50">
             <a:extLst>
               <a:ext uri="{FF2B5EF4-FFF2-40B4-BE49-F238E27FC236}">
-                <a16:creationId xmlns:a16="http://schemas.microsoft.com/office/drawing/2014/main" id="{1FD334E3-E68D-07B5-F983-4D528362437D}"/>
+                <a16:creationId xmlns:a16="http://schemas.microsoft.com/office/drawing/2014/main" id="{DDF769C9-EDC0-22F3-1817-BA1F01394DCB}"/>
               </a:ext>
             </a:extLst>
           </p:cNvPr>
@@ -13668,10 +13524,10 @@
         </p:nvGrpSpPr>
         <p:grpSpPr>
           <a:xfrm>
-            <a:off x="511932" y="4167048"/>
-            <a:ext cx="4364868" cy="1951226"/>
+            <a:off x="511932" y="4167049"/>
+            <a:ext cx="4531905" cy="1951225"/>
             <a:chOff x="341288" y="1764265"/>
-            <a:chExt cx="2909912" cy="1300817"/>
+            <a:chExt cx="3021270" cy="1300816"/>
           </a:xfrm>
         </p:grpSpPr>
         <p:sp>
@@ -13679,7 +13535,7 @@
             <p:cNvPr id="3" name="Rectangle 2">
               <a:extLst>
                 <a:ext uri="{FF2B5EF4-FFF2-40B4-BE49-F238E27FC236}">
-                  <a16:creationId xmlns:a16="http://schemas.microsoft.com/office/drawing/2014/main" id="{1EE28555-700E-F187-FBE0-9098D4E347DD}"/>
+                  <a16:creationId xmlns:a16="http://schemas.microsoft.com/office/drawing/2014/main" id="{CF090844-8F8A-A0C5-D5AB-BAE6099E13F4}"/>
                 </a:ext>
               </a:extLst>
             </p:cNvPr>
@@ -13689,7 +13545,7 @@
           <p:spPr>
             <a:xfrm>
               <a:off x="452646" y="2131493"/>
-              <a:ext cx="2798554" cy="933589"/>
+              <a:ext cx="2909912" cy="933588"/>
             </a:xfrm>
             <a:prstGeom prst="rect">
               <a:avLst/>
@@ -13717,7 +13573,7 @@
                   </a:solidFill>
                   <a:latin typeface="Bahnschrift Light Condensed" panose="020B0502040204020203" pitchFamily="34" charset="0"/>
                 </a:rPr>
-                <a:t>To increase transparency around the ads about social issues, elections or politics, Meta has measures to help ensure the authenticity of these types of ads on Facebook and all Meta Products. A social issue, electoral or political ad in feed or stories can be identified on Facebook by the Paid for by disclaimer.</a:t>
+                <a:t>Aby se zvýšila transparentnost reklam o sociálních otázkách, volbách nebo politice, má Meta opatření, která pomáhají zajistit autenticitu těchto typů reklam na Facebooku a všech produktech Meta. Sociální problém, volební nebo politickou reklamu ve zdroji nebo příbězích lze na Facebooku identifikovat pomocí prohlášení o vyloučení odpovědnosti.</a:t>
               </a:r>
             </a:p>
           </p:txBody>
@@ -13727,7 +13583,7 @@
             <p:cNvPr id="16" name="Rectangle 15">
               <a:extLst>
                 <a:ext uri="{FF2B5EF4-FFF2-40B4-BE49-F238E27FC236}">
-                  <a16:creationId xmlns:a16="http://schemas.microsoft.com/office/drawing/2014/main" id="{61511C17-CF50-9CB1-938B-61CEC189C3B9}"/>
+                  <a16:creationId xmlns:a16="http://schemas.microsoft.com/office/drawing/2014/main" id="{558DFF7F-A1D9-2D3E-08FA-DAC6E0E0811B}"/>
                 </a:ext>
               </a:extLst>
             </p:cNvPr>
@@ -13759,14 +13615,20 @@
                 </a:lnSpc>
               </a:pPr>
               <a:r>
-                <a:rPr lang="en-US" sz="1800" b="1" dirty="0">
+                <a:rPr lang="pl-PL" sz="1800" b="1" dirty="0">
                   <a:solidFill>
                     <a:srgbClr val="013B43"/>
                   </a:solidFill>
                   <a:latin typeface="Bahnschrift Light Condensed" panose="020B0502040204020203" pitchFamily="34" charset="0"/>
                 </a:rPr>
-                <a:t>Ads about social issues, elections or politics:</a:t>
+                <a:t>Reklamy na sociální témata, volby nebo politiku:</a:t>
               </a:r>
+              <a:endParaRPr lang="en-US" sz="1800" b="1" dirty="0">
+                <a:solidFill>
+                  <a:srgbClr val="013B43"/>
+                </a:solidFill>
+                <a:latin typeface="Bahnschrift Light Condensed" panose="020B0502040204020203" pitchFamily="34" charset="0"/>
+              </a:endParaRPr>
             </a:p>
           </p:txBody>
         </p:sp>
@@ -13776,7 +13638,7 @@
           <p:cNvPr id="39" name="Rectangle 38">
             <a:extLst>
               <a:ext uri="{FF2B5EF4-FFF2-40B4-BE49-F238E27FC236}">
-                <a16:creationId xmlns:a16="http://schemas.microsoft.com/office/drawing/2014/main" id="{9BB8A2F9-8D90-228B-41CF-E7C128D4393E}"/>
+                <a16:creationId xmlns:a16="http://schemas.microsoft.com/office/drawing/2014/main" id="{913AF13B-B942-1DBD-C6BD-C07D26723C42}"/>
               </a:ext>
             </a:extLst>
           </p:cNvPr>
@@ -13786,7 +13648,7 @@
         <p:spPr>
           <a:xfrm>
             <a:off x="5043837" y="4710407"/>
-            <a:ext cx="4197831" cy="1618392"/>
+            <a:ext cx="4197831" cy="1400383"/>
           </a:xfrm>
           <a:prstGeom prst="rect">
             <a:avLst/>
@@ -13814,21 +13676,8 @@
                 </a:solidFill>
                 <a:latin typeface="Bahnschrift Light Condensed" panose="020B0502040204020203" pitchFamily="34" charset="0"/>
               </a:rPr>
-              <a:t>When ads about social issues, elections or politics appear across Meta technologies, they're required to include information about who paid for them. An issue, electoral or political ad can be identified on Facebook by the Paid for by disclaimer. This disclaimer is followed by information about who paid for the ad. </a:t>
-            </a:r>
-          </a:p>
-          <a:p>
-            <a:pPr>
-              <a:lnSpc>
-                <a:spcPts val="1650"/>
-              </a:lnSpc>
-            </a:pPr>
-            <a:endParaRPr lang="en-US" sz="1575" dirty="0">
-              <a:solidFill>
-                <a:srgbClr val="013B43"/>
-              </a:solidFill>
-              <a:latin typeface="Bahnschrift Light Condensed" panose="020B0502040204020203" pitchFamily="34" charset="0"/>
-            </a:endParaRPr>
+              <a:t>Když se na sociální sítích Meta objeví reklamy na sociální témata, volby nebo politiku, musí obsahovat informace o tom, kdo je zaplatil. Problém, volební nebo politickou reklamu lze na Facebooku identifikovat pomocí prohlášení o vyloučení odpovědnosti. Po tomto prohlášení následuje informace o tom, kdo za reklamu zaplatil.</a:t>
+            </a:r>
           </a:p>
         </p:txBody>
       </p:sp>
@@ -13837,7 +13686,7 @@
           <p:cNvPr id="49" name="Group 48">
             <a:extLst>
               <a:ext uri="{FF2B5EF4-FFF2-40B4-BE49-F238E27FC236}">
-                <a16:creationId xmlns:a16="http://schemas.microsoft.com/office/drawing/2014/main" id="{2648F7FB-8C0C-BFAA-18F3-4DC1A644090E}"/>
+                <a16:creationId xmlns:a16="http://schemas.microsoft.com/office/drawing/2014/main" id="{910368A5-D140-0DFE-3C48-2A92DC369477}"/>
               </a:ext>
             </a:extLst>
           </p:cNvPr>
@@ -13847,9 +13696,9 @@
         <p:grpSpPr>
           <a:xfrm>
             <a:off x="511932" y="6489447"/>
-            <a:ext cx="4583529" cy="1092870"/>
+            <a:ext cx="4739518" cy="1092870"/>
             <a:chOff x="341288" y="4761647"/>
-            <a:chExt cx="3182610" cy="728580"/>
+            <a:chExt cx="3290922" cy="728580"/>
           </a:xfrm>
         </p:grpSpPr>
         <p:sp>
@@ -13857,7 +13706,7 @@
             <p:cNvPr id="43" name="Rectangle 42">
               <a:extLst>
                 <a:ext uri="{FF2B5EF4-FFF2-40B4-BE49-F238E27FC236}">
-                  <a16:creationId xmlns:a16="http://schemas.microsoft.com/office/drawing/2014/main" id="{B93F7E13-F49B-A31D-ABF8-F6F83FC09ED2}"/>
+                  <a16:creationId xmlns:a16="http://schemas.microsoft.com/office/drawing/2014/main" id="{C6EE0FA6-3BBE-954B-DB37-B75DA62E335B}"/>
                 </a:ext>
               </a:extLst>
             </p:cNvPr>
@@ -13866,8 +13715,8 @@
           </p:nvSpPr>
           <p:spPr>
             <a:xfrm>
-              <a:off x="452646" y="5137994"/>
-              <a:ext cx="3071252" cy="352233"/>
+              <a:off x="452645" y="5137994"/>
+              <a:ext cx="3179565" cy="352233"/>
             </a:xfrm>
             <a:prstGeom prst="rect">
               <a:avLst/>
@@ -13895,7 +13744,7 @@
                   </a:solidFill>
                   <a:latin typeface="Bahnschrift Light Condensed" panose="020B0502040204020203" pitchFamily="34" charset="0"/>
                 </a:rPr>
-                <a:t>Understand what data is used to show you ads and how it is used to show you ads without advertisers knowing who you are.</a:t>
+                <a:t>Zjistěte, jaká data se používají k zobrazování reklam a jak se používají k zobrazování reklam, aniž by inzerenti věděli, kdo jste.</a:t>
               </a:r>
             </a:p>
           </p:txBody>
@@ -13905,7 +13754,7 @@
             <p:cNvPr id="44" name="Rectangle 43">
               <a:extLst>
                 <a:ext uri="{FF2B5EF4-FFF2-40B4-BE49-F238E27FC236}">
-                  <a16:creationId xmlns:a16="http://schemas.microsoft.com/office/drawing/2014/main" id="{CFC16DA8-860E-A0A3-02E3-CE06C4284493}"/>
+                  <a16:creationId xmlns:a16="http://schemas.microsoft.com/office/drawing/2014/main" id="{DA411339-C108-43A1-150F-CC53225818B1}"/>
                 </a:ext>
               </a:extLst>
             </p:cNvPr>
@@ -13943,7 +13792,7 @@
                   </a:solidFill>
                   <a:latin typeface="Bahnschrift Light Condensed" panose="020B0502040204020203" pitchFamily="34" charset="0"/>
                 </a:rPr>
-                <a:t>Let's talk about ads, together:</a:t>
+                <a:t>Pojďme se společně bavit o reklamách:</a:t>
               </a:r>
             </a:p>
           </p:txBody>
@@ -13954,7 +13803,7 @@
           <p:cNvPr id="55" name="Rectangle 54">
             <a:extLst>
               <a:ext uri="{FF2B5EF4-FFF2-40B4-BE49-F238E27FC236}">
-                <a16:creationId xmlns:a16="http://schemas.microsoft.com/office/drawing/2014/main" id="{0CD990CC-51DC-2734-5795-B5AA7C765DF2}"/>
+                <a16:creationId xmlns:a16="http://schemas.microsoft.com/office/drawing/2014/main" id="{A1685E8D-F90B-758E-BC9C-0814F7436B84}"/>
               </a:ext>
             </a:extLst>
           </p:cNvPr>
@@ -13963,7 +13812,7 @@
         </p:nvSpPr>
         <p:spPr>
           <a:xfrm>
-            <a:off x="9759152" y="7436593"/>
+            <a:off x="9759152" y="7737226"/>
             <a:ext cx="2471531" cy="1400383"/>
           </a:xfrm>
           <a:prstGeom prst="rect">
@@ -13992,7 +13841,7 @@
                 </a:solidFill>
                 <a:latin typeface="Bahnschrift Light Condensed" panose="020B0502040204020203" pitchFamily="34" charset="0"/>
               </a:rPr>
-              <a:t>Meta prioritizes what ad to show you based on what advertisers' specification of their desired audience is, and Meta then match it to people who might be interested in that ad. </a:t>
+              <a:t>Meta rozhoduje, jakou reklamu vám zobrazí, na základě specifikace inzerentů pro jejich požadované publikum a Meta ji poté přiřadí lidem, kteří by o danou reklamu mohli mít zájem.</a:t>
             </a:r>
           </a:p>
         </p:txBody>
@@ -14002,7 +13851,7 @@
           <p:cNvPr id="56" name="Rectangle 55">
             <a:extLst>
               <a:ext uri="{FF2B5EF4-FFF2-40B4-BE49-F238E27FC236}">
-                <a16:creationId xmlns:a16="http://schemas.microsoft.com/office/drawing/2014/main" id="{8463965F-96F2-98C4-4F47-654CDBB8D693}"/>
+                <a16:creationId xmlns:a16="http://schemas.microsoft.com/office/drawing/2014/main" id="{C33A0344-27AC-360F-5265-C6E5A4BE8442}"/>
               </a:ext>
             </a:extLst>
           </p:cNvPr>
@@ -14012,7 +13861,7 @@
         <p:spPr>
           <a:xfrm>
             <a:off x="9759153" y="6489448"/>
-            <a:ext cx="4364868" cy="522451"/>
+            <a:ext cx="2359867" cy="1007199"/>
           </a:xfrm>
           <a:prstGeom prst="rect">
             <a:avLst/>
@@ -14034,14 +13883,20 @@
               </a:lnSpc>
             </a:pPr>
             <a:r>
-              <a:rPr lang="en-US" sz="2100" b="1" dirty="0">
-                <a:solidFill>
-                  <a:srgbClr val="013B43"/>
-                </a:solidFill>
-                <a:latin typeface="Bahnschrift Light Condensed" panose="020B0502040204020203" pitchFamily="34" charset="0"/>
-              </a:rPr>
-              <a:t>Why you see a particular ad:</a:t>
-            </a:r>
+              <a:rPr lang="pl-PL" sz="2100" b="1" dirty="0">
+                <a:solidFill>
+                  <a:srgbClr val="013B43"/>
+                </a:solidFill>
+                <a:latin typeface="Bahnschrift Light Condensed" panose="020B0502040204020203" pitchFamily="34" charset="0"/>
+              </a:rPr>
+              <a:t>Proč se vám konkrétní reklama zobrazuje:</a:t>
+            </a:r>
+            <a:endParaRPr lang="en-US" sz="2100" b="1" dirty="0">
+              <a:solidFill>
+                <a:srgbClr val="013B43"/>
+              </a:solidFill>
+              <a:latin typeface="Bahnschrift Light Condensed" panose="020B0502040204020203" pitchFamily="34" charset="0"/>
+            </a:endParaRPr>
           </a:p>
         </p:txBody>
       </p:sp>
@@ -14050,7 +13905,7 @@
           <p:cNvPr id="61" name="Rectangle 60">
             <a:extLst>
               <a:ext uri="{FF2B5EF4-FFF2-40B4-BE49-F238E27FC236}">
-                <a16:creationId xmlns:a16="http://schemas.microsoft.com/office/drawing/2014/main" id="{0EB2CE1C-924D-1C53-E1E4-17E0FAF1B8C9}"/>
+                <a16:creationId xmlns:a16="http://schemas.microsoft.com/office/drawing/2014/main" id="{62AF3628-B423-074D-EE88-4726A5610458}"/>
               </a:ext>
             </a:extLst>
           </p:cNvPr>
@@ -14098,7 +13953,7 @@
           <p:cNvPr id="63" name="Rectangle 62">
             <a:extLst>
               <a:ext uri="{FF2B5EF4-FFF2-40B4-BE49-F238E27FC236}">
-                <a16:creationId xmlns:a16="http://schemas.microsoft.com/office/drawing/2014/main" id="{582A3E87-D7C8-B4EF-D278-0297D0A6C139}"/>
+                <a16:creationId xmlns:a16="http://schemas.microsoft.com/office/drawing/2014/main" id="{7C197D88-CF19-FBF5-855C-880834DECE82}"/>
               </a:ext>
             </a:extLst>
           </p:cNvPr>
@@ -14146,7 +14001,7 @@
           <p:cNvPr id="69" name="Picture 68" descr="A qr code with a black background&#10;&#10;Description automatically generated">
             <a:extLst>
               <a:ext uri="{FF2B5EF4-FFF2-40B4-BE49-F238E27FC236}">
-                <a16:creationId xmlns:a16="http://schemas.microsoft.com/office/drawing/2014/main" id="{914CAA26-E4D8-CC5D-A3D2-C1B408550605}"/>
+                <a16:creationId xmlns:a16="http://schemas.microsoft.com/office/drawing/2014/main" id="{90F5C20E-A2E9-3D0C-04B2-5DC99B411A33}"/>
               </a:ext>
             </a:extLst>
           </p:cNvPr>
@@ -14181,7 +14036,7 @@
           <p:cNvPr id="4" name="TextBox 3">
             <a:extLst>
               <a:ext uri="{FF2B5EF4-FFF2-40B4-BE49-F238E27FC236}">
-                <a16:creationId xmlns:a16="http://schemas.microsoft.com/office/drawing/2014/main" id="{063290B0-3A91-51AA-E8D4-555B630298BB}"/>
+                <a16:creationId xmlns:a16="http://schemas.microsoft.com/office/drawing/2014/main" id="{FB30DC50-A4D9-24E9-C4DC-F0F140A42FEE}"/>
               </a:ext>
             </a:extLst>
           </p:cNvPr>
@@ -14190,7 +14045,7 @@
         </p:nvSpPr>
         <p:spPr>
           <a:xfrm>
-            <a:off x="10386110" y="4789148"/>
+            <a:off x="10386110" y="5625345"/>
             <a:ext cx="2292419" cy="364652"/>
           </a:xfrm>
           <a:prstGeom prst="rect">
@@ -14210,23 +14065,87 @@
               </a:lnSpc>
             </a:pPr>
             <a:r>
-              <a:rPr lang="en-US" sz="1350" dirty="0">
-                <a:solidFill>
-                  <a:srgbClr val="013B43"/>
-                </a:solidFill>
-                <a:latin typeface="Bahnschrift Light Condensed" panose="020B0502040204020203" pitchFamily="34" charset="0"/>
-              </a:rPr>
-              <a:t>= The value is above market average </a:t>
-            </a:r>
-          </a:p>
-        </p:txBody>
-      </p:sp>
+              <a:rPr lang="pl-PL" sz="1350" dirty="0">
+                <a:solidFill>
+                  <a:srgbClr val="013B43"/>
+                </a:solidFill>
+                <a:latin typeface="Bahnschrift Light Condensed" panose="020B0502040204020203" pitchFamily="34" charset="0"/>
+              </a:rPr>
+              <a:t>= Hodnota je nad průměrem trhu</a:t>
+            </a:r>
+            <a:endParaRPr lang="en-US" sz="1350" dirty="0">
+              <a:solidFill>
+                <a:srgbClr val="013B43"/>
+              </a:solidFill>
+              <a:latin typeface="Bahnschrift Light Condensed" panose="020B0502040204020203" pitchFamily="34" charset="0"/>
+            </a:endParaRPr>
+          </a:p>
+        </p:txBody>
+      </p:sp>
+      <p:pic>
+        <p:nvPicPr>
+          <p:cNvPr id="5" name="Picture 4">
+            <a:extLst>
+              <a:ext uri="{FF2B5EF4-FFF2-40B4-BE49-F238E27FC236}">
+                <a16:creationId xmlns:a16="http://schemas.microsoft.com/office/drawing/2014/main" id="{ADA11427-37C7-70E8-B672-F5907952DEC1}"/>
+              </a:ext>
+            </a:extLst>
+          </p:cNvPr>
+          <p:cNvPicPr>
+            <a:picLocks noChangeAspect="1"/>
+          </p:cNvPicPr>
+          <p:nvPr/>
+        </p:nvPicPr>
+        <p:blipFill>
+          <a:blip r:embed="rId7"/>
+          <a:srcRect l="18550" t="54001" r="24421"/>
+          <a:stretch/>
+        </p:blipFill>
+        <p:spPr>
+          <a:xfrm>
+            <a:off x="13229395" y="5713034"/>
+            <a:ext cx="231776" cy="265815"/>
+          </a:xfrm>
+          <a:prstGeom prst="rect">
+            <a:avLst/>
+          </a:prstGeom>
+        </p:spPr>
+      </p:pic>
+      <p:pic>
+        <p:nvPicPr>
+          <p:cNvPr id="6" name="Picture 5">
+            <a:extLst>
+              <a:ext uri="{FF2B5EF4-FFF2-40B4-BE49-F238E27FC236}">
+                <a16:creationId xmlns:a16="http://schemas.microsoft.com/office/drawing/2014/main" id="{8ECCF407-7AE3-9E1E-42F3-30C46F945CE5}"/>
+              </a:ext>
+            </a:extLst>
+          </p:cNvPr>
+          <p:cNvPicPr>
+            <a:picLocks noChangeAspect="1"/>
+          </p:cNvPicPr>
+          <p:nvPr/>
+        </p:nvPicPr>
+        <p:blipFill>
+          <a:blip r:embed="rId7"/>
+          <a:srcRect l="16270" r="22823" b="60747"/>
+          <a:stretch/>
+        </p:blipFill>
+        <p:spPr>
+          <a:xfrm>
+            <a:off x="10124968" y="5752592"/>
+            <a:ext cx="247536" cy="226837"/>
+          </a:xfrm>
+          <a:prstGeom prst="rect">
+            <a:avLst/>
+          </a:prstGeom>
+        </p:spPr>
+      </p:pic>
       <p:sp>
         <p:nvSpPr>
           <p:cNvPr id="7" name="TextBox 6">
             <a:extLst>
               <a:ext uri="{FF2B5EF4-FFF2-40B4-BE49-F238E27FC236}">
-                <a16:creationId xmlns:a16="http://schemas.microsoft.com/office/drawing/2014/main" id="{6F1C2C38-19DC-0991-CA18-EBB4D3338CD3}"/>
+                <a16:creationId xmlns:a16="http://schemas.microsoft.com/office/drawing/2014/main" id="{EB690B88-C7D4-B39D-4D5A-6D87C0A9C50A}"/>
               </a:ext>
             </a:extLst>
           </p:cNvPr>
@@ -14235,7 +14154,7 @@
         </p:nvSpPr>
         <p:spPr>
           <a:xfrm>
-            <a:off x="13461171" y="4789148"/>
+            <a:off x="13461171" y="5625345"/>
             <a:ext cx="2285680" cy="364652"/>
           </a:xfrm>
           <a:prstGeom prst="rect">
@@ -14255,81 +14174,845 @@
               </a:lnSpc>
             </a:pPr>
             <a:r>
-              <a:rPr lang="en-US" sz="1350" dirty="0">
-                <a:solidFill>
-                  <a:srgbClr val="013B43"/>
-                </a:solidFill>
-                <a:latin typeface="Bahnschrift Light Condensed" panose="020B0502040204020203" pitchFamily="34" charset="0"/>
-              </a:rPr>
-              <a:t>= The value is below market average </a:t>
-            </a:r>
-          </a:p>
-        </p:txBody>
-      </p:sp>
-      <p:pic>
-        <p:nvPicPr>
-          <p:cNvPr id="8" name="Picture 7">
-            <a:extLst>
-              <a:ext uri="{FF2B5EF4-FFF2-40B4-BE49-F238E27FC236}">
-                <a16:creationId xmlns:a16="http://schemas.microsoft.com/office/drawing/2014/main" id="{3CD4CEC1-48AE-930B-28B4-CD26DC7411DF}"/>
-              </a:ext>
-            </a:extLst>
-          </p:cNvPr>
-          <p:cNvPicPr>
-            <a:picLocks noChangeAspect="1"/>
-          </p:cNvPicPr>
-          <p:nvPr/>
-        </p:nvPicPr>
-        <p:blipFill>
-          <a:blip r:embed="rId7"/>
-          <a:stretch>
-            <a:fillRect/>
-          </a:stretch>
-        </p:blipFill>
-        <p:spPr>
-          <a:xfrm>
-            <a:off x="10137282" y="4947312"/>
-            <a:ext cx="265880" cy="195340"/>
-          </a:xfrm>
-          <a:prstGeom prst="rect">
-            <a:avLst/>
-          </a:prstGeom>
-        </p:spPr>
-      </p:pic>
-      <p:pic>
-        <p:nvPicPr>
-          <p:cNvPr id="10" name="Picture 9">
-            <a:extLst>
-              <a:ext uri="{FF2B5EF4-FFF2-40B4-BE49-F238E27FC236}">
-                <a16:creationId xmlns:a16="http://schemas.microsoft.com/office/drawing/2014/main" id="{5E8A1A69-7FF6-0C36-BEA7-5D4F52F86E42}"/>
-              </a:ext>
-            </a:extLst>
-          </p:cNvPr>
-          <p:cNvPicPr>
-            <a:picLocks noChangeAspect="1"/>
-          </p:cNvPicPr>
-          <p:nvPr/>
-        </p:nvPicPr>
-        <p:blipFill>
-          <a:blip r:embed="rId8"/>
-          <a:stretch>
-            <a:fillRect/>
-          </a:stretch>
-        </p:blipFill>
-        <p:spPr>
-          <a:xfrm>
-            <a:off x="13196918" y="4878437"/>
-            <a:ext cx="264253" cy="209200"/>
-          </a:xfrm>
-          <a:prstGeom prst="rect">
-            <a:avLst/>
-          </a:prstGeom>
-        </p:spPr>
-      </p:pic>
+              <a:rPr lang="pl-PL" sz="1350" dirty="0">
+                <a:solidFill>
+                  <a:srgbClr val="013B43"/>
+                </a:solidFill>
+                <a:latin typeface="Bahnschrift Light Condensed" panose="020B0502040204020203" pitchFamily="34" charset="0"/>
+              </a:rPr>
+              <a:t>= Hodnota je pod průměrem trhu</a:t>
+            </a:r>
+            <a:endParaRPr lang="en-US" sz="1350" dirty="0">
+              <a:solidFill>
+                <a:srgbClr val="013B43"/>
+              </a:solidFill>
+              <a:latin typeface="Bahnschrift Light Condensed" panose="020B0502040204020203" pitchFamily="34" charset="0"/>
+            </a:endParaRPr>
+          </a:p>
+        </p:txBody>
+      </p:sp>
     </p:spTree>
     <p:extLst>
       <p:ext uri="{BB962C8B-B14F-4D97-AF65-F5344CB8AC3E}">
-        <p14:creationId xmlns:p14="http://schemas.microsoft.com/office/powerpoint/2010/main" val="3872464893"/>
+        <p14:creationId xmlns:p14="http://schemas.microsoft.com/office/powerpoint/2010/main" val="181667394"/>
+      </p:ext>
+    </p:extLst>
+  </p:cSld>
+  <p:clrMapOvr>
+    <a:masterClrMapping/>
+  </p:clrMapOvr>
+</p:sld>
+</file>
+
+<file path=ppt/slides/slide8.xml><?xml version="1.0" encoding="utf-8"?>
+<p:sld xmlns:a="http://schemas.openxmlformats.org/drawingml/2006/main" xmlns:r="http://schemas.openxmlformats.org/officeDocument/2006/relationships" xmlns:p="http://schemas.openxmlformats.org/presentationml/2006/main">
+  <p:cSld>
+    <p:bg>
+      <p:bgPr>
+        <a:solidFill>
+          <a:srgbClr val="FCECDC"/>
+        </a:solidFill>
+        <a:effectLst/>
+      </p:bgPr>
+    </p:bg>
+    <p:spTree>
+      <p:nvGrpSpPr>
+        <p:cNvPr id="1" name="">
+          <a:extLst>
+            <a:ext uri="{FF2B5EF4-FFF2-40B4-BE49-F238E27FC236}">
+              <a16:creationId xmlns:a16="http://schemas.microsoft.com/office/drawing/2014/main" id="{49B53362-D47B-4D18-B2BF-63CF0F25EF40}"/>
+            </a:ext>
+          </a:extLst>
+        </p:cNvPr>
+        <p:cNvGrpSpPr/>
+        <p:nvPr/>
+      </p:nvGrpSpPr>
+      <p:grpSpPr>
+        <a:xfrm>
+          <a:off x="0" y="0"/>
+          <a:ext cx="0" cy="0"/>
+          <a:chOff x="0" y="0"/>
+          <a:chExt cx="0" cy="0"/>
+        </a:xfrm>
+      </p:grpSpPr>
+      <p:sp>
+        <p:nvSpPr>
+          <p:cNvPr id="30" name="Rectangle: Single Corner Rounded 29">
+            <a:extLst>
+              <a:ext uri="{FF2B5EF4-FFF2-40B4-BE49-F238E27FC236}">
+                <a16:creationId xmlns:a16="http://schemas.microsoft.com/office/drawing/2014/main" id="{F8FB7CDB-C1FE-49D6-5F98-1D6FB6379727}"/>
+              </a:ext>
+            </a:extLst>
+          </p:cNvPr>
+          <p:cNvSpPr/>
+          <p:nvPr/>
+        </p:nvSpPr>
+        <p:spPr>
+          <a:xfrm>
+            <a:off x="482601" y="1212850"/>
+            <a:ext cx="4705350" cy="2406650"/>
+          </a:xfrm>
+          <a:prstGeom prst="round1Rect">
+            <a:avLst/>
+          </a:prstGeom>
+          <a:solidFill>
+            <a:schemeClr val="bg1"/>
+          </a:solidFill>
+          <a:ln w="19050">
+            <a:solidFill>
+              <a:srgbClr val="F27844"/>
+            </a:solidFill>
+          </a:ln>
+        </p:spPr>
+        <p:style>
+          <a:lnRef idx="2">
+            <a:schemeClr val="accent1">
+              <a:shade val="15000"/>
+            </a:schemeClr>
+          </a:lnRef>
+          <a:fillRef idx="1">
+            <a:schemeClr val="accent1"/>
+          </a:fillRef>
+          <a:effectRef idx="0">
+            <a:schemeClr val="accent1"/>
+          </a:effectRef>
+          <a:fontRef idx="minor">
+            <a:schemeClr val="lt1"/>
+          </a:fontRef>
+        </p:style>
+        <p:txBody>
+          <a:bodyPr rtlCol="0" anchor="t"/>
+          <a:lstStyle/>
+          <a:p>
+            <a:endParaRPr lang="en-US" sz="2100" dirty="0">
+              <a:solidFill>
+                <a:srgbClr val="013B43"/>
+              </a:solidFill>
+              <a:latin typeface="Bahnschrift Light Condensed" panose="020B0502040204020203" pitchFamily="34" charset="0"/>
+            </a:endParaRPr>
+          </a:p>
+        </p:txBody>
+      </p:sp>
+      <p:sp>
+        <p:nvSpPr>
+          <p:cNvPr id="59" name="Rectangle 58">
+            <a:extLst>
+              <a:ext uri="{FF2B5EF4-FFF2-40B4-BE49-F238E27FC236}">
+                <a16:creationId xmlns:a16="http://schemas.microsoft.com/office/drawing/2014/main" id="{DCEE6759-B3EA-848A-576A-12E8DF25A2A0}"/>
+              </a:ext>
+            </a:extLst>
+          </p:cNvPr>
+          <p:cNvSpPr/>
+          <p:nvPr/>
+        </p:nvSpPr>
+        <p:spPr>
+          <a:xfrm>
+            <a:off x="482600" y="1295400"/>
+            <a:ext cx="4629149" cy="2272417"/>
+          </a:xfrm>
+          <a:prstGeom prst="rect">
+            <a:avLst/>
+          </a:prstGeom>
+          <a:noFill/>
+          <a:ln>
+            <a:noFill/>
+          </a:ln>
+        </p:spPr>
+        <p:txBody>
+          <a:bodyPr wrap="square" rtlCol="0">
+            <a:spAutoFit/>
+          </a:bodyPr>
+          <a:lstStyle/>
+          <a:p>
+            <a:pPr>
+              <a:lnSpc>
+                <a:spcPts val="1650"/>
+              </a:lnSpc>
+            </a:pPr>
+            <a:r>
+              <a:rPr lang="en-US" sz="1575" dirty="0">
+                <a:solidFill>
+                  <a:srgbClr val="013B43"/>
+                </a:solidFill>
+                <a:latin typeface="Bahnschrift Light Condensed" panose="020B0502040204020203" pitchFamily="34" charset="0"/>
+              </a:rPr>
+              <a:t>Vaše aktivita s prodejci</a:t>
+            </a:r>
+          </a:p>
+          <a:p>
+            <a:pPr>
+              <a:lnSpc>
+                <a:spcPts val="1650"/>
+              </a:lnSpc>
+            </a:pPr>
+            <a:endParaRPr lang="en-US" sz="1575" dirty="0">
+              <a:solidFill>
+                <a:srgbClr val="013B43"/>
+              </a:solidFill>
+              <a:latin typeface="Bahnschrift Light Condensed" panose="020B0502040204020203" pitchFamily="34" charset="0"/>
+            </a:endParaRPr>
+          </a:p>
+          <a:p>
+            <a:pPr>
+              <a:lnSpc>
+                <a:spcPts val="1650"/>
+              </a:lnSpc>
+            </a:pPr>
+            <a:r>
+              <a:rPr lang="en-US" sz="1575" dirty="0">
+                <a:solidFill>
+                  <a:srgbClr val="013B43"/>
+                </a:solidFill>
+                <a:latin typeface="Bahnschrift Light Condensed" panose="020B0502040204020203" pitchFamily="34" charset="0"/>
+              </a:rPr>
+              <a:t>Když sdílíte informace, jako je vaše telefonní číslo nebo e-mailová adresa, s obchodnimi partnery, Meta je může přidat do seznamu zákazníků, který lze připojit k vašemu profilu na Facebooku. Poté se může pokusit přiřadit reklamu nejrelevantnějšímu publiku. Své údaje jste možná sdíleli s těmito firmami: </a:t>
+            </a:r>
+          </a:p>
+          <a:p>
+            <a:pPr marL="285750" indent="-285750">
+              <a:lnSpc>
+                <a:spcPts val="1650"/>
+              </a:lnSpc>
+              <a:buFont typeface="Arial" panose="020B0604020202020204" pitchFamily="34" charset="0"/>
+              <a:buChar char="•"/>
+            </a:pPr>
+            <a:r>
+              <a:rPr lang="en-US" sz="1575" dirty="0">
+                <a:solidFill>
+                  <a:srgbClr val="013B43"/>
+                </a:solidFill>
+                <a:latin typeface="Bahnschrift Light Condensed" panose="020B0502040204020203" pitchFamily="34" charset="0"/>
+              </a:rPr>
+              <a:t>Přihlášení k odběru e-mailového zpravodaje</a:t>
+            </a:r>
+          </a:p>
+          <a:p>
+            <a:pPr marL="285750" indent="-285750">
+              <a:lnSpc>
+                <a:spcPts val="1650"/>
+              </a:lnSpc>
+              <a:buFont typeface="Arial" panose="020B0604020202020204" pitchFamily="34" charset="0"/>
+              <a:buChar char="•"/>
+            </a:pPr>
+            <a:r>
+              <a:rPr lang="en-US" sz="1575" dirty="0">
+                <a:solidFill>
+                  <a:srgbClr val="013B43"/>
+                </a:solidFill>
+                <a:latin typeface="Bahnschrift Light Condensed" panose="020B0502040204020203" pitchFamily="34" charset="0"/>
+              </a:rPr>
+              <a:t>Provádění nákupů v maloobchodních prodejnách</a:t>
+            </a:r>
+          </a:p>
+          <a:p>
+            <a:pPr marL="285750" indent="-285750">
+              <a:lnSpc>
+                <a:spcPts val="1650"/>
+              </a:lnSpc>
+              <a:buFont typeface="Arial" panose="020B0604020202020204" pitchFamily="34" charset="0"/>
+              <a:buChar char="•"/>
+            </a:pPr>
+            <a:r>
+              <a:rPr lang="en-US" sz="1575" dirty="0">
+                <a:solidFill>
+                  <a:srgbClr val="013B43"/>
+                </a:solidFill>
+                <a:latin typeface="Bahnschrift Light Condensed" panose="020B0502040204020203" pitchFamily="34" charset="0"/>
+              </a:rPr>
+              <a:t>Přihlášení k získání kuponu nebo slevy</a:t>
+            </a:r>
+          </a:p>
+        </p:txBody>
+      </p:sp>
+      <p:sp>
+        <p:nvSpPr>
+          <p:cNvPr id="9" name="Rectangle: Single Corner Rounded 8">
+            <a:extLst>
+              <a:ext uri="{FF2B5EF4-FFF2-40B4-BE49-F238E27FC236}">
+                <a16:creationId xmlns:a16="http://schemas.microsoft.com/office/drawing/2014/main" id="{2C5F8190-482B-411E-0D34-208EC3BCDF01}"/>
+              </a:ext>
+            </a:extLst>
+          </p:cNvPr>
+          <p:cNvSpPr/>
+          <p:nvPr/>
+        </p:nvSpPr>
+        <p:spPr>
+          <a:xfrm>
+            <a:off x="7353301" y="1212850"/>
+            <a:ext cx="4705350" cy="2406650"/>
+          </a:xfrm>
+          <a:prstGeom prst="round1Rect">
+            <a:avLst/>
+          </a:prstGeom>
+          <a:solidFill>
+            <a:schemeClr val="bg1"/>
+          </a:solidFill>
+          <a:ln w="19050">
+            <a:solidFill>
+              <a:srgbClr val="F27844"/>
+            </a:solidFill>
+          </a:ln>
+        </p:spPr>
+        <p:style>
+          <a:lnRef idx="2">
+            <a:schemeClr val="accent1">
+              <a:shade val="15000"/>
+            </a:schemeClr>
+          </a:lnRef>
+          <a:fillRef idx="1">
+            <a:schemeClr val="accent1"/>
+          </a:fillRef>
+          <a:effectRef idx="0">
+            <a:schemeClr val="accent1"/>
+          </a:effectRef>
+          <a:fontRef idx="minor">
+            <a:schemeClr val="lt1"/>
+          </a:fontRef>
+        </p:style>
+        <p:txBody>
+          <a:bodyPr rtlCol="0" anchor="t"/>
+          <a:lstStyle/>
+          <a:p>
+            <a:endParaRPr lang="en-US" sz="2100" dirty="0">
+              <a:solidFill>
+                <a:srgbClr val="013B43"/>
+              </a:solidFill>
+              <a:latin typeface="Bahnschrift Light Condensed" panose="020B0502040204020203" pitchFamily="34" charset="0"/>
+            </a:endParaRPr>
+          </a:p>
+        </p:txBody>
+      </p:sp>
+      <p:sp>
+        <p:nvSpPr>
+          <p:cNvPr id="10" name="Rectangle 9">
+            <a:extLst>
+              <a:ext uri="{FF2B5EF4-FFF2-40B4-BE49-F238E27FC236}">
+                <a16:creationId xmlns:a16="http://schemas.microsoft.com/office/drawing/2014/main" id="{EAA72834-82B2-0AFF-108C-2B42C1B894C2}"/>
+              </a:ext>
+            </a:extLst>
+          </p:cNvPr>
+          <p:cNvSpPr/>
+          <p:nvPr/>
+        </p:nvSpPr>
+        <p:spPr>
+          <a:xfrm>
+            <a:off x="7353300" y="1295400"/>
+            <a:ext cx="4629149" cy="2054409"/>
+          </a:xfrm>
+          <a:prstGeom prst="rect">
+            <a:avLst/>
+          </a:prstGeom>
+          <a:noFill/>
+          <a:ln>
+            <a:noFill/>
+          </a:ln>
+        </p:spPr>
+        <p:txBody>
+          <a:bodyPr wrap="square" rtlCol="0">
+            <a:spAutoFit/>
+          </a:bodyPr>
+          <a:lstStyle/>
+          <a:p>
+            <a:pPr>
+              <a:lnSpc>
+                <a:spcPts val="1650"/>
+              </a:lnSpc>
+            </a:pPr>
+            <a:r>
+              <a:rPr lang="en-US" sz="1575" dirty="0">
+                <a:solidFill>
+                  <a:srgbClr val="013B43"/>
+                </a:solidFill>
+                <a:latin typeface="Bahnschrift Light Condensed" panose="020B0502040204020203" pitchFamily="34" charset="0"/>
+              </a:rPr>
+              <a:t>Vaše aktivita napříč technologiemi Meta</a:t>
+            </a:r>
+          </a:p>
+          <a:p>
+            <a:pPr>
+              <a:lnSpc>
+                <a:spcPts val="1650"/>
+              </a:lnSpc>
+            </a:pPr>
+            <a:endParaRPr lang="en-US" sz="1575" dirty="0">
+              <a:solidFill>
+                <a:srgbClr val="013B43"/>
+              </a:solidFill>
+              <a:latin typeface="Bahnschrift Light Condensed" panose="020B0502040204020203" pitchFamily="34" charset="0"/>
+            </a:endParaRPr>
+          </a:p>
+          <a:p>
+            <a:pPr>
+              <a:lnSpc>
+                <a:spcPts val="1650"/>
+              </a:lnSpc>
+            </a:pPr>
+            <a:r>
+              <a:rPr lang="en-US" sz="1575" dirty="0">
+                <a:solidFill>
+                  <a:srgbClr val="013B43"/>
+                </a:solidFill>
+                <a:latin typeface="Bahnschrift Light Condensed" panose="020B0502040204020203" pitchFamily="34" charset="0"/>
+              </a:rPr>
+              <a:t>Reklamy se vám zobrazují na základě vaší aktivity napříč technologiemi Meta, jako jsou:</a:t>
+            </a:r>
+          </a:p>
+          <a:p>
+            <a:pPr marL="285750" indent="-285750">
+              <a:lnSpc>
+                <a:spcPts val="1650"/>
+              </a:lnSpc>
+              <a:buFont typeface="Arial" panose="020B0604020202020204" pitchFamily="34" charset="0"/>
+              <a:buChar char="•"/>
+            </a:pPr>
+            <a:r>
+              <a:rPr lang="en-US" sz="1575" dirty="0">
+                <a:solidFill>
+                  <a:srgbClr val="013B43"/>
+                </a:solidFill>
+                <a:latin typeface="Bahnschrift Light Condensed" panose="020B0502040204020203" pitchFamily="34" charset="0"/>
+              </a:rPr>
+              <a:t>Stránky, které se vám a vašim přátelům líbí</a:t>
+            </a:r>
+          </a:p>
+          <a:p>
+            <a:pPr marL="285750" indent="-285750">
+              <a:lnSpc>
+                <a:spcPts val="1650"/>
+              </a:lnSpc>
+              <a:buFont typeface="Arial" panose="020B0604020202020204" pitchFamily="34" charset="0"/>
+              <a:buChar char="•"/>
+            </a:pPr>
+            <a:r>
+              <a:rPr lang="en-US" sz="1575" dirty="0">
+                <a:solidFill>
+                  <a:srgbClr val="013B43"/>
+                </a:solidFill>
+                <a:latin typeface="Bahnschrift Light Condensed" panose="020B0502040204020203" pitchFamily="34" charset="0"/>
+              </a:rPr>
+              <a:t>Informace z vašeho profilu na Facebooku a Instagramu</a:t>
+            </a:r>
+          </a:p>
+          <a:p>
+            <a:pPr marL="285750" indent="-285750">
+              <a:lnSpc>
+                <a:spcPts val="1650"/>
+              </a:lnSpc>
+              <a:buFont typeface="Arial" panose="020B0604020202020204" pitchFamily="34" charset="0"/>
+              <a:buChar char="•"/>
+            </a:pPr>
+            <a:r>
+              <a:rPr lang="en-US" sz="1575" dirty="0">
+                <a:solidFill>
+                  <a:srgbClr val="013B43"/>
+                </a:solidFill>
+                <a:latin typeface="Bahnschrift Light Condensed" panose="020B0502040204020203" pitchFamily="34" charset="0"/>
+              </a:rPr>
+              <a:t>Obsah, který vytvoříte nebo se kterým komunikujete na Facebooku a Instagramu</a:t>
+            </a:r>
+          </a:p>
+          <a:p>
+            <a:pPr marL="285750" indent="-285750">
+              <a:lnSpc>
+                <a:spcPts val="1650"/>
+              </a:lnSpc>
+              <a:buFont typeface="Arial" panose="020B0604020202020204" pitchFamily="34" charset="0"/>
+              <a:buChar char="•"/>
+            </a:pPr>
+            <a:r>
+              <a:rPr lang="en-US" sz="1575" dirty="0">
+                <a:solidFill>
+                  <a:srgbClr val="013B43"/>
+                </a:solidFill>
+                <a:latin typeface="Bahnschrift Light Condensed" panose="020B0502040204020203" pitchFamily="34" charset="0"/>
+              </a:rPr>
+              <a:t>Místa, kam se přihlásíte pomocí Facebooku</a:t>
+            </a:r>
+          </a:p>
+        </p:txBody>
+      </p:sp>
+      <p:sp>
+        <p:nvSpPr>
+          <p:cNvPr id="11" name="Rectangle: Single Corner Rounded 10">
+            <a:extLst>
+              <a:ext uri="{FF2B5EF4-FFF2-40B4-BE49-F238E27FC236}">
+                <a16:creationId xmlns:a16="http://schemas.microsoft.com/office/drawing/2014/main" id="{37A896F0-BA13-DBC5-B878-DCD35ED17F08}"/>
+              </a:ext>
+            </a:extLst>
+          </p:cNvPr>
+          <p:cNvSpPr/>
+          <p:nvPr/>
+        </p:nvSpPr>
+        <p:spPr>
+          <a:xfrm>
+            <a:off x="7353301" y="5041900"/>
+            <a:ext cx="4705350" cy="2406650"/>
+          </a:xfrm>
+          <a:prstGeom prst="round1Rect">
+            <a:avLst/>
+          </a:prstGeom>
+          <a:solidFill>
+            <a:schemeClr val="bg1"/>
+          </a:solidFill>
+          <a:ln w="19050">
+            <a:solidFill>
+              <a:srgbClr val="F27844"/>
+            </a:solidFill>
+          </a:ln>
+        </p:spPr>
+        <p:style>
+          <a:lnRef idx="2">
+            <a:schemeClr val="accent1">
+              <a:shade val="15000"/>
+            </a:schemeClr>
+          </a:lnRef>
+          <a:fillRef idx="1">
+            <a:schemeClr val="accent1"/>
+          </a:fillRef>
+          <a:effectRef idx="0">
+            <a:schemeClr val="accent1"/>
+          </a:effectRef>
+          <a:fontRef idx="minor">
+            <a:schemeClr val="lt1"/>
+          </a:fontRef>
+        </p:style>
+        <p:txBody>
+          <a:bodyPr rtlCol="0" anchor="t"/>
+          <a:lstStyle/>
+          <a:p>
+            <a:endParaRPr lang="en-US" sz="2100" dirty="0">
+              <a:solidFill>
+                <a:srgbClr val="013B43"/>
+              </a:solidFill>
+              <a:latin typeface="Bahnschrift Light Condensed" panose="020B0502040204020203" pitchFamily="34" charset="0"/>
+            </a:endParaRPr>
+          </a:p>
+        </p:txBody>
+      </p:sp>
+      <p:sp>
+        <p:nvSpPr>
+          <p:cNvPr id="12" name="Rectangle 11">
+            <a:extLst>
+              <a:ext uri="{FF2B5EF4-FFF2-40B4-BE49-F238E27FC236}">
+                <a16:creationId xmlns:a16="http://schemas.microsoft.com/office/drawing/2014/main" id="{67AF7837-5C17-3EA4-18F2-39FE4F05BBE8}"/>
+              </a:ext>
+            </a:extLst>
+          </p:cNvPr>
+          <p:cNvSpPr/>
+          <p:nvPr/>
+        </p:nvSpPr>
+        <p:spPr>
+          <a:xfrm>
+            <a:off x="7353300" y="5124450"/>
+            <a:ext cx="4629149" cy="1836400"/>
+          </a:xfrm>
+          <a:prstGeom prst="rect">
+            <a:avLst/>
+          </a:prstGeom>
+          <a:noFill/>
+          <a:ln>
+            <a:noFill/>
+          </a:ln>
+        </p:spPr>
+        <p:txBody>
+          <a:bodyPr wrap="square" rtlCol="0">
+            <a:spAutoFit/>
+          </a:bodyPr>
+          <a:lstStyle/>
+          <a:p>
+            <a:pPr>
+              <a:lnSpc>
+                <a:spcPts val="1650"/>
+              </a:lnSpc>
+            </a:pPr>
+            <a:r>
+              <a:rPr lang="en-US" sz="1575" dirty="0">
+                <a:solidFill>
+                  <a:srgbClr val="013B43"/>
+                </a:solidFill>
+                <a:latin typeface="Bahnschrift Light Condensed" panose="020B0502040204020203" pitchFamily="34" charset="0"/>
+              </a:rPr>
+              <a:t>Vaše poloha</a:t>
+            </a:r>
+          </a:p>
+          <a:p>
+            <a:pPr>
+              <a:lnSpc>
+                <a:spcPts val="1650"/>
+              </a:lnSpc>
+            </a:pPr>
+            <a:endParaRPr lang="en-US" sz="1575" dirty="0">
+              <a:solidFill>
+                <a:srgbClr val="013B43"/>
+              </a:solidFill>
+              <a:latin typeface="Bahnschrift Light Condensed" panose="020B0502040204020203" pitchFamily="34" charset="0"/>
+            </a:endParaRPr>
+          </a:p>
+          <a:p>
+            <a:pPr>
+              <a:lnSpc>
+                <a:spcPts val="1650"/>
+              </a:lnSpc>
+            </a:pPr>
+            <a:r>
+              <a:rPr lang="en-US" sz="1575" dirty="0">
+                <a:solidFill>
+                  <a:srgbClr val="013B43"/>
+                </a:solidFill>
+                <a:latin typeface="Bahnschrift Light Condensed" panose="020B0502040204020203" pitchFamily="34" charset="0"/>
+              </a:rPr>
+              <a:t>Údaje o poloze Meta používá k tomu, aby vám zobrazili reklamy od inzerentů, kteří se snaží oslovit lidi na konkrétním místě nebo v jeho blízkosti. Tyto informace získává ze zdrojů, jako jsou:</a:t>
+            </a:r>
+          </a:p>
+          <a:p>
+            <a:pPr marL="285750" indent="-285750">
+              <a:lnSpc>
+                <a:spcPts val="1650"/>
+              </a:lnSpc>
+              <a:buFont typeface="Arial" panose="020B0604020202020204" pitchFamily="34" charset="0"/>
+              <a:buChar char="•"/>
+            </a:pPr>
+            <a:r>
+              <a:rPr lang="en-US" sz="1575" dirty="0">
+                <a:solidFill>
+                  <a:srgbClr val="013B43"/>
+                </a:solidFill>
+                <a:latin typeface="Bahnschrift Light Condensed" panose="020B0502040204020203" pitchFamily="34" charset="0"/>
+              </a:rPr>
+              <a:t>Kde se připojujete k internetu</a:t>
+            </a:r>
+          </a:p>
+          <a:p>
+            <a:pPr marL="285750" indent="-285750">
+              <a:lnSpc>
+                <a:spcPts val="1650"/>
+              </a:lnSpc>
+              <a:buFont typeface="Arial" panose="020B0604020202020204" pitchFamily="34" charset="0"/>
+              <a:buChar char="•"/>
+            </a:pPr>
+            <a:r>
+              <a:rPr lang="en-US" sz="1575" dirty="0">
+                <a:solidFill>
+                  <a:srgbClr val="013B43"/>
+                </a:solidFill>
+                <a:latin typeface="Bahnschrift Light Condensed" panose="020B0502040204020203" pitchFamily="34" charset="0"/>
+              </a:rPr>
+              <a:t>Kde telefon používáte</a:t>
+            </a:r>
+          </a:p>
+          <a:p>
+            <a:pPr marL="285750" indent="-285750">
+              <a:lnSpc>
+                <a:spcPts val="1650"/>
+              </a:lnSpc>
+              <a:buFont typeface="Arial" panose="020B0604020202020204" pitchFamily="34" charset="0"/>
+              <a:buChar char="•"/>
+            </a:pPr>
+            <a:r>
+              <a:rPr lang="en-US" sz="1575" dirty="0">
+                <a:solidFill>
+                  <a:srgbClr val="013B43"/>
+                </a:solidFill>
+                <a:latin typeface="Bahnschrift Light Condensed" panose="020B0502040204020203" pitchFamily="34" charset="0"/>
+              </a:rPr>
+              <a:t>Vaše poloha z vašeho profilu na Facebooku a Instagramu</a:t>
+            </a:r>
+          </a:p>
+        </p:txBody>
+      </p:sp>
+      <p:sp>
+        <p:nvSpPr>
+          <p:cNvPr id="17" name="Rectangle: Single Corner Rounded 16">
+            <a:extLst>
+              <a:ext uri="{FF2B5EF4-FFF2-40B4-BE49-F238E27FC236}">
+                <a16:creationId xmlns:a16="http://schemas.microsoft.com/office/drawing/2014/main" id="{AADFD508-3DB6-B9F6-DDF1-D512B2D4F395}"/>
+              </a:ext>
+            </a:extLst>
+          </p:cNvPr>
+          <p:cNvSpPr/>
+          <p:nvPr/>
+        </p:nvSpPr>
+        <p:spPr>
+          <a:xfrm>
+            <a:off x="482601" y="5041900"/>
+            <a:ext cx="4705350" cy="2406650"/>
+          </a:xfrm>
+          <a:prstGeom prst="round1Rect">
+            <a:avLst/>
+          </a:prstGeom>
+          <a:solidFill>
+            <a:schemeClr val="bg1"/>
+          </a:solidFill>
+          <a:ln w="19050">
+            <a:solidFill>
+              <a:srgbClr val="F27844"/>
+            </a:solidFill>
+          </a:ln>
+        </p:spPr>
+        <p:style>
+          <a:lnRef idx="2">
+            <a:schemeClr val="accent1">
+              <a:shade val="15000"/>
+            </a:schemeClr>
+          </a:lnRef>
+          <a:fillRef idx="1">
+            <a:schemeClr val="accent1"/>
+          </a:fillRef>
+          <a:effectRef idx="0">
+            <a:schemeClr val="accent1"/>
+          </a:effectRef>
+          <a:fontRef idx="minor">
+            <a:schemeClr val="lt1"/>
+          </a:fontRef>
+        </p:style>
+        <p:txBody>
+          <a:bodyPr rtlCol="0" anchor="t"/>
+          <a:lstStyle/>
+          <a:p>
+            <a:endParaRPr lang="en-US" sz="2100" dirty="0">
+              <a:solidFill>
+                <a:srgbClr val="013B43"/>
+              </a:solidFill>
+              <a:latin typeface="Bahnschrift Light Condensed" panose="020B0502040204020203" pitchFamily="34" charset="0"/>
+            </a:endParaRPr>
+          </a:p>
+        </p:txBody>
+      </p:sp>
+      <p:sp>
+        <p:nvSpPr>
+          <p:cNvPr id="18" name="Rectangle 17">
+            <a:extLst>
+              <a:ext uri="{FF2B5EF4-FFF2-40B4-BE49-F238E27FC236}">
+                <a16:creationId xmlns:a16="http://schemas.microsoft.com/office/drawing/2014/main" id="{0555FDAE-77CE-1ABD-CE02-2C0029FD338D}"/>
+              </a:ext>
+            </a:extLst>
+          </p:cNvPr>
+          <p:cNvSpPr/>
+          <p:nvPr/>
+        </p:nvSpPr>
+        <p:spPr>
+          <a:xfrm>
+            <a:off x="482600" y="5124450"/>
+            <a:ext cx="4629149" cy="2272417"/>
+          </a:xfrm>
+          <a:prstGeom prst="rect">
+            <a:avLst/>
+          </a:prstGeom>
+          <a:noFill/>
+          <a:ln>
+            <a:noFill/>
+          </a:ln>
+        </p:spPr>
+        <p:txBody>
+          <a:bodyPr wrap="square" rtlCol="0">
+            <a:spAutoFit/>
+          </a:bodyPr>
+          <a:lstStyle/>
+          <a:p>
+            <a:pPr>
+              <a:lnSpc>
+                <a:spcPts val="1650"/>
+              </a:lnSpc>
+            </a:pPr>
+            <a:r>
+              <a:rPr lang="en-US" sz="1575" dirty="0">
+                <a:solidFill>
+                  <a:srgbClr val="013B43"/>
+                </a:solidFill>
+                <a:latin typeface="Bahnschrift Light Condensed" panose="020B0502040204020203" pitchFamily="34" charset="0"/>
+              </a:rPr>
+              <a:t>Vaše aktivita na jiných webech a aplikacích</a:t>
+            </a:r>
+          </a:p>
+          <a:p>
+            <a:pPr>
+              <a:lnSpc>
+                <a:spcPts val="1650"/>
+              </a:lnSpc>
+            </a:pPr>
+            <a:endParaRPr lang="en-US" sz="1575" dirty="0">
+              <a:solidFill>
+                <a:srgbClr val="013B43"/>
+              </a:solidFill>
+              <a:latin typeface="Bahnschrift Light Condensed" panose="020B0502040204020203" pitchFamily="34" charset="0"/>
+            </a:endParaRPr>
+          </a:p>
+          <a:p>
+            <a:pPr>
+              <a:lnSpc>
+                <a:spcPts val="1650"/>
+              </a:lnSpc>
+            </a:pPr>
+            <a:r>
+              <a:rPr lang="en-US" sz="1575" dirty="0">
+                <a:solidFill>
+                  <a:srgbClr val="013B43"/>
+                </a:solidFill>
+                <a:latin typeface="Bahnschrift Light Condensed" panose="020B0502040204020203" pitchFamily="34" charset="0"/>
+              </a:rPr>
+              <a:t>Webové stránky, které navštěvujete, nebo aplikace, které používáte, mohou odesílat data Facebooku přímo pomocí Meta obchodních nástrojů (jako je pixel), které pomáhají zobrazovat vám reklamy na základě produktů nebo služeb, které jste si prohlíželi, jako je například košile na webu prodejce oblečení. Příklady:</a:t>
+            </a:r>
+          </a:p>
+          <a:p>
+            <a:pPr marL="285750" indent="-285750">
+              <a:lnSpc>
+                <a:spcPts val="1650"/>
+              </a:lnSpc>
+              <a:buFont typeface="Arial" panose="020B0604020202020204" pitchFamily="34" charset="0"/>
+              <a:buChar char="•"/>
+            </a:pPr>
+            <a:r>
+              <a:rPr lang="en-US" sz="1575" dirty="0">
+                <a:solidFill>
+                  <a:srgbClr val="013B43"/>
+                </a:solidFill>
+                <a:latin typeface="Bahnschrift Light Condensed" panose="020B0502040204020203" pitchFamily="34" charset="0"/>
+              </a:rPr>
+              <a:t>Prohlížení jedné z jejich webových stránek</a:t>
+            </a:r>
+          </a:p>
+          <a:p>
+            <a:pPr marL="285750" indent="-285750">
+              <a:lnSpc>
+                <a:spcPts val="1650"/>
+              </a:lnSpc>
+              <a:buFont typeface="Arial" panose="020B0604020202020204" pitchFamily="34" charset="0"/>
+              <a:buChar char="•"/>
+            </a:pPr>
+            <a:r>
+              <a:rPr lang="en-US" sz="1575" dirty="0">
+                <a:solidFill>
+                  <a:srgbClr val="013B43"/>
+                </a:solidFill>
+                <a:latin typeface="Bahnschrift Light Condensed" panose="020B0502040204020203" pitchFamily="34" charset="0"/>
+              </a:rPr>
+              <a:t>Stahování jejich mobilní aplikace</a:t>
+            </a:r>
+          </a:p>
+          <a:p>
+            <a:pPr marL="285750" indent="-285750">
+              <a:lnSpc>
+                <a:spcPts val="1650"/>
+              </a:lnSpc>
+              <a:buFont typeface="Arial" panose="020B0604020202020204" pitchFamily="34" charset="0"/>
+              <a:buChar char="•"/>
+            </a:pPr>
+            <a:r>
+              <a:rPr lang="en-US" sz="1575" dirty="0">
+                <a:solidFill>
+                  <a:srgbClr val="013B43"/>
+                </a:solidFill>
+                <a:latin typeface="Bahnschrift Light Condensed" panose="020B0502040204020203" pitchFamily="34" charset="0"/>
+              </a:rPr>
+              <a:t>Přidání produktu do nákupního košíku nebo provedení nákupu</a:t>
+            </a:r>
+          </a:p>
+        </p:txBody>
+      </p:sp>
+    </p:spTree>
+    <p:extLst>
+      <p:ext uri="{BB962C8B-B14F-4D97-AF65-F5344CB8AC3E}">
+        <p14:creationId xmlns:p14="http://schemas.microsoft.com/office/powerpoint/2010/main" val="3816167721"/>
       </p:ext>
     </p:extLst>
   </p:cSld>
